--- a/Slides.pptx
+++ b/Slides.pptx
@@ -8,11 +8,12 @@
     <p:sldId id="256" r:id="rId2"/>
     <p:sldId id="257" r:id="rId3"/>
     <p:sldId id="259" r:id="rId4"/>
-    <p:sldId id="261" r:id="rId5"/>
-    <p:sldId id="258" r:id="rId6"/>
-    <p:sldId id="270" r:id="rId7"/>
-    <p:sldId id="269" r:id="rId8"/>
-    <p:sldId id="268" r:id="rId9"/>
+    <p:sldId id="271" r:id="rId5"/>
+    <p:sldId id="261" r:id="rId6"/>
+    <p:sldId id="258" r:id="rId7"/>
+    <p:sldId id="268" r:id="rId8"/>
+    <p:sldId id="269" r:id="rId9"/>
+    <p:sldId id="270" r:id="rId10"/>
   </p:sldIdLst>
   <p:sldSz cx="12192000" cy="6858000"/>
   <p:notesSz cx="6858000" cy="9144000"/>
@@ -111,7 +112,16 @@
       </a:defRPr>
     </a:lvl9pPr>
   </p:defaultTextStyle>
+  <p:extLst>
+    <p:ext uri="{EFAFB233-063F-42B5-8137-9DF3F51BA10A}">
+      <p15:sldGuideLst xmlns:p15="http://schemas.microsoft.com/office/powerpoint/2012/main"/>
+    </p:ext>
+  </p:extLst>
 </p:presentation>
+</file>
+
+<file path=ppt/revisionInfo.xml><?xml version="1.0" encoding="utf-8"?>
+<p1510:revInfo xmlns:a="http://schemas.openxmlformats.org/drawingml/2006/main" xmlns:r="http://schemas.openxmlformats.org/officeDocument/2006/relationships" xmlns:p1510="http://schemas.microsoft.com/office/powerpoint/2015/10/main"/>
 </file>
 
 <file path=ppt/slideLayouts/slideLayout1.xml><?xml version="1.0" encoding="utf-8"?>
@@ -3460,7 +3470,22 @@
           <a:bodyPr/>
           <a:lstStyle/>
           <a:p>
-            <a:endParaRPr lang="en-US"/>
+            <a:r>
+              <a:rPr lang="en-US" dirty="0"/>
+              <a:t>Diagram Front/Back End</a:t>
+            </a:r>
+          </a:p>
+          <a:p>
+            <a:r>
+              <a:rPr lang="en-US" dirty="0"/>
+              <a:t>Control Throughput</a:t>
+            </a:r>
+          </a:p>
+          <a:p>
+            <a:r>
+              <a:rPr lang="en-US" dirty="0"/>
+              <a:t>Retries</a:t>
+            </a:r>
           </a:p>
         </p:txBody>
       </p:sp>
@@ -3554,6 +3579,12 @@
               <a:t>Captured Intent</a:t>
             </a:r>
           </a:p>
+          <a:p>
+            <a:r>
+              <a:rPr lang="en-US" dirty="0"/>
+              <a:t>Throttling</a:t>
+            </a:r>
+          </a:p>
         </p:txBody>
       </p:sp>
     </p:spTree>
@@ -3591,7 +3622,7 @@
           <p:cNvPr id="2" name="Title 1">
             <a:extLst>
               <a:ext uri="{FF2B5EF4-FFF2-40B4-BE49-F238E27FC236}">
-                <a16:creationId xmlns:a16="http://schemas.microsoft.com/office/drawing/2014/main" id="{2B88959E-766B-4BFF-9CF4-6706763C53FD}"/>
+                <a16:creationId xmlns:a16="http://schemas.microsoft.com/office/drawing/2014/main" id="{C851F7D5-B597-4DF1-B074-740FC2961109}"/>
               </a:ext>
             </a:extLst>
           </p:cNvPr>
@@ -3609,13 +3640,8 @@
           <a:p>
             <a:r>
               <a:rPr lang="en-US" dirty="0"/>
-              <a:t>Quick Why </a:t>
-            </a:r>
-            <a:r>
-              <a:rPr lang="en-US" dirty="0" err="1"/>
-              <a:t>NServiceBus</a:t>
-            </a:r>
-            <a:endParaRPr lang="en-US" dirty="0"/>
+              <a:t>SF with Messaging</a:t>
+            </a:r>
           </a:p>
         </p:txBody>
       </p:sp>
@@ -3624,7 +3650,7 @@
           <p:cNvPr id="3" name="Content Placeholder 2">
             <a:extLst>
               <a:ext uri="{FF2B5EF4-FFF2-40B4-BE49-F238E27FC236}">
-                <a16:creationId xmlns:a16="http://schemas.microsoft.com/office/drawing/2014/main" id="{BA16C708-6176-400F-8219-624E2B30D5B8}"/>
+                <a16:creationId xmlns:a16="http://schemas.microsoft.com/office/drawing/2014/main" id="{ED527E4B-18FE-4833-803F-B62DE5ECFEC6}"/>
               </a:ext>
             </a:extLst>
           </p:cNvPr>
@@ -3642,26 +3668,15 @@
           <a:p>
             <a:r>
               <a:rPr lang="en-US" dirty="0"/>
-              <a:t>Queuing</a:t>
-            </a:r>
-            <a:r>
-              <a:rPr lang="en-US" baseline="0" dirty="0"/>
-              <a:t> tech + infrastructure</a:t>
-            </a:r>
-          </a:p>
-          <a:p>
-            <a:r>
-              <a:rPr lang="en-US" baseline="0" dirty="0"/>
-              <a:t>Focus on business</a:t>
-            </a:r>
-            <a:endParaRPr lang="en-US" dirty="0"/>
+              <a:t>Diagram</a:t>
+            </a:r>
           </a:p>
         </p:txBody>
       </p:sp>
     </p:spTree>
     <p:extLst>
       <p:ext uri="{BB962C8B-B14F-4D97-AF65-F5344CB8AC3E}">
-        <p14:creationId xmlns:p14="http://schemas.microsoft.com/office/powerpoint/2010/main" val="2608995192"/>
+        <p14:creationId xmlns:p14="http://schemas.microsoft.com/office/powerpoint/2010/main" val="1046295057"/>
       </p:ext>
     </p:extLst>
   </p:cSld>
@@ -3693,7 +3708,7 @@
           <p:cNvPr id="2" name="Title 1">
             <a:extLst>
               <a:ext uri="{FF2B5EF4-FFF2-40B4-BE49-F238E27FC236}">
-                <a16:creationId xmlns:a16="http://schemas.microsoft.com/office/drawing/2014/main" id="{8F4D94F5-E989-4976-B791-71AB53CCBDC1}"/>
+                <a16:creationId xmlns:a16="http://schemas.microsoft.com/office/drawing/2014/main" id="{2B88959E-766B-4BFF-9CF4-6706763C53FD}"/>
               </a:ext>
             </a:extLst>
           </p:cNvPr>
@@ -3711,54 +3726,59 @@
           <a:p>
             <a:r>
               <a:rPr lang="en-US" dirty="0"/>
-              <a:t>SF with Stateless</a:t>
+              <a:t>Quick Why </a:t>
+            </a:r>
+            <a:r>
+              <a:rPr lang="en-US" dirty="0" err="1"/>
+              <a:t>NServiceBus</a:t>
+            </a:r>
+            <a:endParaRPr lang="en-US" dirty="0"/>
+          </a:p>
+        </p:txBody>
+      </p:sp>
+      <p:sp>
+        <p:nvSpPr>
+          <p:cNvPr id="3" name="Content Placeholder 2">
+            <a:extLst>
+              <a:ext uri="{FF2B5EF4-FFF2-40B4-BE49-F238E27FC236}">
+                <a16:creationId xmlns:a16="http://schemas.microsoft.com/office/drawing/2014/main" id="{BA16C708-6176-400F-8219-624E2B30D5B8}"/>
+              </a:ext>
+            </a:extLst>
+          </p:cNvPr>
+          <p:cNvSpPr>
+            <a:spLocks noGrp="1"/>
+          </p:cNvSpPr>
+          <p:nvPr>
+            <p:ph idx="1"/>
+          </p:nvPr>
+        </p:nvSpPr>
+        <p:spPr/>
+        <p:txBody>
+          <a:bodyPr/>
+          <a:lstStyle/>
+          <a:p>
+            <a:r>
+              <a:rPr lang="en-US" dirty="0"/>
+              <a:t>Queuing</a:t>
             </a:r>
             <a:r>
               <a:rPr lang="en-US" baseline="0" dirty="0"/>
-              <a:t> queues</a:t>
+              <a:t> tech + infrastructure</a:t>
+            </a:r>
+          </a:p>
+          <a:p>
+            <a:r>
+              <a:rPr lang="en-US" baseline="0" dirty="0"/>
+              <a:t>Focus on business</a:t>
             </a:r>
             <a:endParaRPr lang="en-US" dirty="0"/>
-          </a:p>
-        </p:txBody>
-      </p:sp>
-      <p:sp>
-        <p:nvSpPr>
-          <p:cNvPr id="3" name="Content Placeholder 2">
-            <a:extLst>
-              <a:ext uri="{FF2B5EF4-FFF2-40B4-BE49-F238E27FC236}">
-                <a16:creationId xmlns:a16="http://schemas.microsoft.com/office/drawing/2014/main" id="{7000D1F1-06C1-4D7A-A51B-09F461B55BAD}"/>
-              </a:ext>
-            </a:extLst>
-          </p:cNvPr>
-          <p:cNvSpPr>
-            <a:spLocks noGrp="1"/>
-          </p:cNvSpPr>
-          <p:nvPr>
-            <p:ph idx="1"/>
-          </p:nvPr>
-        </p:nvSpPr>
-        <p:spPr/>
-        <p:txBody>
-          <a:bodyPr/>
-          <a:lstStyle/>
-          <a:p>
-            <a:r>
-              <a:rPr lang="en-US" dirty="0"/>
-              <a:t>Hosting NSB in SF</a:t>
-            </a:r>
-          </a:p>
-          <a:p>
-            <a:r>
-              <a:rPr lang="en-US" dirty="0"/>
-              <a:t>Competing consumer</a:t>
-            </a:r>
           </a:p>
         </p:txBody>
       </p:sp>
     </p:spTree>
     <p:extLst>
       <p:ext uri="{BB962C8B-B14F-4D97-AF65-F5344CB8AC3E}">
-        <p14:creationId xmlns:p14="http://schemas.microsoft.com/office/powerpoint/2010/main" val="2753613427"/>
+        <p14:creationId xmlns:p14="http://schemas.microsoft.com/office/powerpoint/2010/main" val="2608995192"/>
       </p:ext>
     </p:extLst>
   </p:cSld>
@@ -3790,7 +3810,7 @@
           <p:cNvPr id="2" name="Title 1">
             <a:extLst>
               <a:ext uri="{FF2B5EF4-FFF2-40B4-BE49-F238E27FC236}">
-                <a16:creationId xmlns:a16="http://schemas.microsoft.com/office/drawing/2014/main" id="{73347E7C-035B-4DA2-BDC9-48A8A82CDCD5}"/>
+                <a16:creationId xmlns:a16="http://schemas.microsoft.com/office/drawing/2014/main" id="{8F4D94F5-E989-4976-B791-71AB53CCBDC1}"/>
               </a:ext>
             </a:extLst>
           </p:cNvPr>
@@ -3808,49 +3828,46 @@
           <a:p>
             <a:r>
               <a:rPr lang="en-US" dirty="0"/>
-              <a:t>Routing your</a:t>
+              <a:t>SF with Stateless</a:t>
             </a:r>
             <a:r>
               <a:rPr lang="en-US" baseline="0" dirty="0"/>
-              <a:t> partitioned </a:t>
-            </a:r>
+              <a:t> queues</a:t>
+            </a:r>
+            <a:endParaRPr lang="en-US" dirty="0"/>
+          </a:p>
+        </p:txBody>
+      </p:sp>
+      <p:sp>
+        <p:nvSpPr>
+          <p:cNvPr id="3" name="Content Placeholder 2">
+            <a:extLst>
+              <a:ext uri="{FF2B5EF4-FFF2-40B4-BE49-F238E27FC236}">
+                <a16:creationId xmlns:a16="http://schemas.microsoft.com/office/drawing/2014/main" id="{7000D1F1-06C1-4D7A-A51B-09F461B55BAD}"/>
+              </a:ext>
+            </a:extLst>
+          </p:cNvPr>
+          <p:cNvSpPr>
+            <a:spLocks noGrp="1"/>
+          </p:cNvSpPr>
+          <p:nvPr>
+            <p:ph idx="1"/>
+          </p:nvPr>
+        </p:nvSpPr>
+        <p:spPr/>
+        <p:txBody>
+          <a:bodyPr/>
+          <a:lstStyle/>
+          <a:p>
             <a:r>
               <a:rPr lang="en-US" dirty="0"/>
-              <a:t>queue</a:t>
-            </a:r>
-          </a:p>
-        </p:txBody>
-      </p:sp>
-      <p:sp>
-        <p:nvSpPr>
-          <p:cNvPr id="3" name="Content Placeholder 2">
-            <a:extLst>
-              <a:ext uri="{FF2B5EF4-FFF2-40B4-BE49-F238E27FC236}">
-                <a16:creationId xmlns:a16="http://schemas.microsoft.com/office/drawing/2014/main" id="{843CE606-7275-42C0-AC76-AA91BB66789F}"/>
-              </a:ext>
-            </a:extLst>
-          </p:cNvPr>
-          <p:cNvSpPr>
-            <a:spLocks noGrp="1"/>
-          </p:cNvSpPr>
-          <p:nvPr>
-            <p:ph idx="1"/>
-          </p:nvPr>
-        </p:nvSpPr>
-        <p:spPr/>
-        <p:txBody>
-          <a:bodyPr/>
-          <a:lstStyle/>
+              <a:t>Hosting NSB in SF</a:t>
+            </a:r>
+          </a:p>
           <a:p>
             <a:r>
               <a:rPr lang="en-US" dirty="0"/>
-              <a:t>RCD / SSD</a:t>
-            </a:r>
-          </a:p>
-          <a:p>
-            <a:r>
-              <a:rPr lang="en-US" dirty="0"/>
-              <a:t>In Cluster / Outside of Cluster</a:t>
+              <a:t>Competing consumer</a:t>
             </a:r>
           </a:p>
         </p:txBody>
@@ -3858,7 +3875,7 @@
     </p:spTree>
     <p:extLst>
       <p:ext uri="{BB962C8B-B14F-4D97-AF65-F5344CB8AC3E}">
-        <p14:creationId xmlns:p14="http://schemas.microsoft.com/office/powerpoint/2010/main" val="632078664"/>
+        <p14:creationId xmlns:p14="http://schemas.microsoft.com/office/powerpoint/2010/main" val="2753613427"/>
       </p:ext>
     </p:extLst>
   </p:cSld>
@@ -3890,7 +3907,7 @@
           <p:cNvPr id="2" name="Title 1">
             <a:extLst>
               <a:ext uri="{FF2B5EF4-FFF2-40B4-BE49-F238E27FC236}">
-                <a16:creationId xmlns:a16="http://schemas.microsoft.com/office/drawing/2014/main" id="{7CF6EE03-6234-483F-BDCF-DBAF4A279F5E}"/>
+                <a16:creationId xmlns:a16="http://schemas.microsoft.com/office/drawing/2014/main" id="{D17F9921-508B-47D3-8E31-EA0F6C35F3BE}"/>
               </a:ext>
             </a:extLst>
           </p:cNvPr>
@@ -3906,24 +3923,10 @@
           <a:bodyPr/>
           <a:lstStyle/>
           <a:p>
-            <a:pPr lvl="0"/>
             <a:r>
               <a:rPr lang="en-US" dirty="0"/>
-              <a:t>NSB</a:t>
-            </a:r>
-            <a:r>
-              <a:rPr lang="en-US" baseline="0" dirty="0"/>
-              <a:t> SF Persistence (</a:t>
-            </a:r>
-            <a:r>
-              <a:rPr lang="en-US" baseline="0" dirty="0" err="1"/>
-              <a:t>stateful</a:t>
-            </a:r>
-            <a:r>
-              <a:rPr lang="en-US" baseline="0" dirty="0"/>
-              <a:t> queue)</a:t>
-            </a:r>
-            <a:endParaRPr lang="en-US" dirty="0"/>
+              <a:t>Accessing your collection session</a:t>
+            </a:r>
           </a:p>
         </p:txBody>
       </p:sp>
@@ -3932,7 +3935,7 @@
           <p:cNvPr id="3" name="Content Placeholder 2">
             <a:extLst>
               <a:ext uri="{FF2B5EF4-FFF2-40B4-BE49-F238E27FC236}">
-                <a16:creationId xmlns:a16="http://schemas.microsoft.com/office/drawing/2014/main" id="{6BCC4B54-4123-4780-AA78-BDDFC35DCCD3}"/>
+                <a16:creationId xmlns:a16="http://schemas.microsoft.com/office/drawing/2014/main" id="{BE3AF048-776E-4679-8C4C-9117F30D71B9}"/>
               </a:ext>
             </a:extLst>
           </p:cNvPr>
@@ -3948,14 +3951,9 @@
           <a:bodyPr/>
           <a:lstStyle/>
           <a:p>
-            <a:r>
-              <a:rPr lang="en-US" dirty="0"/>
-              <a:t>Saga</a:t>
-            </a:r>
-            <a:r>
-              <a:rPr lang="en-US" baseline="0" dirty="0"/>
-              <a:t> storage</a:t>
-            </a:r>
+            <a:pPr marL="0" indent="0">
+              <a:buNone/>
+            </a:pPr>
             <a:endParaRPr lang="en-US" dirty="0"/>
           </a:p>
         </p:txBody>
@@ -3963,7 +3961,7 @@
     </p:spTree>
     <p:extLst>
       <p:ext uri="{BB962C8B-B14F-4D97-AF65-F5344CB8AC3E}">
-        <p14:creationId xmlns:p14="http://schemas.microsoft.com/office/powerpoint/2010/main" val="3186495205"/>
+        <p14:creationId xmlns:p14="http://schemas.microsoft.com/office/powerpoint/2010/main" val="2402366213"/>
       </p:ext>
     </p:extLst>
   </p:cSld>
@@ -3995,7 +3993,7 @@
           <p:cNvPr id="2" name="Title 1">
             <a:extLst>
               <a:ext uri="{FF2B5EF4-FFF2-40B4-BE49-F238E27FC236}">
-                <a16:creationId xmlns:a16="http://schemas.microsoft.com/office/drawing/2014/main" id="{D17F9921-508B-47D3-8E31-EA0F6C35F3BE}"/>
+                <a16:creationId xmlns:a16="http://schemas.microsoft.com/office/drawing/2014/main" id="{7CF6EE03-6234-483F-BDCF-DBAF4A279F5E}"/>
               </a:ext>
             </a:extLst>
           </p:cNvPr>
@@ -4011,10 +4009,24 @@
           <a:bodyPr/>
           <a:lstStyle/>
           <a:p>
+            <a:pPr lvl="0"/>
             <a:r>
               <a:rPr lang="en-US" dirty="0"/>
-              <a:t>Accessing your collection session</a:t>
-            </a:r>
+              <a:t>NSB</a:t>
+            </a:r>
+            <a:r>
+              <a:rPr lang="en-US" baseline="0" dirty="0"/>
+              <a:t> SF Persistence (</a:t>
+            </a:r>
+            <a:r>
+              <a:rPr lang="en-US" baseline="0" dirty="0" err="1"/>
+              <a:t>stateful</a:t>
+            </a:r>
+            <a:r>
+              <a:rPr lang="en-US" baseline="0" dirty="0"/>
+              <a:t> queue)</a:t>
+            </a:r>
+            <a:endParaRPr lang="en-US" dirty="0"/>
           </a:p>
         </p:txBody>
       </p:sp>
@@ -4023,7 +4035,7 @@
           <p:cNvPr id="3" name="Content Placeholder 2">
             <a:extLst>
               <a:ext uri="{FF2B5EF4-FFF2-40B4-BE49-F238E27FC236}">
-                <a16:creationId xmlns:a16="http://schemas.microsoft.com/office/drawing/2014/main" id="{BE3AF048-776E-4679-8C4C-9117F30D71B9}"/>
+                <a16:creationId xmlns:a16="http://schemas.microsoft.com/office/drawing/2014/main" id="{6BCC4B54-4123-4780-AA78-BDDFC35DCCD3}"/>
               </a:ext>
             </a:extLst>
           </p:cNvPr>
@@ -4039,9 +4051,14 @@
           <a:bodyPr/>
           <a:lstStyle/>
           <a:p>
-            <a:pPr marL="0" indent="0">
-              <a:buNone/>
-            </a:pPr>
+            <a:r>
+              <a:rPr lang="en-US" dirty="0"/>
+              <a:t>Saga</a:t>
+            </a:r>
+            <a:r>
+              <a:rPr lang="en-US" baseline="0" dirty="0"/>
+              <a:t> storage</a:t>
+            </a:r>
             <a:endParaRPr lang="en-US" dirty="0"/>
           </a:p>
         </p:txBody>
@@ -4049,7 +4066,107 @@
     </p:spTree>
     <p:extLst>
       <p:ext uri="{BB962C8B-B14F-4D97-AF65-F5344CB8AC3E}">
-        <p14:creationId xmlns:p14="http://schemas.microsoft.com/office/powerpoint/2010/main" val="2402366213"/>
+        <p14:creationId xmlns:p14="http://schemas.microsoft.com/office/powerpoint/2010/main" val="3186495205"/>
+      </p:ext>
+    </p:extLst>
+  </p:cSld>
+  <p:clrMapOvr>
+    <a:masterClrMapping/>
+  </p:clrMapOvr>
+</p:sld>
+</file>
+
+<file path=ppt/slides/slide9.xml><?xml version="1.0" encoding="utf-8"?>
+<p:sld xmlns:a="http://schemas.openxmlformats.org/drawingml/2006/main" xmlns:r="http://schemas.openxmlformats.org/officeDocument/2006/relationships" xmlns:p="http://schemas.openxmlformats.org/presentationml/2006/main">
+  <p:cSld>
+    <p:spTree>
+      <p:nvGrpSpPr>
+        <p:cNvPr id="1" name=""/>
+        <p:cNvGrpSpPr/>
+        <p:nvPr/>
+      </p:nvGrpSpPr>
+      <p:grpSpPr>
+        <a:xfrm>
+          <a:off x="0" y="0"/>
+          <a:ext cx="0" cy="0"/>
+          <a:chOff x="0" y="0"/>
+          <a:chExt cx="0" cy="0"/>
+        </a:xfrm>
+      </p:grpSpPr>
+      <p:sp>
+        <p:nvSpPr>
+          <p:cNvPr id="2" name="Title 1">
+            <a:extLst>
+              <a:ext uri="{FF2B5EF4-FFF2-40B4-BE49-F238E27FC236}">
+                <a16:creationId xmlns:a16="http://schemas.microsoft.com/office/drawing/2014/main" id="{73347E7C-035B-4DA2-BDC9-48A8A82CDCD5}"/>
+              </a:ext>
+            </a:extLst>
+          </p:cNvPr>
+          <p:cNvSpPr>
+            <a:spLocks noGrp="1"/>
+          </p:cNvSpPr>
+          <p:nvPr>
+            <p:ph type="title"/>
+          </p:nvPr>
+        </p:nvSpPr>
+        <p:spPr/>
+        <p:txBody>
+          <a:bodyPr/>
+          <a:lstStyle/>
+          <a:p>
+            <a:r>
+              <a:rPr lang="en-US" dirty="0"/>
+              <a:t>Routing your</a:t>
+            </a:r>
+            <a:r>
+              <a:rPr lang="en-US" baseline="0" dirty="0"/>
+              <a:t> partitioned </a:t>
+            </a:r>
+            <a:r>
+              <a:rPr lang="en-US" dirty="0"/>
+              <a:t>queue</a:t>
+            </a:r>
+          </a:p>
+        </p:txBody>
+      </p:sp>
+      <p:sp>
+        <p:nvSpPr>
+          <p:cNvPr id="3" name="Content Placeholder 2">
+            <a:extLst>
+              <a:ext uri="{FF2B5EF4-FFF2-40B4-BE49-F238E27FC236}">
+                <a16:creationId xmlns:a16="http://schemas.microsoft.com/office/drawing/2014/main" id="{843CE606-7275-42C0-AC76-AA91BB66789F}"/>
+              </a:ext>
+            </a:extLst>
+          </p:cNvPr>
+          <p:cNvSpPr>
+            <a:spLocks noGrp="1"/>
+          </p:cNvSpPr>
+          <p:nvPr>
+            <p:ph idx="1"/>
+          </p:nvPr>
+        </p:nvSpPr>
+        <p:spPr/>
+        <p:txBody>
+          <a:bodyPr/>
+          <a:lstStyle/>
+          <a:p>
+            <a:r>
+              <a:rPr lang="en-US" dirty="0"/>
+              <a:t>RCD / SSD</a:t>
+            </a:r>
+          </a:p>
+          <a:p>
+            <a:r>
+              <a:rPr lang="en-US" dirty="0"/>
+              <a:t>In Cluster / Outside of Cluster</a:t>
+            </a:r>
+          </a:p>
+        </p:txBody>
+      </p:sp>
+    </p:spTree>
+    <p:extLst>
+      <p:ext uri="{BB962C8B-B14F-4D97-AF65-F5344CB8AC3E}">
+        <p14:creationId xmlns:p14="http://schemas.microsoft.com/office/powerpoint/2010/main" val="632078664"/>
       </p:ext>
     </p:extLst>
   </p:cSld>

--- a/Slides.pptx
+++ b/Slides.pptx
@@ -4,16 +4,23 @@
   <p:sldMasterIdLst>
     <p:sldMasterId id="2147483648" r:id="rId1"/>
   </p:sldMasterIdLst>
+  <p:notesMasterIdLst>
+    <p:notesMasterId r:id="rId15"/>
+  </p:notesMasterIdLst>
   <p:sldIdLst>
     <p:sldId id="256" r:id="rId2"/>
-    <p:sldId id="257" r:id="rId3"/>
-    <p:sldId id="259" r:id="rId4"/>
-    <p:sldId id="271" r:id="rId5"/>
-    <p:sldId id="261" r:id="rId6"/>
-    <p:sldId id="258" r:id="rId7"/>
-    <p:sldId id="268" r:id="rId8"/>
-    <p:sldId id="269" r:id="rId9"/>
-    <p:sldId id="270" r:id="rId10"/>
+    <p:sldId id="275" r:id="rId3"/>
+    <p:sldId id="278" r:id="rId4"/>
+    <p:sldId id="277" r:id="rId5"/>
+    <p:sldId id="257" r:id="rId6"/>
+    <p:sldId id="259" r:id="rId7"/>
+    <p:sldId id="273" r:id="rId8"/>
+    <p:sldId id="261" r:id="rId9"/>
+    <p:sldId id="258" r:id="rId10"/>
+    <p:sldId id="274" r:id="rId11"/>
+    <p:sldId id="268" r:id="rId12"/>
+    <p:sldId id="269" r:id="rId13"/>
+    <p:sldId id="270" r:id="rId14"/>
   </p:sldIdLst>
   <p:sldSz cx="12192000" cy="6858000"/>
   <p:notesSz cx="6858000" cy="9144000"/>
@@ -124,6 +131,711 @@
 <p1510:revInfo xmlns:a="http://schemas.openxmlformats.org/drawingml/2006/main" xmlns:r="http://schemas.openxmlformats.org/officeDocument/2006/relationships" xmlns:p1510="http://schemas.microsoft.com/office/powerpoint/2015/10/main"/>
 </file>
 
+<file path=ppt/notesMasters/notesMaster1.xml><?xml version="1.0" encoding="utf-8"?>
+<p:notesMaster xmlns:a="http://schemas.openxmlformats.org/drawingml/2006/main" xmlns:r="http://schemas.openxmlformats.org/officeDocument/2006/relationships" xmlns:p="http://schemas.openxmlformats.org/presentationml/2006/main">
+  <p:cSld>
+    <p:bg>
+      <p:bgRef idx="1001">
+        <a:schemeClr val="bg1"/>
+      </p:bgRef>
+    </p:bg>
+    <p:spTree>
+      <p:nvGrpSpPr>
+        <p:cNvPr id="1" name=""/>
+        <p:cNvGrpSpPr/>
+        <p:nvPr/>
+      </p:nvGrpSpPr>
+      <p:grpSpPr>
+        <a:xfrm>
+          <a:off x="0" y="0"/>
+          <a:ext cx="0" cy="0"/>
+          <a:chOff x="0" y="0"/>
+          <a:chExt cx="0" cy="0"/>
+        </a:xfrm>
+      </p:grpSpPr>
+      <p:sp>
+        <p:nvSpPr>
+          <p:cNvPr id="2" name="Header Placeholder 1"/>
+          <p:cNvSpPr>
+            <a:spLocks noGrp="1"/>
+          </p:cNvSpPr>
+          <p:nvPr>
+            <p:ph type="hdr" sz="quarter"/>
+          </p:nvPr>
+        </p:nvSpPr>
+        <p:spPr>
+          <a:xfrm>
+            <a:off x="0" y="0"/>
+            <a:ext cx="2971800" cy="458788"/>
+          </a:xfrm>
+          <a:prstGeom prst="rect">
+            <a:avLst/>
+          </a:prstGeom>
+        </p:spPr>
+        <p:txBody>
+          <a:bodyPr vert="horz" lIns="91440" tIns="45720" rIns="91440" bIns="45720" rtlCol="0"/>
+          <a:lstStyle>
+            <a:lvl1pPr algn="l">
+              <a:defRPr sz="1200"/>
+            </a:lvl1pPr>
+          </a:lstStyle>
+          <a:p>
+            <a:endParaRPr lang="en-US"/>
+          </a:p>
+        </p:txBody>
+      </p:sp>
+      <p:sp>
+        <p:nvSpPr>
+          <p:cNvPr id="3" name="Date Placeholder 2"/>
+          <p:cNvSpPr>
+            <a:spLocks noGrp="1"/>
+          </p:cNvSpPr>
+          <p:nvPr>
+            <p:ph type="dt" idx="1"/>
+          </p:nvPr>
+        </p:nvSpPr>
+        <p:spPr>
+          <a:xfrm>
+            <a:off x="3884613" y="0"/>
+            <a:ext cx="2971800" cy="458788"/>
+          </a:xfrm>
+          <a:prstGeom prst="rect">
+            <a:avLst/>
+          </a:prstGeom>
+        </p:spPr>
+        <p:txBody>
+          <a:bodyPr vert="horz" lIns="91440" tIns="45720" rIns="91440" bIns="45720" rtlCol="0"/>
+          <a:lstStyle>
+            <a:lvl1pPr algn="r">
+              <a:defRPr sz="1200"/>
+            </a:lvl1pPr>
+          </a:lstStyle>
+          <a:p>
+            <a:fld id="{8AAC1278-1473-493B-ACC6-443853387D40}" type="datetimeFigureOut">
+              <a:rPr lang="en-US" smtClean="0"/>
+              <a:t>10/20/2017</a:t>
+            </a:fld>
+            <a:endParaRPr lang="en-US"/>
+          </a:p>
+        </p:txBody>
+      </p:sp>
+      <p:sp>
+        <p:nvSpPr>
+          <p:cNvPr id="4" name="Slide Image Placeholder 3"/>
+          <p:cNvSpPr>
+            <a:spLocks noGrp="1" noRot="1" noChangeAspect="1"/>
+          </p:cNvSpPr>
+          <p:nvPr>
+            <p:ph type="sldImg" idx="2"/>
+          </p:nvPr>
+        </p:nvSpPr>
+        <p:spPr>
+          <a:xfrm>
+            <a:off x="685800" y="1143000"/>
+            <a:ext cx="5486400" cy="3086100"/>
+          </a:xfrm>
+          <a:prstGeom prst="rect">
+            <a:avLst/>
+          </a:prstGeom>
+          <a:noFill/>
+          <a:ln w="12700">
+            <a:solidFill>
+              <a:prstClr val="black"/>
+            </a:solidFill>
+          </a:ln>
+        </p:spPr>
+        <p:txBody>
+          <a:bodyPr vert="horz" lIns="91440" tIns="45720" rIns="91440" bIns="45720" rtlCol="0" anchor="ctr"/>
+          <a:lstStyle/>
+          <a:p>
+            <a:endParaRPr lang="en-US"/>
+          </a:p>
+        </p:txBody>
+      </p:sp>
+      <p:sp>
+        <p:nvSpPr>
+          <p:cNvPr id="5" name="Notes Placeholder 4"/>
+          <p:cNvSpPr>
+            <a:spLocks noGrp="1"/>
+          </p:cNvSpPr>
+          <p:nvPr>
+            <p:ph type="body" sz="quarter" idx="3"/>
+          </p:nvPr>
+        </p:nvSpPr>
+        <p:spPr>
+          <a:xfrm>
+            <a:off x="685800" y="4400550"/>
+            <a:ext cx="5486400" cy="3600450"/>
+          </a:xfrm>
+          <a:prstGeom prst="rect">
+            <a:avLst/>
+          </a:prstGeom>
+        </p:spPr>
+        <p:txBody>
+          <a:bodyPr vert="horz" lIns="91440" tIns="45720" rIns="91440" bIns="45720" rtlCol="0"/>
+          <a:lstStyle/>
+          <a:p>
+            <a:pPr lvl="0"/>
+            <a:r>
+              <a:rPr lang="en-US"/>
+              <a:t>Edit Master text styles</a:t>
+            </a:r>
+          </a:p>
+          <a:p>
+            <a:pPr lvl="1"/>
+            <a:r>
+              <a:rPr lang="en-US"/>
+              <a:t>Second level</a:t>
+            </a:r>
+          </a:p>
+          <a:p>
+            <a:pPr lvl="2"/>
+            <a:r>
+              <a:rPr lang="en-US"/>
+              <a:t>Third level</a:t>
+            </a:r>
+          </a:p>
+          <a:p>
+            <a:pPr lvl="3"/>
+            <a:r>
+              <a:rPr lang="en-US"/>
+              <a:t>Fourth level</a:t>
+            </a:r>
+          </a:p>
+          <a:p>
+            <a:pPr lvl="4"/>
+            <a:r>
+              <a:rPr lang="en-US"/>
+              <a:t>Fifth level</a:t>
+            </a:r>
+          </a:p>
+        </p:txBody>
+      </p:sp>
+      <p:sp>
+        <p:nvSpPr>
+          <p:cNvPr id="6" name="Footer Placeholder 5"/>
+          <p:cNvSpPr>
+            <a:spLocks noGrp="1"/>
+          </p:cNvSpPr>
+          <p:nvPr>
+            <p:ph type="ftr" sz="quarter" idx="4"/>
+          </p:nvPr>
+        </p:nvSpPr>
+        <p:spPr>
+          <a:xfrm>
+            <a:off x="0" y="8685213"/>
+            <a:ext cx="2971800" cy="458787"/>
+          </a:xfrm>
+          <a:prstGeom prst="rect">
+            <a:avLst/>
+          </a:prstGeom>
+        </p:spPr>
+        <p:txBody>
+          <a:bodyPr vert="horz" lIns="91440" tIns="45720" rIns="91440" bIns="45720" rtlCol="0" anchor="b"/>
+          <a:lstStyle>
+            <a:lvl1pPr algn="l">
+              <a:defRPr sz="1200"/>
+            </a:lvl1pPr>
+          </a:lstStyle>
+          <a:p>
+            <a:endParaRPr lang="en-US"/>
+          </a:p>
+        </p:txBody>
+      </p:sp>
+      <p:sp>
+        <p:nvSpPr>
+          <p:cNvPr id="7" name="Slide Number Placeholder 6"/>
+          <p:cNvSpPr>
+            <a:spLocks noGrp="1"/>
+          </p:cNvSpPr>
+          <p:nvPr>
+            <p:ph type="sldNum" sz="quarter" idx="5"/>
+          </p:nvPr>
+        </p:nvSpPr>
+        <p:spPr>
+          <a:xfrm>
+            <a:off x="3884613" y="8685213"/>
+            <a:ext cx="2971800" cy="458787"/>
+          </a:xfrm>
+          <a:prstGeom prst="rect">
+            <a:avLst/>
+          </a:prstGeom>
+        </p:spPr>
+        <p:txBody>
+          <a:bodyPr vert="horz" lIns="91440" tIns="45720" rIns="91440" bIns="45720" rtlCol="0" anchor="b"/>
+          <a:lstStyle>
+            <a:lvl1pPr algn="r">
+              <a:defRPr sz="1200"/>
+            </a:lvl1pPr>
+          </a:lstStyle>
+          <a:p>
+            <a:fld id="{59E9685D-E391-4BCC-987B-6FB0218A8DB9}" type="slidenum">
+              <a:rPr lang="en-US" smtClean="0"/>
+              <a:t>‹#›</a:t>
+            </a:fld>
+            <a:endParaRPr lang="en-US"/>
+          </a:p>
+        </p:txBody>
+      </p:sp>
+    </p:spTree>
+    <p:extLst>
+      <p:ext uri="{BB962C8B-B14F-4D97-AF65-F5344CB8AC3E}">
+        <p14:creationId xmlns:p14="http://schemas.microsoft.com/office/powerpoint/2010/main" val="234792156"/>
+      </p:ext>
+    </p:extLst>
+  </p:cSld>
+  <p:clrMap bg1="lt1" tx1="dk1" bg2="lt2" tx2="dk2" accent1="accent1" accent2="accent2" accent3="accent3" accent4="accent4" accent5="accent5" accent6="accent6" hlink="hlink" folHlink="folHlink"/>
+  <p:notesStyle>
+    <a:lvl1pPr marL="0" algn="l" defTabSz="914400" rtl="0" eaLnBrk="1" latinLnBrk="0" hangingPunct="1">
+      <a:defRPr sz="1200" kern="1200">
+        <a:solidFill>
+          <a:schemeClr val="tx1"/>
+        </a:solidFill>
+        <a:latin typeface="+mn-lt"/>
+        <a:ea typeface="+mn-ea"/>
+        <a:cs typeface="+mn-cs"/>
+      </a:defRPr>
+    </a:lvl1pPr>
+    <a:lvl2pPr marL="457200" algn="l" defTabSz="914400" rtl="0" eaLnBrk="1" latinLnBrk="0" hangingPunct="1">
+      <a:defRPr sz="1200" kern="1200">
+        <a:solidFill>
+          <a:schemeClr val="tx1"/>
+        </a:solidFill>
+        <a:latin typeface="+mn-lt"/>
+        <a:ea typeface="+mn-ea"/>
+        <a:cs typeface="+mn-cs"/>
+      </a:defRPr>
+    </a:lvl2pPr>
+    <a:lvl3pPr marL="914400" algn="l" defTabSz="914400" rtl="0" eaLnBrk="1" latinLnBrk="0" hangingPunct="1">
+      <a:defRPr sz="1200" kern="1200">
+        <a:solidFill>
+          <a:schemeClr val="tx1"/>
+        </a:solidFill>
+        <a:latin typeface="+mn-lt"/>
+        <a:ea typeface="+mn-ea"/>
+        <a:cs typeface="+mn-cs"/>
+      </a:defRPr>
+    </a:lvl3pPr>
+    <a:lvl4pPr marL="1371600" algn="l" defTabSz="914400" rtl="0" eaLnBrk="1" latinLnBrk="0" hangingPunct="1">
+      <a:defRPr sz="1200" kern="1200">
+        <a:solidFill>
+          <a:schemeClr val="tx1"/>
+        </a:solidFill>
+        <a:latin typeface="+mn-lt"/>
+        <a:ea typeface="+mn-ea"/>
+        <a:cs typeface="+mn-cs"/>
+      </a:defRPr>
+    </a:lvl4pPr>
+    <a:lvl5pPr marL="1828800" algn="l" defTabSz="914400" rtl="0" eaLnBrk="1" latinLnBrk="0" hangingPunct="1">
+      <a:defRPr sz="1200" kern="1200">
+        <a:solidFill>
+          <a:schemeClr val="tx1"/>
+        </a:solidFill>
+        <a:latin typeface="+mn-lt"/>
+        <a:ea typeface="+mn-ea"/>
+        <a:cs typeface="+mn-cs"/>
+      </a:defRPr>
+    </a:lvl5pPr>
+    <a:lvl6pPr marL="2286000" algn="l" defTabSz="914400" rtl="0" eaLnBrk="1" latinLnBrk="0" hangingPunct="1">
+      <a:defRPr sz="1200" kern="1200">
+        <a:solidFill>
+          <a:schemeClr val="tx1"/>
+        </a:solidFill>
+        <a:latin typeface="+mn-lt"/>
+        <a:ea typeface="+mn-ea"/>
+        <a:cs typeface="+mn-cs"/>
+      </a:defRPr>
+    </a:lvl6pPr>
+    <a:lvl7pPr marL="2743200" algn="l" defTabSz="914400" rtl="0" eaLnBrk="1" latinLnBrk="0" hangingPunct="1">
+      <a:defRPr sz="1200" kern="1200">
+        <a:solidFill>
+          <a:schemeClr val="tx1"/>
+        </a:solidFill>
+        <a:latin typeface="+mn-lt"/>
+        <a:ea typeface="+mn-ea"/>
+        <a:cs typeface="+mn-cs"/>
+      </a:defRPr>
+    </a:lvl7pPr>
+    <a:lvl8pPr marL="3200400" algn="l" defTabSz="914400" rtl="0" eaLnBrk="1" latinLnBrk="0" hangingPunct="1">
+      <a:defRPr sz="1200" kern="1200">
+        <a:solidFill>
+          <a:schemeClr val="tx1"/>
+        </a:solidFill>
+        <a:latin typeface="+mn-lt"/>
+        <a:ea typeface="+mn-ea"/>
+        <a:cs typeface="+mn-cs"/>
+      </a:defRPr>
+    </a:lvl8pPr>
+    <a:lvl9pPr marL="3657600" algn="l" defTabSz="914400" rtl="0" eaLnBrk="1" latinLnBrk="0" hangingPunct="1">
+      <a:defRPr sz="1200" kern="1200">
+        <a:solidFill>
+          <a:schemeClr val="tx1"/>
+        </a:solidFill>
+        <a:latin typeface="+mn-lt"/>
+        <a:ea typeface="+mn-ea"/>
+        <a:cs typeface="+mn-cs"/>
+      </a:defRPr>
+    </a:lvl9pPr>
+  </p:notesStyle>
+</p:notesMaster>
+</file>
+
+<file path=ppt/notesSlides/notesSlide1.xml><?xml version="1.0" encoding="utf-8"?>
+<p:notes xmlns:a="http://schemas.openxmlformats.org/drawingml/2006/main" xmlns:r="http://schemas.openxmlformats.org/officeDocument/2006/relationships" xmlns:p="http://schemas.openxmlformats.org/presentationml/2006/main">
+  <p:cSld>
+    <p:spTree>
+      <p:nvGrpSpPr>
+        <p:cNvPr id="1" name=""/>
+        <p:cNvGrpSpPr/>
+        <p:nvPr/>
+      </p:nvGrpSpPr>
+      <p:grpSpPr>
+        <a:xfrm>
+          <a:off x="0" y="0"/>
+          <a:ext cx="0" cy="0"/>
+          <a:chOff x="0" y="0"/>
+          <a:chExt cx="0" cy="0"/>
+        </a:xfrm>
+      </p:grpSpPr>
+      <p:sp>
+        <p:nvSpPr>
+          <p:cNvPr id="2" name="Slide Image Placeholder 1"/>
+          <p:cNvSpPr>
+            <a:spLocks noGrp="1" noRot="1" noChangeAspect="1"/>
+          </p:cNvSpPr>
+          <p:nvPr>
+            <p:ph type="sldImg"/>
+          </p:nvPr>
+        </p:nvSpPr>
+        <p:spPr/>
+      </p:sp>
+      <p:sp>
+        <p:nvSpPr>
+          <p:cNvPr id="3" name="Notes Placeholder 2"/>
+          <p:cNvSpPr>
+            <a:spLocks noGrp="1"/>
+          </p:cNvSpPr>
+          <p:nvPr>
+            <p:ph type="body" idx="1"/>
+          </p:nvPr>
+        </p:nvSpPr>
+        <p:spPr/>
+        <p:txBody>
+          <a:bodyPr/>
+          <a:lstStyle/>
+          <a:p>
+            <a:r>
+              <a:rPr lang="en-US" dirty="0"/>
+              <a:t>The stateless frontend tier and the </a:t>
+            </a:r>
+            <a:r>
+              <a:rPr lang="en-US" dirty="0" err="1"/>
+              <a:t>stateful</a:t>
+            </a:r>
+            <a:r>
+              <a:rPr lang="en-US" dirty="0"/>
+              <a:t> middle tier with the compute remains the same. But between the stateless and the </a:t>
+            </a:r>
+            <a:r>
+              <a:rPr lang="en-US" dirty="0" err="1"/>
+              <a:t>stateful</a:t>
+            </a:r>
+            <a:r>
+              <a:rPr lang="en-US" dirty="0"/>
+              <a:t> tier we should introduce some kind of broker middleware like Azure Service Bus, Azure Storage Queues or </a:t>
+            </a:r>
+            <a:r>
+              <a:rPr lang="en-US" dirty="0" err="1"/>
+              <a:t>RabbitMQ</a:t>
+            </a:r>
+            <a:r>
+              <a:rPr lang="en-US" dirty="0"/>
+              <a:t> for on-premises. The broker middleware will contain a queue for our chocolate orders. Of course not everything has to go through the queue. Only things like orders that need to be processed in order and potentially throttled. After all it is better to process orders a bit later than loosing them right? With that we get</a:t>
+            </a:r>
+          </a:p>
+          <a:p>
+            <a:endParaRPr lang="en-US" dirty="0"/>
+          </a:p>
+          <a:p>
+            <a:pPr marL="171450" indent="-171450">
+              <a:buFont typeface="Arial" panose="020B0604020202020204" pitchFamily="34" charset="0"/>
+              <a:buChar char="•"/>
+            </a:pPr>
+            <a:r>
+              <a:rPr lang="en-US" dirty="0"/>
+              <a:t>Competing consumers</a:t>
+            </a:r>
+          </a:p>
+          <a:p>
+            <a:pPr marL="171450" indent="-171450">
+              <a:buFont typeface="Arial" panose="020B0604020202020204" pitchFamily="34" charset="0"/>
+              <a:buChar char="•"/>
+            </a:pPr>
+            <a:r>
+              <a:rPr lang="en-US" dirty="0"/>
+              <a:t>Awesome scaling</a:t>
+            </a:r>
+          </a:p>
+          <a:p>
+            <a:pPr marL="171450" indent="-171450">
+              <a:buFont typeface="Arial" panose="020B0604020202020204" pitchFamily="34" charset="0"/>
+              <a:buChar char="•"/>
+            </a:pPr>
+            <a:r>
+              <a:rPr lang="en-US" dirty="0"/>
+              <a:t>Throttling</a:t>
+            </a:r>
+          </a:p>
+          <a:p>
+            <a:pPr marL="171450" indent="-171450">
+              <a:buFont typeface="Arial" panose="020B0604020202020204" pitchFamily="34" charset="0"/>
+              <a:buChar char="•"/>
+            </a:pPr>
+            <a:r>
+              <a:rPr lang="en-US" dirty="0"/>
+              <a:t>Retries and business transactions to </a:t>
+            </a:r>
+            <a:r>
+              <a:rPr lang="en-US" dirty="0" err="1"/>
+              <a:t>stateful</a:t>
+            </a:r>
+            <a:r>
+              <a:rPr lang="en-US" dirty="0"/>
+              <a:t> </a:t>
+            </a:r>
+            <a:r>
+              <a:rPr lang="en-US" dirty="0" err="1"/>
+              <a:t>middletier</a:t>
+            </a:r>
+            <a:endParaRPr lang="en-US" dirty="0"/>
+          </a:p>
+          <a:p>
+            <a:pPr marL="171450" indent="-171450">
+              <a:buFont typeface="Arial" panose="020B0604020202020204" pitchFamily="34" charset="0"/>
+              <a:buChar char="•"/>
+            </a:pPr>
+            <a:r>
+              <a:rPr lang="en-US" dirty="0"/>
+              <a:t>Reactive</a:t>
+            </a:r>
+            <a:endParaRPr lang="de-CH" dirty="0"/>
+          </a:p>
+        </p:txBody>
+      </p:sp>
+      <p:sp>
+        <p:nvSpPr>
+          <p:cNvPr id="4" name="Slide Number Placeholder 3"/>
+          <p:cNvSpPr>
+            <a:spLocks noGrp="1"/>
+          </p:cNvSpPr>
+          <p:nvPr>
+            <p:ph type="sldNum" sz="quarter" idx="10"/>
+          </p:nvPr>
+        </p:nvSpPr>
+        <p:spPr/>
+        <p:txBody>
+          <a:bodyPr/>
+          <a:lstStyle/>
+          <a:p>
+            <a:fld id="{9BCA07FD-5BD5-4529-84B0-48DD2C561176}" type="slidenum">
+              <a:rPr lang="de-CH" smtClean="0"/>
+              <a:t>7</a:t>
+            </a:fld>
+            <a:endParaRPr lang="de-CH"/>
+          </a:p>
+        </p:txBody>
+      </p:sp>
+    </p:spTree>
+    <p:extLst>
+      <p:ext uri="{BB962C8B-B14F-4D97-AF65-F5344CB8AC3E}">
+        <p14:creationId xmlns:p14="http://schemas.microsoft.com/office/powerpoint/2010/main" val="2031248351"/>
+      </p:ext>
+    </p:extLst>
+  </p:cSld>
+  <p:clrMapOvr>
+    <a:masterClrMapping/>
+  </p:clrMapOvr>
+</p:notes>
+</file>
+
+<file path=ppt/notesSlides/notesSlide2.xml><?xml version="1.0" encoding="utf-8"?>
+<p:notes xmlns:a="http://schemas.openxmlformats.org/drawingml/2006/main" xmlns:r="http://schemas.openxmlformats.org/officeDocument/2006/relationships" xmlns:p="http://schemas.openxmlformats.org/presentationml/2006/main">
+  <p:cSld>
+    <p:spTree>
+      <p:nvGrpSpPr>
+        <p:cNvPr id="1" name=""/>
+        <p:cNvGrpSpPr/>
+        <p:nvPr/>
+      </p:nvGrpSpPr>
+      <p:grpSpPr>
+        <a:xfrm>
+          <a:off x="0" y="0"/>
+          <a:ext cx="0" cy="0"/>
+          <a:chOff x="0" y="0"/>
+          <a:chExt cx="0" cy="0"/>
+        </a:xfrm>
+      </p:grpSpPr>
+      <p:sp>
+        <p:nvSpPr>
+          <p:cNvPr id="2" name="Slide Image Placeholder 1"/>
+          <p:cNvSpPr>
+            <a:spLocks noGrp="1" noRot="1" noChangeAspect="1"/>
+          </p:cNvSpPr>
+          <p:nvPr>
+            <p:ph type="sldImg"/>
+          </p:nvPr>
+        </p:nvSpPr>
+        <p:spPr/>
+      </p:sp>
+      <p:sp>
+        <p:nvSpPr>
+          <p:cNvPr id="3" name="Notes Placeholder 2"/>
+          <p:cNvSpPr>
+            <a:spLocks noGrp="1"/>
+          </p:cNvSpPr>
+          <p:nvPr>
+            <p:ph type="body" idx="1"/>
+          </p:nvPr>
+        </p:nvSpPr>
+        <p:spPr/>
+        <p:txBody>
+          <a:bodyPr/>
+          <a:lstStyle/>
+          <a:p>
+            <a:r>
+              <a:rPr lang="en-US" dirty="0"/>
+              <a:t>The stateless frontend tier and the </a:t>
+            </a:r>
+            <a:r>
+              <a:rPr lang="en-US" dirty="0" err="1"/>
+              <a:t>stateful</a:t>
+            </a:r>
+            <a:r>
+              <a:rPr lang="en-US" dirty="0"/>
+              <a:t> middle tier with the compute remains the same. But between the stateless and the </a:t>
+            </a:r>
+            <a:r>
+              <a:rPr lang="en-US" dirty="0" err="1"/>
+              <a:t>stateful</a:t>
+            </a:r>
+            <a:r>
+              <a:rPr lang="en-US" dirty="0"/>
+              <a:t> tier we should introduce some kind of broker middleware like Azure Service Bus, Azure Storage Queues or </a:t>
+            </a:r>
+            <a:r>
+              <a:rPr lang="en-US" dirty="0" err="1"/>
+              <a:t>RabbitMQ</a:t>
+            </a:r>
+            <a:r>
+              <a:rPr lang="en-US" dirty="0"/>
+              <a:t> for on-premises. The broker middleware will contain a queue for our chocolate orders. Of course not everything has to go through the queue. Only things like orders that need to be processed in order and potentially throttled. After all it is better to process orders a bit later than loosing them right? With that we get</a:t>
+            </a:r>
+          </a:p>
+          <a:p>
+            <a:endParaRPr lang="en-US" dirty="0"/>
+          </a:p>
+          <a:p>
+            <a:pPr marL="171450" indent="-171450">
+              <a:buFont typeface="Arial" panose="020B0604020202020204" pitchFamily="34" charset="0"/>
+              <a:buChar char="•"/>
+            </a:pPr>
+            <a:r>
+              <a:rPr lang="en-US" dirty="0"/>
+              <a:t>Competing consumers</a:t>
+            </a:r>
+          </a:p>
+          <a:p>
+            <a:pPr marL="171450" indent="-171450">
+              <a:buFont typeface="Arial" panose="020B0604020202020204" pitchFamily="34" charset="0"/>
+              <a:buChar char="•"/>
+            </a:pPr>
+            <a:r>
+              <a:rPr lang="en-US" dirty="0"/>
+              <a:t>Awesome scaling</a:t>
+            </a:r>
+          </a:p>
+          <a:p>
+            <a:pPr marL="171450" indent="-171450">
+              <a:buFont typeface="Arial" panose="020B0604020202020204" pitchFamily="34" charset="0"/>
+              <a:buChar char="•"/>
+            </a:pPr>
+            <a:r>
+              <a:rPr lang="en-US" dirty="0"/>
+              <a:t>Throttling</a:t>
+            </a:r>
+          </a:p>
+          <a:p>
+            <a:pPr marL="171450" indent="-171450">
+              <a:buFont typeface="Arial" panose="020B0604020202020204" pitchFamily="34" charset="0"/>
+              <a:buChar char="•"/>
+            </a:pPr>
+            <a:r>
+              <a:rPr lang="en-US" dirty="0"/>
+              <a:t>Retries and business transactions to </a:t>
+            </a:r>
+            <a:r>
+              <a:rPr lang="en-US" dirty="0" err="1"/>
+              <a:t>stateful</a:t>
+            </a:r>
+            <a:r>
+              <a:rPr lang="en-US" dirty="0"/>
+              <a:t> </a:t>
+            </a:r>
+            <a:r>
+              <a:rPr lang="en-US" dirty="0" err="1"/>
+              <a:t>middletier</a:t>
+            </a:r>
+            <a:endParaRPr lang="en-US" dirty="0"/>
+          </a:p>
+          <a:p>
+            <a:pPr marL="171450" indent="-171450">
+              <a:buFont typeface="Arial" panose="020B0604020202020204" pitchFamily="34" charset="0"/>
+              <a:buChar char="•"/>
+            </a:pPr>
+            <a:r>
+              <a:rPr lang="en-US" dirty="0"/>
+              <a:t>Reactive</a:t>
+            </a:r>
+            <a:endParaRPr lang="de-CH" dirty="0"/>
+          </a:p>
+        </p:txBody>
+      </p:sp>
+      <p:sp>
+        <p:nvSpPr>
+          <p:cNvPr id="4" name="Slide Number Placeholder 3"/>
+          <p:cNvSpPr>
+            <a:spLocks noGrp="1"/>
+          </p:cNvSpPr>
+          <p:nvPr>
+            <p:ph type="sldNum" sz="quarter" idx="10"/>
+          </p:nvPr>
+        </p:nvSpPr>
+        <p:spPr/>
+        <p:txBody>
+          <a:bodyPr/>
+          <a:lstStyle/>
+          <a:p>
+            <a:fld id="{9BCA07FD-5BD5-4529-84B0-48DD2C561176}" type="slidenum">
+              <a:rPr lang="de-CH" smtClean="0"/>
+              <a:t>10</a:t>
+            </a:fld>
+            <a:endParaRPr lang="de-CH"/>
+          </a:p>
+        </p:txBody>
+      </p:sp>
+    </p:spTree>
+    <p:extLst>
+      <p:ext uri="{BB962C8B-B14F-4D97-AF65-F5344CB8AC3E}">
+        <p14:creationId xmlns:p14="http://schemas.microsoft.com/office/powerpoint/2010/main" val="1542200557"/>
+      </p:ext>
+    </p:extLst>
+  </p:cSld>
+  <p:clrMapOvr>
+    <a:masterClrMapping/>
+  </p:clrMapOvr>
+</p:notes>
+</file>
+
 <file path=ppt/slideLayouts/slideLayout1.xml><?xml version="1.0" encoding="utf-8"?>
 <p:sldLayout xmlns:a="http://schemas.openxmlformats.org/drawingml/2006/main" xmlns:r="http://schemas.openxmlformats.org/officeDocument/2006/relationships" xmlns:p="http://schemas.openxmlformats.org/presentationml/2006/main" type="title" preserve="1">
   <p:cSld name="Title Slide">
@@ -271,7 +983,7 @@
           <a:p>
             <a:fld id="{AF502539-8799-4C51-9271-A94D674129BE}" type="datetimeFigureOut">
               <a:rPr lang="en-US" smtClean="0"/>
-              <a:t>9/28/2017</a:t>
+              <a:t>10/20/2017</a:t>
             </a:fld>
             <a:endParaRPr lang="en-US"/>
           </a:p>
@@ -469,7 +1181,7 @@
           <a:p>
             <a:fld id="{AF502539-8799-4C51-9271-A94D674129BE}" type="datetimeFigureOut">
               <a:rPr lang="en-US" smtClean="0"/>
-              <a:t>9/28/2017</a:t>
+              <a:t>10/20/2017</a:t>
             </a:fld>
             <a:endParaRPr lang="en-US"/>
           </a:p>
@@ -677,7 +1389,7 @@
           <a:p>
             <a:fld id="{AF502539-8799-4C51-9271-A94D674129BE}" type="datetimeFigureOut">
               <a:rPr lang="en-US" smtClean="0"/>
-              <a:t>9/28/2017</a:t>
+              <a:t>10/20/2017</a:t>
             </a:fld>
             <a:endParaRPr lang="en-US"/>
           </a:p>
@@ -875,7 +1587,7 @@
           <a:p>
             <a:fld id="{AF502539-8799-4C51-9271-A94D674129BE}" type="datetimeFigureOut">
               <a:rPr lang="en-US" smtClean="0"/>
-              <a:t>9/28/2017</a:t>
+              <a:t>10/20/2017</a:t>
             </a:fld>
             <a:endParaRPr lang="en-US"/>
           </a:p>
@@ -1150,7 +1862,7 @@
           <a:p>
             <a:fld id="{AF502539-8799-4C51-9271-A94D674129BE}" type="datetimeFigureOut">
               <a:rPr lang="en-US" smtClean="0"/>
-              <a:t>9/28/2017</a:t>
+              <a:t>10/20/2017</a:t>
             </a:fld>
             <a:endParaRPr lang="en-US"/>
           </a:p>
@@ -1415,7 +2127,7 @@
           <a:p>
             <a:fld id="{AF502539-8799-4C51-9271-A94D674129BE}" type="datetimeFigureOut">
               <a:rPr lang="en-US" smtClean="0"/>
-              <a:t>9/28/2017</a:t>
+              <a:t>10/20/2017</a:t>
             </a:fld>
             <a:endParaRPr lang="en-US"/>
           </a:p>
@@ -1827,7 +2539,7 @@
           <a:p>
             <a:fld id="{AF502539-8799-4C51-9271-A94D674129BE}" type="datetimeFigureOut">
               <a:rPr lang="en-US" smtClean="0"/>
-              <a:t>9/28/2017</a:t>
+              <a:t>10/20/2017</a:t>
             </a:fld>
             <a:endParaRPr lang="en-US"/>
           </a:p>
@@ -1968,7 +2680,7 @@
           <a:p>
             <a:fld id="{AF502539-8799-4C51-9271-A94D674129BE}" type="datetimeFigureOut">
               <a:rPr lang="en-US" smtClean="0"/>
-              <a:t>9/28/2017</a:t>
+              <a:t>10/20/2017</a:t>
             </a:fld>
             <a:endParaRPr lang="en-US"/>
           </a:p>
@@ -2081,7 +2793,7 @@
           <a:p>
             <a:fld id="{AF502539-8799-4C51-9271-A94D674129BE}" type="datetimeFigureOut">
               <a:rPr lang="en-US" smtClean="0"/>
-              <a:t>9/28/2017</a:t>
+              <a:t>10/20/2017</a:t>
             </a:fld>
             <a:endParaRPr lang="en-US"/>
           </a:p>
@@ -2392,7 +3104,7 @@
           <a:p>
             <a:fld id="{AF502539-8799-4C51-9271-A94D674129BE}" type="datetimeFigureOut">
               <a:rPr lang="en-US" smtClean="0"/>
-              <a:t>9/28/2017</a:t>
+              <a:t>10/20/2017</a:t>
             </a:fld>
             <a:endParaRPr lang="en-US"/>
           </a:p>
@@ -2680,7 +3392,7 @@
           <a:p>
             <a:fld id="{AF502539-8799-4C51-9271-A94D674129BE}" type="datetimeFigureOut">
               <a:rPr lang="en-US" smtClean="0"/>
-              <a:t>9/28/2017</a:t>
+              <a:t>10/20/2017</a:t>
             </a:fld>
             <a:endParaRPr lang="en-US"/>
           </a:p>
@@ -2921,7 +3633,7 @@
           <a:p>
             <a:fld id="{AF502539-8799-4C51-9271-A94D674129BE}" type="datetimeFigureOut">
               <a:rPr lang="en-US" smtClean="0"/>
-              <a:t>9/28/2017</a:t>
+              <a:t>10/20/2017</a:t>
             </a:fld>
             <a:endParaRPr lang="en-US"/>
           </a:p>
@@ -3404,6 +4116,1444 @@
 </p:sld>
 </file>
 
+<file path=ppt/slides/slide10.xml><?xml version="1.0" encoding="utf-8"?>
+<p:sld xmlns:a="http://schemas.openxmlformats.org/drawingml/2006/main" xmlns:r="http://schemas.openxmlformats.org/officeDocument/2006/relationships" xmlns:p="http://schemas.openxmlformats.org/presentationml/2006/main">
+  <p:cSld>
+    <p:spTree>
+      <p:nvGrpSpPr>
+        <p:cNvPr id="1" name=""/>
+        <p:cNvGrpSpPr/>
+        <p:nvPr/>
+      </p:nvGrpSpPr>
+      <p:grpSpPr>
+        <a:xfrm>
+          <a:off x="0" y="0"/>
+          <a:ext cx="0" cy="0"/>
+          <a:chOff x="0" y="0"/>
+          <a:chExt cx="0" cy="0"/>
+        </a:xfrm>
+      </p:grpSpPr>
+      <p:sp>
+        <p:nvSpPr>
+          <p:cNvPr id="3" name="Rectangle 2"/>
+          <p:cNvSpPr/>
+          <p:nvPr/>
+        </p:nvSpPr>
+        <p:spPr>
+          <a:xfrm>
+            <a:off x="2748226" y="466335"/>
+            <a:ext cx="1944303" cy="914400"/>
+          </a:xfrm>
+          <a:prstGeom prst="rect">
+            <a:avLst/>
+          </a:prstGeom>
+          <a:solidFill>
+            <a:schemeClr val="tx2"/>
+          </a:solidFill>
+          <a:ln>
+            <a:noFill/>
+          </a:ln>
+        </p:spPr>
+        <p:style>
+          <a:lnRef idx="2">
+            <a:schemeClr val="accent1">
+              <a:shade val="50000"/>
+            </a:schemeClr>
+          </a:lnRef>
+          <a:fillRef idx="1">
+            <a:schemeClr val="accent1"/>
+          </a:fillRef>
+          <a:effectRef idx="0">
+            <a:schemeClr val="accent1"/>
+          </a:effectRef>
+          <a:fontRef idx="minor">
+            <a:schemeClr val="lt1"/>
+          </a:fontRef>
+        </p:style>
+        <p:txBody>
+          <a:bodyPr rot="0" spcFirstLastPara="0" vertOverflow="overflow" horzOverflow="overflow" vert="horz" wrap="square" lIns="91440" tIns="45720" rIns="91440" bIns="45720" numCol="1" spcCol="0" rtlCol="0" fromWordArt="0" anchor="ctr" anchorCtr="0" forceAA="0" compatLnSpc="1">
+            <a:prstTxWarp prst="textNoShape">
+              <a:avLst/>
+            </a:prstTxWarp>
+            <a:noAutofit/>
+          </a:bodyPr>
+          <a:lstStyle/>
+          <a:p>
+            <a:pPr algn="ctr"/>
+            <a:r>
+              <a:rPr lang="en-US" sz="2400" dirty="0">
+                <a:latin typeface="Yanone Kaffeesatz Light" panose="02000000000000000000" pitchFamily="2" charset="0"/>
+              </a:rPr>
+              <a:t>FrontEnd1</a:t>
+            </a:r>
+            <a:endParaRPr lang="de-CH" sz="2400" dirty="0">
+              <a:latin typeface="Yanone Kaffeesatz Light" panose="02000000000000000000" pitchFamily="2" charset="0"/>
+            </a:endParaRPr>
+          </a:p>
+        </p:txBody>
+      </p:sp>
+      <p:sp>
+        <p:nvSpPr>
+          <p:cNvPr id="4" name="Rectangle 3"/>
+          <p:cNvSpPr/>
+          <p:nvPr/>
+        </p:nvSpPr>
+        <p:spPr>
+          <a:xfrm>
+            <a:off x="4813060" y="466335"/>
+            <a:ext cx="1944303" cy="914400"/>
+          </a:xfrm>
+          <a:prstGeom prst="rect">
+            <a:avLst/>
+          </a:prstGeom>
+          <a:solidFill>
+            <a:schemeClr val="tx2"/>
+          </a:solidFill>
+          <a:ln>
+            <a:noFill/>
+          </a:ln>
+        </p:spPr>
+        <p:style>
+          <a:lnRef idx="2">
+            <a:schemeClr val="accent1">
+              <a:shade val="50000"/>
+            </a:schemeClr>
+          </a:lnRef>
+          <a:fillRef idx="1">
+            <a:schemeClr val="accent1"/>
+          </a:fillRef>
+          <a:effectRef idx="0">
+            <a:schemeClr val="accent1"/>
+          </a:effectRef>
+          <a:fontRef idx="minor">
+            <a:schemeClr val="lt1"/>
+          </a:fontRef>
+        </p:style>
+        <p:txBody>
+          <a:bodyPr rot="0" spcFirstLastPara="0" vertOverflow="overflow" horzOverflow="overflow" vert="horz" wrap="square" lIns="91440" tIns="45720" rIns="91440" bIns="45720" numCol="1" spcCol="0" rtlCol="0" fromWordArt="0" anchor="ctr" anchorCtr="0" forceAA="0" compatLnSpc="1">
+            <a:prstTxWarp prst="textNoShape">
+              <a:avLst/>
+            </a:prstTxWarp>
+            <a:noAutofit/>
+          </a:bodyPr>
+          <a:lstStyle/>
+          <a:p>
+            <a:pPr algn="ctr"/>
+            <a:r>
+              <a:rPr lang="en-US" sz="2400" dirty="0">
+                <a:latin typeface="Yanone Kaffeesatz Light" panose="02000000000000000000" pitchFamily="2" charset="0"/>
+              </a:rPr>
+              <a:t>FrontEnd2</a:t>
+            </a:r>
+            <a:endParaRPr lang="de-CH" sz="2400" dirty="0">
+              <a:latin typeface="Yanone Kaffeesatz Light" panose="02000000000000000000" pitchFamily="2" charset="0"/>
+            </a:endParaRPr>
+          </a:p>
+        </p:txBody>
+      </p:sp>
+      <p:sp>
+        <p:nvSpPr>
+          <p:cNvPr id="5" name="Rectangle 4"/>
+          <p:cNvSpPr/>
+          <p:nvPr/>
+        </p:nvSpPr>
+        <p:spPr>
+          <a:xfrm>
+            <a:off x="6877894" y="466335"/>
+            <a:ext cx="1944303" cy="914400"/>
+          </a:xfrm>
+          <a:prstGeom prst="rect">
+            <a:avLst/>
+          </a:prstGeom>
+          <a:solidFill>
+            <a:schemeClr val="tx2"/>
+          </a:solidFill>
+          <a:ln>
+            <a:noFill/>
+          </a:ln>
+        </p:spPr>
+        <p:style>
+          <a:lnRef idx="2">
+            <a:schemeClr val="accent1">
+              <a:shade val="50000"/>
+            </a:schemeClr>
+          </a:lnRef>
+          <a:fillRef idx="1">
+            <a:schemeClr val="accent1"/>
+          </a:fillRef>
+          <a:effectRef idx="0">
+            <a:schemeClr val="accent1"/>
+          </a:effectRef>
+          <a:fontRef idx="minor">
+            <a:schemeClr val="lt1"/>
+          </a:fontRef>
+        </p:style>
+        <p:txBody>
+          <a:bodyPr rot="0" spcFirstLastPara="0" vertOverflow="overflow" horzOverflow="overflow" vert="horz" wrap="square" lIns="91440" tIns="45720" rIns="91440" bIns="45720" numCol="1" spcCol="0" rtlCol="0" fromWordArt="0" anchor="ctr" anchorCtr="0" forceAA="0" compatLnSpc="1">
+            <a:prstTxWarp prst="textNoShape">
+              <a:avLst/>
+            </a:prstTxWarp>
+            <a:noAutofit/>
+          </a:bodyPr>
+          <a:lstStyle/>
+          <a:p>
+            <a:pPr algn="ctr"/>
+            <a:r>
+              <a:rPr lang="en-US" sz="2400" dirty="0">
+                <a:latin typeface="Yanone Kaffeesatz Light" panose="02000000000000000000" pitchFamily="2" charset="0"/>
+              </a:rPr>
+              <a:t>FrontEnd3</a:t>
+            </a:r>
+            <a:endParaRPr lang="de-CH" sz="2400" dirty="0">
+              <a:latin typeface="Yanone Kaffeesatz Light" panose="02000000000000000000" pitchFamily="2" charset="0"/>
+            </a:endParaRPr>
+          </a:p>
+        </p:txBody>
+      </p:sp>
+      <p:sp>
+        <p:nvSpPr>
+          <p:cNvPr id="6" name="Rectangle 5"/>
+          <p:cNvSpPr/>
+          <p:nvPr/>
+        </p:nvSpPr>
+        <p:spPr>
+          <a:xfrm>
+            <a:off x="1890131" y="240135"/>
+            <a:ext cx="8157117" cy="1337763"/>
+          </a:xfrm>
+          <a:prstGeom prst="rect">
+            <a:avLst/>
+          </a:prstGeom>
+          <a:noFill/>
+          <a:ln w="19050">
+            <a:solidFill>
+              <a:schemeClr val="accent3"/>
+            </a:solidFill>
+          </a:ln>
+        </p:spPr>
+        <p:style>
+          <a:lnRef idx="2">
+            <a:schemeClr val="accent1">
+              <a:shade val="50000"/>
+            </a:schemeClr>
+          </a:lnRef>
+          <a:fillRef idx="1">
+            <a:schemeClr val="accent1"/>
+          </a:fillRef>
+          <a:effectRef idx="0">
+            <a:schemeClr val="accent1"/>
+          </a:effectRef>
+          <a:fontRef idx="minor">
+            <a:schemeClr val="lt1"/>
+          </a:fontRef>
+        </p:style>
+        <p:txBody>
+          <a:bodyPr rtlCol="0" anchor="ctr"/>
+          <a:lstStyle/>
+          <a:p>
+            <a:pPr algn="ctr"/>
+            <a:endParaRPr lang="de-CH"/>
+          </a:p>
+        </p:txBody>
+      </p:sp>
+      <p:sp>
+        <p:nvSpPr>
+          <p:cNvPr id="8" name="Rectangle 7"/>
+          <p:cNvSpPr/>
+          <p:nvPr/>
+        </p:nvSpPr>
+        <p:spPr>
+          <a:xfrm>
+            <a:off x="1890131" y="4609866"/>
+            <a:ext cx="8157117" cy="1689410"/>
+          </a:xfrm>
+          <a:prstGeom prst="rect">
+            <a:avLst/>
+          </a:prstGeom>
+          <a:noFill/>
+          <a:ln w="19050">
+            <a:solidFill>
+              <a:schemeClr val="accent3"/>
+            </a:solidFill>
+          </a:ln>
+        </p:spPr>
+        <p:style>
+          <a:lnRef idx="2">
+            <a:schemeClr val="accent1">
+              <a:shade val="50000"/>
+            </a:schemeClr>
+          </a:lnRef>
+          <a:fillRef idx="1">
+            <a:schemeClr val="accent1"/>
+          </a:fillRef>
+          <a:effectRef idx="0">
+            <a:schemeClr val="accent1"/>
+          </a:effectRef>
+          <a:fontRef idx="minor">
+            <a:schemeClr val="lt1"/>
+          </a:fontRef>
+        </p:style>
+        <p:txBody>
+          <a:bodyPr rtlCol="0" anchor="ctr"/>
+          <a:lstStyle/>
+          <a:p>
+            <a:pPr algn="ctr"/>
+            <a:endParaRPr lang="de-CH"/>
+          </a:p>
+        </p:txBody>
+      </p:sp>
+      <p:sp>
+        <p:nvSpPr>
+          <p:cNvPr id="11" name="Rectangle 10"/>
+          <p:cNvSpPr/>
+          <p:nvPr/>
+        </p:nvSpPr>
+        <p:spPr>
+          <a:xfrm>
+            <a:off x="2748226" y="3364970"/>
+            <a:ext cx="1944303" cy="914400"/>
+          </a:xfrm>
+          <a:prstGeom prst="rect">
+            <a:avLst/>
+          </a:prstGeom>
+          <a:solidFill>
+            <a:schemeClr val="tx2"/>
+          </a:solidFill>
+          <a:ln>
+            <a:noFill/>
+          </a:ln>
+        </p:spPr>
+        <p:style>
+          <a:lnRef idx="2">
+            <a:schemeClr val="accent1">
+              <a:shade val="50000"/>
+            </a:schemeClr>
+          </a:lnRef>
+          <a:fillRef idx="1">
+            <a:schemeClr val="accent1"/>
+          </a:fillRef>
+          <a:effectRef idx="0">
+            <a:schemeClr val="accent1"/>
+          </a:effectRef>
+          <a:fontRef idx="minor">
+            <a:schemeClr val="lt1"/>
+          </a:fontRef>
+        </p:style>
+        <p:txBody>
+          <a:bodyPr rot="0" spcFirstLastPara="0" vertOverflow="overflow" horzOverflow="overflow" vert="horz" wrap="square" lIns="91440" tIns="45720" rIns="91440" bIns="45720" numCol="1" spcCol="0" rtlCol="0" fromWordArt="0" anchor="ctr" anchorCtr="0" forceAA="0" compatLnSpc="1">
+            <a:prstTxWarp prst="textNoShape">
+              <a:avLst/>
+            </a:prstTxWarp>
+            <a:noAutofit/>
+          </a:bodyPr>
+          <a:lstStyle/>
+          <a:p>
+            <a:pPr algn="ctr"/>
+            <a:r>
+              <a:rPr lang="en-US" sz="2400" dirty="0">
+                <a:latin typeface="Yanone Kaffeesatz Light" panose="02000000000000000000" pitchFamily="2" charset="0"/>
+              </a:rPr>
+              <a:t>Stateful1</a:t>
+            </a:r>
+          </a:p>
+          <a:p>
+            <a:pPr algn="ctr"/>
+            <a:r>
+              <a:rPr lang="en-US" sz="1200" dirty="0">
+                <a:latin typeface="Yanone Kaffeesatz Light" panose="02000000000000000000" pitchFamily="2" charset="0"/>
+              </a:rPr>
+              <a:t>Partition 0</a:t>
+            </a:r>
+          </a:p>
+        </p:txBody>
+      </p:sp>
+      <p:sp>
+        <p:nvSpPr>
+          <p:cNvPr id="12" name="Rectangle 11"/>
+          <p:cNvSpPr/>
+          <p:nvPr/>
+        </p:nvSpPr>
+        <p:spPr>
+          <a:xfrm>
+            <a:off x="4813060" y="3364970"/>
+            <a:ext cx="1944303" cy="914400"/>
+          </a:xfrm>
+          <a:prstGeom prst="rect">
+            <a:avLst/>
+          </a:prstGeom>
+          <a:solidFill>
+            <a:schemeClr val="tx2"/>
+          </a:solidFill>
+          <a:ln>
+            <a:noFill/>
+          </a:ln>
+        </p:spPr>
+        <p:style>
+          <a:lnRef idx="2">
+            <a:schemeClr val="accent1">
+              <a:shade val="50000"/>
+            </a:schemeClr>
+          </a:lnRef>
+          <a:fillRef idx="1">
+            <a:schemeClr val="accent1"/>
+          </a:fillRef>
+          <a:effectRef idx="0">
+            <a:schemeClr val="accent1"/>
+          </a:effectRef>
+          <a:fontRef idx="minor">
+            <a:schemeClr val="lt1"/>
+          </a:fontRef>
+        </p:style>
+        <p:txBody>
+          <a:bodyPr rot="0" spcFirstLastPara="0" vertOverflow="overflow" horzOverflow="overflow" vert="horz" wrap="square" lIns="91440" tIns="45720" rIns="91440" bIns="45720" numCol="1" spcCol="0" rtlCol="0" fromWordArt="0" anchor="ctr" anchorCtr="0" forceAA="0" compatLnSpc="1">
+            <a:prstTxWarp prst="textNoShape">
+              <a:avLst/>
+            </a:prstTxWarp>
+            <a:noAutofit/>
+          </a:bodyPr>
+          <a:lstStyle/>
+          <a:p>
+            <a:pPr algn="ctr"/>
+            <a:r>
+              <a:rPr lang="en-US" sz="2400" dirty="0">
+                <a:latin typeface="Yanone Kaffeesatz Light" panose="02000000000000000000" pitchFamily="2" charset="0"/>
+              </a:rPr>
+              <a:t>Stateful2</a:t>
+            </a:r>
+          </a:p>
+          <a:p>
+            <a:pPr algn="ctr"/>
+            <a:r>
+              <a:rPr lang="en-US" sz="1200" dirty="0">
+                <a:latin typeface="Yanone Kaffeesatz Light" panose="02000000000000000000" pitchFamily="2" charset="0"/>
+              </a:rPr>
+              <a:t>Partition 1</a:t>
+            </a:r>
+            <a:endParaRPr lang="de-CH" sz="1200" dirty="0">
+              <a:latin typeface="Yanone Kaffeesatz Light" panose="02000000000000000000" pitchFamily="2" charset="0"/>
+            </a:endParaRPr>
+          </a:p>
+        </p:txBody>
+      </p:sp>
+      <p:sp>
+        <p:nvSpPr>
+          <p:cNvPr id="13" name="Rectangle 12"/>
+          <p:cNvSpPr/>
+          <p:nvPr/>
+        </p:nvSpPr>
+        <p:spPr>
+          <a:xfrm>
+            <a:off x="6877894" y="3364970"/>
+            <a:ext cx="1944303" cy="914400"/>
+          </a:xfrm>
+          <a:prstGeom prst="rect">
+            <a:avLst/>
+          </a:prstGeom>
+          <a:solidFill>
+            <a:schemeClr val="tx2"/>
+          </a:solidFill>
+          <a:ln>
+            <a:noFill/>
+          </a:ln>
+        </p:spPr>
+        <p:style>
+          <a:lnRef idx="2">
+            <a:schemeClr val="accent1">
+              <a:shade val="50000"/>
+            </a:schemeClr>
+          </a:lnRef>
+          <a:fillRef idx="1">
+            <a:schemeClr val="accent1"/>
+          </a:fillRef>
+          <a:effectRef idx="0">
+            <a:schemeClr val="accent1"/>
+          </a:effectRef>
+          <a:fontRef idx="minor">
+            <a:schemeClr val="lt1"/>
+          </a:fontRef>
+        </p:style>
+        <p:txBody>
+          <a:bodyPr rot="0" spcFirstLastPara="0" vertOverflow="overflow" horzOverflow="overflow" vert="horz" wrap="square" lIns="91440" tIns="45720" rIns="91440" bIns="45720" numCol="1" spcCol="0" rtlCol="0" fromWordArt="0" anchor="ctr" anchorCtr="0" forceAA="0" compatLnSpc="1">
+            <a:prstTxWarp prst="textNoShape">
+              <a:avLst/>
+            </a:prstTxWarp>
+            <a:noAutofit/>
+          </a:bodyPr>
+          <a:lstStyle/>
+          <a:p>
+            <a:pPr algn="ctr"/>
+            <a:r>
+              <a:rPr lang="en-US" sz="2400" dirty="0">
+                <a:latin typeface="Yanone Kaffeesatz Light" panose="02000000000000000000" pitchFamily="2" charset="0"/>
+              </a:rPr>
+              <a:t>Stateful3</a:t>
+            </a:r>
+          </a:p>
+          <a:p>
+            <a:pPr algn="ctr"/>
+            <a:r>
+              <a:rPr lang="en-US" sz="1200" dirty="0">
+                <a:latin typeface="Yanone Kaffeesatz Light" panose="02000000000000000000" pitchFamily="2" charset="0"/>
+              </a:rPr>
+              <a:t>Partition 2</a:t>
+            </a:r>
+            <a:endParaRPr lang="de-CH" sz="1200" dirty="0">
+              <a:latin typeface="Yanone Kaffeesatz Light" panose="02000000000000000000" pitchFamily="2" charset="0"/>
+            </a:endParaRPr>
+          </a:p>
+        </p:txBody>
+      </p:sp>
+      <p:sp>
+        <p:nvSpPr>
+          <p:cNvPr id="15" name="Cylinder 14"/>
+          <p:cNvSpPr/>
+          <p:nvPr/>
+        </p:nvSpPr>
+        <p:spPr>
+          <a:xfrm>
+            <a:off x="12672161" y="3918648"/>
+            <a:ext cx="914400" cy="1216152"/>
+          </a:xfrm>
+          <a:prstGeom prst="can">
+            <a:avLst/>
+          </a:prstGeom>
+          <a:solidFill>
+            <a:schemeClr val="tx2"/>
+          </a:solidFill>
+          <a:ln>
+            <a:solidFill>
+              <a:schemeClr val="accent3"/>
+            </a:solidFill>
+          </a:ln>
+        </p:spPr>
+        <p:style>
+          <a:lnRef idx="2">
+            <a:schemeClr val="accent1">
+              <a:shade val="50000"/>
+            </a:schemeClr>
+          </a:lnRef>
+          <a:fillRef idx="1">
+            <a:schemeClr val="accent1"/>
+          </a:fillRef>
+          <a:effectRef idx="0">
+            <a:schemeClr val="accent1"/>
+          </a:effectRef>
+          <a:fontRef idx="minor">
+            <a:schemeClr val="lt1"/>
+          </a:fontRef>
+        </p:style>
+        <p:txBody>
+          <a:bodyPr rtlCol="0" anchor="ctr"/>
+          <a:lstStyle/>
+          <a:p>
+            <a:pPr algn="ctr"/>
+            <a:endParaRPr lang="de-CH"/>
+          </a:p>
+        </p:txBody>
+      </p:sp>
+      <p:sp>
+        <p:nvSpPr>
+          <p:cNvPr id="52" name="Rectangle 51"/>
+          <p:cNvSpPr/>
+          <p:nvPr/>
+        </p:nvSpPr>
+        <p:spPr>
+          <a:xfrm>
+            <a:off x="1890131" y="3153289"/>
+            <a:ext cx="8157117" cy="1337763"/>
+          </a:xfrm>
+          <a:prstGeom prst="rect">
+            <a:avLst/>
+          </a:prstGeom>
+          <a:noFill/>
+          <a:ln w="19050">
+            <a:solidFill>
+              <a:schemeClr val="accent3"/>
+            </a:solidFill>
+          </a:ln>
+        </p:spPr>
+        <p:style>
+          <a:lnRef idx="2">
+            <a:schemeClr val="accent1">
+              <a:shade val="50000"/>
+            </a:schemeClr>
+          </a:lnRef>
+          <a:fillRef idx="1">
+            <a:schemeClr val="accent1"/>
+          </a:fillRef>
+          <a:effectRef idx="0">
+            <a:schemeClr val="accent1"/>
+          </a:effectRef>
+          <a:fontRef idx="minor">
+            <a:schemeClr val="lt1"/>
+          </a:fontRef>
+        </p:style>
+        <p:txBody>
+          <a:bodyPr rtlCol="0" anchor="ctr"/>
+          <a:lstStyle/>
+          <a:p>
+            <a:pPr algn="ctr"/>
+            <a:endParaRPr lang="de-CH"/>
+          </a:p>
+        </p:txBody>
+      </p:sp>
+      <p:sp>
+        <p:nvSpPr>
+          <p:cNvPr id="53" name="Rectangle 52"/>
+          <p:cNvSpPr/>
+          <p:nvPr/>
+        </p:nvSpPr>
+        <p:spPr>
+          <a:xfrm>
+            <a:off x="1890131" y="1696712"/>
+            <a:ext cx="8157117" cy="1337763"/>
+          </a:xfrm>
+          <a:prstGeom prst="rect">
+            <a:avLst/>
+          </a:prstGeom>
+          <a:noFill/>
+          <a:ln w="19050">
+            <a:solidFill>
+              <a:schemeClr val="accent3"/>
+            </a:solidFill>
+          </a:ln>
+        </p:spPr>
+        <p:style>
+          <a:lnRef idx="2">
+            <a:schemeClr val="accent1">
+              <a:shade val="50000"/>
+            </a:schemeClr>
+          </a:lnRef>
+          <a:fillRef idx="1">
+            <a:schemeClr val="accent1"/>
+          </a:fillRef>
+          <a:effectRef idx="0">
+            <a:schemeClr val="accent1"/>
+          </a:effectRef>
+          <a:fontRef idx="minor">
+            <a:schemeClr val="lt1"/>
+          </a:fontRef>
+        </p:style>
+        <p:txBody>
+          <a:bodyPr rtlCol="0" anchor="ctr"/>
+          <a:lstStyle/>
+          <a:p>
+            <a:pPr algn="ctr"/>
+            <a:endParaRPr lang="de-CH"/>
+          </a:p>
+        </p:txBody>
+      </p:sp>
+      <p:sp>
+        <p:nvSpPr>
+          <p:cNvPr id="54" name="Cylinder 53"/>
+          <p:cNvSpPr/>
+          <p:nvPr/>
+        </p:nvSpPr>
+        <p:spPr>
+          <a:xfrm rot="16200000">
+            <a:off x="5328011" y="1761313"/>
+            <a:ext cx="914400" cy="1216152"/>
+          </a:xfrm>
+          <a:prstGeom prst="can">
+            <a:avLst/>
+          </a:prstGeom>
+          <a:solidFill>
+            <a:schemeClr val="accent4"/>
+          </a:solidFill>
+          <a:ln>
+            <a:solidFill>
+              <a:schemeClr val="accent3"/>
+            </a:solidFill>
+          </a:ln>
+        </p:spPr>
+        <p:style>
+          <a:lnRef idx="2">
+            <a:schemeClr val="accent1">
+              <a:shade val="50000"/>
+            </a:schemeClr>
+          </a:lnRef>
+          <a:fillRef idx="1">
+            <a:schemeClr val="accent1"/>
+          </a:fillRef>
+          <a:effectRef idx="0">
+            <a:schemeClr val="accent1"/>
+          </a:effectRef>
+          <a:fontRef idx="minor">
+            <a:schemeClr val="lt1"/>
+          </a:fontRef>
+        </p:style>
+        <p:txBody>
+          <a:bodyPr vert="vert" rtlCol="0" anchor="ctr"/>
+          <a:lstStyle/>
+          <a:p>
+            <a:pPr algn="ctr"/>
+            <a:r>
+              <a:rPr lang="en-US" sz="2400" dirty="0">
+                <a:latin typeface="Yanone Kaffeesatz Light" panose="02000000000000000000" pitchFamily="2" charset="0"/>
+              </a:rPr>
+              <a:t>Queue</a:t>
+            </a:r>
+            <a:endParaRPr lang="de-CH" sz="2400" dirty="0">
+              <a:latin typeface="Yanone Kaffeesatz Light" panose="02000000000000000000" pitchFamily="2" charset="0"/>
+            </a:endParaRPr>
+          </a:p>
+        </p:txBody>
+      </p:sp>
+      <p:sp>
+        <p:nvSpPr>
+          <p:cNvPr id="55" name="TextBox 54"/>
+          <p:cNvSpPr txBox="1"/>
+          <p:nvPr/>
+        </p:nvSpPr>
+        <p:spPr>
+          <a:xfrm>
+            <a:off x="1890131" y="1696712"/>
+            <a:ext cx="1922321" cy="461665"/>
+          </a:xfrm>
+          <a:prstGeom prst="rect">
+            <a:avLst/>
+          </a:prstGeom>
+          <a:noFill/>
+        </p:spPr>
+        <p:txBody>
+          <a:bodyPr wrap="none" rtlCol="0">
+            <a:spAutoFit/>
+          </a:bodyPr>
+          <a:lstStyle/>
+          <a:p>
+            <a:r>
+              <a:rPr lang="en-US" sz="2400" dirty="0">
+                <a:solidFill>
+                  <a:schemeClr val="accent3"/>
+                </a:solidFill>
+                <a:latin typeface="Yanone Kaffeesatz Regular" panose="02000000000000000000" pitchFamily="2" charset="0"/>
+              </a:rPr>
+              <a:t>Broker Middleware</a:t>
+            </a:r>
+            <a:endParaRPr lang="de-CH" sz="2400" dirty="0">
+              <a:solidFill>
+                <a:schemeClr val="accent3"/>
+              </a:solidFill>
+              <a:latin typeface="Yanone Kaffeesatz Regular" panose="02000000000000000000" pitchFamily="2" charset="0"/>
+            </a:endParaRPr>
+          </a:p>
+        </p:txBody>
+      </p:sp>
+      <p:cxnSp>
+        <p:nvCxnSpPr>
+          <p:cNvPr id="56" name="Straight Arrow Connector 55"/>
+          <p:cNvCxnSpPr>
+            <a:cxnSpLocks/>
+            <a:stCxn id="3" idx="2"/>
+            <a:endCxn id="54" idx="4"/>
+          </p:cNvCxnSpPr>
+          <p:nvPr/>
+        </p:nvCxnSpPr>
+        <p:spPr>
+          <a:xfrm>
+            <a:off x="3720378" y="1380735"/>
+            <a:ext cx="2064833" cy="531454"/>
+          </a:xfrm>
+          <a:prstGeom prst="straightConnector1">
+            <a:avLst/>
+          </a:prstGeom>
+          <a:ln w="19050">
+            <a:solidFill>
+              <a:schemeClr val="accent4"/>
+            </a:solidFill>
+            <a:tailEnd type="triangle"/>
+          </a:ln>
+        </p:spPr>
+        <p:style>
+          <a:lnRef idx="1">
+            <a:schemeClr val="accent1"/>
+          </a:lnRef>
+          <a:fillRef idx="0">
+            <a:schemeClr val="accent1"/>
+          </a:fillRef>
+          <a:effectRef idx="0">
+            <a:schemeClr val="accent1"/>
+          </a:effectRef>
+          <a:fontRef idx="minor">
+            <a:schemeClr val="tx1"/>
+          </a:fontRef>
+        </p:style>
+      </p:cxnSp>
+      <p:cxnSp>
+        <p:nvCxnSpPr>
+          <p:cNvPr id="59" name="Straight Arrow Connector 58"/>
+          <p:cNvCxnSpPr>
+            <a:cxnSpLocks/>
+            <a:stCxn id="4" idx="2"/>
+            <a:endCxn id="54" idx="4"/>
+          </p:cNvCxnSpPr>
+          <p:nvPr/>
+        </p:nvCxnSpPr>
+        <p:spPr>
+          <a:xfrm flipH="1">
+            <a:off x="5785211" y="1380735"/>
+            <a:ext cx="1" cy="531454"/>
+          </a:xfrm>
+          <a:prstGeom prst="straightConnector1">
+            <a:avLst/>
+          </a:prstGeom>
+          <a:ln w="19050">
+            <a:solidFill>
+              <a:schemeClr val="accent4"/>
+            </a:solidFill>
+            <a:tailEnd type="triangle"/>
+          </a:ln>
+        </p:spPr>
+        <p:style>
+          <a:lnRef idx="1">
+            <a:schemeClr val="accent1"/>
+          </a:lnRef>
+          <a:fillRef idx="0">
+            <a:schemeClr val="accent1"/>
+          </a:fillRef>
+          <a:effectRef idx="0">
+            <a:schemeClr val="accent1"/>
+          </a:effectRef>
+          <a:fontRef idx="minor">
+            <a:schemeClr val="tx1"/>
+          </a:fontRef>
+        </p:style>
+      </p:cxnSp>
+      <p:cxnSp>
+        <p:nvCxnSpPr>
+          <p:cNvPr id="62" name="Straight Arrow Connector 61"/>
+          <p:cNvCxnSpPr>
+            <a:cxnSpLocks/>
+            <a:stCxn id="5" idx="2"/>
+            <a:endCxn id="54" idx="4"/>
+          </p:cNvCxnSpPr>
+          <p:nvPr/>
+        </p:nvCxnSpPr>
+        <p:spPr>
+          <a:xfrm flipH="1">
+            <a:off x="5785211" y="1380735"/>
+            <a:ext cx="2064835" cy="531454"/>
+          </a:xfrm>
+          <a:prstGeom prst="straightConnector1">
+            <a:avLst/>
+          </a:prstGeom>
+          <a:ln w="19050">
+            <a:solidFill>
+              <a:schemeClr val="accent4"/>
+            </a:solidFill>
+            <a:tailEnd type="triangle"/>
+          </a:ln>
+        </p:spPr>
+        <p:style>
+          <a:lnRef idx="1">
+            <a:schemeClr val="accent1"/>
+          </a:lnRef>
+          <a:fillRef idx="0">
+            <a:schemeClr val="accent1"/>
+          </a:fillRef>
+          <a:effectRef idx="0">
+            <a:schemeClr val="accent1"/>
+          </a:effectRef>
+          <a:fontRef idx="minor">
+            <a:schemeClr val="tx1"/>
+          </a:fontRef>
+        </p:style>
+      </p:cxnSp>
+      <p:cxnSp>
+        <p:nvCxnSpPr>
+          <p:cNvPr id="65" name="Straight Arrow Connector 64"/>
+          <p:cNvCxnSpPr>
+            <a:cxnSpLocks/>
+            <a:stCxn id="54" idx="2"/>
+            <a:endCxn id="11" idx="0"/>
+          </p:cNvCxnSpPr>
+          <p:nvPr/>
+        </p:nvCxnSpPr>
+        <p:spPr>
+          <a:xfrm flipH="1">
+            <a:off x="3720378" y="2826589"/>
+            <a:ext cx="2064833" cy="538381"/>
+          </a:xfrm>
+          <a:prstGeom prst="straightConnector1">
+            <a:avLst/>
+          </a:prstGeom>
+          <a:ln w="19050">
+            <a:solidFill>
+              <a:schemeClr val="accent4"/>
+            </a:solidFill>
+            <a:tailEnd type="triangle"/>
+          </a:ln>
+        </p:spPr>
+        <p:style>
+          <a:lnRef idx="1">
+            <a:schemeClr val="accent1"/>
+          </a:lnRef>
+          <a:fillRef idx="0">
+            <a:schemeClr val="accent1"/>
+          </a:fillRef>
+          <a:effectRef idx="0">
+            <a:schemeClr val="accent1"/>
+          </a:effectRef>
+          <a:fontRef idx="minor">
+            <a:schemeClr val="tx1"/>
+          </a:fontRef>
+        </p:style>
+      </p:cxnSp>
+      <p:cxnSp>
+        <p:nvCxnSpPr>
+          <p:cNvPr id="68" name="Straight Arrow Connector 67"/>
+          <p:cNvCxnSpPr>
+            <a:cxnSpLocks/>
+            <a:stCxn id="54" idx="2"/>
+            <a:endCxn id="12" idx="0"/>
+          </p:cNvCxnSpPr>
+          <p:nvPr/>
+        </p:nvCxnSpPr>
+        <p:spPr>
+          <a:xfrm>
+            <a:off x="5785211" y="2826589"/>
+            <a:ext cx="1" cy="538381"/>
+          </a:xfrm>
+          <a:prstGeom prst="straightConnector1">
+            <a:avLst/>
+          </a:prstGeom>
+          <a:ln w="19050">
+            <a:solidFill>
+              <a:schemeClr val="accent4"/>
+            </a:solidFill>
+            <a:tailEnd type="triangle"/>
+          </a:ln>
+        </p:spPr>
+        <p:style>
+          <a:lnRef idx="1">
+            <a:schemeClr val="accent1"/>
+          </a:lnRef>
+          <a:fillRef idx="0">
+            <a:schemeClr val="accent1"/>
+          </a:fillRef>
+          <a:effectRef idx="0">
+            <a:schemeClr val="accent1"/>
+          </a:effectRef>
+          <a:fontRef idx="minor">
+            <a:schemeClr val="tx1"/>
+          </a:fontRef>
+        </p:style>
+      </p:cxnSp>
+      <p:cxnSp>
+        <p:nvCxnSpPr>
+          <p:cNvPr id="71" name="Straight Arrow Connector 70"/>
+          <p:cNvCxnSpPr>
+            <a:cxnSpLocks/>
+            <a:stCxn id="54" idx="2"/>
+            <a:endCxn id="13" idx="0"/>
+          </p:cNvCxnSpPr>
+          <p:nvPr/>
+        </p:nvCxnSpPr>
+        <p:spPr>
+          <a:xfrm>
+            <a:off x="5785211" y="2826589"/>
+            <a:ext cx="2064835" cy="538381"/>
+          </a:xfrm>
+          <a:prstGeom prst="straightConnector1">
+            <a:avLst/>
+          </a:prstGeom>
+          <a:ln w="19050">
+            <a:solidFill>
+              <a:schemeClr val="accent4"/>
+            </a:solidFill>
+            <a:tailEnd type="triangle"/>
+          </a:ln>
+        </p:spPr>
+        <p:style>
+          <a:lnRef idx="1">
+            <a:schemeClr val="accent1"/>
+          </a:lnRef>
+          <a:fillRef idx="0">
+            <a:schemeClr val="accent1"/>
+          </a:fillRef>
+          <a:effectRef idx="0">
+            <a:schemeClr val="accent1"/>
+          </a:effectRef>
+          <a:fontRef idx="minor">
+            <a:schemeClr val="tx1"/>
+          </a:fontRef>
+        </p:style>
+      </p:cxnSp>
+      <p:sp>
+        <p:nvSpPr>
+          <p:cNvPr id="24" name="Cylinder 23">
+            <a:extLst>
+              <a:ext uri="{FF2B5EF4-FFF2-40B4-BE49-F238E27FC236}">
+                <a16:creationId xmlns:a16="http://schemas.microsoft.com/office/drawing/2014/main" id="{F81C6C02-6F0B-45FF-A93D-46190E61D318}"/>
+              </a:ext>
+            </a:extLst>
+          </p:cNvPr>
+          <p:cNvSpPr/>
+          <p:nvPr/>
+        </p:nvSpPr>
+        <p:spPr>
+          <a:xfrm>
+            <a:off x="4252981" y="3995513"/>
+            <a:ext cx="394298" cy="389698"/>
+          </a:xfrm>
+          <a:prstGeom prst="can">
+            <a:avLst/>
+          </a:prstGeom>
+          <a:solidFill>
+            <a:schemeClr val="tx2"/>
+          </a:solidFill>
+          <a:ln>
+            <a:solidFill>
+              <a:schemeClr val="accent3"/>
+            </a:solidFill>
+          </a:ln>
+        </p:spPr>
+        <p:style>
+          <a:lnRef idx="2">
+            <a:schemeClr val="accent1">
+              <a:shade val="50000"/>
+            </a:schemeClr>
+          </a:lnRef>
+          <a:fillRef idx="1">
+            <a:schemeClr val="accent1"/>
+          </a:fillRef>
+          <a:effectRef idx="0">
+            <a:schemeClr val="accent1"/>
+          </a:effectRef>
+          <a:fontRef idx="minor">
+            <a:schemeClr val="lt1"/>
+          </a:fontRef>
+        </p:style>
+        <p:txBody>
+          <a:bodyPr rtlCol="0" anchor="ctr"/>
+          <a:lstStyle/>
+          <a:p>
+            <a:pPr algn="ctr"/>
+            <a:r>
+              <a:rPr lang="de-CH" sz="1200" dirty="0"/>
+              <a:t>RC</a:t>
+            </a:r>
+          </a:p>
+        </p:txBody>
+      </p:sp>
+      <p:sp>
+        <p:nvSpPr>
+          <p:cNvPr id="25" name="Cylinder 24">
+            <a:extLst>
+              <a:ext uri="{FF2B5EF4-FFF2-40B4-BE49-F238E27FC236}">
+                <a16:creationId xmlns:a16="http://schemas.microsoft.com/office/drawing/2014/main" id="{23A02D66-E16A-4DA3-89D1-7CD4814C1222}"/>
+              </a:ext>
+            </a:extLst>
+          </p:cNvPr>
+          <p:cNvSpPr/>
+          <p:nvPr/>
+        </p:nvSpPr>
+        <p:spPr>
+          <a:xfrm>
+            <a:off x="6301416" y="4008486"/>
+            <a:ext cx="394298" cy="389698"/>
+          </a:xfrm>
+          <a:prstGeom prst="can">
+            <a:avLst/>
+          </a:prstGeom>
+          <a:solidFill>
+            <a:schemeClr val="tx2"/>
+          </a:solidFill>
+          <a:ln>
+            <a:solidFill>
+              <a:schemeClr val="accent3"/>
+            </a:solidFill>
+          </a:ln>
+        </p:spPr>
+        <p:style>
+          <a:lnRef idx="2">
+            <a:schemeClr val="accent1">
+              <a:shade val="50000"/>
+            </a:schemeClr>
+          </a:lnRef>
+          <a:fillRef idx="1">
+            <a:schemeClr val="accent1"/>
+          </a:fillRef>
+          <a:effectRef idx="0">
+            <a:schemeClr val="accent1"/>
+          </a:effectRef>
+          <a:fontRef idx="minor">
+            <a:schemeClr val="lt1"/>
+          </a:fontRef>
+        </p:style>
+        <p:txBody>
+          <a:bodyPr rtlCol="0" anchor="ctr"/>
+          <a:lstStyle/>
+          <a:p>
+            <a:pPr algn="ctr"/>
+            <a:r>
+              <a:rPr lang="de-CH" sz="1200" dirty="0"/>
+              <a:t>RC</a:t>
+            </a:r>
+          </a:p>
+        </p:txBody>
+      </p:sp>
+      <p:sp>
+        <p:nvSpPr>
+          <p:cNvPr id="26" name="Cylinder 25">
+            <a:extLst>
+              <a:ext uri="{FF2B5EF4-FFF2-40B4-BE49-F238E27FC236}">
+                <a16:creationId xmlns:a16="http://schemas.microsoft.com/office/drawing/2014/main" id="{E722D9A1-E9E1-4FD1-ABBD-8D30E533ED7F}"/>
+              </a:ext>
+            </a:extLst>
+          </p:cNvPr>
+          <p:cNvSpPr/>
+          <p:nvPr/>
+        </p:nvSpPr>
+        <p:spPr>
+          <a:xfrm>
+            <a:off x="8363066" y="3965912"/>
+            <a:ext cx="394298" cy="389698"/>
+          </a:xfrm>
+          <a:prstGeom prst="can">
+            <a:avLst/>
+          </a:prstGeom>
+          <a:solidFill>
+            <a:schemeClr val="tx2"/>
+          </a:solidFill>
+          <a:ln>
+            <a:solidFill>
+              <a:schemeClr val="accent3"/>
+            </a:solidFill>
+          </a:ln>
+        </p:spPr>
+        <p:style>
+          <a:lnRef idx="2">
+            <a:schemeClr val="accent1">
+              <a:shade val="50000"/>
+            </a:schemeClr>
+          </a:lnRef>
+          <a:fillRef idx="1">
+            <a:schemeClr val="accent1"/>
+          </a:fillRef>
+          <a:effectRef idx="0">
+            <a:schemeClr val="accent1"/>
+          </a:effectRef>
+          <a:fontRef idx="minor">
+            <a:schemeClr val="lt1"/>
+          </a:fontRef>
+        </p:style>
+        <p:txBody>
+          <a:bodyPr rtlCol="0" anchor="ctr"/>
+          <a:lstStyle/>
+          <a:p>
+            <a:pPr algn="ctr"/>
+            <a:r>
+              <a:rPr lang="de-CH" sz="1200" dirty="0"/>
+              <a:t>RC</a:t>
+            </a:r>
+          </a:p>
+        </p:txBody>
+      </p:sp>
+    </p:spTree>
+    <p:extLst>
+      <p:ext uri="{BB962C8B-B14F-4D97-AF65-F5344CB8AC3E}">
+        <p14:creationId xmlns:p14="http://schemas.microsoft.com/office/powerpoint/2010/main" val="448584050"/>
+      </p:ext>
+    </p:extLst>
+  </p:cSld>
+  <p:clrMapOvr>
+    <a:masterClrMapping/>
+  </p:clrMapOvr>
+</p:sld>
+</file>
+
+<file path=ppt/slides/slide11.xml><?xml version="1.0" encoding="utf-8"?>
+<p:sld xmlns:a="http://schemas.openxmlformats.org/drawingml/2006/main" xmlns:r="http://schemas.openxmlformats.org/officeDocument/2006/relationships" xmlns:p="http://schemas.openxmlformats.org/presentationml/2006/main">
+  <p:cSld>
+    <p:spTree>
+      <p:nvGrpSpPr>
+        <p:cNvPr id="1" name=""/>
+        <p:cNvGrpSpPr/>
+        <p:nvPr/>
+      </p:nvGrpSpPr>
+      <p:grpSpPr>
+        <a:xfrm>
+          <a:off x="0" y="0"/>
+          <a:ext cx="0" cy="0"/>
+          <a:chOff x="0" y="0"/>
+          <a:chExt cx="0" cy="0"/>
+        </a:xfrm>
+      </p:grpSpPr>
+      <p:sp>
+        <p:nvSpPr>
+          <p:cNvPr id="2" name="Title 1">
+            <a:extLst>
+              <a:ext uri="{FF2B5EF4-FFF2-40B4-BE49-F238E27FC236}">
+                <a16:creationId xmlns:a16="http://schemas.microsoft.com/office/drawing/2014/main" id="{D17F9921-508B-47D3-8E31-EA0F6C35F3BE}"/>
+              </a:ext>
+            </a:extLst>
+          </p:cNvPr>
+          <p:cNvSpPr>
+            <a:spLocks noGrp="1"/>
+          </p:cNvSpPr>
+          <p:nvPr>
+            <p:ph type="title"/>
+          </p:nvPr>
+        </p:nvSpPr>
+        <p:spPr/>
+        <p:txBody>
+          <a:bodyPr/>
+          <a:lstStyle/>
+          <a:p>
+            <a:r>
+              <a:rPr lang="en-US" dirty="0"/>
+              <a:t>Accessing your collection session</a:t>
+            </a:r>
+          </a:p>
+        </p:txBody>
+      </p:sp>
+      <p:sp>
+        <p:nvSpPr>
+          <p:cNvPr id="3" name="Content Placeholder 2">
+            <a:extLst>
+              <a:ext uri="{FF2B5EF4-FFF2-40B4-BE49-F238E27FC236}">
+                <a16:creationId xmlns:a16="http://schemas.microsoft.com/office/drawing/2014/main" id="{BE3AF048-776E-4679-8C4C-9117F30D71B9}"/>
+              </a:ext>
+            </a:extLst>
+          </p:cNvPr>
+          <p:cNvSpPr>
+            <a:spLocks noGrp="1"/>
+          </p:cNvSpPr>
+          <p:nvPr>
+            <p:ph idx="1"/>
+          </p:nvPr>
+        </p:nvSpPr>
+        <p:spPr/>
+        <p:txBody>
+          <a:bodyPr/>
+          <a:lstStyle/>
+          <a:p>
+            <a:pPr marL="0" indent="0">
+              <a:buNone/>
+            </a:pPr>
+            <a:endParaRPr lang="en-US" dirty="0"/>
+          </a:p>
+        </p:txBody>
+      </p:sp>
+    </p:spTree>
+    <p:extLst>
+      <p:ext uri="{BB962C8B-B14F-4D97-AF65-F5344CB8AC3E}">
+        <p14:creationId xmlns:p14="http://schemas.microsoft.com/office/powerpoint/2010/main" val="2402366213"/>
+      </p:ext>
+    </p:extLst>
+  </p:cSld>
+  <p:clrMapOvr>
+    <a:masterClrMapping/>
+  </p:clrMapOvr>
+</p:sld>
+</file>
+
+<file path=ppt/slides/slide12.xml><?xml version="1.0" encoding="utf-8"?>
+<p:sld xmlns:a="http://schemas.openxmlformats.org/drawingml/2006/main" xmlns:r="http://schemas.openxmlformats.org/officeDocument/2006/relationships" xmlns:p="http://schemas.openxmlformats.org/presentationml/2006/main">
+  <p:cSld>
+    <p:spTree>
+      <p:nvGrpSpPr>
+        <p:cNvPr id="1" name=""/>
+        <p:cNvGrpSpPr/>
+        <p:nvPr/>
+      </p:nvGrpSpPr>
+      <p:grpSpPr>
+        <a:xfrm>
+          <a:off x="0" y="0"/>
+          <a:ext cx="0" cy="0"/>
+          <a:chOff x="0" y="0"/>
+          <a:chExt cx="0" cy="0"/>
+        </a:xfrm>
+      </p:grpSpPr>
+      <p:sp>
+        <p:nvSpPr>
+          <p:cNvPr id="2" name="Title 1">
+            <a:extLst>
+              <a:ext uri="{FF2B5EF4-FFF2-40B4-BE49-F238E27FC236}">
+                <a16:creationId xmlns:a16="http://schemas.microsoft.com/office/drawing/2014/main" id="{7CF6EE03-6234-483F-BDCF-DBAF4A279F5E}"/>
+              </a:ext>
+            </a:extLst>
+          </p:cNvPr>
+          <p:cNvSpPr>
+            <a:spLocks noGrp="1"/>
+          </p:cNvSpPr>
+          <p:nvPr>
+            <p:ph type="title"/>
+          </p:nvPr>
+        </p:nvSpPr>
+        <p:spPr/>
+        <p:txBody>
+          <a:bodyPr/>
+          <a:lstStyle/>
+          <a:p>
+            <a:pPr lvl="0"/>
+            <a:r>
+              <a:rPr lang="en-US" dirty="0"/>
+              <a:t>NSB</a:t>
+            </a:r>
+            <a:r>
+              <a:rPr lang="en-US" baseline="0" dirty="0"/>
+              <a:t> SF Persistence (</a:t>
+            </a:r>
+            <a:r>
+              <a:rPr lang="en-US" baseline="0" dirty="0" err="1"/>
+              <a:t>stateful</a:t>
+            </a:r>
+            <a:r>
+              <a:rPr lang="en-US" baseline="0" dirty="0"/>
+              <a:t> queue)</a:t>
+            </a:r>
+            <a:endParaRPr lang="en-US" dirty="0"/>
+          </a:p>
+        </p:txBody>
+      </p:sp>
+      <p:sp>
+        <p:nvSpPr>
+          <p:cNvPr id="3" name="Content Placeholder 2">
+            <a:extLst>
+              <a:ext uri="{FF2B5EF4-FFF2-40B4-BE49-F238E27FC236}">
+                <a16:creationId xmlns:a16="http://schemas.microsoft.com/office/drawing/2014/main" id="{6BCC4B54-4123-4780-AA78-BDDFC35DCCD3}"/>
+              </a:ext>
+            </a:extLst>
+          </p:cNvPr>
+          <p:cNvSpPr>
+            <a:spLocks noGrp="1"/>
+          </p:cNvSpPr>
+          <p:nvPr>
+            <p:ph idx="1"/>
+          </p:nvPr>
+        </p:nvSpPr>
+        <p:spPr/>
+        <p:txBody>
+          <a:bodyPr/>
+          <a:lstStyle/>
+          <a:p>
+            <a:r>
+              <a:rPr lang="en-US" dirty="0"/>
+              <a:t>Saga</a:t>
+            </a:r>
+            <a:r>
+              <a:rPr lang="en-US" baseline="0" dirty="0"/>
+              <a:t> storage</a:t>
+            </a:r>
+            <a:endParaRPr lang="en-US" dirty="0"/>
+          </a:p>
+        </p:txBody>
+      </p:sp>
+    </p:spTree>
+    <p:extLst>
+      <p:ext uri="{BB962C8B-B14F-4D97-AF65-F5344CB8AC3E}">
+        <p14:creationId xmlns:p14="http://schemas.microsoft.com/office/powerpoint/2010/main" val="3186495205"/>
+      </p:ext>
+    </p:extLst>
+  </p:cSld>
+  <p:clrMapOvr>
+    <a:masterClrMapping/>
+  </p:clrMapOvr>
+</p:sld>
+</file>
+
+<file path=ppt/slides/slide13.xml><?xml version="1.0" encoding="utf-8"?>
+<p:sld xmlns:a="http://schemas.openxmlformats.org/drawingml/2006/main" xmlns:r="http://schemas.openxmlformats.org/officeDocument/2006/relationships" xmlns:p="http://schemas.openxmlformats.org/presentationml/2006/main">
+  <p:cSld>
+    <p:spTree>
+      <p:nvGrpSpPr>
+        <p:cNvPr id="1" name=""/>
+        <p:cNvGrpSpPr/>
+        <p:nvPr/>
+      </p:nvGrpSpPr>
+      <p:grpSpPr>
+        <a:xfrm>
+          <a:off x="0" y="0"/>
+          <a:ext cx="0" cy="0"/>
+          <a:chOff x="0" y="0"/>
+          <a:chExt cx="0" cy="0"/>
+        </a:xfrm>
+      </p:grpSpPr>
+      <p:sp>
+        <p:nvSpPr>
+          <p:cNvPr id="2" name="Title 1">
+            <a:extLst>
+              <a:ext uri="{FF2B5EF4-FFF2-40B4-BE49-F238E27FC236}">
+                <a16:creationId xmlns:a16="http://schemas.microsoft.com/office/drawing/2014/main" id="{73347E7C-035B-4DA2-BDC9-48A8A82CDCD5}"/>
+              </a:ext>
+            </a:extLst>
+          </p:cNvPr>
+          <p:cNvSpPr>
+            <a:spLocks noGrp="1"/>
+          </p:cNvSpPr>
+          <p:nvPr>
+            <p:ph type="title"/>
+          </p:nvPr>
+        </p:nvSpPr>
+        <p:spPr/>
+        <p:txBody>
+          <a:bodyPr/>
+          <a:lstStyle/>
+          <a:p>
+            <a:r>
+              <a:rPr lang="en-US" dirty="0"/>
+              <a:t>Routing your</a:t>
+            </a:r>
+            <a:r>
+              <a:rPr lang="en-US" baseline="0" dirty="0"/>
+              <a:t> partitioned </a:t>
+            </a:r>
+            <a:r>
+              <a:rPr lang="en-US" dirty="0"/>
+              <a:t>queue</a:t>
+            </a:r>
+          </a:p>
+        </p:txBody>
+      </p:sp>
+      <p:sp>
+        <p:nvSpPr>
+          <p:cNvPr id="3" name="Content Placeholder 2">
+            <a:extLst>
+              <a:ext uri="{FF2B5EF4-FFF2-40B4-BE49-F238E27FC236}">
+                <a16:creationId xmlns:a16="http://schemas.microsoft.com/office/drawing/2014/main" id="{843CE606-7275-42C0-AC76-AA91BB66789F}"/>
+              </a:ext>
+            </a:extLst>
+          </p:cNvPr>
+          <p:cNvSpPr>
+            <a:spLocks noGrp="1"/>
+          </p:cNvSpPr>
+          <p:nvPr>
+            <p:ph idx="1"/>
+          </p:nvPr>
+        </p:nvSpPr>
+        <p:spPr/>
+        <p:txBody>
+          <a:bodyPr/>
+          <a:lstStyle/>
+          <a:p>
+            <a:r>
+              <a:rPr lang="en-US" dirty="0"/>
+              <a:t>RCD / SSD</a:t>
+            </a:r>
+          </a:p>
+          <a:p>
+            <a:r>
+              <a:rPr lang="en-US" dirty="0"/>
+              <a:t>In Cluster / Outside of Cluster</a:t>
+            </a:r>
+          </a:p>
+        </p:txBody>
+      </p:sp>
+    </p:spTree>
+    <p:extLst>
+      <p:ext uri="{BB962C8B-B14F-4D97-AF65-F5344CB8AC3E}">
+        <p14:creationId xmlns:p14="http://schemas.microsoft.com/office/powerpoint/2010/main" val="632078664"/>
+      </p:ext>
+    </p:extLst>
+  </p:cSld>
+  <p:clrMapOvr>
+    <a:masterClrMapping/>
+  </p:clrMapOvr>
+</p:sld>
+</file>
+
 <file path=ppt/slides/slide2.xml><?xml version="1.0" encoding="utf-8"?>
 <p:sld xmlns:a="http://schemas.openxmlformats.org/drawingml/2006/main" xmlns:r="http://schemas.openxmlformats.org/officeDocument/2006/relationships" xmlns:p="http://schemas.openxmlformats.org/presentationml/2006/main">
   <p:cSld>
@@ -3423,76 +5573,1301 @@
       </p:grpSpPr>
       <p:sp>
         <p:nvSpPr>
-          <p:cNvPr id="2" name="Title 1">
-            <a:extLst>
-              <a:ext uri="{FF2B5EF4-FFF2-40B4-BE49-F238E27FC236}">
-                <a16:creationId xmlns:a16="http://schemas.microsoft.com/office/drawing/2014/main" id="{A1FD19D9-3D02-418F-B84B-A6DBA21D847E}"/>
-              </a:ext>
-            </a:extLst>
-          </p:cNvPr>
-          <p:cNvSpPr>
-            <a:spLocks noGrp="1"/>
-          </p:cNvSpPr>
-          <p:nvPr>
-            <p:ph type="title"/>
-          </p:nvPr>
-        </p:nvSpPr>
-        <p:spPr/>
-        <p:txBody>
-          <a:bodyPr/>
-          <a:lstStyle/>
-          <a:p>
-            <a:r>
-              <a:rPr lang="en-US" dirty="0"/>
-              <a:t>SF with all / RPC </a:t>
-            </a:r>
-          </a:p>
-        </p:txBody>
-      </p:sp>
-      <p:sp>
-        <p:nvSpPr>
-          <p:cNvPr id="3" name="Content Placeholder 2">
-            <a:extLst>
-              <a:ext uri="{FF2B5EF4-FFF2-40B4-BE49-F238E27FC236}">
-                <a16:creationId xmlns:a16="http://schemas.microsoft.com/office/drawing/2014/main" id="{911AC50C-7035-48A8-9B6D-F1DA6009AD0F}"/>
-              </a:ext>
-            </a:extLst>
-          </p:cNvPr>
-          <p:cNvSpPr>
-            <a:spLocks noGrp="1"/>
-          </p:cNvSpPr>
-          <p:nvPr>
-            <p:ph idx="1"/>
-          </p:nvPr>
-        </p:nvSpPr>
-        <p:spPr/>
-        <p:txBody>
-          <a:bodyPr/>
-          <a:lstStyle/>
-          <a:p>
-            <a:r>
-              <a:rPr lang="en-US" dirty="0"/>
-              <a:t>Diagram Front/Back End</a:t>
-            </a:r>
-          </a:p>
-          <a:p>
-            <a:r>
-              <a:rPr lang="en-US" dirty="0"/>
-              <a:t>Control Throughput</a:t>
-            </a:r>
-          </a:p>
-          <a:p>
-            <a:r>
-              <a:rPr lang="en-US" dirty="0"/>
-              <a:t>Retries</a:t>
-            </a:r>
-          </a:p>
-        </p:txBody>
-      </p:sp>
+          <p:cNvPr id="3" name="Rectangle 2">
+            <a:extLst>
+              <a:ext uri="{FF2B5EF4-FFF2-40B4-BE49-F238E27FC236}">
+                <a16:creationId xmlns:a16="http://schemas.microsoft.com/office/drawing/2014/main" id="{98AD3AEC-104D-455F-BEE7-63086C9B0EBC}"/>
+              </a:ext>
+            </a:extLst>
+          </p:cNvPr>
+          <p:cNvSpPr/>
+          <p:nvPr/>
+        </p:nvSpPr>
+        <p:spPr>
+          <a:xfrm>
+            <a:off x="1754347" y="2971800"/>
+            <a:ext cx="1375848" cy="914400"/>
+          </a:xfrm>
+          <a:prstGeom prst="rect">
+            <a:avLst/>
+          </a:prstGeom>
+          <a:solidFill>
+            <a:schemeClr val="accent4"/>
+          </a:solidFill>
+          <a:ln>
+            <a:noFill/>
+          </a:ln>
+        </p:spPr>
+        <p:style>
+          <a:lnRef idx="2">
+            <a:schemeClr val="accent1">
+              <a:shade val="50000"/>
+            </a:schemeClr>
+          </a:lnRef>
+          <a:fillRef idx="1">
+            <a:schemeClr val="accent1"/>
+          </a:fillRef>
+          <a:effectRef idx="0">
+            <a:schemeClr val="accent1"/>
+          </a:effectRef>
+          <a:fontRef idx="minor">
+            <a:schemeClr val="lt1"/>
+          </a:fontRef>
+        </p:style>
+        <p:txBody>
+          <a:bodyPr rtlCol="0" anchor="ctr"/>
+          <a:lstStyle/>
+          <a:p>
+            <a:pPr algn="ctr"/>
+            <a:r>
+              <a:rPr lang="en-US" sz="2400" dirty="0">
+                <a:latin typeface="Yanone Kaffeesatz Light" panose="02000000000000000000" pitchFamily="2" charset="0"/>
+              </a:rPr>
+              <a:t>Load Balancer</a:t>
+            </a:r>
+            <a:endParaRPr lang="de-CH" sz="1200" dirty="0">
+              <a:latin typeface="Yanone Kaffeesatz Light" panose="02000000000000000000" pitchFamily="2" charset="0"/>
+            </a:endParaRPr>
+          </a:p>
+        </p:txBody>
+      </p:sp>
+      <p:sp>
+        <p:nvSpPr>
+          <p:cNvPr id="4" name="Rectangle 3">
+            <a:extLst>
+              <a:ext uri="{FF2B5EF4-FFF2-40B4-BE49-F238E27FC236}">
+                <a16:creationId xmlns:a16="http://schemas.microsoft.com/office/drawing/2014/main" id="{2D6A2368-ECFC-4441-BBB1-5596310C68F0}"/>
+              </a:ext>
+            </a:extLst>
+          </p:cNvPr>
+          <p:cNvSpPr/>
+          <p:nvPr/>
+        </p:nvSpPr>
+        <p:spPr>
+          <a:xfrm>
+            <a:off x="3305173" y="388621"/>
+            <a:ext cx="2174014" cy="6080759"/>
+          </a:xfrm>
+          <a:prstGeom prst="rect">
+            <a:avLst/>
+          </a:prstGeom>
+          <a:noFill/>
+          <a:ln w="19050">
+            <a:solidFill>
+              <a:schemeClr val="accent3"/>
+            </a:solidFill>
+          </a:ln>
+        </p:spPr>
+        <p:style>
+          <a:lnRef idx="2">
+            <a:schemeClr val="accent1">
+              <a:shade val="50000"/>
+            </a:schemeClr>
+          </a:lnRef>
+          <a:fillRef idx="1">
+            <a:schemeClr val="accent1"/>
+          </a:fillRef>
+          <a:effectRef idx="0">
+            <a:schemeClr val="accent1"/>
+          </a:effectRef>
+          <a:fontRef idx="minor">
+            <a:schemeClr val="lt1"/>
+          </a:fontRef>
+        </p:style>
+        <p:txBody>
+          <a:bodyPr rtlCol="0" anchor="ctr"/>
+          <a:lstStyle/>
+          <a:p>
+            <a:pPr algn="ctr"/>
+            <a:endParaRPr lang="de-CH"/>
+          </a:p>
+        </p:txBody>
+      </p:sp>
+      <p:sp>
+        <p:nvSpPr>
+          <p:cNvPr id="5" name="TextBox 4">
+            <a:extLst>
+              <a:ext uri="{FF2B5EF4-FFF2-40B4-BE49-F238E27FC236}">
+                <a16:creationId xmlns:a16="http://schemas.microsoft.com/office/drawing/2014/main" id="{729D1261-3F0E-4347-99DA-6E4CEE2DBA3D}"/>
+              </a:ext>
+            </a:extLst>
+          </p:cNvPr>
+          <p:cNvSpPr txBox="1"/>
+          <p:nvPr/>
+        </p:nvSpPr>
+        <p:spPr>
+          <a:xfrm>
+            <a:off x="3305174" y="472451"/>
+            <a:ext cx="2174014" cy="461665"/>
+          </a:xfrm>
+          <a:prstGeom prst="rect">
+            <a:avLst/>
+          </a:prstGeom>
+          <a:noFill/>
+        </p:spPr>
+        <p:txBody>
+          <a:bodyPr wrap="square" rtlCol="0">
+            <a:spAutoFit/>
+          </a:bodyPr>
+          <a:lstStyle/>
+          <a:p>
+            <a:pPr algn="ctr"/>
+            <a:r>
+              <a:rPr lang="en-US" sz="2400" dirty="0">
+                <a:solidFill>
+                  <a:schemeClr val="accent3"/>
+                </a:solidFill>
+                <a:latin typeface="Yanone Kaffeesatz Regular" panose="02000000000000000000" pitchFamily="2" charset="0"/>
+              </a:rPr>
+              <a:t>Stateless Front</a:t>
+            </a:r>
+            <a:endParaRPr lang="de-CH" sz="2400" dirty="0">
+              <a:solidFill>
+                <a:schemeClr val="accent3"/>
+              </a:solidFill>
+              <a:latin typeface="Yanone Kaffeesatz Regular" panose="02000000000000000000" pitchFamily="2" charset="0"/>
+            </a:endParaRPr>
+          </a:p>
+        </p:txBody>
+      </p:sp>
+      <p:sp>
+        <p:nvSpPr>
+          <p:cNvPr id="6" name="Rectangle 5">
+            <a:extLst>
+              <a:ext uri="{FF2B5EF4-FFF2-40B4-BE49-F238E27FC236}">
+                <a16:creationId xmlns:a16="http://schemas.microsoft.com/office/drawing/2014/main" id="{C174F491-2EB3-4837-BB3A-3DE4AFA2D6D9}"/>
+              </a:ext>
+            </a:extLst>
+          </p:cNvPr>
+          <p:cNvSpPr/>
+          <p:nvPr/>
+        </p:nvSpPr>
+        <p:spPr>
+          <a:xfrm>
+            <a:off x="3399230" y="1065132"/>
+            <a:ext cx="1944303" cy="914400"/>
+          </a:xfrm>
+          <a:prstGeom prst="rect">
+            <a:avLst/>
+          </a:prstGeom>
+          <a:solidFill>
+            <a:schemeClr val="tx2"/>
+          </a:solidFill>
+          <a:ln>
+            <a:noFill/>
+          </a:ln>
+        </p:spPr>
+        <p:style>
+          <a:lnRef idx="2">
+            <a:schemeClr val="accent1">
+              <a:shade val="50000"/>
+            </a:schemeClr>
+          </a:lnRef>
+          <a:fillRef idx="1">
+            <a:schemeClr val="accent1"/>
+          </a:fillRef>
+          <a:effectRef idx="0">
+            <a:schemeClr val="accent1"/>
+          </a:effectRef>
+          <a:fontRef idx="minor">
+            <a:schemeClr val="lt1"/>
+          </a:fontRef>
+        </p:style>
+        <p:txBody>
+          <a:bodyPr rtlCol="0" anchor="ctr"/>
+          <a:lstStyle/>
+          <a:p>
+            <a:pPr algn="ctr"/>
+            <a:r>
+              <a:rPr lang="en-US" sz="2400" dirty="0">
+                <a:latin typeface="Yanone Kaffeesatz Light" panose="02000000000000000000" pitchFamily="2" charset="0"/>
+              </a:rPr>
+              <a:t>Front:1</a:t>
+            </a:r>
+            <a:endParaRPr lang="de-CH" sz="1200" dirty="0">
+              <a:latin typeface="Yanone Kaffeesatz Light" panose="02000000000000000000" pitchFamily="2" charset="0"/>
+            </a:endParaRPr>
+          </a:p>
+        </p:txBody>
+      </p:sp>
+      <p:sp>
+        <p:nvSpPr>
+          <p:cNvPr id="7" name="Rectangle 6">
+            <a:extLst>
+              <a:ext uri="{FF2B5EF4-FFF2-40B4-BE49-F238E27FC236}">
+                <a16:creationId xmlns:a16="http://schemas.microsoft.com/office/drawing/2014/main" id="{06F959D4-D8E8-4123-9BE0-D562CAE6C849}"/>
+              </a:ext>
+            </a:extLst>
+          </p:cNvPr>
+          <p:cNvSpPr/>
+          <p:nvPr/>
+        </p:nvSpPr>
+        <p:spPr>
+          <a:xfrm>
+            <a:off x="3410394" y="2971800"/>
+            <a:ext cx="1944303" cy="914400"/>
+          </a:xfrm>
+          <a:prstGeom prst="rect">
+            <a:avLst/>
+          </a:prstGeom>
+          <a:solidFill>
+            <a:schemeClr val="tx2"/>
+          </a:solidFill>
+          <a:ln>
+            <a:noFill/>
+          </a:ln>
+        </p:spPr>
+        <p:style>
+          <a:lnRef idx="2">
+            <a:schemeClr val="accent1">
+              <a:shade val="50000"/>
+            </a:schemeClr>
+          </a:lnRef>
+          <a:fillRef idx="1">
+            <a:schemeClr val="accent1"/>
+          </a:fillRef>
+          <a:effectRef idx="0">
+            <a:schemeClr val="accent1"/>
+          </a:effectRef>
+          <a:fontRef idx="minor">
+            <a:schemeClr val="lt1"/>
+          </a:fontRef>
+        </p:style>
+        <p:txBody>
+          <a:bodyPr rtlCol="0" anchor="ctr"/>
+          <a:lstStyle/>
+          <a:p>
+            <a:pPr algn="ctr"/>
+            <a:r>
+              <a:rPr lang="en-US" sz="2400" dirty="0">
+                <a:latin typeface="Yanone Kaffeesatz Light" panose="02000000000000000000" pitchFamily="2" charset="0"/>
+              </a:rPr>
+              <a:t>Front:2</a:t>
+            </a:r>
+            <a:endParaRPr lang="de-CH" sz="1200" dirty="0">
+              <a:latin typeface="Yanone Kaffeesatz Light" panose="02000000000000000000" pitchFamily="2" charset="0"/>
+            </a:endParaRPr>
+          </a:p>
+        </p:txBody>
+      </p:sp>
+      <p:sp>
+        <p:nvSpPr>
+          <p:cNvPr id="8" name="Rectangle 7">
+            <a:extLst>
+              <a:ext uri="{FF2B5EF4-FFF2-40B4-BE49-F238E27FC236}">
+                <a16:creationId xmlns:a16="http://schemas.microsoft.com/office/drawing/2014/main" id="{45520895-0DD7-41A7-9843-D930EBD0407B}"/>
+              </a:ext>
+            </a:extLst>
+          </p:cNvPr>
+          <p:cNvSpPr/>
+          <p:nvPr/>
+        </p:nvSpPr>
+        <p:spPr>
+          <a:xfrm>
+            <a:off x="3399229" y="5056218"/>
+            <a:ext cx="1944303" cy="914400"/>
+          </a:xfrm>
+          <a:prstGeom prst="rect">
+            <a:avLst/>
+          </a:prstGeom>
+          <a:solidFill>
+            <a:schemeClr val="tx2"/>
+          </a:solidFill>
+          <a:ln>
+            <a:noFill/>
+          </a:ln>
+        </p:spPr>
+        <p:style>
+          <a:lnRef idx="2">
+            <a:schemeClr val="accent1">
+              <a:shade val="50000"/>
+            </a:schemeClr>
+          </a:lnRef>
+          <a:fillRef idx="1">
+            <a:schemeClr val="accent1"/>
+          </a:fillRef>
+          <a:effectRef idx="0">
+            <a:schemeClr val="accent1"/>
+          </a:effectRef>
+          <a:fontRef idx="minor">
+            <a:schemeClr val="lt1"/>
+          </a:fontRef>
+        </p:style>
+        <p:txBody>
+          <a:bodyPr rtlCol="0" anchor="ctr"/>
+          <a:lstStyle/>
+          <a:p>
+            <a:pPr algn="ctr"/>
+            <a:r>
+              <a:rPr lang="en-US" sz="2400" dirty="0">
+                <a:latin typeface="Yanone Kaffeesatz Light" panose="02000000000000000000" pitchFamily="2" charset="0"/>
+              </a:rPr>
+              <a:t>Front:3</a:t>
+            </a:r>
+            <a:endParaRPr lang="de-CH" sz="1200" dirty="0">
+              <a:latin typeface="Yanone Kaffeesatz Light" panose="02000000000000000000" pitchFamily="2" charset="0"/>
+            </a:endParaRPr>
+          </a:p>
+        </p:txBody>
+      </p:sp>
+      <p:sp>
+        <p:nvSpPr>
+          <p:cNvPr id="9" name="Rectangle 8">
+            <a:extLst>
+              <a:ext uri="{FF2B5EF4-FFF2-40B4-BE49-F238E27FC236}">
+                <a16:creationId xmlns:a16="http://schemas.microsoft.com/office/drawing/2014/main" id="{BEF6EC2A-D91B-40DE-8B63-D09E8BCF4C18}"/>
+              </a:ext>
+            </a:extLst>
+          </p:cNvPr>
+          <p:cNvSpPr/>
+          <p:nvPr/>
+        </p:nvSpPr>
+        <p:spPr>
+          <a:xfrm>
+            <a:off x="7047937" y="388621"/>
+            <a:ext cx="2204486" cy="6080759"/>
+          </a:xfrm>
+          <a:prstGeom prst="rect">
+            <a:avLst/>
+          </a:prstGeom>
+          <a:noFill/>
+          <a:ln w="19050">
+            <a:solidFill>
+              <a:schemeClr val="accent3"/>
+            </a:solidFill>
+          </a:ln>
+        </p:spPr>
+        <p:style>
+          <a:lnRef idx="2">
+            <a:schemeClr val="accent1">
+              <a:shade val="50000"/>
+            </a:schemeClr>
+          </a:lnRef>
+          <a:fillRef idx="1">
+            <a:schemeClr val="accent1"/>
+          </a:fillRef>
+          <a:effectRef idx="0">
+            <a:schemeClr val="accent1"/>
+          </a:effectRef>
+          <a:fontRef idx="minor">
+            <a:schemeClr val="lt1"/>
+          </a:fontRef>
+        </p:style>
+        <p:txBody>
+          <a:bodyPr rtlCol="0" anchor="ctr"/>
+          <a:lstStyle/>
+          <a:p>
+            <a:pPr algn="ctr"/>
+            <a:endParaRPr lang="de-CH"/>
+          </a:p>
+        </p:txBody>
+      </p:sp>
+      <p:sp>
+        <p:nvSpPr>
+          <p:cNvPr id="10" name="Rectangle 9">
+            <a:extLst>
+              <a:ext uri="{FF2B5EF4-FFF2-40B4-BE49-F238E27FC236}">
+                <a16:creationId xmlns:a16="http://schemas.microsoft.com/office/drawing/2014/main" id="{74846BA8-E597-422E-BC2A-3BBF205040C2}"/>
+              </a:ext>
+            </a:extLst>
+          </p:cNvPr>
+          <p:cNvSpPr/>
+          <p:nvPr/>
+        </p:nvSpPr>
+        <p:spPr>
+          <a:xfrm>
+            <a:off x="7178095" y="1065132"/>
+            <a:ext cx="1944303" cy="914400"/>
+          </a:xfrm>
+          <a:prstGeom prst="rect">
+            <a:avLst/>
+          </a:prstGeom>
+          <a:solidFill>
+            <a:schemeClr val="tx2"/>
+          </a:solidFill>
+          <a:ln>
+            <a:noFill/>
+          </a:ln>
+        </p:spPr>
+        <p:style>
+          <a:lnRef idx="2">
+            <a:schemeClr val="accent1">
+              <a:shade val="50000"/>
+            </a:schemeClr>
+          </a:lnRef>
+          <a:fillRef idx="1">
+            <a:schemeClr val="accent1"/>
+          </a:fillRef>
+          <a:effectRef idx="0">
+            <a:schemeClr val="accent1"/>
+          </a:effectRef>
+          <a:fontRef idx="minor">
+            <a:schemeClr val="lt1"/>
+          </a:fontRef>
+        </p:style>
+        <p:txBody>
+          <a:bodyPr rtlCol="0" anchor="ctr"/>
+          <a:lstStyle/>
+          <a:p>
+            <a:pPr algn="ctr"/>
+            <a:r>
+              <a:rPr lang="en-US" sz="2400" dirty="0">
+                <a:latin typeface="Yanone Kaffeesatz Light" panose="02000000000000000000" pitchFamily="2" charset="0"/>
+              </a:rPr>
+              <a:t>Back:1</a:t>
+            </a:r>
+            <a:endParaRPr lang="de-CH" sz="1200" dirty="0">
+              <a:latin typeface="Yanone Kaffeesatz Light" panose="02000000000000000000" pitchFamily="2" charset="0"/>
+            </a:endParaRPr>
+          </a:p>
+        </p:txBody>
+      </p:sp>
+      <p:sp>
+        <p:nvSpPr>
+          <p:cNvPr id="11" name="Rectangle 10">
+            <a:extLst>
+              <a:ext uri="{FF2B5EF4-FFF2-40B4-BE49-F238E27FC236}">
+                <a16:creationId xmlns:a16="http://schemas.microsoft.com/office/drawing/2014/main" id="{A8A3090D-3E3D-4082-8031-1ABCBA752861}"/>
+              </a:ext>
+            </a:extLst>
+          </p:cNvPr>
+          <p:cNvSpPr/>
+          <p:nvPr/>
+        </p:nvSpPr>
+        <p:spPr>
+          <a:xfrm>
+            <a:off x="7185429" y="2971800"/>
+            <a:ext cx="1944303" cy="914400"/>
+          </a:xfrm>
+          <a:prstGeom prst="rect">
+            <a:avLst/>
+          </a:prstGeom>
+          <a:solidFill>
+            <a:schemeClr val="tx2"/>
+          </a:solidFill>
+          <a:ln>
+            <a:noFill/>
+          </a:ln>
+        </p:spPr>
+        <p:style>
+          <a:lnRef idx="2">
+            <a:schemeClr val="accent1">
+              <a:shade val="50000"/>
+            </a:schemeClr>
+          </a:lnRef>
+          <a:fillRef idx="1">
+            <a:schemeClr val="accent1"/>
+          </a:fillRef>
+          <a:effectRef idx="0">
+            <a:schemeClr val="accent1"/>
+          </a:effectRef>
+          <a:fontRef idx="minor">
+            <a:schemeClr val="lt1"/>
+          </a:fontRef>
+        </p:style>
+        <p:txBody>
+          <a:bodyPr rtlCol="0" anchor="ctr"/>
+          <a:lstStyle/>
+          <a:p>
+            <a:pPr algn="ctr"/>
+            <a:r>
+              <a:rPr lang="en-US" sz="2400" dirty="0">
+                <a:latin typeface="Yanone Kaffeesatz Light" panose="02000000000000000000" pitchFamily="2" charset="0"/>
+              </a:rPr>
+              <a:t>Back:2</a:t>
+            </a:r>
+            <a:endParaRPr lang="de-CH" sz="1200" dirty="0">
+              <a:latin typeface="Yanone Kaffeesatz Light" panose="02000000000000000000" pitchFamily="2" charset="0"/>
+            </a:endParaRPr>
+          </a:p>
+        </p:txBody>
+      </p:sp>
+      <p:sp>
+        <p:nvSpPr>
+          <p:cNvPr id="12" name="Rectangle 11">
+            <a:extLst>
+              <a:ext uri="{FF2B5EF4-FFF2-40B4-BE49-F238E27FC236}">
+                <a16:creationId xmlns:a16="http://schemas.microsoft.com/office/drawing/2014/main" id="{FA241598-182E-4BD8-BB30-3C06F3588005}"/>
+              </a:ext>
+            </a:extLst>
+          </p:cNvPr>
+          <p:cNvSpPr/>
+          <p:nvPr/>
+        </p:nvSpPr>
+        <p:spPr>
+          <a:xfrm>
+            <a:off x="7185429" y="5056218"/>
+            <a:ext cx="1944303" cy="914400"/>
+          </a:xfrm>
+          <a:prstGeom prst="rect">
+            <a:avLst/>
+          </a:prstGeom>
+          <a:solidFill>
+            <a:schemeClr val="tx2"/>
+          </a:solidFill>
+          <a:ln>
+            <a:noFill/>
+          </a:ln>
+        </p:spPr>
+        <p:style>
+          <a:lnRef idx="2">
+            <a:schemeClr val="accent1">
+              <a:shade val="50000"/>
+            </a:schemeClr>
+          </a:lnRef>
+          <a:fillRef idx="1">
+            <a:schemeClr val="accent1"/>
+          </a:fillRef>
+          <a:effectRef idx="0">
+            <a:schemeClr val="accent1"/>
+          </a:effectRef>
+          <a:fontRef idx="minor">
+            <a:schemeClr val="lt1"/>
+          </a:fontRef>
+        </p:style>
+        <p:txBody>
+          <a:bodyPr rtlCol="0" anchor="ctr"/>
+          <a:lstStyle/>
+          <a:p>
+            <a:pPr algn="ctr"/>
+            <a:r>
+              <a:rPr lang="en-US" sz="2400" dirty="0">
+                <a:latin typeface="Yanone Kaffeesatz Light" panose="02000000000000000000" pitchFamily="2" charset="0"/>
+              </a:rPr>
+              <a:t>Back:3</a:t>
+            </a:r>
+            <a:endParaRPr lang="de-CH" sz="1200" dirty="0">
+              <a:latin typeface="Yanone Kaffeesatz Light" panose="02000000000000000000" pitchFamily="2" charset="0"/>
+            </a:endParaRPr>
+          </a:p>
+        </p:txBody>
+      </p:sp>
+      <p:sp>
+        <p:nvSpPr>
+          <p:cNvPr id="13" name="TextBox 12">
+            <a:extLst>
+              <a:ext uri="{FF2B5EF4-FFF2-40B4-BE49-F238E27FC236}">
+                <a16:creationId xmlns:a16="http://schemas.microsoft.com/office/drawing/2014/main" id="{44950A7A-0991-49B4-AF20-0AB36C3504CE}"/>
+              </a:ext>
+            </a:extLst>
+          </p:cNvPr>
+          <p:cNvSpPr txBox="1"/>
+          <p:nvPr/>
+        </p:nvSpPr>
+        <p:spPr>
+          <a:xfrm>
+            <a:off x="7047937" y="472451"/>
+            <a:ext cx="2204486" cy="461665"/>
+          </a:xfrm>
+          <a:prstGeom prst="rect">
+            <a:avLst/>
+          </a:prstGeom>
+          <a:noFill/>
+        </p:spPr>
+        <p:txBody>
+          <a:bodyPr wrap="square" rtlCol="0">
+            <a:spAutoFit/>
+          </a:bodyPr>
+          <a:lstStyle/>
+          <a:p>
+            <a:pPr algn="ctr"/>
+            <a:r>
+              <a:rPr lang="en-US" sz="2400" dirty="0">
+                <a:solidFill>
+                  <a:schemeClr val="accent3"/>
+                </a:solidFill>
+                <a:latin typeface="Yanone Kaffeesatz Regular" panose="02000000000000000000" pitchFamily="2" charset="0"/>
+              </a:rPr>
+              <a:t>Stateless Back</a:t>
+            </a:r>
+            <a:endParaRPr lang="de-CH" sz="2400" dirty="0">
+              <a:solidFill>
+                <a:schemeClr val="accent3"/>
+              </a:solidFill>
+              <a:latin typeface="Yanone Kaffeesatz Regular" panose="02000000000000000000" pitchFamily="2" charset="0"/>
+            </a:endParaRPr>
+          </a:p>
+        </p:txBody>
+      </p:sp>
+      <p:sp>
+        <p:nvSpPr>
+          <p:cNvPr id="15" name="Cylinder 14">
+            <a:extLst>
+              <a:ext uri="{FF2B5EF4-FFF2-40B4-BE49-F238E27FC236}">
+                <a16:creationId xmlns:a16="http://schemas.microsoft.com/office/drawing/2014/main" id="{C4F9707C-E147-43E5-9DB3-4DD82F8B145A}"/>
+              </a:ext>
+            </a:extLst>
+          </p:cNvPr>
+          <p:cNvSpPr/>
+          <p:nvPr/>
+        </p:nvSpPr>
+        <p:spPr>
+          <a:xfrm>
+            <a:off x="9447952" y="2820924"/>
+            <a:ext cx="914400" cy="1216152"/>
+          </a:xfrm>
+          <a:prstGeom prst="can">
+            <a:avLst/>
+          </a:prstGeom>
+          <a:solidFill>
+            <a:schemeClr val="accent4"/>
+          </a:solidFill>
+          <a:ln>
+            <a:noFill/>
+          </a:ln>
+        </p:spPr>
+        <p:style>
+          <a:lnRef idx="2">
+            <a:schemeClr val="accent1">
+              <a:shade val="50000"/>
+            </a:schemeClr>
+          </a:lnRef>
+          <a:fillRef idx="1">
+            <a:schemeClr val="accent1"/>
+          </a:fillRef>
+          <a:effectRef idx="0">
+            <a:schemeClr val="accent1"/>
+          </a:effectRef>
+          <a:fontRef idx="minor">
+            <a:schemeClr val="lt1"/>
+          </a:fontRef>
+        </p:style>
+        <p:txBody>
+          <a:bodyPr rtlCol="0" anchor="ctr"/>
+          <a:lstStyle/>
+          <a:p>
+            <a:pPr algn="ctr"/>
+            <a:r>
+              <a:rPr lang="de-CH" dirty="0">
+                <a:latin typeface="Yanone Kaffeesatz Light" panose="02000000000000000000" pitchFamily="2" charset="0"/>
+              </a:rPr>
+              <a:t>Storage</a:t>
+            </a:r>
+          </a:p>
+        </p:txBody>
+      </p:sp>
+      <p:cxnSp>
+        <p:nvCxnSpPr>
+          <p:cNvPr id="18" name="Straight Arrow Connector 17">
+            <a:extLst>
+              <a:ext uri="{FF2B5EF4-FFF2-40B4-BE49-F238E27FC236}">
+                <a16:creationId xmlns:a16="http://schemas.microsoft.com/office/drawing/2014/main" id="{29385273-507B-47F7-8DA7-A5A64F044919}"/>
+              </a:ext>
+            </a:extLst>
+          </p:cNvPr>
+          <p:cNvCxnSpPr>
+            <a:cxnSpLocks/>
+            <a:stCxn id="11" idx="3"/>
+            <a:endCxn id="15" idx="2"/>
+          </p:cNvCxnSpPr>
+          <p:nvPr/>
+        </p:nvCxnSpPr>
+        <p:spPr>
+          <a:xfrm>
+            <a:off x="9129732" y="3429000"/>
+            <a:ext cx="318220" cy="0"/>
+          </a:xfrm>
+          <a:prstGeom prst="straightConnector1">
+            <a:avLst/>
+          </a:prstGeom>
+          <a:ln w="19050">
+            <a:solidFill>
+              <a:schemeClr val="tx2"/>
+            </a:solidFill>
+            <a:tailEnd type="triangle"/>
+          </a:ln>
+        </p:spPr>
+        <p:style>
+          <a:lnRef idx="1">
+            <a:schemeClr val="accent1"/>
+          </a:lnRef>
+          <a:fillRef idx="0">
+            <a:schemeClr val="accent1"/>
+          </a:fillRef>
+          <a:effectRef idx="0">
+            <a:schemeClr val="accent1"/>
+          </a:effectRef>
+          <a:fontRef idx="minor">
+            <a:schemeClr val="tx1"/>
+          </a:fontRef>
+        </p:style>
+      </p:cxnSp>
+      <p:cxnSp>
+        <p:nvCxnSpPr>
+          <p:cNvPr id="22" name="Straight Arrow Connector 21">
+            <a:extLst>
+              <a:ext uri="{FF2B5EF4-FFF2-40B4-BE49-F238E27FC236}">
+                <a16:creationId xmlns:a16="http://schemas.microsoft.com/office/drawing/2014/main" id="{93D1AEAA-C56F-40D8-8E6D-506DE23AF464}"/>
+              </a:ext>
+            </a:extLst>
+          </p:cNvPr>
+          <p:cNvCxnSpPr>
+            <a:cxnSpLocks/>
+            <a:stCxn id="10" idx="3"/>
+            <a:endCxn id="15" idx="2"/>
+          </p:cNvCxnSpPr>
+          <p:nvPr/>
+        </p:nvCxnSpPr>
+        <p:spPr>
+          <a:xfrm>
+            <a:off x="9122398" y="1522332"/>
+            <a:ext cx="325554" cy="1906668"/>
+          </a:xfrm>
+          <a:prstGeom prst="straightConnector1">
+            <a:avLst/>
+          </a:prstGeom>
+          <a:ln w="19050">
+            <a:solidFill>
+              <a:schemeClr val="tx2"/>
+            </a:solidFill>
+            <a:tailEnd type="triangle"/>
+          </a:ln>
+        </p:spPr>
+        <p:style>
+          <a:lnRef idx="1">
+            <a:schemeClr val="accent1"/>
+          </a:lnRef>
+          <a:fillRef idx="0">
+            <a:schemeClr val="accent1"/>
+          </a:fillRef>
+          <a:effectRef idx="0">
+            <a:schemeClr val="accent1"/>
+          </a:effectRef>
+          <a:fontRef idx="minor">
+            <a:schemeClr val="tx1"/>
+          </a:fontRef>
+        </p:style>
+      </p:cxnSp>
+      <p:cxnSp>
+        <p:nvCxnSpPr>
+          <p:cNvPr id="25" name="Straight Arrow Connector 24">
+            <a:extLst>
+              <a:ext uri="{FF2B5EF4-FFF2-40B4-BE49-F238E27FC236}">
+                <a16:creationId xmlns:a16="http://schemas.microsoft.com/office/drawing/2014/main" id="{6D63C966-B180-4214-9EE6-562401B8BBB3}"/>
+              </a:ext>
+            </a:extLst>
+          </p:cNvPr>
+          <p:cNvCxnSpPr>
+            <a:cxnSpLocks/>
+            <a:stCxn id="12" idx="3"/>
+            <a:endCxn id="15" idx="2"/>
+          </p:cNvCxnSpPr>
+          <p:nvPr/>
+        </p:nvCxnSpPr>
+        <p:spPr>
+          <a:xfrm flipV="1">
+            <a:off x="9129732" y="3429000"/>
+            <a:ext cx="318220" cy="2084418"/>
+          </a:xfrm>
+          <a:prstGeom prst="straightConnector1">
+            <a:avLst/>
+          </a:prstGeom>
+          <a:ln w="19050">
+            <a:solidFill>
+              <a:schemeClr val="tx2"/>
+            </a:solidFill>
+            <a:tailEnd type="triangle"/>
+          </a:ln>
+        </p:spPr>
+        <p:style>
+          <a:lnRef idx="1">
+            <a:schemeClr val="accent1"/>
+          </a:lnRef>
+          <a:fillRef idx="0">
+            <a:schemeClr val="accent1"/>
+          </a:fillRef>
+          <a:effectRef idx="0">
+            <a:schemeClr val="accent1"/>
+          </a:effectRef>
+          <a:fontRef idx="minor">
+            <a:schemeClr val="tx1"/>
+          </a:fontRef>
+        </p:style>
+      </p:cxnSp>
+      <p:cxnSp>
+        <p:nvCxnSpPr>
+          <p:cNvPr id="33" name="Straight Arrow Connector 32">
+            <a:extLst>
+              <a:ext uri="{FF2B5EF4-FFF2-40B4-BE49-F238E27FC236}">
+                <a16:creationId xmlns:a16="http://schemas.microsoft.com/office/drawing/2014/main" id="{81EF5CA9-9CC2-4778-ADAF-DCAE29309734}"/>
+              </a:ext>
+            </a:extLst>
+          </p:cNvPr>
+          <p:cNvCxnSpPr>
+            <a:cxnSpLocks/>
+            <a:stCxn id="3" idx="3"/>
+            <a:endCxn id="7" idx="1"/>
+          </p:cNvCxnSpPr>
+          <p:nvPr/>
+        </p:nvCxnSpPr>
+        <p:spPr>
+          <a:xfrm>
+            <a:off x="3130195" y="3429000"/>
+            <a:ext cx="280199" cy="0"/>
+          </a:xfrm>
+          <a:prstGeom prst="straightConnector1">
+            <a:avLst/>
+          </a:prstGeom>
+          <a:ln w="19050">
+            <a:solidFill>
+              <a:schemeClr val="accent4"/>
+            </a:solidFill>
+            <a:tailEnd type="triangle"/>
+          </a:ln>
+        </p:spPr>
+        <p:style>
+          <a:lnRef idx="1">
+            <a:schemeClr val="accent1"/>
+          </a:lnRef>
+          <a:fillRef idx="0">
+            <a:schemeClr val="accent1"/>
+          </a:fillRef>
+          <a:effectRef idx="0">
+            <a:schemeClr val="accent1"/>
+          </a:effectRef>
+          <a:fontRef idx="minor">
+            <a:schemeClr val="tx1"/>
+          </a:fontRef>
+        </p:style>
+      </p:cxnSp>
+      <p:cxnSp>
+        <p:nvCxnSpPr>
+          <p:cNvPr id="36" name="Straight Arrow Connector 35">
+            <a:extLst>
+              <a:ext uri="{FF2B5EF4-FFF2-40B4-BE49-F238E27FC236}">
+                <a16:creationId xmlns:a16="http://schemas.microsoft.com/office/drawing/2014/main" id="{500B6D12-F922-4477-9F27-E71457A024F2}"/>
+              </a:ext>
+            </a:extLst>
+          </p:cNvPr>
+          <p:cNvCxnSpPr>
+            <a:cxnSpLocks/>
+            <a:stCxn id="3" idx="3"/>
+            <a:endCxn id="8" idx="1"/>
+          </p:cNvCxnSpPr>
+          <p:nvPr/>
+        </p:nvCxnSpPr>
+        <p:spPr>
+          <a:xfrm>
+            <a:off x="3130195" y="3429000"/>
+            <a:ext cx="269034" cy="2084418"/>
+          </a:xfrm>
+          <a:prstGeom prst="straightConnector1">
+            <a:avLst/>
+          </a:prstGeom>
+          <a:ln w="19050">
+            <a:solidFill>
+              <a:schemeClr val="accent4"/>
+            </a:solidFill>
+            <a:tailEnd type="triangle"/>
+          </a:ln>
+        </p:spPr>
+        <p:style>
+          <a:lnRef idx="1">
+            <a:schemeClr val="accent1"/>
+          </a:lnRef>
+          <a:fillRef idx="0">
+            <a:schemeClr val="accent1"/>
+          </a:fillRef>
+          <a:effectRef idx="0">
+            <a:schemeClr val="accent1"/>
+          </a:effectRef>
+          <a:fontRef idx="minor">
+            <a:schemeClr val="tx1"/>
+          </a:fontRef>
+        </p:style>
+      </p:cxnSp>
+      <p:cxnSp>
+        <p:nvCxnSpPr>
+          <p:cNvPr id="39" name="Straight Arrow Connector 38">
+            <a:extLst>
+              <a:ext uri="{FF2B5EF4-FFF2-40B4-BE49-F238E27FC236}">
+                <a16:creationId xmlns:a16="http://schemas.microsoft.com/office/drawing/2014/main" id="{BB84A00C-F2CD-4422-BE8F-C9FEB5BFDBA9}"/>
+              </a:ext>
+            </a:extLst>
+          </p:cNvPr>
+          <p:cNvCxnSpPr>
+            <a:cxnSpLocks/>
+            <a:stCxn id="3" idx="3"/>
+            <a:endCxn id="6" idx="1"/>
+          </p:cNvCxnSpPr>
+          <p:nvPr/>
+        </p:nvCxnSpPr>
+        <p:spPr>
+          <a:xfrm flipV="1">
+            <a:off x="3130195" y="1522332"/>
+            <a:ext cx="269035" cy="1906668"/>
+          </a:xfrm>
+          <a:prstGeom prst="straightConnector1">
+            <a:avLst/>
+          </a:prstGeom>
+          <a:ln w="19050">
+            <a:solidFill>
+              <a:schemeClr val="accent4"/>
+            </a:solidFill>
+            <a:tailEnd type="triangle"/>
+          </a:ln>
+        </p:spPr>
+        <p:style>
+          <a:lnRef idx="1">
+            <a:schemeClr val="accent1"/>
+          </a:lnRef>
+          <a:fillRef idx="0">
+            <a:schemeClr val="accent1"/>
+          </a:fillRef>
+          <a:effectRef idx="0">
+            <a:schemeClr val="accent1"/>
+          </a:effectRef>
+          <a:fontRef idx="minor">
+            <a:schemeClr val="tx1"/>
+          </a:fontRef>
+        </p:style>
+      </p:cxnSp>
+      <p:cxnSp>
+        <p:nvCxnSpPr>
+          <p:cNvPr id="45" name="Straight Arrow Connector 44">
+            <a:extLst>
+              <a:ext uri="{FF2B5EF4-FFF2-40B4-BE49-F238E27FC236}">
+                <a16:creationId xmlns:a16="http://schemas.microsoft.com/office/drawing/2014/main" id="{93AC78B8-B466-4010-AE54-5321029FE15E}"/>
+              </a:ext>
+            </a:extLst>
+          </p:cNvPr>
+          <p:cNvCxnSpPr>
+            <a:cxnSpLocks/>
+            <a:stCxn id="6" idx="3"/>
+            <a:endCxn id="65" idx="1"/>
+          </p:cNvCxnSpPr>
+          <p:nvPr/>
+        </p:nvCxnSpPr>
+        <p:spPr>
+          <a:xfrm>
+            <a:off x="5343533" y="1522332"/>
+            <a:ext cx="273146" cy="1903978"/>
+          </a:xfrm>
+          <a:prstGeom prst="straightConnector1">
+            <a:avLst/>
+          </a:prstGeom>
+          <a:ln w="19050">
+            <a:solidFill>
+              <a:schemeClr val="tx2"/>
+            </a:solidFill>
+            <a:headEnd type="triangle"/>
+            <a:tailEnd type="triangle"/>
+          </a:ln>
+        </p:spPr>
+        <p:style>
+          <a:lnRef idx="1">
+            <a:schemeClr val="accent1"/>
+          </a:lnRef>
+          <a:fillRef idx="0">
+            <a:schemeClr val="accent1"/>
+          </a:fillRef>
+          <a:effectRef idx="0">
+            <a:schemeClr val="accent1"/>
+          </a:effectRef>
+          <a:fontRef idx="minor">
+            <a:schemeClr val="tx1"/>
+          </a:fontRef>
+        </p:style>
+      </p:cxnSp>
+      <p:sp>
+        <p:nvSpPr>
+          <p:cNvPr id="65" name="Rectangle 64">
+            <a:extLst>
+              <a:ext uri="{FF2B5EF4-FFF2-40B4-BE49-F238E27FC236}">
+                <a16:creationId xmlns:a16="http://schemas.microsoft.com/office/drawing/2014/main" id="{2C1F424C-BBA9-4F56-BE64-FD01EA3A5467}"/>
+              </a:ext>
+            </a:extLst>
+          </p:cNvPr>
+          <p:cNvSpPr/>
+          <p:nvPr/>
+        </p:nvSpPr>
+        <p:spPr>
+          <a:xfrm>
+            <a:off x="5616679" y="2495773"/>
+            <a:ext cx="1277454" cy="1861073"/>
+          </a:xfrm>
+          <a:prstGeom prst="rect">
+            <a:avLst/>
+          </a:prstGeom>
+          <a:solidFill>
+            <a:schemeClr val="accent4"/>
+          </a:solidFill>
+          <a:ln>
+            <a:noFill/>
+          </a:ln>
+        </p:spPr>
+        <p:style>
+          <a:lnRef idx="2">
+            <a:schemeClr val="accent1">
+              <a:shade val="50000"/>
+            </a:schemeClr>
+          </a:lnRef>
+          <a:fillRef idx="1">
+            <a:schemeClr val="accent1"/>
+          </a:fillRef>
+          <a:effectRef idx="0">
+            <a:schemeClr val="accent1"/>
+          </a:effectRef>
+          <a:fontRef idx="minor">
+            <a:schemeClr val="lt1"/>
+          </a:fontRef>
+        </p:style>
+        <p:txBody>
+          <a:bodyPr rtlCol="0" anchor="ctr"/>
+          <a:lstStyle/>
+          <a:p>
+            <a:pPr algn="ctr"/>
+            <a:r>
+              <a:rPr lang="en-US" sz="2400" dirty="0">
+                <a:latin typeface="Yanone Kaffeesatz Light" panose="02000000000000000000" pitchFamily="2" charset="0"/>
+              </a:rPr>
+              <a:t>Fabric DNS or Reverse Proxy</a:t>
+            </a:r>
+            <a:endParaRPr lang="de-CH" sz="1200" dirty="0">
+              <a:latin typeface="Yanone Kaffeesatz Light" panose="02000000000000000000" pitchFamily="2" charset="0"/>
+            </a:endParaRPr>
+          </a:p>
+        </p:txBody>
+      </p:sp>
+      <p:cxnSp>
+        <p:nvCxnSpPr>
+          <p:cNvPr id="67" name="Straight Arrow Connector 66">
+            <a:extLst>
+              <a:ext uri="{FF2B5EF4-FFF2-40B4-BE49-F238E27FC236}">
+                <a16:creationId xmlns:a16="http://schemas.microsoft.com/office/drawing/2014/main" id="{2EE522A4-AB02-469F-8049-4F1002737F03}"/>
+              </a:ext>
+            </a:extLst>
+          </p:cNvPr>
+          <p:cNvCxnSpPr>
+            <a:cxnSpLocks/>
+            <a:stCxn id="10" idx="1"/>
+            <a:endCxn id="65" idx="3"/>
+          </p:cNvCxnSpPr>
+          <p:nvPr/>
+        </p:nvCxnSpPr>
+        <p:spPr>
+          <a:xfrm flipH="1">
+            <a:off x="6894133" y="1522332"/>
+            <a:ext cx="283962" cy="1903978"/>
+          </a:xfrm>
+          <a:prstGeom prst="straightConnector1">
+            <a:avLst/>
+          </a:prstGeom>
+          <a:ln w="19050">
+            <a:solidFill>
+              <a:schemeClr val="accent4"/>
+            </a:solidFill>
+            <a:headEnd type="triangle"/>
+            <a:tailEnd type="triangle"/>
+          </a:ln>
+        </p:spPr>
+        <p:style>
+          <a:lnRef idx="1">
+            <a:schemeClr val="accent1"/>
+          </a:lnRef>
+          <a:fillRef idx="0">
+            <a:schemeClr val="accent1"/>
+          </a:fillRef>
+          <a:effectRef idx="0">
+            <a:schemeClr val="accent1"/>
+          </a:effectRef>
+          <a:fontRef idx="minor">
+            <a:schemeClr val="tx1"/>
+          </a:fontRef>
+        </p:style>
+      </p:cxnSp>
+      <p:cxnSp>
+        <p:nvCxnSpPr>
+          <p:cNvPr id="70" name="Straight Arrow Connector 69">
+            <a:extLst>
+              <a:ext uri="{FF2B5EF4-FFF2-40B4-BE49-F238E27FC236}">
+                <a16:creationId xmlns:a16="http://schemas.microsoft.com/office/drawing/2014/main" id="{072A11C8-D7F3-489C-8685-273B9BE08BC6}"/>
+              </a:ext>
+            </a:extLst>
+          </p:cNvPr>
+          <p:cNvCxnSpPr>
+            <a:cxnSpLocks/>
+            <a:stCxn id="7" idx="3"/>
+            <a:endCxn id="65" idx="1"/>
+          </p:cNvCxnSpPr>
+          <p:nvPr/>
+        </p:nvCxnSpPr>
+        <p:spPr>
+          <a:xfrm flipV="1">
+            <a:off x="5354697" y="3426310"/>
+            <a:ext cx="261982" cy="2690"/>
+          </a:xfrm>
+          <a:prstGeom prst="straightConnector1">
+            <a:avLst/>
+          </a:prstGeom>
+          <a:ln w="19050">
+            <a:solidFill>
+              <a:schemeClr val="tx2"/>
+            </a:solidFill>
+            <a:headEnd type="triangle"/>
+            <a:tailEnd type="triangle"/>
+          </a:ln>
+        </p:spPr>
+        <p:style>
+          <a:lnRef idx="1">
+            <a:schemeClr val="accent1"/>
+          </a:lnRef>
+          <a:fillRef idx="0">
+            <a:schemeClr val="accent1"/>
+          </a:fillRef>
+          <a:effectRef idx="0">
+            <a:schemeClr val="accent1"/>
+          </a:effectRef>
+          <a:fontRef idx="minor">
+            <a:schemeClr val="tx1"/>
+          </a:fontRef>
+        </p:style>
+      </p:cxnSp>
+      <p:cxnSp>
+        <p:nvCxnSpPr>
+          <p:cNvPr id="74" name="Straight Arrow Connector 73">
+            <a:extLst>
+              <a:ext uri="{FF2B5EF4-FFF2-40B4-BE49-F238E27FC236}">
+                <a16:creationId xmlns:a16="http://schemas.microsoft.com/office/drawing/2014/main" id="{BA83A8D4-0130-4467-886F-3E5B3512AC71}"/>
+              </a:ext>
+            </a:extLst>
+          </p:cNvPr>
+          <p:cNvCxnSpPr>
+            <a:cxnSpLocks/>
+            <a:stCxn id="11" idx="1"/>
+            <a:endCxn id="65" idx="3"/>
+          </p:cNvCxnSpPr>
+          <p:nvPr/>
+        </p:nvCxnSpPr>
+        <p:spPr>
+          <a:xfrm flipH="1" flipV="1">
+            <a:off x="6894133" y="3426310"/>
+            <a:ext cx="291296" cy="2690"/>
+          </a:xfrm>
+          <a:prstGeom prst="straightConnector1">
+            <a:avLst/>
+          </a:prstGeom>
+          <a:ln w="19050">
+            <a:solidFill>
+              <a:schemeClr val="accent4"/>
+            </a:solidFill>
+            <a:headEnd type="triangle"/>
+            <a:tailEnd type="triangle"/>
+          </a:ln>
+        </p:spPr>
+        <p:style>
+          <a:lnRef idx="1">
+            <a:schemeClr val="accent1"/>
+          </a:lnRef>
+          <a:fillRef idx="0">
+            <a:schemeClr val="accent1"/>
+          </a:fillRef>
+          <a:effectRef idx="0">
+            <a:schemeClr val="accent1"/>
+          </a:effectRef>
+          <a:fontRef idx="minor">
+            <a:schemeClr val="tx1"/>
+          </a:fontRef>
+        </p:style>
+      </p:cxnSp>
+      <p:cxnSp>
+        <p:nvCxnSpPr>
+          <p:cNvPr id="77" name="Straight Arrow Connector 76">
+            <a:extLst>
+              <a:ext uri="{FF2B5EF4-FFF2-40B4-BE49-F238E27FC236}">
+                <a16:creationId xmlns:a16="http://schemas.microsoft.com/office/drawing/2014/main" id="{C59FD875-A9ED-4E33-8D91-EC307EABC1B8}"/>
+              </a:ext>
+            </a:extLst>
+          </p:cNvPr>
+          <p:cNvCxnSpPr>
+            <a:cxnSpLocks/>
+            <a:stCxn id="8" idx="3"/>
+            <a:endCxn id="65" idx="1"/>
+          </p:cNvCxnSpPr>
+          <p:nvPr/>
+        </p:nvCxnSpPr>
+        <p:spPr>
+          <a:xfrm flipV="1">
+            <a:off x="5343532" y="3426310"/>
+            <a:ext cx="273147" cy="2087108"/>
+          </a:xfrm>
+          <a:prstGeom prst="straightConnector1">
+            <a:avLst/>
+          </a:prstGeom>
+          <a:ln w="19050">
+            <a:solidFill>
+              <a:schemeClr val="tx2"/>
+            </a:solidFill>
+            <a:headEnd type="triangle"/>
+            <a:tailEnd type="triangle"/>
+          </a:ln>
+        </p:spPr>
+        <p:style>
+          <a:lnRef idx="1">
+            <a:schemeClr val="accent1"/>
+          </a:lnRef>
+          <a:fillRef idx="0">
+            <a:schemeClr val="accent1"/>
+          </a:fillRef>
+          <a:effectRef idx="0">
+            <a:schemeClr val="accent1"/>
+          </a:effectRef>
+          <a:fontRef idx="minor">
+            <a:schemeClr val="tx1"/>
+          </a:fontRef>
+        </p:style>
+      </p:cxnSp>
+      <p:cxnSp>
+        <p:nvCxnSpPr>
+          <p:cNvPr id="80" name="Straight Arrow Connector 79">
+            <a:extLst>
+              <a:ext uri="{FF2B5EF4-FFF2-40B4-BE49-F238E27FC236}">
+                <a16:creationId xmlns:a16="http://schemas.microsoft.com/office/drawing/2014/main" id="{13ACD9FB-9A4E-40E8-809B-563B11CE51DE}"/>
+              </a:ext>
+            </a:extLst>
+          </p:cNvPr>
+          <p:cNvCxnSpPr>
+            <a:cxnSpLocks/>
+            <a:stCxn id="65" idx="3"/>
+            <a:endCxn id="12" idx="1"/>
+          </p:cNvCxnSpPr>
+          <p:nvPr/>
+        </p:nvCxnSpPr>
+        <p:spPr>
+          <a:xfrm>
+            <a:off x="6894133" y="3426310"/>
+            <a:ext cx="291296" cy="2087108"/>
+          </a:xfrm>
+          <a:prstGeom prst="straightConnector1">
+            <a:avLst/>
+          </a:prstGeom>
+          <a:ln w="19050">
+            <a:solidFill>
+              <a:schemeClr val="accent4"/>
+            </a:solidFill>
+            <a:headEnd type="triangle"/>
+            <a:tailEnd type="triangle"/>
+          </a:ln>
+        </p:spPr>
+        <p:style>
+          <a:lnRef idx="1">
+            <a:schemeClr val="accent1"/>
+          </a:lnRef>
+          <a:fillRef idx="0">
+            <a:schemeClr val="accent1"/>
+          </a:fillRef>
+          <a:effectRef idx="0">
+            <a:schemeClr val="accent1"/>
+          </a:effectRef>
+          <a:fontRef idx="minor">
+            <a:schemeClr val="tx1"/>
+          </a:fontRef>
+        </p:style>
+      </p:cxnSp>
     </p:spTree>
     <p:extLst>
       <p:ext uri="{BB962C8B-B14F-4D97-AF65-F5344CB8AC3E}">
-        <p14:creationId xmlns:p14="http://schemas.microsoft.com/office/powerpoint/2010/main" val="2104097962"/>
+        <p14:creationId xmlns:p14="http://schemas.microsoft.com/office/powerpoint/2010/main" val="837058099"/>
       </p:ext>
     </p:extLst>
   </p:cSld>
@@ -3521,76 +6896,1300 @@
       </p:grpSpPr>
       <p:sp>
         <p:nvSpPr>
-          <p:cNvPr id="2" name="Title 1">
-            <a:extLst>
-              <a:ext uri="{FF2B5EF4-FFF2-40B4-BE49-F238E27FC236}">
-                <a16:creationId xmlns:a16="http://schemas.microsoft.com/office/drawing/2014/main" id="{6D8DF77A-76B9-42BD-92DA-6CAC4179F7FE}"/>
-              </a:ext>
-            </a:extLst>
-          </p:cNvPr>
-          <p:cNvSpPr>
-            <a:spLocks noGrp="1"/>
-          </p:cNvSpPr>
-          <p:nvPr>
-            <p:ph type="title"/>
-          </p:nvPr>
-        </p:nvSpPr>
-        <p:spPr/>
-        <p:txBody>
-          <a:bodyPr/>
-          <a:lstStyle/>
-          <a:p>
-            <a:r>
-              <a:rPr lang="en-US" dirty="0"/>
-              <a:t>Quick Why Messaging</a:t>
-            </a:r>
-          </a:p>
-        </p:txBody>
-      </p:sp>
-      <p:sp>
-        <p:nvSpPr>
-          <p:cNvPr id="3" name="Content Placeholder 2">
-            <a:extLst>
-              <a:ext uri="{FF2B5EF4-FFF2-40B4-BE49-F238E27FC236}">
-                <a16:creationId xmlns:a16="http://schemas.microsoft.com/office/drawing/2014/main" id="{33D0AD4A-6443-4939-962B-F4DA220FB9C3}"/>
-              </a:ext>
-            </a:extLst>
-          </p:cNvPr>
-          <p:cNvSpPr>
-            <a:spLocks noGrp="1"/>
-          </p:cNvSpPr>
-          <p:nvPr>
-            <p:ph idx="1"/>
-          </p:nvPr>
-        </p:nvSpPr>
-        <p:spPr/>
-        <p:txBody>
-          <a:bodyPr/>
-          <a:lstStyle/>
-          <a:p>
-            <a:r>
-              <a:rPr lang="en-US" dirty="0"/>
-              <a:t>Decoupling</a:t>
-            </a:r>
-          </a:p>
-          <a:p>
-            <a:r>
-              <a:rPr lang="en-US" dirty="0"/>
-              <a:t>Captured Intent</a:t>
-            </a:r>
-          </a:p>
-          <a:p>
-            <a:r>
-              <a:rPr lang="en-US" dirty="0"/>
-              <a:t>Throttling</a:t>
-            </a:r>
-          </a:p>
-        </p:txBody>
-      </p:sp>
+          <p:cNvPr id="28" name="Cylinder 27">
+            <a:extLst>
+              <a:ext uri="{FF2B5EF4-FFF2-40B4-BE49-F238E27FC236}">
+                <a16:creationId xmlns:a16="http://schemas.microsoft.com/office/drawing/2014/main" id="{39331D5F-FEE3-491E-BC8F-90E66ECAE4DD}"/>
+              </a:ext>
+            </a:extLst>
+          </p:cNvPr>
+          <p:cNvSpPr/>
+          <p:nvPr/>
+        </p:nvSpPr>
+        <p:spPr>
+          <a:xfrm rot="16200000">
+            <a:off x="5758085" y="2820923"/>
+            <a:ext cx="914400" cy="1216153"/>
+          </a:xfrm>
+          <a:prstGeom prst="can">
+            <a:avLst/>
+          </a:prstGeom>
+          <a:solidFill>
+            <a:schemeClr val="accent4"/>
+          </a:solidFill>
+          <a:ln>
+            <a:solidFill>
+              <a:schemeClr val="bg1"/>
+            </a:solidFill>
+          </a:ln>
+        </p:spPr>
+        <p:style>
+          <a:lnRef idx="2">
+            <a:schemeClr val="accent1">
+              <a:shade val="50000"/>
+            </a:schemeClr>
+          </a:lnRef>
+          <a:fillRef idx="1">
+            <a:schemeClr val="accent1"/>
+          </a:fillRef>
+          <a:effectRef idx="0">
+            <a:schemeClr val="accent1"/>
+          </a:effectRef>
+          <a:fontRef idx="minor">
+            <a:schemeClr val="lt1"/>
+          </a:fontRef>
+        </p:style>
+        <p:txBody>
+          <a:bodyPr vert="vert" rtlCol="0" anchor="ctr"/>
+          <a:lstStyle/>
+          <a:p>
+            <a:pPr algn="ctr"/>
+            <a:r>
+              <a:rPr lang="en-US" sz="2000" dirty="0">
+                <a:latin typeface="Yanone Kaffeesatz Light" panose="02000000000000000000" pitchFamily="2" charset="0"/>
+              </a:rPr>
+              <a:t>Queue</a:t>
+            </a:r>
+            <a:endParaRPr lang="de-CH" sz="2000" dirty="0">
+              <a:latin typeface="Yanone Kaffeesatz Light" panose="02000000000000000000" pitchFamily="2" charset="0"/>
+            </a:endParaRPr>
+          </a:p>
+        </p:txBody>
+      </p:sp>
+      <p:sp>
+        <p:nvSpPr>
+          <p:cNvPr id="3" name="Rectangle 2">
+            <a:extLst>
+              <a:ext uri="{FF2B5EF4-FFF2-40B4-BE49-F238E27FC236}">
+                <a16:creationId xmlns:a16="http://schemas.microsoft.com/office/drawing/2014/main" id="{98AD3AEC-104D-455F-BEE7-63086C9B0EBC}"/>
+              </a:ext>
+            </a:extLst>
+          </p:cNvPr>
+          <p:cNvSpPr/>
+          <p:nvPr/>
+        </p:nvSpPr>
+        <p:spPr>
+          <a:xfrm>
+            <a:off x="1758875" y="2971800"/>
+            <a:ext cx="1375848" cy="914400"/>
+          </a:xfrm>
+          <a:prstGeom prst="rect">
+            <a:avLst/>
+          </a:prstGeom>
+          <a:solidFill>
+            <a:schemeClr val="accent4"/>
+          </a:solidFill>
+          <a:ln>
+            <a:noFill/>
+          </a:ln>
+        </p:spPr>
+        <p:style>
+          <a:lnRef idx="2">
+            <a:schemeClr val="accent1">
+              <a:shade val="50000"/>
+            </a:schemeClr>
+          </a:lnRef>
+          <a:fillRef idx="1">
+            <a:schemeClr val="accent1"/>
+          </a:fillRef>
+          <a:effectRef idx="0">
+            <a:schemeClr val="accent1"/>
+          </a:effectRef>
+          <a:fontRef idx="minor">
+            <a:schemeClr val="lt1"/>
+          </a:fontRef>
+        </p:style>
+        <p:txBody>
+          <a:bodyPr rtlCol="0" anchor="ctr"/>
+          <a:lstStyle/>
+          <a:p>
+            <a:pPr algn="ctr"/>
+            <a:r>
+              <a:rPr lang="en-US" sz="2400" dirty="0">
+                <a:latin typeface="Yanone Kaffeesatz Light" panose="02000000000000000000" pitchFamily="2" charset="0"/>
+              </a:rPr>
+              <a:t>Load Balancer</a:t>
+            </a:r>
+            <a:endParaRPr lang="de-CH" sz="1200" dirty="0">
+              <a:latin typeface="Yanone Kaffeesatz Light" panose="02000000000000000000" pitchFamily="2" charset="0"/>
+            </a:endParaRPr>
+          </a:p>
+        </p:txBody>
+      </p:sp>
+      <p:sp>
+        <p:nvSpPr>
+          <p:cNvPr id="4" name="Rectangle 3">
+            <a:extLst>
+              <a:ext uri="{FF2B5EF4-FFF2-40B4-BE49-F238E27FC236}">
+                <a16:creationId xmlns:a16="http://schemas.microsoft.com/office/drawing/2014/main" id="{2D6A2368-ECFC-4441-BBB1-5596310C68F0}"/>
+              </a:ext>
+            </a:extLst>
+          </p:cNvPr>
+          <p:cNvSpPr/>
+          <p:nvPr/>
+        </p:nvSpPr>
+        <p:spPr>
+          <a:xfrm>
+            <a:off x="3309701" y="388621"/>
+            <a:ext cx="2174014" cy="6080759"/>
+          </a:xfrm>
+          <a:prstGeom prst="rect">
+            <a:avLst/>
+          </a:prstGeom>
+          <a:noFill/>
+          <a:ln w="19050">
+            <a:solidFill>
+              <a:schemeClr val="accent3"/>
+            </a:solidFill>
+          </a:ln>
+        </p:spPr>
+        <p:style>
+          <a:lnRef idx="2">
+            <a:schemeClr val="accent1">
+              <a:shade val="50000"/>
+            </a:schemeClr>
+          </a:lnRef>
+          <a:fillRef idx="1">
+            <a:schemeClr val="accent1"/>
+          </a:fillRef>
+          <a:effectRef idx="0">
+            <a:schemeClr val="accent1"/>
+          </a:effectRef>
+          <a:fontRef idx="minor">
+            <a:schemeClr val="lt1"/>
+          </a:fontRef>
+        </p:style>
+        <p:txBody>
+          <a:bodyPr rtlCol="0" anchor="ctr"/>
+          <a:lstStyle/>
+          <a:p>
+            <a:pPr algn="ctr"/>
+            <a:endParaRPr lang="de-CH"/>
+          </a:p>
+        </p:txBody>
+      </p:sp>
+      <p:sp>
+        <p:nvSpPr>
+          <p:cNvPr id="5" name="TextBox 4">
+            <a:extLst>
+              <a:ext uri="{FF2B5EF4-FFF2-40B4-BE49-F238E27FC236}">
+                <a16:creationId xmlns:a16="http://schemas.microsoft.com/office/drawing/2014/main" id="{729D1261-3F0E-4347-99DA-6E4CEE2DBA3D}"/>
+              </a:ext>
+            </a:extLst>
+          </p:cNvPr>
+          <p:cNvSpPr txBox="1"/>
+          <p:nvPr/>
+        </p:nvSpPr>
+        <p:spPr>
+          <a:xfrm>
+            <a:off x="3309702" y="472451"/>
+            <a:ext cx="2174014" cy="461665"/>
+          </a:xfrm>
+          <a:prstGeom prst="rect">
+            <a:avLst/>
+          </a:prstGeom>
+          <a:noFill/>
+        </p:spPr>
+        <p:txBody>
+          <a:bodyPr wrap="square" rtlCol="0">
+            <a:spAutoFit/>
+          </a:bodyPr>
+          <a:lstStyle/>
+          <a:p>
+            <a:pPr algn="ctr"/>
+            <a:r>
+              <a:rPr lang="en-US" sz="2400" dirty="0">
+                <a:solidFill>
+                  <a:schemeClr val="accent3"/>
+                </a:solidFill>
+                <a:latin typeface="Yanone Kaffeesatz Regular" panose="02000000000000000000" pitchFamily="2" charset="0"/>
+              </a:rPr>
+              <a:t>Stateless Front</a:t>
+            </a:r>
+            <a:endParaRPr lang="de-CH" sz="2400" dirty="0">
+              <a:solidFill>
+                <a:schemeClr val="accent3"/>
+              </a:solidFill>
+              <a:latin typeface="Yanone Kaffeesatz Regular" panose="02000000000000000000" pitchFamily="2" charset="0"/>
+            </a:endParaRPr>
+          </a:p>
+        </p:txBody>
+      </p:sp>
+      <p:sp>
+        <p:nvSpPr>
+          <p:cNvPr id="6" name="Rectangle 5">
+            <a:extLst>
+              <a:ext uri="{FF2B5EF4-FFF2-40B4-BE49-F238E27FC236}">
+                <a16:creationId xmlns:a16="http://schemas.microsoft.com/office/drawing/2014/main" id="{C174F491-2EB3-4837-BB3A-3DE4AFA2D6D9}"/>
+              </a:ext>
+            </a:extLst>
+          </p:cNvPr>
+          <p:cNvSpPr/>
+          <p:nvPr/>
+        </p:nvSpPr>
+        <p:spPr>
+          <a:xfrm>
+            <a:off x="3403758" y="1065132"/>
+            <a:ext cx="1944303" cy="914400"/>
+          </a:xfrm>
+          <a:prstGeom prst="rect">
+            <a:avLst/>
+          </a:prstGeom>
+          <a:solidFill>
+            <a:schemeClr val="tx2"/>
+          </a:solidFill>
+          <a:ln>
+            <a:noFill/>
+          </a:ln>
+        </p:spPr>
+        <p:style>
+          <a:lnRef idx="2">
+            <a:schemeClr val="accent1">
+              <a:shade val="50000"/>
+            </a:schemeClr>
+          </a:lnRef>
+          <a:fillRef idx="1">
+            <a:schemeClr val="accent1"/>
+          </a:fillRef>
+          <a:effectRef idx="0">
+            <a:schemeClr val="accent1"/>
+          </a:effectRef>
+          <a:fontRef idx="minor">
+            <a:schemeClr val="lt1"/>
+          </a:fontRef>
+        </p:style>
+        <p:txBody>
+          <a:bodyPr rtlCol="0" anchor="ctr"/>
+          <a:lstStyle/>
+          <a:p>
+            <a:pPr algn="ctr"/>
+            <a:r>
+              <a:rPr lang="en-US" sz="2400" dirty="0">
+                <a:latin typeface="Yanone Kaffeesatz Light" panose="02000000000000000000" pitchFamily="2" charset="0"/>
+              </a:rPr>
+              <a:t>Front:1</a:t>
+            </a:r>
+            <a:endParaRPr lang="de-CH" sz="1200" dirty="0">
+              <a:latin typeface="Yanone Kaffeesatz Light" panose="02000000000000000000" pitchFamily="2" charset="0"/>
+            </a:endParaRPr>
+          </a:p>
+        </p:txBody>
+      </p:sp>
+      <p:sp>
+        <p:nvSpPr>
+          <p:cNvPr id="7" name="Rectangle 6">
+            <a:extLst>
+              <a:ext uri="{FF2B5EF4-FFF2-40B4-BE49-F238E27FC236}">
+                <a16:creationId xmlns:a16="http://schemas.microsoft.com/office/drawing/2014/main" id="{06F959D4-D8E8-4123-9BE0-D562CAE6C849}"/>
+              </a:ext>
+            </a:extLst>
+          </p:cNvPr>
+          <p:cNvSpPr/>
+          <p:nvPr/>
+        </p:nvSpPr>
+        <p:spPr>
+          <a:xfrm>
+            <a:off x="3414922" y="2971800"/>
+            <a:ext cx="1944303" cy="914400"/>
+          </a:xfrm>
+          <a:prstGeom prst="rect">
+            <a:avLst/>
+          </a:prstGeom>
+          <a:solidFill>
+            <a:schemeClr val="tx2"/>
+          </a:solidFill>
+          <a:ln>
+            <a:noFill/>
+          </a:ln>
+        </p:spPr>
+        <p:style>
+          <a:lnRef idx="2">
+            <a:schemeClr val="accent1">
+              <a:shade val="50000"/>
+            </a:schemeClr>
+          </a:lnRef>
+          <a:fillRef idx="1">
+            <a:schemeClr val="accent1"/>
+          </a:fillRef>
+          <a:effectRef idx="0">
+            <a:schemeClr val="accent1"/>
+          </a:effectRef>
+          <a:fontRef idx="minor">
+            <a:schemeClr val="lt1"/>
+          </a:fontRef>
+        </p:style>
+        <p:txBody>
+          <a:bodyPr rtlCol="0" anchor="ctr"/>
+          <a:lstStyle/>
+          <a:p>
+            <a:pPr algn="ctr"/>
+            <a:r>
+              <a:rPr lang="en-US" sz="2400" dirty="0">
+                <a:latin typeface="Yanone Kaffeesatz Light" panose="02000000000000000000" pitchFamily="2" charset="0"/>
+              </a:rPr>
+              <a:t>Front:2</a:t>
+            </a:r>
+            <a:endParaRPr lang="de-CH" sz="1200" dirty="0">
+              <a:latin typeface="Yanone Kaffeesatz Light" panose="02000000000000000000" pitchFamily="2" charset="0"/>
+            </a:endParaRPr>
+          </a:p>
+        </p:txBody>
+      </p:sp>
+      <p:sp>
+        <p:nvSpPr>
+          <p:cNvPr id="8" name="Rectangle 7">
+            <a:extLst>
+              <a:ext uri="{FF2B5EF4-FFF2-40B4-BE49-F238E27FC236}">
+                <a16:creationId xmlns:a16="http://schemas.microsoft.com/office/drawing/2014/main" id="{45520895-0DD7-41A7-9843-D930EBD0407B}"/>
+              </a:ext>
+            </a:extLst>
+          </p:cNvPr>
+          <p:cNvSpPr/>
+          <p:nvPr/>
+        </p:nvSpPr>
+        <p:spPr>
+          <a:xfrm>
+            <a:off x="3403757" y="5056218"/>
+            <a:ext cx="1944303" cy="914400"/>
+          </a:xfrm>
+          <a:prstGeom prst="rect">
+            <a:avLst/>
+          </a:prstGeom>
+          <a:solidFill>
+            <a:schemeClr val="tx2"/>
+          </a:solidFill>
+          <a:ln>
+            <a:noFill/>
+          </a:ln>
+        </p:spPr>
+        <p:style>
+          <a:lnRef idx="2">
+            <a:schemeClr val="accent1">
+              <a:shade val="50000"/>
+            </a:schemeClr>
+          </a:lnRef>
+          <a:fillRef idx="1">
+            <a:schemeClr val="accent1"/>
+          </a:fillRef>
+          <a:effectRef idx="0">
+            <a:schemeClr val="accent1"/>
+          </a:effectRef>
+          <a:fontRef idx="minor">
+            <a:schemeClr val="lt1"/>
+          </a:fontRef>
+        </p:style>
+        <p:txBody>
+          <a:bodyPr rtlCol="0" anchor="ctr"/>
+          <a:lstStyle/>
+          <a:p>
+            <a:pPr algn="ctr"/>
+            <a:r>
+              <a:rPr lang="en-US" sz="2400" dirty="0">
+                <a:latin typeface="Yanone Kaffeesatz Light" panose="02000000000000000000" pitchFamily="2" charset="0"/>
+              </a:rPr>
+              <a:t>Front:3</a:t>
+            </a:r>
+            <a:endParaRPr lang="de-CH" sz="1200" dirty="0">
+              <a:latin typeface="Yanone Kaffeesatz Light" panose="02000000000000000000" pitchFamily="2" charset="0"/>
+            </a:endParaRPr>
+          </a:p>
+        </p:txBody>
+      </p:sp>
+      <p:sp>
+        <p:nvSpPr>
+          <p:cNvPr id="9" name="Rectangle 8">
+            <a:extLst>
+              <a:ext uri="{FF2B5EF4-FFF2-40B4-BE49-F238E27FC236}">
+                <a16:creationId xmlns:a16="http://schemas.microsoft.com/office/drawing/2014/main" id="{BEF6EC2A-D91B-40DE-8B63-D09E8BCF4C18}"/>
+              </a:ext>
+            </a:extLst>
+          </p:cNvPr>
+          <p:cNvSpPr/>
+          <p:nvPr/>
+        </p:nvSpPr>
+        <p:spPr>
+          <a:xfrm>
+            <a:off x="7052461" y="388621"/>
+            <a:ext cx="2204486" cy="6080759"/>
+          </a:xfrm>
+          <a:prstGeom prst="rect">
+            <a:avLst/>
+          </a:prstGeom>
+          <a:noFill/>
+          <a:ln w="19050">
+            <a:solidFill>
+              <a:schemeClr val="accent3"/>
+            </a:solidFill>
+          </a:ln>
+        </p:spPr>
+        <p:style>
+          <a:lnRef idx="2">
+            <a:schemeClr val="accent1">
+              <a:shade val="50000"/>
+            </a:schemeClr>
+          </a:lnRef>
+          <a:fillRef idx="1">
+            <a:schemeClr val="accent1"/>
+          </a:fillRef>
+          <a:effectRef idx="0">
+            <a:schemeClr val="accent1"/>
+          </a:effectRef>
+          <a:fontRef idx="minor">
+            <a:schemeClr val="lt1"/>
+          </a:fontRef>
+        </p:style>
+        <p:txBody>
+          <a:bodyPr rtlCol="0" anchor="ctr"/>
+          <a:lstStyle/>
+          <a:p>
+            <a:pPr algn="ctr"/>
+            <a:endParaRPr lang="de-CH"/>
+          </a:p>
+        </p:txBody>
+      </p:sp>
+      <p:sp>
+        <p:nvSpPr>
+          <p:cNvPr id="10" name="Rectangle 9">
+            <a:extLst>
+              <a:ext uri="{FF2B5EF4-FFF2-40B4-BE49-F238E27FC236}">
+                <a16:creationId xmlns:a16="http://schemas.microsoft.com/office/drawing/2014/main" id="{74846BA8-E597-422E-BC2A-3BBF205040C2}"/>
+              </a:ext>
+            </a:extLst>
+          </p:cNvPr>
+          <p:cNvSpPr/>
+          <p:nvPr/>
+        </p:nvSpPr>
+        <p:spPr>
+          <a:xfrm>
+            <a:off x="7182619" y="1065132"/>
+            <a:ext cx="1944303" cy="914400"/>
+          </a:xfrm>
+          <a:prstGeom prst="rect">
+            <a:avLst/>
+          </a:prstGeom>
+          <a:solidFill>
+            <a:schemeClr val="tx2"/>
+          </a:solidFill>
+          <a:ln>
+            <a:noFill/>
+          </a:ln>
+        </p:spPr>
+        <p:style>
+          <a:lnRef idx="2">
+            <a:schemeClr val="accent1">
+              <a:shade val="50000"/>
+            </a:schemeClr>
+          </a:lnRef>
+          <a:fillRef idx="1">
+            <a:schemeClr val="accent1"/>
+          </a:fillRef>
+          <a:effectRef idx="0">
+            <a:schemeClr val="accent1"/>
+          </a:effectRef>
+          <a:fontRef idx="minor">
+            <a:schemeClr val="lt1"/>
+          </a:fontRef>
+        </p:style>
+        <p:txBody>
+          <a:bodyPr rtlCol="0" anchor="ctr"/>
+          <a:lstStyle/>
+          <a:p>
+            <a:pPr algn="ctr"/>
+            <a:r>
+              <a:rPr lang="en-US" sz="2400" dirty="0">
+                <a:latin typeface="Yanone Kaffeesatz Light" panose="02000000000000000000" pitchFamily="2" charset="0"/>
+              </a:rPr>
+              <a:t>Back:1</a:t>
+            </a:r>
+            <a:endParaRPr lang="de-CH" sz="1200" dirty="0">
+              <a:latin typeface="Yanone Kaffeesatz Light" panose="02000000000000000000" pitchFamily="2" charset="0"/>
+            </a:endParaRPr>
+          </a:p>
+        </p:txBody>
+      </p:sp>
+      <p:sp>
+        <p:nvSpPr>
+          <p:cNvPr id="11" name="Rectangle 10">
+            <a:extLst>
+              <a:ext uri="{FF2B5EF4-FFF2-40B4-BE49-F238E27FC236}">
+                <a16:creationId xmlns:a16="http://schemas.microsoft.com/office/drawing/2014/main" id="{A8A3090D-3E3D-4082-8031-1ABCBA752861}"/>
+              </a:ext>
+            </a:extLst>
+          </p:cNvPr>
+          <p:cNvSpPr/>
+          <p:nvPr/>
+        </p:nvSpPr>
+        <p:spPr>
+          <a:xfrm>
+            <a:off x="7189953" y="2971800"/>
+            <a:ext cx="1944303" cy="914400"/>
+          </a:xfrm>
+          <a:prstGeom prst="rect">
+            <a:avLst/>
+          </a:prstGeom>
+          <a:solidFill>
+            <a:schemeClr val="tx2"/>
+          </a:solidFill>
+          <a:ln>
+            <a:noFill/>
+          </a:ln>
+        </p:spPr>
+        <p:style>
+          <a:lnRef idx="2">
+            <a:schemeClr val="accent1">
+              <a:shade val="50000"/>
+            </a:schemeClr>
+          </a:lnRef>
+          <a:fillRef idx="1">
+            <a:schemeClr val="accent1"/>
+          </a:fillRef>
+          <a:effectRef idx="0">
+            <a:schemeClr val="accent1"/>
+          </a:effectRef>
+          <a:fontRef idx="minor">
+            <a:schemeClr val="lt1"/>
+          </a:fontRef>
+        </p:style>
+        <p:txBody>
+          <a:bodyPr rtlCol="0" anchor="ctr"/>
+          <a:lstStyle/>
+          <a:p>
+            <a:pPr algn="ctr"/>
+            <a:r>
+              <a:rPr lang="en-US" sz="2400" dirty="0">
+                <a:latin typeface="Yanone Kaffeesatz Light" panose="02000000000000000000" pitchFamily="2" charset="0"/>
+              </a:rPr>
+              <a:t>Back:2</a:t>
+            </a:r>
+            <a:endParaRPr lang="de-CH" sz="1200" dirty="0">
+              <a:latin typeface="Yanone Kaffeesatz Light" panose="02000000000000000000" pitchFamily="2" charset="0"/>
+            </a:endParaRPr>
+          </a:p>
+        </p:txBody>
+      </p:sp>
+      <p:sp>
+        <p:nvSpPr>
+          <p:cNvPr id="12" name="Rectangle 11">
+            <a:extLst>
+              <a:ext uri="{FF2B5EF4-FFF2-40B4-BE49-F238E27FC236}">
+                <a16:creationId xmlns:a16="http://schemas.microsoft.com/office/drawing/2014/main" id="{FA241598-182E-4BD8-BB30-3C06F3588005}"/>
+              </a:ext>
+            </a:extLst>
+          </p:cNvPr>
+          <p:cNvSpPr/>
+          <p:nvPr/>
+        </p:nvSpPr>
+        <p:spPr>
+          <a:xfrm>
+            <a:off x="7189953" y="5056218"/>
+            <a:ext cx="1944303" cy="914400"/>
+          </a:xfrm>
+          <a:prstGeom prst="rect">
+            <a:avLst/>
+          </a:prstGeom>
+          <a:solidFill>
+            <a:schemeClr val="tx2"/>
+          </a:solidFill>
+          <a:ln>
+            <a:noFill/>
+          </a:ln>
+        </p:spPr>
+        <p:style>
+          <a:lnRef idx="2">
+            <a:schemeClr val="accent1">
+              <a:shade val="50000"/>
+            </a:schemeClr>
+          </a:lnRef>
+          <a:fillRef idx="1">
+            <a:schemeClr val="accent1"/>
+          </a:fillRef>
+          <a:effectRef idx="0">
+            <a:schemeClr val="accent1"/>
+          </a:effectRef>
+          <a:fontRef idx="minor">
+            <a:schemeClr val="lt1"/>
+          </a:fontRef>
+        </p:style>
+        <p:txBody>
+          <a:bodyPr rtlCol="0" anchor="ctr"/>
+          <a:lstStyle/>
+          <a:p>
+            <a:pPr algn="ctr"/>
+            <a:r>
+              <a:rPr lang="en-US" sz="2400" dirty="0">
+                <a:latin typeface="Yanone Kaffeesatz Light" panose="02000000000000000000" pitchFamily="2" charset="0"/>
+              </a:rPr>
+              <a:t>Back:3</a:t>
+            </a:r>
+            <a:endParaRPr lang="de-CH" sz="1200" dirty="0">
+              <a:latin typeface="Yanone Kaffeesatz Light" panose="02000000000000000000" pitchFamily="2" charset="0"/>
+            </a:endParaRPr>
+          </a:p>
+        </p:txBody>
+      </p:sp>
+      <p:sp>
+        <p:nvSpPr>
+          <p:cNvPr id="13" name="TextBox 12">
+            <a:extLst>
+              <a:ext uri="{FF2B5EF4-FFF2-40B4-BE49-F238E27FC236}">
+                <a16:creationId xmlns:a16="http://schemas.microsoft.com/office/drawing/2014/main" id="{44950A7A-0991-49B4-AF20-0AB36C3504CE}"/>
+              </a:ext>
+            </a:extLst>
+          </p:cNvPr>
+          <p:cNvSpPr txBox="1"/>
+          <p:nvPr/>
+        </p:nvSpPr>
+        <p:spPr>
+          <a:xfrm>
+            <a:off x="7052461" y="472451"/>
+            <a:ext cx="2204486" cy="461665"/>
+          </a:xfrm>
+          <a:prstGeom prst="rect">
+            <a:avLst/>
+          </a:prstGeom>
+          <a:noFill/>
+        </p:spPr>
+        <p:txBody>
+          <a:bodyPr wrap="square" rtlCol="0">
+            <a:spAutoFit/>
+          </a:bodyPr>
+          <a:lstStyle/>
+          <a:p>
+            <a:pPr algn="ctr"/>
+            <a:r>
+              <a:rPr lang="en-US" sz="2400" dirty="0">
+                <a:solidFill>
+                  <a:schemeClr val="accent3"/>
+                </a:solidFill>
+                <a:latin typeface="Yanone Kaffeesatz Regular" panose="02000000000000000000" pitchFamily="2" charset="0"/>
+              </a:rPr>
+              <a:t>Stateless Back</a:t>
+            </a:r>
+            <a:endParaRPr lang="de-CH" sz="2400" dirty="0">
+              <a:solidFill>
+                <a:schemeClr val="accent3"/>
+              </a:solidFill>
+              <a:latin typeface="Yanone Kaffeesatz Regular" panose="02000000000000000000" pitchFamily="2" charset="0"/>
+            </a:endParaRPr>
+          </a:p>
+        </p:txBody>
+      </p:sp>
+      <p:sp>
+        <p:nvSpPr>
+          <p:cNvPr id="15" name="Cylinder 14">
+            <a:extLst>
+              <a:ext uri="{FF2B5EF4-FFF2-40B4-BE49-F238E27FC236}">
+                <a16:creationId xmlns:a16="http://schemas.microsoft.com/office/drawing/2014/main" id="{C4F9707C-E147-43E5-9DB3-4DD82F8B145A}"/>
+              </a:ext>
+            </a:extLst>
+          </p:cNvPr>
+          <p:cNvSpPr/>
+          <p:nvPr/>
+        </p:nvSpPr>
+        <p:spPr>
+          <a:xfrm>
+            <a:off x="9452476" y="2820924"/>
+            <a:ext cx="914400" cy="1216152"/>
+          </a:xfrm>
+          <a:prstGeom prst="can">
+            <a:avLst/>
+          </a:prstGeom>
+          <a:solidFill>
+            <a:schemeClr val="accent4"/>
+          </a:solidFill>
+          <a:ln>
+            <a:noFill/>
+          </a:ln>
+        </p:spPr>
+        <p:style>
+          <a:lnRef idx="2">
+            <a:schemeClr val="accent1">
+              <a:shade val="50000"/>
+            </a:schemeClr>
+          </a:lnRef>
+          <a:fillRef idx="1">
+            <a:schemeClr val="accent1"/>
+          </a:fillRef>
+          <a:effectRef idx="0">
+            <a:schemeClr val="accent1"/>
+          </a:effectRef>
+          <a:fontRef idx="minor">
+            <a:schemeClr val="lt1"/>
+          </a:fontRef>
+        </p:style>
+        <p:txBody>
+          <a:bodyPr rtlCol="0" anchor="ctr"/>
+          <a:lstStyle/>
+          <a:p>
+            <a:pPr algn="ctr"/>
+            <a:r>
+              <a:rPr lang="de-CH" dirty="0">
+                <a:latin typeface="Yanone Kaffeesatz Light" panose="02000000000000000000" pitchFamily="2" charset="0"/>
+              </a:rPr>
+              <a:t>Storage</a:t>
+            </a:r>
+          </a:p>
+        </p:txBody>
+      </p:sp>
+      <p:cxnSp>
+        <p:nvCxnSpPr>
+          <p:cNvPr id="18" name="Straight Arrow Connector 17">
+            <a:extLst>
+              <a:ext uri="{FF2B5EF4-FFF2-40B4-BE49-F238E27FC236}">
+                <a16:creationId xmlns:a16="http://schemas.microsoft.com/office/drawing/2014/main" id="{29385273-507B-47F7-8DA7-A5A64F044919}"/>
+              </a:ext>
+            </a:extLst>
+          </p:cNvPr>
+          <p:cNvCxnSpPr>
+            <a:cxnSpLocks/>
+            <a:stCxn id="11" idx="3"/>
+            <a:endCxn id="15" idx="2"/>
+          </p:cNvCxnSpPr>
+          <p:nvPr/>
+        </p:nvCxnSpPr>
+        <p:spPr>
+          <a:xfrm>
+            <a:off x="9134256" y="3429000"/>
+            <a:ext cx="318220" cy="0"/>
+          </a:xfrm>
+          <a:prstGeom prst="straightConnector1">
+            <a:avLst/>
+          </a:prstGeom>
+          <a:ln w="19050">
+            <a:solidFill>
+              <a:schemeClr val="tx2"/>
+            </a:solidFill>
+            <a:tailEnd type="triangle"/>
+          </a:ln>
+        </p:spPr>
+        <p:style>
+          <a:lnRef idx="1">
+            <a:schemeClr val="accent1"/>
+          </a:lnRef>
+          <a:fillRef idx="0">
+            <a:schemeClr val="accent1"/>
+          </a:fillRef>
+          <a:effectRef idx="0">
+            <a:schemeClr val="accent1"/>
+          </a:effectRef>
+          <a:fontRef idx="minor">
+            <a:schemeClr val="tx1"/>
+          </a:fontRef>
+        </p:style>
+      </p:cxnSp>
+      <p:cxnSp>
+        <p:nvCxnSpPr>
+          <p:cNvPr id="22" name="Straight Arrow Connector 21">
+            <a:extLst>
+              <a:ext uri="{FF2B5EF4-FFF2-40B4-BE49-F238E27FC236}">
+                <a16:creationId xmlns:a16="http://schemas.microsoft.com/office/drawing/2014/main" id="{93D1AEAA-C56F-40D8-8E6D-506DE23AF464}"/>
+              </a:ext>
+            </a:extLst>
+          </p:cNvPr>
+          <p:cNvCxnSpPr>
+            <a:cxnSpLocks/>
+            <a:stCxn id="10" idx="3"/>
+            <a:endCxn id="15" idx="2"/>
+          </p:cNvCxnSpPr>
+          <p:nvPr/>
+        </p:nvCxnSpPr>
+        <p:spPr>
+          <a:xfrm>
+            <a:off x="9126922" y="1522332"/>
+            <a:ext cx="325554" cy="1906668"/>
+          </a:xfrm>
+          <a:prstGeom prst="straightConnector1">
+            <a:avLst/>
+          </a:prstGeom>
+          <a:ln w="19050">
+            <a:solidFill>
+              <a:schemeClr val="tx2"/>
+            </a:solidFill>
+            <a:tailEnd type="triangle"/>
+          </a:ln>
+        </p:spPr>
+        <p:style>
+          <a:lnRef idx="1">
+            <a:schemeClr val="accent1"/>
+          </a:lnRef>
+          <a:fillRef idx="0">
+            <a:schemeClr val="accent1"/>
+          </a:fillRef>
+          <a:effectRef idx="0">
+            <a:schemeClr val="accent1"/>
+          </a:effectRef>
+          <a:fontRef idx="minor">
+            <a:schemeClr val="tx1"/>
+          </a:fontRef>
+        </p:style>
+      </p:cxnSp>
+      <p:cxnSp>
+        <p:nvCxnSpPr>
+          <p:cNvPr id="25" name="Straight Arrow Connector 24">
+            <a:extLst>
+              <a:ext uri="{FF2B5EF4-FFF2-40B4-BE49-F238E27FC236}">
+                <a16:creationId xmlns:a16="http://schemas.microsoft.com/office/drawing/2014/main" id="{6D63C966-B180-4214-9EE6-562401B8BBB3}"/>
+              </a:ext>
+            </a:extLst>
+          </p:cNvPr>
+          <p:cNvCxnSpPr>
+            <a:cxnSpLocks/>
+            <a:stCxn id="12" idx="3"/>
+            <a:endCxn id="15" idx="2"/>
+          </p:cNvCxnSpPr>
+          <p:nvPr/>
+        </p:nvCxnSpPr>
+        <p:spPr>
+          <a:xfrm flipV="1">
+            <a:off x="9134256" y="3429000"/>
+            <a:ext cx="318220" cy="2084418"/>
+          </a:xfrm>
+          <a:prstGeom prst="straightConnector1">
+            <a:avLst/>
+          </a:prstGeom>
+          <a:ln w="19050">
+            <a:solidFill>
+              <a:schemeClr val="tx2"/>
+            </a:solidFill>
+            <a:tailEnd type="triangle"/>
+          </a:ln>
+        </p:spPr>
+        <p:style>
+          <a:lnRef idx="1">
+            <a:schemeClr val="accent1"/>
+          </a:lnRef>
+          <a:fillRef idx="0">
+            <a:schemeClr val="accent1"/>
+          </a:fillRef>
+          <a:effectRef idx="0">
+            <a:schemeClr val="accent1"/>
+          </a:effectRef>
+          <a:fontRef idx="minor">
+            <a:schemeClr val="tx1"/>
+          </a:fontRef>
+        </p:style>
+      </p:cxnSp>
+      <p:cxnSp>
+        <p:nvCxnSpPr>
+          <p:cNvPr id="33" name="Straight Arrow Connector 32">
+            <a:extLst>
+              <a:ext uri="{FF2B5EF4-FFF2-40B4-BE49-F238E27FC236}">
+                <a16:creationId xmlns:a16="http://schemas.microsoft.com/office/drawing/2014/main" id="{81EF5CA9-9CC2-4778-ADAF-DCAE29309734}"/>
+              </a:ext>
+            </a:extLst>
+          </p:cNvPr>
+          <p:cNvCxnSpPr>
+            <a:cxnSpLocks/>
+            <a:stCxn id="3" idx="3"/>
+            <a:endCxn id="7" idx="1"/>
+          </p:cNvCxnSpPr>
+          <p:nvPr/>
+        </p:nvCxnSpPr>
+        <p:spPr>
+          <a:xfrm>
+            <a:off x="3134723" y="3429000"/>
+            <a:ext cx="280199" cy="0"/>
+          </a:xfrm>
+          <a:prstGeom prst="straightConnector1">
+            <a:avLst/>
+          </a:prstGeom>
+          <a:ln w="19050">
+            <a:solidFill>
+              <a:schemeClr val="accent4"/>
+            </a:solidFill>
+            <a:tailEnd type="triangle"/>
+          </a:ln>
+        </p:spPr>
+        <p:style>
+          <a:lnRef idx="1">
+            <a:schemeClr val="accent1"/>
+          </a:lnRef>
+          <a:fillRef idx="0">
+            <a:schemeClr val="accent1"/>
+          </a:fillRef>
+          <a:effectRef idx="0">
+            <a:schemeClr val="accent1"/>
+          </a:effectRef>
+          <a:fontRef idx="minor">
+            <a:schemeClr val="tx1"/>
+          </a:fontRef>
+        </p:style>
+      </p:cxnSp>
+      <p:cxnSp>
+        <p:nvCxnSpPr>
+          <p:cNvPr id="36" name="Straight Arrow Connector 35">
+            <a:extLst>
+              <a:ext uri="{FF2B5EF4-FFF2-40B4-BE49-F238E27FC236}">
+                <a16:creationId xmlns:a16="http://schemas.microsoft.com/office/drawing/2014/main" id="{500B6D12-F922-4477-9F27-E71457A024F2}"/>
+              </a:ext>
+            </a:extLst>
+          </p:cNvPr>
+          <p:cNvCxnSpPr>
+            <a:cxnSpLocks/>
+            <a:stCxn id="3" idx="3"/>
+            <a:endCxn id="8" idx="1"/>
+          </p:cNvCxnSpPr>
+          <p:nvPr/>
+        </p:nvCxnSpPr>
+        <p:spPr>
+          <a:xfrm>
+            <a:off x="3134723" y="3429000"/>
+            <a:ext cx="269034" cy="2084418"/>
+          </a:xfrm>
+          <a:prstGeom prst="straightConnector1">
+            <a:avLst/>
+          </a:prstGeom>
+          <a:ln w="19050">
+            <a:solidFill>
+              <a:schemeClr val="accent4"/>
+            </a:solidFill>
+            <a:tailEnd type="triangle"/>
+          </a:ln>
+        </p:spPr>
+        <p:style>
+          <a:lnRef idx="1">
+            <a:schemeClr val="accent1"/>
+          </a:lnRef>
+          <a:fillRef idx="0">
+            <a:schemeClr val="accent1"/>
+          </a:fillRef>
+          <a:effectRef idx="0">
+            <a:schemeClr val="accent1"/>
+          </a:effectRef>
+          <a:fontRef idx="minor">
+            <a:schemeClr val="tx1"/>
+          </a:fontRef>
+        </p:style>
+      </p:cxnSp>
+      <p:cxnSp>
+        <p:nvCxnSpPr>
+          <p:cNvPr id="39" name="Straight Arrow Connector 38">
+            <a:extLst>
+              <a:ext uri="{FF2B5EF4-FFF2-40B4-BE49-F238E27FC236}">
+                <a16:creationId xmlns:a16="http://schemas.microsoft.com/office/drawing/2014/main" id="{BB84A00C-F2CD-4422-BE8F-C9FEB5BFDBA9}"/>
+              </a:ext>
+            </a:extLst>
+          </p:cNvPr>
+          <p:cNvCxnSpPr>
+            <a:cxnSpLocks/>
+            <a:stCxn id="3" idx="3"/>
+            <a:endCxn id="6" idx="1"/>
+          </p:cNvCxnSpPr>
+          <p:nvPr/>
+        </p:nvCxnSpPr>
+        <p:spPr>
+          <a:xfrm flipV="1">
+            <a:off x="3134723" y="1522332"/>
+            <a:ext cx="269035" cy="1906668"/>
+          </a:xfrm>
+          <a:prstGeom prst="straightConnector1">
+            <a:avLst/>
+          </a:prstGeom>
+          <a:ln w="19050">
+            <a:solidFill>
+              <a:schemeClr val="accent4"/>
+            </a:solidFill>
+            <a:tailEnd type="triangle"/>
+          </a:ln>
+        </p:spPr>
+        <p:style>
+          <a:lnRef idx="1">
+            <a:schemeClr val="accent1"/>
+          </a:lnRef>
+          <a:fillRef idx="0">
+            <a:schemeClr val="accent1"/>
+          </a:fillRef>
+          <a:effectRef idx="0">
+            <a:schemeClr val="accent1"/>
+          </a:effectRef>
+          <a:fontRef idx="minor">
+            <a:schemeClr val="tx1"/>
+          </a:fontRef>
+        </p:style>
+      </p:cxnSp>
+      <p:cxnSp>
+        <p:nvCxnSpPr>
+          <p:cNvPr id="45" name="Straight Arrow Connector 44">
+            <a:extLst>
+              <a:ext uri="{FF2B5EF4-FFF2-40B4-BE49-F238E27FC236}">
+                <a16:creationId xmlns:a16="http://schemas.microsoft.com/office/drawing/2014/main" id="{93AC78B8-B466-4010-AE54-5321029FE15E}"/>
+              </a:ext>
+            </a:extLst>
+          </p:cNvPr>
+          <p:cNvCxnSpPr>
+            <a:cxnSpLocks/>
+            <a:stCxn id="6" idx="3"/>
+          </p:cNvCxnSpPr>
+          <p:nvPr/>
+        </p:nvCxnSpPr>
+        <p:spPr>
+          <a:xfrm>
+            <a:off x="5348061" y="1522332"/>
+            <a:ext cx="259146" cy="1906668"/>
+          </a:xfrm>
+          <a:prstGeom prst="straightConnector1">
+            <a:avLst/>
+          </a:prstGeom>
+          <a:ln w="19050">
+            <a:solidFill>
+              <a:schemeClr val="tx2"/>
+            </a:solidFill>
+            <a:headEnd type="none"/>
+            <a:tailEnd type="triangle"/>
+          </a:ln>
+        </p:spPr>
+        <p:style>
+          <a:lnRef idx="1">
+            <a:schemeClr val="accent1"/>
+          </a:lnRef>
+          <a:fillRef idx="0">
+            <a:schemeClr val="accent1"/>
+          </a:fillRef>
+          <a:effectRef idx="0">
+            <a:schemeClr val="accent1"/>
+          </a:effectRef>
+          <a:fontRef idx="minor">
+            <a:schemeClr val="tx1"/>
+          </a:fontRef>
+        </p:style>
+      </p:cxnSp>
+      <p:cxnSp>
+        <p:nvCxnSpPr>
+          <p:cNvPr id="67" name="Straight Arrow Connector 66">
+            <a:extLst>
+              <a:ext uri="{FF2B5EF4-FFF2-40B4-BE49-F238E27FC236}">
+                <a16:creationId xmlns:a16="http://schemas.microsoft.com/office/drawing/2014/main" id="{2EE522A4-AB02-469F-8049-4F1002737F03}"/>
+              </a:ext>
+            </a:extLst>
+          </p:cNvPr>
+          <p:cNvCxnSpPr>
+            <a:cxnSpLocks/>
+            <a:stCxn id="10" idx="1"/>
+            <a:endCxn id="28" idx="3"/>
+          </p:cNvCxnSpPr>
+          <p:nvPr/>
+        </p:nvCxnSpPr>
+        <p:spPr>
+          <a:xfrm flipH="1">
+            <a:off x="6823362" y="1522332"/>
+            <a:ext cx="359257" cy="1906668"/>
+          </a:xfrm>
+          <a:prstGeom prst="straightConnector1">
+            <a:avLst/>
+          </a:prstGeom>
+          <a:ln w="19050">
+            <a:solidFill>
+              <a:schemeClr val="accent4"/>
+            </a:solidFill>
+            <a:headEnd type="triangle"/>
+            <a:tailEnd type="none"/>
+          </a:ln>
+        </p:spPr>
+        <p:style>
+          <a:lnRef idx="1">
+            <a:schemeClr val="accent1"/>
+          </a:lnRef>
+          <a:fillRef idx="0">
+            <a:schemeClr val="accent1"/>
+          </a:fillRef>
+          <a:effectRef idx="0">
+            <a:schemeClr val="accent1"/>
+          </a:effectRef>
+          <a:fontRef idx="minor">
+            <a:schemeClr val="tx1"/>
+          </a:fontRef>
+        </p:style>
+      </p:cxnSp>
+      <p:cxnSp>
+        <p:nvCxnSpPr>
+          <p:cNvPr id="70" name="Straight Arrow Connector 69">
+            <a:extLst>
+              <a:ext uri="{FF2B5EF4-FFF2-40B4-BE49-F238E27FC236}">
+                <a16:creationId xmlns:a16="http://schemas.microsoft.com/office/drawing/2014/main" id="{072A11C8-D7F3-489C-8685-273B9BE08BC6}"/>
+              </a:ext>
+            </a:extLst>
+          </p:cNvPr>
+          <p:cNvCxnSpPr>
+            <a:cxnSpLocks/>
+            <a:stCxn id="7" idx="3"/>
+          </p:cNvCxnSpPr>
+          <p:nvPr/>
+        </p:nvCxnSpPr>
+        <p:spPr>
+          <a:xfrm>
+            <a:off x="5359225" y="3429000"/>
+            <a:ext cx="247982" cy="0"/>
+          </a:xfrm>
+          <a:prstGeom prst="straightConnector1">
+            <a:avLst/>
+          </a:prstGeom>
+          <a:ln w="19050">
+            <a:solidFill>
+              <a:schemeClr val="tx2"/>
+            </a:solidFill>
+            <a:headEnd type="none"/>
+            <a:tailEnd type="triangle"/>
+          </a:ln>
+        </p:spPr>
+        <p:style>
+          <a:lnRef idx="1">
+            <a:schemeClr val="accent1"/>
+          </a:lnRef>
+          <a:fillRef idx="0">
+            <a:schemeClr val="accent1"/>
+          </a:fillRef>
+          <a:effectRef idx="0">
+            <a:schemeClr val="accent1"/>
+          </a:effectRef>
+          <a:fontRef idx="minor">
+            <a:schemeClr val="tx1"/>
+          </a:fontRef>
+        </p:style>
+      </p:cxnSp>
+      <p:cxnSp>
+        <p:nvCxnSpPr>
+          <p:cNvPr id="74" name="Straight Arrow Connector 73">
+            <a:extLst>
+              <a:ext uri="{FF2B5EF4-FFF2-40B4-BE49-F238E27FC236}">
+                <a16:creationId xmlns:a16="http://schemas.microsoft.com/office/drawing/2014/main" id="{BA83A8D4-0130-4467-886F-3E5B3512AC71}"/>
+              </a:ext>
+            </a:extLst>
+          </p:cNvPr>
+          <p:cNvCxnSpPr>
+            <a:cxnSpLocks/>
+            <a:stCxn id="11" idx="1"/>
+            <a:endCxn id="28" idx="3"/>
+          </p:cNvCxnSpPr>
+          <p:nvPr/>
+        </p:nvCxnSpPr>
+        <p:spPr>
+          <a:xfrm flipH="1">
+            <a:off x="6823362" y="3429000"/>
+            <a:ext cx="366591" cy="0"/>
+          </a:xfrm>
+          <a:prstGeom prst="straightConnector1">
+            <a:avLst/>
+          </a:prstGeom>
+          <a:ln w="19050">
+            <a:solidFill>
+              <a:schemeClr val="accent4"/>
+            </a:solidFill>
+            <a:headEnd type="triangle"/>
+            <a:tailEnd type="none"/>
+          </a:ln>
+        </p:spPr>
+        <p:style>
+          <a:lnRef idx="1">
+            <a:schemeClr val="accent1"/>
+          </a:lnRef>
+          <a:fillRef idx="0">
+            <a:schemeClr val="accent1"/>
+          </a:fillRef>
+          <a:effectRef idx="0">
+            <a:schemeClr val="accent1"/>
+          </a:effectRef>
+          <a:fontRef idx="minor">
+            <a:schemeClr val="tx1"/>
+          </a:fontRef>
+        </p:style>
+      </p:cxnSp>
+      <p:cxnSp>
+        <p:nvCxnSpPr>
+          <p:cNvPr id="77" name="Straight Arrow Connector 76">
+            <a:extLst>
+              <a:ext uri="{FF2B5EF4-FFF2-40B4-BE49-F238E27FC236}">
+                <a16:creationId xmlns:a16="http://schemas.microsoft.com/office/drawing/2014/main" id="{C59FD875-A9ED-4E33-8D91-EC307EABC1B8}"/>
+              </a:ext>
+            </a:extLst>
+          </p:cNvPr>
+          <p:cNvCxnSpPr>
+            <a:cxnSpLocks/>
+            <a:stCxn id="8" idx="3"/>
+          </p:cNvCxnSpPr>
+          <p:nvPr/>
+        </p:nvCxnSpPr>
+        <p:spPr>
+          <a:xfrm flipV="1">
+            <a:off x="5348060" y="3429000"/>
+            <a:ext cx="259147" cy="2084418"/>
+          </a:xfrm>
+          <a:prstGeom prst="straightConnector1">
+            <a:avLst/>
+          </a:prstGeom>
+          <a:ln w="19050">
+            <a:solidFill>
+              <a:schemeClr val="tx2"/>
+            </a:solidFill>
+            <a:headEnd type="none"/>
+            <a:tailEnd type="triangle"/>
+          </a:ln>
+        </p:spPr>
+        <p:style>
+          <a:lnRef idx="1">
+            <a:schemeClr val="accent1"/>
+          </a:lnRef>
+          <a:fillRef idx="0">
+            <a:schemeClr val="accent1"/>
+          </a:fillRef>
+          <a:effectRef idx="0">
+            <a:schemeClr val="accent1"/>
+          </a:effectRef>
+          <a:fontRef idx="minor">
+            <a:schemeClr val="tx1"/>
+          </a:fontRef>
+        </p:style>
+      </p:cxnSp>
+      <p:cxnSp>
+        <p:nvCxnSpPr>
+          <p:cNvPr id="80" name="Straight Arrow Connector 79">
+            <a:extLst>
+              <a:ext uri="{FF2B5EF4-FFF2-40B4-BE49-F238E27FC236}">
+                <a16:creationId xmlns:a16="http://schemas.microsoft.com/office/drawing/2014/main" id="{13ACD9FB-9A4E-40E8-809B-563B11CE51DE}"/>
+              </a:ext>
+            </a:extLst>
+          </p:cNvPr>
+          <p:cNvCxnSpPr>
+            <a:cxnSpLocks/>
+            <a:stCxn id="28" idx="3"/>
+            <a:endCxn id="12" idx="1"/>
+          </p:cNvCxnSpPr>
+          <p:nvPr/>
+        </p:nvCxnSpPr>
+        <p:spPr>
+          <a:xfrm>
+            <a:off x="6823362" y="3429000"/>
+            <a:ext cx="366591" cy="2084418"/>
+          </a:xfrm>
+          <a:prstGeom prst="straightConnector1">
+            <a:avLst/>
+          </a:prstGeom>
+          <a:ln w="19050">
+            <a:solidFill>
+              <a:schemeClr val="accent4"/>
+            </a:solidFill>
+            <a:headEnd type="none"/>
+            <a:tailEnd type="triangle"/>
+          </a:ln>
+        </p:spPr>
+        <p:style>
+          <a:lnRef idx="1">
+            <a:schemeClr val="accent1"/>
+          </a:lnRef>
+          <a:fillRef idx="0">
+            <a:schemeClr val="accent1"/>
+          </a:fillRef>
+          <a:effectRef idx="0">
+            <a:schemeClr val="accent1"/>
+          </a:effectRef>
+          <a:fontRef idx="minor">
+            <a:schemeClr val="tx1"/>
+          </a:fontRef>
+        </p:style>
+      </p:cxnSp>
     </p:spTree>
     <p:extLst>
       <p:ext uri="{BB962C8B-B14F-4D97-AF65-F5344CB8AC3E}">
-        <p14:creationId xmlns:p14="http://schemas.microsoft.com/office/powerpoint/2010/main" val="235545504"/>
+        <p14:creationId xmlns:p14="http://schemas.microsoft.com/office/powerpoint/2010/main" val="3664190035"/>
       </p:ext>
     </p:extLst>
   </p:cSld>
@@ -3619,64 +8218,2266 @@
       </p:grpSpPr>
       <p:sp>
         <p:nvSpPr>
-          <p:cNvPr id="2" name="Title 1">
-            <a:extLst>
-              <a:ext uri="{FF2B5EF4-FFF2-40B4-BE49-F238E27FC236}">
-                <a16:creationId xmlns:a16="http://schemas.microsoft.com/office/drawing/2014/main" id="{C851F7D5-B597-4DF1-B074-740FC2961109}"/>
-              </a:ext>
-            </a:extLst>
-          </p:cNvPr>
-          <p:cNvSpPr>
-            <a:spLocks noGrp="1"/>
-          </p:cNvSpPr>
-          <p:nvPr>
-            <p:ph type="title"/>
-          </p:nvPr>
-        </p:nvSpPr>
-        <p:spPr/>
-        <p:txBody>
-          <a:bodyPr/>
-          <a:lstStyle/>
-          <a:p>
-            <a:r>
-              <a:rPr lang="en-US" dirty="0"/>
-              <a:t>SF with Messaging</a:t>
-            </a:r>
-          </a:p>
-        </p:txBody>
-      </p:sp>
-      <p:sp>
-        <p:nvSpPr>
-          <p:cNvPr id="3" name="Content Placeholder 2">
-            <a:extLst>
-              <a:ext uri="{FF2B5EF4-FFF2-40B4-BE49-F238E27FC236}">
-                <a16:creationId xmlns:a16="http://schemas.microsoft.com/office/drawing/2014/main" id="{ED527E4B-18FE-4833-803F-B62DE5ECFEC6}"/>
-              </a:ext>
-            </a:extLst>
-          </p:cNvPr>
-          <p:cNvSpPr>
-            <a:spLocks noGrp="1"/>
-          </p:cNvSpPr>
-          <p:nvPr>
-            <p:ph idx="1"/>
-          </p:nvPr>
-        </p:nvSpPr>
-        <p:spPr/>
-        <p:txBody>
-          <a:bodyPr/>
-          <a:lstStyle/>
-          <a:p>
-            <a:r>
-              <a:rPr lang="en-US" dirty="0"/>
-              <a:t>Diagram</a:t>
-            </a:r>
+          <p:cNvPr id="83" name="Rectangle 82">
+            <a:extLst>
+              <a:ext uri="{FF2B5EF4-FFF2-40B4-BE49-F238E27FC236}">
+                <a16:creationId xmlns:a16="http://schemas.microsoft.com/office/drawing/2014/main" id="{4CAA9D39-982A-4F1C-8BED-66D75941FA2F}"/>
+              </a:ext>
+            </a:extLst>
+          </p:cNvPr>
+          <p:cNvSpPr/>
+          <p:nvPr/>
+        </p:nvSpPr>
+        <p:spPr>
+          <a:xfrm>
+            <a:off x="5288991" y="4947773"/>
+            <a:ext cx="1944303" cy="914400"/>
+          </a:xfrm>
+          <a:prstGeom prst="rect">
+            <a:avLst/>
+          </a:prstGeom>
+          <a:solidFill>
+            <a:schemeClr val="accent4">
+              <a:lumMod val="40000"/>
+              <a:lumOff val="60000"/>
+            </a:schemeClr>
+          </a:solidFill>
+          <a:ln>
+            <a:noFill/>
+          </a:ln>
+        </p:spPr>
+        <p:style>
+          <a:lnRef idx="2">
+            <a:schemeClr val="accent1">
+              <a:shade val="50000"/>
+            </a:schemeClr>
+          </a:lnRef>
+          <a:fillRef idx="1">
+            <a:schemeClr val="accent1"/>
+          </a:fillRef>
+          <a:effectRef idx="0">
+            <a:schemeClr val="accent1"/>
+          </a:effectRef>
+          <a:fontRef idx="minor">
+            <a:schemeClr val="lt1"/>
+          </a:fontRef>
+        </p:style>
+        <p:txBody>
+          <a:bodyPr rtlCol="0" anchor="ctr"/>
+          <a:lstStyle/>
+          <a:p>
+            <a:pPr algn="ctr"/>
+            <a:r>
+              <a:rPr lang="en-US" sz="2400" dirty="0">
+                <a:latin typeface="Yanone Kaffeesatz Light" panose="02000000000000000000" pitchFamily="2" charset="0"/>
+              </a:rPr>
+              <a:t>Back:1</a:t>
+            </a:r>
+          </a:p>
+          <a:p>
+            <a:pPr algn="ctr"/>
+            <a:r>
+              <a:rPr lang="en-US" sz="1400" i="1" dirty="0"/>
+              <a:t>0x0000000000000000</a:t>
+            </a:r>
+            <a:endParaRPr lang="en-US" sz="1400" i="1" dirty="0">
+              <a:latin typeface="Yanone Kaffeesatz Light" panose="02000000000000000000" pitchFamily="2" charset="0"/>
+            </a:endParaRPr>
+          </a:p>
+        </p:txBody>
+      </p:sp>
+      <p:sp>
+        <p:nvSpPr>
+          <p:cNvPr id="84" name="Rectangle 83">
+            <a:extLst>
+              <a:ext uri="{FF2B5EF4-FFF2-40B4-BE49-F238E27FC236}">
+                <a16:creationId xmlns:a16="http://schemas.microsoft.com/office/drawing/2014/main" id="{CA29C993-4E55-4901-9269-50484D45962C}"/>
+              </a:ext>
+            </a:extLst>
+          </p:cNvPr>
+          <p:cNvSpPr/>
+          <p:nvPr/>
+        </p:nvSpPr>
+        <p:spPr>
+          <a:xfrm>
+            <a:off x="5215690" y="5018223"/>
+            <a:ext cx="1944303" cy="914400"/>
+          </a:xfrm>
+          <a:prstGeom prst="rect">
+            <a:avLst/>
+          </a:prstGeom>
+          <a:solidFill>
+            <a:schemeClr val="accent4">
+              <a:lumMod val="60000"/>
+              <a:lumOff val="40000"/>
+            </a:schemeClr>
+          </a:solidFill>
+          <a:ln>
+            <a:noFill/>
+          </a:ln>
+        </p:spPr>
+        <p:style>
+          <a:lnRef idx="2">
+            <a:schemeClr val="accent1">
+              <a:shade val="50000"/>
+            </a:schemeClr>
+          </a:lnRef>
+          <a:fillRef idx="1">
+            <a:schemeClr val="accent1"/>
+          </a:fillRef>
+          <a:effectRef idx="0">
+            <a:schemeClr val="accent1"/>
+          </a:effectRef>
+          <a:fontRef idx="minor">
+            <a:schemeClr val="lt1"/>
+          </a:fontRef>
+        </p:style>
+        <p:txBody>
+          <a:bodyPr rtlCol="0" anchor="ctr"/>
+          <a:lstStyle/>
+          <a:p>
+            <a:pPr algn="ctr"/>
+            <a:r>
+              <a:rPr lang="en-US" sz="2400" dirty="0">
+                <a:latin typeface="Yanone Kaffeesatz Light" panose="02000000000000000000" pitchFamily="2" charset="0"/>
+              </a:rPr>
+              <a:t>Back:1</a:t>
+            </a:r>
+          </a:p>
+          <a:p>
+            <a:pPr algn="ctr"/>
+            <a:r>
+              <a:rPr lang="en-US" sz="1400" i="1" dirty="0"/>
+              <a:t>0x0000000000000000</a:t>
+            </a:r>
+            <a:endParaRPr lang="en-US" sz="1400" i="1" dirty="0">
+              <a:latin typeface="Yanone Kaffeesatz Light" panose="02000000000000000000" pitchFamily="2" charset="0"/>
+            </a:endParaRPr>
+          </a:p>
+        </p:txBody>
+      </p:sp>
+      <p:sp>
+        <p:nvSpPr>
+          <p:cNvPr id="81" name="Rectangle 80">
+            <a:extLst>
+              <a:ext uri="{FF2B5EF4-FFF2-40B4-BE49-F238E27FC236}">
+                <a16:creationId xmlns:a16="http://schemas.microsoft.com/office/drawing/2014/main" id="{5E64CE1B-D0FA-49AE-ADA0-8986451F01D4}"/>
+              </a:ext>
+            </a:extLst>
+          </p:cNvPr>
+          <p:cNvSpPr/>
+          <p:nvPr/>
+        </p:nvSpPr>
+        <p:spPr>
+          <a:xfrm>
+            <a:off x="5281357" y="2850017"/>
+            <a:ext cx="1944303" cy="914400"/>
+          </a:xfrm>
+          <a:prstGeom prst="rect">
+            <a:avLst/>
+          </a:prstGeom>
+          <a:solidFill>
+            <a:schemeClr val="accent4">
+              <a:lumMod val="40000"/>
+              <a:lumOff val="60000"/>
+            </a:schemeClr>
+          </a:solidFill>
+          <a:ln>
+            <a:noFill/>
+          </a:ln>
+        </p:spPr>
+        <p:style>
+          <a:lnRef idx="2">
+            <a:schemeClr val="accent1">
+              <a:shade val="50000"/>
+            </a:schemeClr>
+          </a:lnRef>
+          <a:fillRef idx="1">
+            <a:schemeClr val="accent1"/>
+          </a:fillRef>
+          <a:effectRef idx="0">
+            <a:schemeClr val="accent1"/>
+          </a:effectRef>
+          <a:fontRef idx="minor">
+            <a:schemeClr val="lt1"/>
+          </a:fontRef>
+        </p:style>
+        <p:txBody>
+          <a:bodyPr rtlCol="0" anchor="ctr"/>
+          <a:lstStyle/>
+          <a:p>
+            <a:pPr algn="ctr"/>
+            <a:r>
+              <a:rPr lang="en-US" sz="2400" dirty="0">
+                <a:latin typeface="Yanone Kaffeesatz Light" panose="02000000000000000000" pitchFamily="2" charset="0"/>
+              </a:rPr>
+              <a:t>Back:1</a:t>
+            </a:r>
+          </a:p>
+          <a:p>
+            <a:pPr algn="ctr"/>
+            <a:r>
+              <a:rPr lang="en-US" sz="1400" i="1" dirty="0"/>
+              <a:t>0x0000000000000000</a:t>
+            </a:r>
+            <a:endParaRPr lang="en-US" sz="1400" i="1" dirty="0">
+              <a:latin typeface="Yanone Kaffeesatz Light" panose="02000000000000000000" pitchFamily="2" charset="0"/>
+            </a:endParaRPr>
+          </a:p>
+        </p:txBody>
+      </p:sp>
+      <p:sp>
+        <p:nvSpPr>
+          <p:cNvPr id="82" name="Rectangle 81">
+            <a:extLst>
+              <a:ext uri="{FF2B5EF4-FFF2-40B4-BE49-F238E27FC236}">
+                <a16:creationId xmlns:a16="http://schemas.microsoft.com/office/drawing/2014/main" id="{2F3360F5-6E09-43AD-A3DA-F2F5CF22726C}"/>
+              </a:ext>
+            </a:extLst>
+          </p:cNvPr>
+          <p:cNvSpPr/>
+          <p:nvPr/>
+        </p:nvSpPr>
+        <p:spPr>
+          <a:xfrm>
+            <a:off x="5208056" y="2920467"/>
+            <a:ext cx="1944303" cy="914400"/>
+          </a:xfrm>
+          <a:prstGeom prst="rect">
+            <a:avLst/>
+          </a:prstGeom>
+          <a:solidFill>
+            <a:schemeClr val="accent4">
+              <a:lumMod val="60000"/>
+              <a:lumOff val="40000"/>
+            </a:schemeClr>
+          </a:solidFill>
+          <a:ln>
+            <a:noFill/>
+          </a:ln>
+        </p:spPr>
+        <p:style>
+          <a:lnRef idx="2">
+            <a:schemeClr val="accent1">
+              <a:shade val="50000"/>
+            </a:schemeClr>
+          </a:lnRef>
+          <a:fillRef idx="1">
+            <a:schemeClr val="accent1"/>
+          </a:fillRef>
+          <a:effectRef idx="0">
+            <a:schemeClr val="accent1"/>
+          </a:effectRef>
+          <a:fontRef idx="minor">
+            <a:schemeClr val="lt1"/>
+          </a:fontRef>
+        </p:style>
+        <p:txBody>
+          <a:bodyPr rtlCol="0" anchor="ctr"/>
+          <a:lstStyle/>
+          <a:p>
+            <a:pPr algn="ctr"/>
+            <a:r>
+              <a:rPr lang="en-US" sz="2400" dirty="0">
+                <a:latin typeface="Yanone Kaffeesatz Light" panose="02000000000000000000" pitchFamily="2" charset="0"/>
+              </a:rPr>
+              <a:t>Back:1</a:t>
+            </a:r>
+          </a:p>
+          <a:p>
+            <a:pPr algn="ctr"/>
+            <a:r>
+              <a:rPr lang="en-US" sz="1400" i="1" dirty="0"/>
+              <a:t>0x0000000000000000</a:t>
+            </a:r>
+            <a:endParaRPr lang="en-US" sz="1400" i="1" dirty="0">
+              <a:latin typeface="Yanone Kaffeesatz Light" panose="02000000000000000000" pitchFamily="2" charset="0"/>
+            </a:endParaRPr>
+          </a:p>
+        </p:txBody>
+      </p:sp>
+      <p:sp>
+        <p:nvSpPr>
+          <p:cNvPr id="80" name="Rectangle 79">
+            <a:extLst>
+              <a:ext uri="{FF2B5EF4-FFF2-40B4-BE49-F238E27FC236}">
+                <a16:creationId xmlns:a16="http://schemas.microsoft.com/office/drawing/2014/main" id="{65B78D30-6C8C-4B24-B3CC-E776C52A929D}"/>
+              </a:ext>
+            </a:extLst>
+          </p:cNvPr>
+          <p:cNvSpPr/>
+          <p:nvPr/>
+        </p:nvSpPr>
+        <p:spPr>
+          <a:xfrm>
+            <a:off x="5290888" y="950621"/>
+            <a:ext cx="1944303" cy="914400"/>
+          </a:xfrm>
+          <a:prstGeom prst="rect">
+            <a:avLst/>
+          </a:prstGeom>
+          <a:solidFill>
+            <a:schemeClr val="accent4">
+              <a:lumMod val="40000"/>
+              <a:lumOff val="60000"/>
+            </a:schemeClr>
+          </a:solidFill>
+          <a:ln>
+            <a:noFill/>
+          </a:ln>
+        </p:spPr>
+        <p:style>
+          <a:lnRef idx="2">
+            <a:schemeClr val="accent1">
+              <a:shade val="50000"/>
+            </a:schemeClr>
+          </a:lnRef>
+          <a:fillRef idx="1">
+            <a:schemeClr val="accent1"/>
+          </a:fillRef>
+          <a:effectRef idx="0">
+            <a:schemeClr val="accent1"/>
+          </a:effectRef>
+          <a:fontRef idx="minor">
+            <a:schemeClr val="lt1"/>
+          </a:fontRef>
+        </p:style>
+        <p:txBody>
+          <a:bodyPr rtlCol="0" anchor="ctr"/>
+          <a:lstStyle/>
+          <a:p>
+            <a:pPr algn="ctr"/>
+            <a:r>
+              <a:rPr lang="en-US" sz="2400" dirty="0">
+                <a:latin typeface="Yanone Kaffeesatz Light" panose="02000000000000000000" pitchFamily="2" charset="0"/>
+              </a:rPr>
+              <a:t>Back:1</a:t>
+            </a:r>
+          </a:p>
+          <a:p>
+            <a:pPr algn="ctr"/>
+            <a:r>
+              <a:rPr lang="en-US" sz="1400" i="1" dirty="0"/>
+              <a:t>0x0000000000000000</a:t>
+            </a:r>
+            <a:endParaRPr lang="en-US" sz="1400" i="1" dirty="0">
+              <a:latin typeface="Yanone Kaffeesatz Light" panose="02000000000000000000" pitchFamily="2" charset="0"/>
+            </a:endParaRPr>
+          </a:p>
+        </p:txBody>
+      </p:sp>
+      <p:sp>
+        <p:nvSpPr>
+          <p:cNvPr id="4" name="Rectangle 3">
+            <a:extLst>
+              <a:ext uri="{FF2B5EF4-FFF2-40B4-BE49-F238E27FC236}">
+                <a16:creationId xmlns:a16="http://schemas.microsoft.com/office/drawing/2014/main" id="{2D6A2368-ECFC-4441-BBB1-5596310C68F0}"/>
+              </a:ext>
+            </a:extLst>
+          </p:cNvPr>
+          <p:cNvSpPr/>
+          <p:nvPr/>
+        </p:nvSpPr>
+        <p:spPr>
+          <a:xfrm>
+            <a:off x="1429710" y="391176"/>
+            <a:ext cx="1992583" cy="6080759"/>
+          </a:xfrm>
+          <a:prstGeom prst="rect">
+            <a:avLst/>
+          </a:prstGeom>
+          <a:noFill/>
+          <a:ln w="19050">
+            <a:solidFill>
+              <a:schemeClr val="accent3"/>
+            </a:solidFill>
+          </a:ln>
+        </p:spPr>
+        <p:style>
+          <a:lnRef idx="2">
+            <a:schemeClr val="accent1">
+              <a:shade val="50000"/>
+            </a:schemeClr>
+          </a:lnRef>
+          <a:fillRef idx="1">
+            <a:schemeClr val="accent1"/>
+          </a:fillRef>
+          <a:effectRef idx="0">
+            <a:schemeClr val="accent1"/>
+          </a:effectRef>
+          <a:fontRef idx="minor">
+            <a:schemeClr val="lt1"/>
+          </a:fontRef>
+        </p:style>
+        <p:txBody>
+          <a:bodyPr rtlCol="0" anchor="ctr"/>
+          <a:lstStyle/>
+          <a:p>
+            <a:pPr algn="ctr"/>
+            <a:endParaRPr lang="de-CH"/>
+          </a:p>
+        </p:txBody>
+      </p:sp>
+      <p:sp>
+        <p:nvSpPr>
+          <p:cNvPr id="5" name="TextBox 4">
+            <a:extLst>
+              <a:ext uri="{FF2B5EF4-FFF2-40B4-BE49-F238E27FC236}">
+                <a16:creationId xmlns:a16="http://schemas.microsoft.com/office/drawing/2014/main" id="{729D1261-3F0E-4347-99DA-6E4CEE2DBA3D}"/>
+              </a:ext>
+            </a:extLst>
+          </p:cNvPr>
+          <p:cNvSpPr txBox="1"/>
+          <p:nvPr/>
+        </p:nvSpPr>
+        <p:spPr>
+          <a:xfrm>
+            <a:off x="1429709" y="475006"/>
+            <a:ext cx="1992586" cy="430887"/>
+          </a:xfrm>
+          <a:prstGeom prst="rect">
+            <a:avLst/>
+          </a:prstGeom>
+          <a:noFill/>
+        </p:spPr>
+        <p:txBody>
+          <a:bodyPr wrap="square" rtlCol="0">
+            <a:spAutoFit/>
+          </a:bodyPr>
+          <a:lstStyle/>
+          <a:p>
+            <a:pPr algn="ctr"/>
+            <a:r>
+              <a:rPr lang="en-US" sz="2200" dirty="0">
+                <a:solidFill>
+                  <a:schemeClr val="accent3"/>
+                </a:solidFill>
+                <a:latin typeface="Yanone Kaffeesatz Regular" panose="02000000000000000000" pitchFamily="2" charset="0"/>
+              </a:rPr>
+              <a:t>Stateless Front</a:t>
+            </a:r>
+            <a:endParaRPr lang="de-CH" sz="2200" dirty="0">
+              <a:solidFill>
+                <a:schemeClr val="accent3"/>
+              </a:solidFill>
+              <a:latin typeface="Yanone Kaffeesatz Regular" panose="02000000000000000000" pitchFamily="2" charset="0"/>
+            </a:endParaRPr>
+          </a:p>
+        </p:txBody>
+      </p:sp>
+      <p:sp>
+        <p:nvSpPr>
+          <p:cNvPr id="6" name="Rectangle 5">
+            <a:extLst>
+              <a:ext uri="{FF2B5EF4-FFF2-40B4-BE49-F238E27FC236}">
+                <a16:creationId xmlns:a16="http://schemas.microsoft.com/office/drawing/2014/main" id="{C174F491-2EB3-4837-BB3A-3DE4AFA2D6D9}"/>
+              </a:ext>
+            </a:extLst>
+          </p:cNvPr>
+          <p:cNvSpPr/>
+          <p:nvPr/>
+        </p:nvSpPr>
+        <p:spPr>
+          <a:xfrm>
+            <a:off x="1578685" y="1064480"/>
+            <a:ext cx="1746064" cy="914400"/>
+          </a:xfrm>
+          <a:prstGeom prst="rect">
+            <a:avLst/>
+          </a:prstGeom>
+          <a:solidFill>
+            <a:schemeClr val="accent4"/>
+          </a:solidFill>
+          <a:ln>
+            <a:noFill/>
+          </a:ln>
+        </p:spPr>
+        <p:style>
+          <a:lnRef idx="2">
+            <a:schemeClr val="accent1">
+              <a:shade val="50000"/>
+            </a:schemeClr>
+          </a:lnRef>
+          <a:fillRef idx="1">
+            <a:schemeClr val="accent1"/>
+          </a:fillRef>
+          <a:effectRef idx="0">
+            <a:schemeClr val="accent1"/>
+          </a:effectRef>
+          <a:fontRef idx="minor">
+            <a:schemeClr val="lt1"/>
+          </a:fontRef>
+        </p:style>
+        <p:txBody>
+          <a:bodyPr rtlCol="0" anchor="ctr"/>
+          <a:lstStyle/>
+          <a:p>
+            <a:pPr algn="ctr"/>
+            <a:r>
+              <a:rPr lang="en-US" sz="2200" dirty="0">
+                <a:latin typeface="Yanone Kaffeesatz Light" panose="02000000000000000000" pitchFamily="2" charset="0"/>
+              </a:rPr>
+              <a:t>Front:1</a:t>
+            </a:r>
+            <a:endParaRPr lang="de-CH" sz="2200" dirty="0">
+              <a:latin typeface="Yanone Kaffeesatz Light" panose="02000000000000000000" pitchFamily="2" charset="0"/>
+            </a:endParaRPr>
+          </a:p>
+        </p:txBody>
+      </p:sp>
+      <p:sp>
+        <p:nvSpPr>
+          <p:cNvPr id="7" name="Rectangle 6">
+            <a:extLst>
+              <a:ext uri="{FF2B5EF4-FFF2-40B4-BE49-F238E27FC236}">
+                <a16:creationId xmlns:a16="http://schemas.microsoft.com/office/drawing/2014/main" id="{06F959D4-D8E8-4123-9BE0-D562CAE6C849}"/>
+              </a:ext>
+            </a:extLst>
+          </p:cNvPr>
+          <p:cNvSpPr/>
+          <p:nvPr/>
+        </p:nvSpPr>
+        <p:spPr>
+          <a:xfrm>
+            <a:off x="1557169" y="2998289"/>
+            <a:ext cx="1767392" cy="914400"/>
+          </a:xfrm>
+          <a:prstGeom prst="rect">
+            <a:avLst/>
+          </a:prstGeom>
+          <a:solidFill>
+            <a:schemeClr val="accent4"/>
+          </a:solidFill>
+          <a:ln>
+            <a:noFill/>
+          </a:ln>
+        </p:spPr>
+        <p:style>
+          <a:lnRef idx="2">
+            <a:schemeClr val="accent1">
+              <a:shade val="50000"/>
+            </a:schemeClr>
+          </a:lnRef>
+          <a:fillRef idx="1">
+            <a:schemeClr val="accent1"/>
+          </a:fillRef>
+          <a:effectRef idx="0">
+            <a:schemeClr val="accent1"/>
+          </a:effectRef>
+          <a:fontRef idx="minor">
+            <a:schemeClr val="lt1"/>
+          </a:fontRef>
+        </p:style>
+        <p:txBody>
+          <a:bodyPr rtlCol="0" anchor="ctr"/>
+          <a:lstStyle/>
+          <a:p>
+            <a:pPr algn="ctr"/>
+            <a:r>
+              <a:rPr lang="en-US" sz="2200" dirty="0">
+                <a:latin typeface="Yanone Kaffeesatz Light" panose="02000000000000000000" pitchFamily="2" charset="0"/>
+              </a:rPr>
+              <a:t>Front:2</a:t>
+            </a:r>
+            <a:endParaRPr lang="de-CH" sz="2200" dirty="0">
+              <a:latin typeface="Yanone Kaffeesatz Light" panose="02000000000000000000" pitchFamily="2" charset="0"/>
+            </a:endParaRPr>
+          </a:p>
+        </p:txBody>
+      </p:sp>
+      <p:sp>
+        <p:nvSpPr>
+          <p:cNvPr id="8" name="Rectangle 7">
+            <a:extLst>
+              <a:ext uri="{FF2B5EF4-FFF2-40B4-BE49-F238E27FC236}">
+                <a16:creationId xmlns:a16="http://schemas.microsoft.com/office/drawing/2014/main" id="{45520895-0DD7-41A7-9843-D930EBD0407B}"/>
+              </a:ext>
+            </a:extLst>
+          </p:cNvPr>
+          <p:cNvSpPr/>
+          <p:nvPr/>
+        </p:nvSpPr>
+        <p:spPr>
+          <a:xfrm>
+            <a:off x="1557169" y="5058773"/>
+            <a:ext cx="1746063" cy="914400"/>
+          </a:xfrm>
+          <a:prstGeom prst="rect">
+            <a:avLst/>
+          </a:prstGeom>
+          <a:solidFill>
+            <a:schemeClr val="accent4"/>
+          </a:solidFill>
+          <a:ln>
+            <a:noFill/>
+          </a:ln>
+        </p:spPr>
+        <p:style>
+          <a:lnRef idx="2">
+            <a:schemeClr val="accent1">
+              <a:shade val="50000"/>
+            </a:schemeClr>
+          </a:lnRef>
+          <a:fillRef idx="1">
+            <a:schemeClr val="accent1"/>
+          </a:fillRef>
+          <a:effectRef idx="0">
+            <a:schemeClr val="accent1"/>
+          </a:effectRef>
+          <a:fontRef idx="minor">
+            <a:schemeClr val="lt1"/>
+          </a:fontRef>
+        </p:style>
+        <p:txBody>
+          <a:bodyPr rtlCol="0" anchor="ctr"/>
+          <a:lstStyle/>
+          <a:p>
+            <a:pPr algn="ctr"/>
+            <a:r>
+              <a:rPr lang="en-US" sz="2200" dirty="0">
+                <a:latin typeface="Yanone Kaffeesatz Light" panose="02000000000000000000" pitchFamily="2" charset="0"/>
+              </a:rPr>
+              <a:t>Front:3</a:t>
+            </a:r>
+            <a:endParaRPr lang="de-CH" sz="2200" dirty="0">
+              <a:latin typeface="Yanone Kaffeesatz Light" panose="02000000000000000000" pitchFamily="2" charset="0"/>
+            </a:endParaRPr>
+          </a:p>
+        </p:txBody>
+      </p:sp>
+      <p:sp>
+        <p:nvSpPr>
+          <p:cNvPr id="9" name="Rectangle 8">
+            <a:extLst>
+              <a:ext uri="{FF2B5EF4-FFF2-40B4-BE49-F238E27FC236}">
+                <a16:creationId xmlns:a16="http://schemas.microsoft.com/office/drawing/2014/main" id="{BEF6EC2A-D91B-40DE-8B63-D09E8BCF4C18}"/>
+              </a:ext>
+            </a:extLst>
+          </p:cNvPr>
+          <p:cNvSpPr/>
+          <p:nvPr/>
+        </p:nvSpPr>
+        <p:spPr>
+          <a:xfrm>
+            <a:off x="5021081" y="391176"/>
+            <a:ext cx="2287412" cy="6080760"/>
+          </a:xfrm>
+          <a:prstGeom prst="rect">
+            <a:avLst/>
+          </a:prstGeom>
+          <a:noFill/>
+          <a:ln w="19050">
+            <a:solidFill>
+              <a:schemeClr val="accent3"/>
+            </a:solidFill>
+          </a:ln>
+        </p:spPr>
+        <p:style>
+          <a:lnRef idx="2">
+            <a:schemeClr val="accent1">
+              <a:shade val="50000"/>
+            </a:schemeClr>
+          </a:lnRef>
+          <a:fillRef idx="1">
+            <a:schemeClr val="accent1"/>
+          </a:fillRef>
+          <a:effectRef idx="0">
+            <a:schemeClr val="accent1"/>
+          </a:effectRef>
+          <a:fontRef idx="minor">
+            <a:schemeClr val="lt1"/>
+          </a:fontRef>
+        </p:style>
+        <p:txBody>
+          <a:bodyPr rtlCol="0" anchor="ctr"/>
+          <a:lstStyle/>
+          <a:p>
+            <a:pPr algn="ctr"/>
+            <a:endParaRPr lang="de-CH"/>
+          </a:p>
+        </p:txBody>
+      </p:sp>
+      <p:sp>
+        <p:nvSpPr>
+          <p:cNvPr id="11" name="Rectangle 10">
+            <a:extLst>
+              <a:ext uri="{FF2B5EF4-FFF2-40B4-BE49-F238E27FC236}">
+                <a16:creationId xmlns:a16="http://schemas.microsoft.com/office/drawing/2014/main" id="{A8A3090D-3E3D-4082-8031-1ABCBA752861}"/>
+              </a:ext>
+            </a:extLst>
+          </p:cNvPr>
+          <p:cNvSpPr/>
+          <p:nvPr/>
+        </p:nvSpPr>
+        <p:spPr>
+          <a:xfrm>
+            <a:off x="5155892" y="2993178"/>
+            <a:ext cx="1944303" cy="914400"/>
+          </a:xfrm>
+          <a:prstGeom prst="rect">
+            <a:avLst/>
+          </a:prstGeom>
+          <a:solidFill>
+            <a:schemeClr val="accent4"/>
+          </a:solidFill>
+          <a:ln>
+            <a:noFill/>
+          </a:ln>
+        </p:spPr>
+        <p:style>
+          <a:lnRef idx="2">
+            <a:schemeClr val="accent1">
+              <a:shade val="50000"/>
+            </a:schemeClr>
+          </a:lnRef>
+          <a:fillRef idx="1">
+            <a:schemeClr val="accent1"/>
+          </a:fillRef>
+          <a:effectRef idx="0">
+            <a:schemeClr val="accent1"/>
+          </a:effectRef>
+          <a:fontRef idx="minor">
+            <a:schemeClr val="lt1"/>
+          </a:fontRef>
+        </p:style>
+        <p:txBody>
+          <a:bodyPr rtlCol="0" anchor="ctr"/>
+          <a:lstStyle/>
+          <a:p>
+            <a:pPr algn="ctr"/>
+            <a:r>
+              <a:rPr lang="en-US" sz="2400" dirty="0">
+                <a:latin typeface="Yanone Kaffeesatz Light" panose="02000000000000000000" pitchFamily="2" charset="0"/>
+              </a:rPr>
+              <a:t>Back:2</a:t>
+            </a:r>
+          </a:p>
+          <a:p>
+            <a:pPr algn="ctr"/>
+            <a:r>
+              <a:rPr lang="en-US" sz="1400" i="1" dirty="0"/>
+              <a:t>0x32B26AFEF2A4998D</a:t>
+            </a:r>
+            <a:endParaRPr lang="de-CH" sz="1400" i="1" dirty="0">
+              <a:latin typeface="Yanone Kaffeesatz Light" panose="02000000000000000000" pitchFamily="2" charset="0"/>
+            </a:endParaRPr>
+          </a:p>
+        </p:txBody>
+      </p:sp>
+      <p:sp>
+        <p:nvSpPr>
+          <p:cNvPr id="12" name="Rectangle 11">
+            <a:extLst>
+              <a:ext uri="{FF2B5EF4-FFF2-40B4-BE49-F238E27FC236}">
+                <a16:creationId xmlns:a16="http://schemas.microsoft.com/office/drawing/2014/main" id="{FA241598-182E-4BD8-BB30-3C06F3588005}"/>
+              </a:ext>
+            </a:extLst>
+          </p:cNvPr>
+          <p:cNvSpPr/>
+          <p:nvPr/>
+        </p:nvSpPr>
+        <p:spPr>
+          <a:xfrm>
+            <a:off x="5155892" y="5077596"/>
+            <a:ext cx="1944303" cy="914400"/>
+          </a:xfrm>
+          <a:prstGeom prst="rect">
+            <a:avLst/>
+          </a:prstGeom>
+          <a:solidFill>
+            <a:schemeClr val="accent4"/>
+          </a:solidFill>
+          <a:ln>
+            <a:noFill/>
+          </a:ln>
+        </p:spPr>
+        <p:style>
+          <a:lnRef idx="2">
+            <a:schemeClr val="accent1">
+              <a:shade val="50000"/>
+            </a:schemeClr>
+          </a:lnRef>
+          <a:fillRef idx="1">
+            <a:schemeClr val="accent1"/>
+          </a:fillRef>
+          <a:effectRef idx="0">
+            <a:schemeClr val="accent1"/>
+          </a:effectRef>
+          <a:fontRef idx="minor">
+            <a:schemeClr val="lt1"/>
+          </a:fontRef>
+        </p:style>
+        <p:txBody>
+          <a:bodyPr rtlCol="0" anchor="ctr"/>
+          <a:lstStyle/>
+          <a:p>
+            <a:pPr algn="ctr"/>
+            <a:r>
+              <a:rPr lang="en-US" sz="2400" dirty="0">
+                <a:latin typeface="Yanone Kaffeesatz Light" panose="02000000000000000000" pitchFamily="2" charset="0"/>
+              </a:rPr>
+              <a:t>Back:3</a:t>
+            </a:r>
+          </a:p>
+          <a:p>
+            <a:pPr algn="ctr"/>
+            <a:r>
+              <a:rPr lang="en-US" sz="1400" i="1" dirty="0"/>
+              <a:t>0xD95CAF179FC497DA</a:t>
+            </a:r>
+            <a:endParaRPr lang="de-CH" sz="1400" i="1" dirty="0">
+              <a:latin typeface="Yanone Kaffeesatz Light" panose="02000000000000000000" pitchFamily="2" charset="0"/>
+            </a:endParaRPr>
+          </a:p>
+        </p:txBody>
+      </p:sp>
+      <p:sp>
+        <p:nvSpPr>
+          <p:cNvPr id="13" name="TextBox 12">
+            <a:extLst>
+              <a:ext uri="{FF2B5EF4-FFF2-40B4-BE49-F238E27FC236}">
+                <a16:creationId xmlns:a16="http://schemas.microsoft.com/office/drawing/2014/main" id="{44950A7A-0991-49B4-AF20-0AB36C3504CE}"/>
+              </a:ext>
+            </a:extLst>
+          </p:cNvPr>
+          <p:cNvSpPr txBox="1"/>
+          <p:nvPr/>
+        </p:nvSpPr>
+        <p:spPr>
+          <a:xfrm>
+            <a:off x="5021081" y="463799"/>
+            <a:ext cx="2287412" cy="430887"/>
+          </a:xfrm>
+          <a:prstGeom prst="rect">
+            <a:avLst/>
+          </a:prstGeom>
+          <a:noFill/>
+        </p:spPr>
+        <p:txBody>
+          <a:bodyPr wrap="square" rtlCol="0">
+            <a:spAutoFit/>
+          </a:bodyPr>
+          <a:lstStyle/>
+          <a:p>
+            <a:pPr algn="ctr"/>
+            <a:r>
+              <a:rPr lang="en-US" sz="2200" dirty="0" err="1">
+                <a:solidFill>
+                  <a:schemeClr val="accent3"/>
+                </a:solidFill>
+                <a:latin typeface="Yanone Kaffeesatz Regular" panose="02000000000000000000" pitchFamily="2" charset="0"/>
+              </a:rPr>
+              <a:t>Stateful</a:t>
+            </a:r>
+            <a:r>
+              <a:rPr lang="en-US" sz="2200" dirty="0">
+                <a:solidFill>
+                  <a:schemeClr val="accent3"/>
+                </a:solidFill>
+                <a:latin typeface="Yanone Kaffeesatz Regular" panose="02000000000000000000" pitchFamily="2" charset="0"/>
+              </a:rPr>
+              <a:t> Back</a:t>
+            </a:r>
+            <a:endParaRPr lang="de-CH" sz="2200" dirty="0">
+              <a:solidFill>
+                <a:schemeClr val="accent3"/>
+              </a:solidFill>
+              <a:latin typeface="Yanone Kaffeesatz Regular" panose="02000000000000000000" pitchFamily="2" charset="0"/>
+            </a:endParaRPr>
+          </a:p>
+        </p:txBody>
+      </p:sp>
+      <p:sp>
+        <p:nvSpPr>
+          <p:cNvPr id="15" name="Cylinder 14">
+            <a:extLst>
+              <a:ext uri="{FF2B5EF4-FFF2-40B4-BE49-F238E27FC236}">
+                <a16:creationId xmlns:a16="http://schemas.microsoft.com/office/drawing/2014/main" id="{C4F9707C-E147-43E5-9DB3-4DD82F8B145A}"/>
+              </a:ext>
+            </a:extLst>
+          </p:cNvPr>
+          <p:cNvSpPr/>
+          <p:nvPr/>
+        </p:nvSpPr>
+        <p:spPr>
+          <a:xfrm>
+            <a:off x="11109861" y="2818367"/>
+            <a:ext cx="914400" cy="1216152"/>
+          </a:xfrm>
+          <a:prstGeom prst="can">
+            <a:avLst/>
+          </a:prstGeom>
+          <a:solidFill>
+            <a:schemeClr val="tx2"/>
+          </a:solidFill>
+          <a:ln>
+            <a:solidFill>
+              <a:schemeClr val="accent3"/>
+            </a:solidFill>
+          </a:ln>
+        </p:spPr>
+        <p:style>
+          <a:lnRef idx="2">
+            <a:schemeClr val="accent1">
+              <a:shade val="50000"/>
+            </a:schemeClr>
+          </a:lnRef>
+          <a:fillRef idx="1">
+            <a:schemeClr val="accent1"/>
+          </a:fillRef>
+          <a:effectRef idx="0">
+            <a:schemeClr val="accent1"/>
+          </a:effectRef>
+          <a:fontRef idx="minor">
+            <a:schemeClr val="lt1"/>
+          </a:fontRef>
+        </p:style>
+        <p:txBody>
+          <a:bodyPr rtlCol="0" anchor="ctr"/>
+          <a:lstStyle/>
+          <a:p>
+            <a:pPr algn="ctr"/>
+            <a:r>
+              <a:rPr lang="de-CH" dirty="0"/>
+              <a:t>Storage</a:t>
+            </a:r>
+          </a:p>
+        </p:txBody>
+      </p:sp>
+      <p:cxnSp>
+        <p:nvCxnSpPr>
+          <p:cNvPr id="18" name="Straight Arrow Connector 17">
+            <a:extLst>
+              <a:ext uri="{FF2B5EF4-FFF2-40B4-BE49-F238E27FC236}">
+                <a16:creationId xmlns:a16="http://schemas.microsoft.com/office/drawing/2014/main" id="{29385273-507B-47F7-8DA7-A5A64F044919}"/>
+              </a:ext>
+            </a:extLst>
+          </p:cNvPr>
+          <p:cNvCxnSpPr>
+            <a:cxnSpLocks/>
+            <a:stCxn id="11" idx="3"/>
+            <a:endCxn id="28" idx="1"/>
+          </p:cNvCxnSpPr>
+          <p:nvPr/>
+        </p:nvCxnSpPr>
+        <p:spPr>
+          <a:xfrm>
+            <a:off x="7100195" y="3450378"/>
+            <a:ext cx="363801" cy="0"/>
+          </a:xfrm>
+          <a:prstGeom prst="straightConnector1">
+            <a:avLst/>
+          </a:prstGeom>
+          <a:ln w="19050">
+            <a:solidFill>
+              <a:schemeClr val="accent4"/>
+            </a:solidFill>
+            <a:tailEnd type="triangle"/>
+          </a:ln>
+        </p:spPr>
+        <p:style>
+          <a:lnRef idx="1">
+            <a:schemeClr val="accent1"/>
+          </a:lnRef>
+          <a:fillRef idx="0">
+            <a:schemeClr val="accent1"/>
+          </a:fillRef>
+          <a:effectRef idx="0">
+            <a:schemeClr val="accent1"/>
+          </a:effectRef>
+          <a:fontRef idx="minor">
+            <a:schemeClr val="tx1"/>
+          </a:fontRef>
+        </p:style>
+      </p:cxnSp>
+      <p:cxnSp>
+        <p:nvCxnSpPr>
+          <p:cNvPr id="25" name="Straight Arrow Connector 24">
+            <a:extLst>
+              <a:ext uri="{FF2B5EF4-FFF2-40B4-BE49-F238E27FC236}">
+                <a16:creationId xmlns:a16="http://schemas.microsoft.com/office/drawing/2014/main" id="{6D63C966-B180-4214-9EE6-562401B8BBB3}"/>
+              </a:ext>
+            </a:extLst>
+          </p:cNvPr>
+          <p:cNvCxnSpPr>
+            <a:cxnSpLocks/>
+            <a:stCxn id="12" idx="3"/>
+            <a:endCxn id="28" idx="1"/>
+          </p:cNvCxnSpPr>
+          <p:nvPr/>
+        </p:nvCxnSpPr>
+        <p:spPr>
+          <a:xfrm flipV="1">
+            <a:off x="7100195" y="3450378"/>
+            <a:ext cx="363801" cy="2084418"/>
+          </a:xfrm>
+          <a:prstGeom prst="straightConnector1">
+            <a:avLst/>
+          </a:prstGeom>
+          <a:ln w="19050">
+            <a:solidFill>
+              <a:schemeClr val="accent4"/>
+            </a:solidFill>
+            <a:tailEnd type="triangle"/>
+          </a:ln>
+        </p:spPr>
+        <p:style>
+          <a:lnRef idx="1">
+            <a:schemeClr val="accent1"/>
+          </a:lnRef>
+          <a:fillRef idx="0">
+            <a:schemeClr val="accent1"/>
+          </a:fillRef>
+          <a:effectRef idx="0">
+            <a:schemeClr val="accent1"/>
+          </a:effectRef>
+          <a:fontRef idx="minor">
+            <a:schemeClr val="tx1"/>
+          </a:fontRef>
+        </p:style>
+      </p:cxnSp>
+      <p:cxnSp>
+        <p:nvCxnSpPr>
+          <p:cNvPr id="29" name="Straight Arrow Connector 28">
+            <a:extLst>
+              <a:ext uri="{FF2B5EF4-FFF2-40B4-BE49-F238E27FC236}">
+                <a16:creationId xmlns:a16="http://schemas.microsoft.com/office/drawing/2014/main" id="{CC9F2B6F-5BFF-4EB2-99ED-51AB932D5C27}"/>
+              </a:ext>
+            </a:extLst>
+          </p:cNvPr>
+          <p:cNvCxnSpPr>
+            <a:cxnSpLocks/>
+            <a:stCxn id="7" idx="3"/>
+            <a:endCxn id="26" idx="1"/>
+          </p:cNvCxnSpPr>
+          <p:nvPr/>
+        </p:nvCxnSpPr>
+        <p:spPr>
+          <a:xfrm>
+            <a:off x="3324561" y="3455489"/>
+            <a:ext cx="299354" cy="0"/>
+          </a:xfrm>
+          <a:prstGeom prst="straightConnector1">
+            <a:avLst/>
+          </a:prstGeom>
+          <a:ln w="19050">
+            <a:solidFill>
+              <a:schemeClr val="accent4"/>
+            </a:solidFill>
+            <a:tailEnd type="triangle"/>
+          </a:ln>
+        </p:spPr>
+        <p:style>
+          <a:lnRef idx="1">
+            <a:schemeClr val="accent1"/>
+          </a:lnRef>
+          <a:fillRef idx="0">
+            <a:schemeClr val="accent1"/>
+          </a:fillRef>
+          <a:effectRef idx="0">
+            <a:schemeClr val="accent1"/>
+          </a:effectRef>
+          <a:fontRef idx="minor">
+            <a:schemeClr val="tx1"/>
+          </a:fontRef>
+        </p:style>
+      </p:cxnSp>
+      <p:cxnSp>
+        <p:nvCxnSpPr>
+          <p:cNvPr id="42" name="Straight Arrow Connector 41">
+            <a:extLst>
+              <a:ext uri="{FF2B5EF4-FFF2-40B4-BE49-F238E27FC236}">
+                <a16:creationId xmlns:a16="http://schemas.microsoft.com/office/drawing/2014/main" id="{A7A33B11-C32D-4D65-829B-4CAC93768FF3}"/>
+              </a:ext>
+            </a:extLst>
+          </p:cNvPr>
+          <p:cNvCxnSpPr>
+            <a:cxnSpLocks/>
+            <a:stCxn id="8" idx="3"/>
+            <a:endCxn id="26" idx="1"/>
+          </p:cNvCxnSpPr>
+          <p:nvPr/>
+        </p:nvCxnSpPr>
+        <p:spPr>
+          <a:xfrm flipV="1">
+            <a:off x="3303232" y="3455489"/>
+            <a:ext cx="320683" cy="2060484"/>
+          </a:xfrm>
+          <a:prstGeom prst="straightConnector1">
+            <a:avLst/>
+          </a:prstGeom>
+          <a:ln w="19050">
+            <a:solidFill>
+              <a:schemeClr val="accent4"/>
+            </a:solidFill>
+            <a:tailEnd type="triangle"/>
+          </a:ln>
+        </p:spPr>
+        <p:style>
+          <a:lnRef idx="1">
+            <a:schemeClr val="accent1"/>
+          </a:lnRef>
+          <a:fillRef idx="0">
+            <a:schemeClr val="accent1"/>
+          </a:fillRef>
+          <a:effectRef idx="0">
+            <a:schemeClr val="accent1"/>
+          </a:effectRef>
+          <a:fontRef idx="minor">
+            <a:schemeClr val="tx1"/>
+          </a:fontRef>
+        </p:style>
+      </p:cxnSp>
+      <p:cxnSp>
+        <p:nvCxnSpPr>
+          <p:cNvPr id="45" name="Straight Arrow Connector 44">
+            <a:extLst>
+              <a:ext uri="{FF2B5EF4-FFF2-40B4-BE49-F238E27FC236}">
+                <a16:creationId xmlns:a16="http://schemas.microsoft.com/office/drawing/2014/main" id="{93AC78B8-B466-4010-AE54-5321029FE15E}"/>
+              </a:ext>
+            </a:extLst>
+          </p:cNvPr>
+          <p:cNvCxnSpPr>
+            <a:cxnSpLocks/>
+            <a:stCxn id="6" idx="3"/>
+            <a:endCxn id="26" idx="1"/>
+          </p:cNvCxnSpPr>
+          <p:nvPr/>
+        </p:nvCxnSpPr>
+        <p:spPr>
+          <a:xfrm>
+            <a:off x="3324749" y="1521680"/>
+            <a:ext cx="299166" cy="1933809"/>
+          </a:xfrm>
+          <a:prstGeom prst="straightConnector1">
+            <a:avLst/>
+          </a:prstGeom>
+          <a:ln w="19050">
+            <a:solidFill>
+              <a:schemeClr val="accent4"/>
+            </a:solidFill>
+            <a:tailEnd type="triangle"/>
+          </a:ln>
+        </p:spPr>
+        <p:style>
+          <a:lnRef idx="1">
+            <a:schemeClr val="accent1"/>
+          </a:lnRef>
+          <a:fillRef idx="0">
+            <a:schemeClr val="accent1"/>
+          </a:fillRef>
+          <a:effectRef idx="0">
+            <a:schemeClr val="accent1"/>
+          </a:effectRef>
+          <a:fontRef idx="minor">
+            <a:schemeClr val="tx1"/>
+          </a:fontRef>
+        </p:style>
+      </p:cxnSp>
+      <p:sp>
+        <p:nvSpPr>
+          <p:cNvPr id="26" name="Cylinder 25">
+            <a:extLst>
+              <a:ext uri="{FF2B5EF4-FFF2-40B4-BE49-F238E27FC236}">
+                <a16:creationId xmlns:a16="http://schemas.microsoft.com/office/drawing/2014/main" id="{8F30E532-1A8F-4FD7-8B4A-C028E26C4754}"/>
+              </a:ext>
+            </a:extLst>
+          </p:cNvPr>
+          <p:cNvSpPr/>
+          <p:nvPr/>
+        </p:nvSpPr>
+        <p:spPr>
+          <a:xfrm rot="16200000">
+            <a:off x="3774791" y="2847413"/>
+            <a:ext cx="914400" cy="1216152"/>
+          </a:xfrm>
+          <a:prstGeom prst="can">
+            <a:avLst/>
+          </a:prstGeom>
+          <a:solidFill>
+            <a:schemeClr val="tx2"/>
+          </a:solidFill>
+          <a:ln>
+            <a:solidFill>
+              <a:schemeClr val="bg1"/>
+            </a:solidFill>
+          </a:ln>
+        </p:spPr>
+        <p:style>
+          <a:lnRef idx="2">
+            <a:schemeClr val="accent1">
+              <a:shade val="50000"/>
+            </a:schemeClr>
+          </a:lnRef>
+          <a:fillRef idx="1">
+            <a:schemeClr val="accent1"/>
+          </a:fillRef>
+          <a:effectRef idx="0">
+            <a:schemeClr val="accent1"/>
+          </a:effectRef>
+          <a:fontRef idx="minor">
+            <a:schemeClr val="lt1"/>
+          </a:fontRef>
+        </p:style>
+        <p:txBody>
+          <a:bodyPr vert="vert" rtlCol="0" anchor="ctr"/>
+          <a:lstStyle/>
+          <a:p>
+            <a:pPr algn="ctr"/>
+            <a:r>
+              <a:rPr lang="en-US" sz="2000" dirty="0">
+                <a:latin typeface="Yanone Kaffeesatz Light" panose="02000000000000000000" pitchFamily="2" charset="0"/>
+              </a:rPr>
+              <a:t>Queue</a:t>
+            </a:r>
+            <a:endParaRPr lang="de-CH" sz="2000" dirty="0">
+              <a:latin typeface="Yanone Kaffeesatz Light" panose="02000000000000000000" pitchFamily="2" charset="0"/>
+            </a:endParaRPr>
+          </a:p>
+        </p:txBody>
+      </p:sp>
+      <p:cxnSp>
+        <p:nvCxnSpPr>
+          <p:cNvPr id="30" name="Straight Arrow Connector 29">
+            <a:extLst>
+              <a:ext uri="{FF2B5EF4-FFF2-40B4-BE49-F238E27FC236}">
+                <a16:creationId xmlns:a16="http://schemas.microsoft.com/office/drawing/2014/main" id="{7ACFF350-64E4-476A-81E0-7E023E128FC2}"/>
+              </a:ext>
+            </a:extLst>
+          </p:cNvPr>
+          <p:cNvCxnSpPr>
+            <a:cxnSpLocks/>
+            <a:stCxn id="26" idx="3"/>
+            <a:endCxn id="10" idx="1"/>
+          </p:cNvCxnSpPr>
+          <p:nvPr/>
+        </p:nvCxnSpPr>
+        <p:spPr>
+          <a:xfrm flipV="1">
+            <a:off x="4840067" y="1543710"/>
+            <a:ext cx="308491" cy="1911779"/>
+          </a:xfrm>
+          <a:prstGeom prst="straightConnector1">
+            <a:avLst/>
+          </a:prstGeom>
+          <a:ln w="19050">
+            <a:solidFill>
+              <a:schemeClr val="tx2"/>
+            </a:solidFill>
+            <a:tailEnd type="triangle"/>
+          </a:ln>
+        </p:spPr>
+        <p:style>
+          <a:lnRef idx="1">
+            <a:schemeClr val="accent1"/>
+          </a:lnRef>
+          <a:fillRef idx="0">
+            <a:schemeClr val="accent1"/>
+          </a:fillRef>
+          <a:effectRef idx="0">
+            <a:schemeClr val="accent1"/>
+          </a:effectRef>
+          <a:fontRef idx="minor">
+            <a:schemeClr val="tx1"/>
+          </a:fontRef>
+        </p:style>
+      </p:cxnSp>
+      <p:cxnSp>
+        <p:nvCxnSpPr>
+          <p:cNvPr id="34" name="Straight Arrow Connector 33">
+            <a:extLst>
+              <a:ext uri="{FF2B5EF4-FFF2-40B4-BE49-F238E27FC236}">
+                <a16:creationId xmlns:a16="http://schemas.microsoft.com/office/drawing/2014/main" id="{85C0C748-7F93-4997-BCB5-B58B16BB4D5C}"/>
+              </a:ext>
+            </a:extLst>
+          </p:cNvPr>
+          <p:cNvCxnSpPr>
+            <a:cxnSpLocks/>
+            <a:stCxn id="26" idx="3"/>
+            <a:endCxn id="11" idx="1"/>
+          </p:cNvCxnSpPr>
+          <p:nvPr/>
+        </p:nvCxnSpPr>
+        <p:spPr>
+          <a:xfrm flipV="1">
+            <a:off x="4840067" y="3450378"/>
+            <a:ext cx="315825" cy="5111"/>
+          </a:xfrm>
+          <a:prstGeom prst="straightConnector1">
+            <a:avLst/>
+          </a:prstGeom>
+          <a:ln w="19050">
+            <a:solidFill>
+              <a:schemeClr val="tx2"/>
+            </a:solidFill>
+            <a:tailEnd type="triangle"/>
+          </a:ln>
+        </p:spPr>
+        <p:style>
+          <a:lnRef idx="1">
+            <a:schemeClr val="accent1"/>
+          </a:lnRef>
+          <a:fillRef idx="0">
+            <a:schemeClr val="accent1"/>
+          </a:fillRef>
+          <a:effectRef idx="0">
+            <a:schemeClr val="accent1"/>
+          </a:effectRef>
+          <a:fontRef idx="minor">
+            <a:schemeClr val="tx1"/>
+          </a:fontRef>
+        </p:style>
+      </p:cxnSp>
+      <p:cxnSp>
+        <p:nvCxnSpPr>
+          <p:cNvPr id="37" name="Straight Arrow Connector 36">
+            <a:extLst>
+              <a:ext uri="{FF2B5EF4-FFF2-40B4-BE49-F238E27FC236}">
+                <a16:creationId xmlns:a16="http://schemas.microsoft.com/office/drawing/2014/main" id="{AF1172BF-94A7-42A0-ACE0-33851F069E7C}"/>
+              </a:ext>
+            </a:extLst>
+          </p:cNvPr>
+          <p:cNvCxnSpPr>
+            <a:cxnSpLocks/>
+            <a:stCxn id="26" idx="3"/>
+            <a:endCxn id="12" idx="1"/>
+          </p:cNvCxnSpPr>
+          <p:nvPr/>
+        </p:nvCxnSpPr>
+        <p:spPr>
+          <a:xfrm>
+            <a:off x="4840067" y="3455489"/>
+            <a:ext cx="315825" cy="2079307"/>
+          </a:xfrm>
+          <a:prstGeom prst="straightConnector1">
+            <a:avLst/>
+          </a:prstGeom>
+          <a:ln w="19050">
+            <a:solidFill>
+              <a:schemeClr val="tx2"/>
+            </a:solidFill>
+            <a:tailEnd type="triangle"/>
+          </a:ln>
+        </p:spPr>
+        <p:style>
+          <a:lnRef idx="1">
+            <a:schemeClr val="accent1"/>
+          </a:lnRef>
+          <a:fillRef idx="0">
+            <a:schemeClr val="accent1"/>
+          </a:fillRef>
+          <a:effectRef idx="0">
+            <a:schemeClr val="accent1"/>
+          </a:effectRef>
+          <a:fontRef idx="minor">
+            <a:schemeClr val="tx1"/>
+          </a:fontRef>
+        </p:style>
+      </p:cxnSp>
+      <p:sp>
+        <p:nvSpPr>
+          <p:cNvPr id="28" name="Cylinder 27">
+            <a:extLst>
+              <a:ext uri="{FF2B5EF4-FFF2-40B4-BE49-F238E27FC236}">
+                <a16:creationId xmlns:a16="http://schemas.microsoft.com/office/drawing/2014/main" id="{2D8116D7-5531-44AB-A73F-F6D867DFE9D9}"/>
+              </a:ext>
+            </a:extLst>
+          </p:cNvPr>
+          <p:cNvSpPr/>
+          <p:nvPr/>
+        </p:nvSpPr>
+        <p:spPr>
+          <a:xfrm rot="16200000">
+            <a:off x="7614872" y="2842302"/>
+            <a:ext cx="914400" cy="1216152"/>
+          </a:xfrm>
+          <a:prstGeom prst="can">
+            <a:avLst/>
+          </a:prstGeom>
+          <a:solidFill>
+            <a:schemeClr val="tx2"/>
+          </a:solidFill>
+          <a:ln>
+            <a:solidFill>
+              <a:schemeClr val="bg1"/>
+            </a:solidFill>
+          </a:ln>
+        </p:spPr>
+        <p:style>
+          <a:lnRef idx="2">
+            <a:schemeClr val="accent1">
+              <a:shade val="50000"/>
+            </a:schemeClr>
+          </a:lnRef>
+          <a:fillRef idx="1">
+            <a:schemeClr val="accent1"/>
+          </a:fillRef>
+          <a:effectRef idx="0">
+            <a:schemeClr val="accent1"/>
+          </a:effectRef>
+          <a:fontRef idx="minor">
+            <a:schemeClr val="lt1"/>
+          </a:fontRef>
+        </p:style>
+        <p:txBody>
+          <a:bodyPr vert="vert" rtlCol="0" anchor="ctr"/>
+          <a:lstStyle/>
+          <a:p>
+            <a:pPr algn="ctr"/>
+            <a:r>
+              <a:rPr lang="en-US" sz="2000" dirty="0">
+                <a:latin typeface="Yanone Kaffeesatz Light" panose="02000000000000000000" pitchFamily="2" charset="0"/>
+              </a:rPr>
+              <a:t>Queue</a:t>
+            </a:r>
+            <a:endParaRPr lang="de-CH" sz="2000" dirty="0">
+              <a:latin typeface="Yanone Kaffeesatz Light" panose="02000000000000000000" pitchFamily="2" charset="0"/>
+            </a:endParaRPr>
+          </a:p>
+        </p:txBody>
+      </p:sp>
+      <p:sp>
+        <p:nvSpPr>
+          <p:cNvPr id="47" name="Cylinder 46">
+            <a:extLst>
+              <a:ext uri="{FF2B5EF4-FFF2-40B4-BE49-F238E27FC236}">
+                <a16:creationId xmlns:a16="http://schemas.microsoft.com/office/drawing/2014/main" id="{89649DC9-46E9-41E1-A798-569BC6AAED50}"/>
+              </a:ext>
+            </a:extLst>
+          </p:cNvPr>
+          <p:cNvSpPr/>
+          <p:nvPr/>
+        </p:nvSpPr>
+        <p:spPr>
+          <a:xfrm>
+            <a:off x="6279849" y="3864686"/>
+            <a:ext cx="914400" cy="462605"/>
+          </a:xfrm>
+          <a:prstGeom prst="can">
+            <a:avLst/>
+          </a:prstGeom>
+          <a:solidFill>
+            <a:schemeClr val="tx2"/>
+          </a:solidFill>
+          <a:ln>
+            <a:solidFill>
+              <a:schemeClr val="accent3"/>
+            </a:solidFill>
+          </a:ln>
+        </p:spPr>
+        <p:style>
+          <a:lnRef idx="2">
+            <a:schemeClr val="accent1">
+              <a:shade val="50000"/>
+            </a:schemeClr>
+          </a:lnRef>
+          <a:fillRef idx="1">
+            <a:schemeClr val="accent1"/>
+          </a:fillRef>
+          <a:effectRef idx="0">
+            <a:schemeClr val="accent1"/>
+          </a:effectRef>
+          <a:fontRef idx="minor">
+            <a:schemeClr val="lt1"/>
+          </a:fontRef>
+        </p:style>
+        <p:txBody>
+          <a:bodyPr rtlCol="0" anchor="ctr"/>
+          <a:lstStyle/>
+          <a:p>
+            <a:pPr algn="ctr"/>
+            <a:r>
+              <a:rPr lang="de-CH" sz="1200" dirty="0"/>
+              <a:t>Reliable</a:t>
+            </a:r>
+          </a:p>
+          <a:p>
+            <a:pPr algn="ctr"/>
+            <a:r>
+              <a:rPr lang="de-CH" sz="1200" dirty="0"/>
+              <a:t>Collection</a:t>
+            </a:r>
+          </a:p>
+        </p:txBody>
+      </p:sp>
+      <p:sp>
+        <p:nvSpPr>
+          <p:cNvPr id="48" name="Cylinder 47">
+            <a:extLst>
+              <a:ext uri="{FF2B5EF4-FFF2-40B4-BE49-F238E27FC236}">
+                <a16:creationId xmlns:a16="http://schemas.microsoft.com/office/drawing/2014/main" id="{A8D92524-C0E6-40CD-845A-E2A228CAF0DA}"/>
+              </a:ext>
+            </a:extLst>
+          </p:cNvPr>
+          <p:cNvSpPr/>
+          <p:nvPr/>
+        </p:nvSpPr>
+        <p:spPr>
+          <a:xfrm>
+            <a:off x="6274674" y="5943699"/>
+            <a:ext cx="914400" cy="462605"/>
+          </a:xfrm>
+          <a:prstGeom prst="can">
+            <a:avLst/>
+          </a:prstGeom>
+          <a:solidFill>
+            <a:schemeClr val="tx2"/>
+          </a:solidFill>
+          <a:ln>
+            <a:solidFill>
+              <a:schemeClr val="accent3"/>
+            </a:solidFill>
+          </a:ln>
+        </p:spPr>
+        <p:style>
+          <a:lnRef idx="2">
+            <a:schemeClr val="accent1">
+              <a:shade val="50000"/>
+            </a:schemeClr>
+          </a:lnRef>
+          <a:fillRef idx="1">
+            <a:schemeClr val="accent1"/>
+          </a:fillRef>
+          <a:effectRef idx="0">
+            <a:schemeClr val="accent1"/>
+          </a:effectRef>
+          <a:fontRef idx="minor">
+            <a:schemeClr val="lt1"/>
+          </a:fontRef>
+        </p:style>
+        <p:txBody>
+          <a:bodyPr rtlCol="0" anchor="ctr"/>
+          <a:lstStyle/>
+          <a:p>
+            <a:pPr algn="ctr"/>
+            <a:r>
+              <a:rPr lang="de-CH" sz="1200" dirty="0"/>
+              <a:t>Reliable</a:t>
+            </a:r>
+          </a:p>
+          <a:p>
+            <a:pPr algn="ctr"/>
+            <a:r>
+              <a:rPr lang="de-CH" sz="1200" dirty="0"/>
+              <a:t>Collection</a:t>
+            </a:r>
+          </a:p>
+        </p:txBody>
+      </p:sp>
+      <p:sp>
+        <p:nvSpPr>
+          <p:cNvPr id="55" name="Rectangle 54">
+            <a:extLst>
+              <a:ext uri="{FF2B5EF4-FFF2-40B4-BE49-F238E27FC236}">
+                <a16:creationId xmlns:a16="http://schemas.microsoft.com/office/drawing/2014/main" id="{0F11B2A3-BF66-4054-9B58-FAACDA056166}"/>
+              </a:ext>
+            </a:extLst>
+          </p:cNvPr>
+          <p:cNvSpPr/>
+          <p:nvPr/>
+        </p:nvSpPr>
+        <p:spPr>
+          <a:xfrm>
+            <a:off x="8791817" y="386064"/>
+            <a:ext cx="2125146" cy="6080759"/>
+          </a:xfrm>
+          <a:prstGeom prst="rect">
+            <a:avLst/>
+          </a:prstGeom>
+          <a:noFill/>
+          <a:ln w="19050">
+            <a:solidFill>
+              <a:schemeClr val="accent3"/>
+            </a:solidFill>
+          </a:ln>
+        </p:spPr>
+        <p:style>
+          <a:lnRef idx="2">
+            <a:schemeClr val="accent1">
+              <a:shade val="50000"/>
+            </a:schemeClr>
+          </a:lnRef>
+          <a:fillRef idx="1">
+            <a:schemeClr val="accent1"/>
+          </a:fillRef>
+          <a:effectRef idx="0">
+            <a:schemeClr val="accent1"/>
+          </a:effectRef>
+          <a:fontRef idx="minor">
+            <a:schemeClr val="lt1"/>
+          </a:fontRef>
+        </p:style>
+        <p:txBody>
+          <a:bodyPr rtlCol="0" anchor="ctr"/>
+          <a:lstStyle/>
+          <a:p>
+            <a:pPr algn="ctr"/>
+            <a:endParaRPr lang="de-CH"/>
+          </a:p>
+        </p:txBody>
+      </p:sp>
+      <p:sp>
+        <p:nvSpPr>
+          <p:cNvPr id="56" name="TextBox 55">
+            <a:extLst>
+              <a:ext uri="{FF2B5EF4-FFF2-40B4-BE49-F238E27FC236}">
+                <a16:creationId xmlns:a16="http://schemas.microsoft.com/office/drawing/2014/main" id="{1ABD807B-D876-49C0-A3F7-0B3E10DA0F58}"/>
+              </a:ext>
+            </a:extLst>
+          </p:cNvPr>
+          <p:cNvSpPr txBox="1"/>
+          <p:nvPr/>
+        </p:nvSpPr>
+        <p:spPr>
+          <a:xfrm>
+            <a:off x="8791818" y="469894"/>
+            <a:ext cx="2125146" cy="430887"/>
+          </a:xfrm>
+          <a:prstGeom prst="rect">
+            <a:avLst/>
+          </a:prstGeom>
+          <a:noFill/>
+        </p:spPr>
+        <p:txBody>
+          <a:bodyPr wrap="square" rtlCol="0">
+            <a:spAutoFit/>
+          </a:bodyPr>
+          <a:lstStyle/>
+          <a:p>
+            <a:pPr algn="ctr"/>
+            <a:r>
+              <a:rPr lang="en-US" sz="2200" dirty="0">
+                <a:solidFill>
+                  <a:schemeClr val="accent3"/>
+                </a:solidFill>
+                <a:latin typeface="Yanone Kaffeesatz Regular" panose="02000000000000000000" pitchFamily="2" charset="0"/>
+              </a:rPr>
+              <a:t>Stateless Cold</a:t>
+            </a:r>
+            <a:endParaRPr lang="de-CH" sz="2200" dirty="0">
+              <a:solidFill>
+                <a:schemeClr val="accent3"/>
+              </a:solidFill>
+              <a:latin typeface="Yanone Kaffeesatz Regular" panose="02000000000000000000" pitchFamily="2" charset="0"/>
+            </a:endParaRPr>
+          </a:p>
+        </p:txBody>
+      </p:sp>
+      <p:sp>
+        <p:nvSpPr>
+          <p:cNvPr id="57" name="Rectangle 56">
+            <a:extLst>
+              <a:ext uri="{FF2B5EF4-FFF2-40B4-BE49-F238E27FC236}">
+                <a16:creationId xmlns:a16="http://schemas.microsoft.com/office/drawing/2014/main" id="{056BA9A1-3324-4FB9-A38A-C792CF21B89B}"/>
+              </a:ext>
+            </a:extLst>
+          </p:cNvPr>
+          <p:cNvSpPr/>
+          <p:nvPr/>
+        </p:nvSpPr>
+        <p:spPr>
+          <a:xfrm>
+            <a:off x="8875114" y="1930653"/>
+            <a:ext cx="1944303" cy="914400"/>
+          </a:xfrm>
+          <a:prstGeom prst="rect">
+            <a:avLst/>
+          </a:prstGeom>
+          <a:solidFill>
+            <a:schemeClr val="accent4"/>
+          </a:solidFill>
+          <a:ln>
+            <a:noFill/>
+          </a:ln>
+        </p:spPr>
+        <p:style>
+          <a:lnRef idx="2">
+            <a:schemeClr val="accent1">
+              <a:shade val="50000"/>
+            </a:schemeClr>
+          </a:lnRef>
+          <a:fillRef idx="1">
+            <a:schemeClr val="accent1"/>
+          </a:fillRef>
+          <a:effectRef idx="0">
+            <a:schemeClr val="accent1"/>
+          </a:effectRef>
+          <a:fontRef idx="minor">
+            <a:schemeClr val="lt1"/>
+          </a:fontRef>
+        </p:style>
+        <p:txBody>
+          <a:bodyPr rtlCol="0" anchor="ctr"/>
+          <a:lstStyle/>
+          <a:p>
+            <a:pPr algn="ctr"/>
+            <a:r>
+              <a:rPr lang="en-US" sz="2200" dirty="0">
+                <a:latin typeface="Yanone Kaffeesatz Light" panose="02000000000000000000" pitchFamily="2" charset="0"/>
+              </a:rPr>
+              <a:t>Cold:1</a:t>
+            </a:r>
+            <a:endParaRPr lang="de-CH" sz="2200" dirty="0">
+              <a:latin typeface="Yanone Kaffeesatz Light" panose="02000000000000000000" pitchFamily="2" charset="0"/>
+            </a:endParaRPr>
+          </a:p>
+        </p:txBody>
+      </p:sp>
+      <p:sp>
+        <p:nvSpPr>
+          <p:cNvPr id="58" name="Rectangle 57">
+            <a:extLst>
+              <a:ext uri="{FF2B5EF4-FFF2-40B4-BE49-F238E27FC236}">
+                <a16:creationId xmlns:a16="http://schemas.microsoft.com/office/drawing/2014/main" id="{0F80CF91-510F-4520-9BC7-07D61A506E10}"/>
+              </a:ext>
+            </a:extLst>
+          </p:cNvPr>
+          <p:cNvSpPr/>
+          <p:nvPr/>
+        </p:nvSpPr>
+        <p:spPr>
+          <a:xfrm>
+            <a:off x="8875114" y="4055494"/>
+            <a:ext cx="1944303" cy="914400"/>
+          </a:xfrm>
+          <a:prstGeom prst="rect">
+            <a:avLst/>
+          </a:prstGeom>
+          <a:solidFill>
+            <a:schemeClr val="accent4"/>
+          </a:solidFill>
+          <a:ln>
+            <a:noFill/>
+          </a:ln>
+        </p:spPr>
+        <p:style>
+          <a:lnRef idx="2">
+            <a:schemeClr val="accent1">
+              <a:shade val="50000"/>
+            </a:schemeClr>
+          </a:lnRef>
+          <a:fillRef idx="1">
+            <a:schemeClr val="accent1"/>
+          </a:fillRef>
+          <a:effectRef idx="0">
+            <a:schemeClr val="accent1"/>
+          </a:effectRef>
+          <a:fontRef idx="minor">
+            <a:schemeClr val="lt1"/>
+          </a:fontRef>
+        </p:style>
+        <p:txBody>
+          <a:bodyPr rtlCol="0" anchor="ctr"/>
+          <a:lstStyle/>
+          <a:p>
+            <a:pPr algn="ctr"/>
+            <a:r>
+              <a:rPr lang="en-US" sz="2200" dirty="0">
+                <a:latin typeface="Yanone Kaffeesatz Light" panose="02000000000000000000" pitchFamily="2" charset="0"/>
+              </a:rPr>
+              <a:t>Cold:2</a:t>
+            </a:r>
+            <a:endParaRPr lang="de-CH" sz="2200" dirty="0">
+              <a:latin typeface="Yanone Kaffeesatz Light" panose="02000000000000000000" pitchFamily="2" charset="0"/>
+            </a:endParaRPr>
+          </a:p>
+        </p:txBody>
+      </p:sp>
+      <p:cxnSp>
+        <p:nvCxnSpPr>
+          <p:cNvPr id="60" name="Straight Arrow Connector 59">
+            <a:extLst>
+              <a:ext uri="{FF2B5EF4-FFF2-40B4-BE49-F238E27FC236}">
+                <a16:creationId xmlns:a16="http://schemas.microsoft.com/office/drawing/2014/main" id="{226F7783-D2D6-4A3B-96E4-31F4AFF0A282}"/>
+              </a:ext>
+            </a:extLst>
+          </p:cNvPr>
+          <p:cNvCxnSpPr>
+            <a:cxnSpLocks/>
+            <a:stCxn id="28" idx="3"/>
+            <a:endCxn id="57" idx="1"/>
+          </p:cNvCxnSpPr>
+          <p:nvPr/>
+        </p:nvCxnSpPr>
+        <p:spPr>
+          <a:xfrm flipV="1">
+            <a:off x="8680148" y="2387853"/>
+            <a:ext cx="194966" cy="1062525"/>
+          </a:xfrm>
+          <a:prstGeom prst="straightConnector1">
+            <a:avLst/>
+          </a:prstGeom>
+          <a:ln w="19050">
+            <a:solidFill>
+              <a:schemeClr val="tx2"/>
+            </a:solidFill>
+            <a:tailEnd type="triangle"/>
+          </a:ln>
+        </p:spPr>
+        <p:style>
+          <a:lnRef idx="1">
+            <a:schemeClr val="accent1"/>
+          </a:lnRef>
+          <a:fillRef idx="0">
+            <a:schemeClr val="accent1"/>
+          </a:fillRef>
+          <a:effectRef idx="0">
+            <a:schemeClr val="accent1"/>
+          </a:effectRef>
+          <a:fontRef idx="minor">
+            <a:schemeClr val="tx1"/>
+          </a:fontRef>
+        </p:style>
+      </p:cxnSp>
+      <p:sp>
+        <p:nvSpPr>
+          <p:cNvPr id="79" name="Rectangle 78">
+            <a:extLst>
+              <a:ext uri="{FF2B5EF4-FFF2-40B4-BE49-F238E27FC236}">
+                <a16:creationId xmlns:a16="http://schemas.microsoft.com/office/drawing/2014/main" id="{E5F3E0D1-EBFD-4794-A452-3B153B1FE4FC}"/>
+              </a:ext>
+            </a:extLst>
+          </p:cNvPr>
+          <p:cNvSpPr/>
+          <p:nvPr/>
+        </p:nvSpPr>
+        <p:spPr>
+          <a:xfrm>
+            <a:off x="5217587" y="1021071"/>
+            <a:ext cx="1944303" cy="914400"/>
+          </a:xfrm>
+          <a:prstGeom prst="rect">
+            <a:avLst/>
+          </a:prstGeom>
+          <a:solidFill>
+            <a:schemeClr val="accent4">
+              <a:lumMod val="60000"/>
+              <a:lumOff val="40000"/>
+            </a:schemeClr>
+          </a:solidFill>
+          <a:ln>
+            <a:noFill/>
+          </a:ln>
+        </p:spPr>
+        <p:style>
+          <a:lnRef idx="2">
+            <a:schemeClr val="accent1">
+              <a:shade val="50000"/>
+            </a:schemeClr>
+          </a:lnRef>
+          <a:fillRef idx="1">
+            <a:schemeClr val="accent1"/>
+          </a:fillRef>
+          <a:effectRef idx="0">
+            <a:schemeClr val="accent1"/>
+          </a:effectRef>
+          <a:fontRef idx="minor">
+            <a:schemeClr val="lt1"/>
+          </a:fontRef>
+        </p:style>
+        <p:txBody>
+          <a:bodyPr rtlCol="0" anchor="ctr"/>
+          <a:lstStyle/>
+          <a:p>
+            <a:pPr algn="ctr"/>
+            <a:r>
+              <a:rPr lang="en-US" sz="2400" dirty="0">
+                <a:latin typeface="Yanone Kaffeesatz Light" panose="02000000000000000000" pitchFamily="2" charset="0"/>
+              </a:rPr>
+              <a:t>Back:1</a:t>
+            </a:r>
+          </a:p>
+          <a:p>
+            <a:pPr algn="ctr"/>
+            <a:r>
+              <a:rPr lang="en-US" sz="1400" i="1" dirty="0"/>
+              <a:t>0x0000000000000000</a:t>
+            </a:r>
+            <a:endParaRPr lang="en-US" sz="1400" i="1" dirty="0">
+              <a:latin typeface="Yanone Kaffeesatz Light" panose="02000000000000000000" pitchFamily="2" charset="0"/>
+            </a:endParaRPr>
+          </a:p>
+        </p:txBody>
+      </p:sp>
+      <p:cxnSp>
+        <p:nvCxnSpPr>
+          <p:cNvPr id="63" name="Straight Arrow Connector 62">
+            <a:extLst>
+              <a:ext uri="{FF2B5EF4-FFF2-40B4-BE49-F238E27FC236}">
+                <a16:creationId xmlns:a16="http://schemas.microsoft.com/office/drawing/2014/main" id="{1B858B58-9DBA-4145-A97B-A1CAE8F21E61}"/>
+              </a:ext>
+            </a:extLst>
+          </p:cNvPr>
+          <p:cNvCxnSpPr>
+            <a:cxnSpLocks/>
+            <a:stCxn id="28" idx="3"/>
+            <a:endCxn id="58" idx="1"/>
+          </p:cNvCxnSpPr>
+          <p:nvPr/>
+        </p:nvCxnSpPr>
+        <p:spPr>
+          <a:xfrm>
+            <a:off x="8680148" y="3450378"/>
+            <a:ext cx="194966" cy="1062316"/>
+          </a:xfrm>
+          <a:prstGeom prst="straightConnector1">
+            <a:avLst/>
+          </a:prstGeom>
+          <a:ln w="19050">
+            <a:solidFill>
+              <a:schemeClr val="tx2"/>
+            </a:solidFill>
+            <a:tailEnd type="triangle"/>
+          </a:ln>
+        </p:spPr>
+        <p:style>
+          <a:lnRef idx="1">
+            <a:schemeClr val="accent1"/>
+          </a:lnRef>
+          <a:fillRef idx="0">
+            <a:schemeClr val="accent1"/>
+          </a:fillRef>
+          <a:effectRef idx="0">
+            <a:schemeClr val="accent1"/>
+          </a:effectRef>
+          <a:fontRef idx="minor">
+            <a:schemeClr val="tx1"/>
+          </a:fontRef>
+        </p:style>
+      </p:cxnSp>
+      <p:cxnSp>
+        <p:nvCxnSpPr>
+          <p:cNvPr id="66" name="Straight Arrow Connector 65">
+            <a:extLst>
+              <a:ext uri="{FF2B5EF4-FFF2-40B4-BE49-F238E27FC236}">
+                <a16:creationId xmlns:a16="http://schemas.microsoft.com/office/drawing/2014/main" id="{DDC3BF35-F3FB-4F61-96DB-0A761693BCD6}"/>
+              </a:ext>
+            </a:extLst>
+          </p:cNvPr>
+          <p:cNvCxnSpPr>
+            <a:cxnSpLocks/>
+            <a:stCxn id="57" idx="3"/>
+            <a:endCxn id="15" idx="2"/>
+          </p:cNvCxnSpPr>
+          <p:nvPr/>
+        </p:nvCxnSpPr>
+        <p:spPr>
+          <a:xfrm>
+            <a:off x="10819417" y="2387853"/>
+            <a:ext cx="290444" cy="1038590"/>
+          </a:xfrm>
+          <a:prstGeom prst="straightConnector1">
+            <a:avLst/>
+          </a:prstGeom>
+          <a:ln w="19050">
+            <a:solidFill>
+              <a:schemeClr val="accent4"/>
+            </a:solidFill>
+            <a:tailEnd type="triangle"/>
+          </a:ln>
+        </p:spPr>
+        <p:style>
+          <a:lnRef idx="1">
+            <a:schemeClr val="accent1"/>
+          </a:lnRef>
+          <a:fillRef idx="0">
+            <a:schemeClr val="accent1"/>
+          </a:fillRef>
+          <a:effectRef idx="0">
+            <a:schemeClr val="accent1"/>
+          </a:effectRef>
+          <a:fontRef idx="minor">
+            <a:schemeClr val="tx1"/>
+          </a:fontRef>
+        </p:style>
+      </p:cxnSp>
+      <p:cxnSp>
+        <p:nvCxnSpPr>
+          <p:cNvPr id="75" name="Straight Arrow Connector 74">
+            <a:extLst>
+              <a:ext uri="{FF2B5EF4-FFF2-40B4-BE49-F238E27FC236}">
+                <a16:creationId xmlns:a16="http://schemas.microsoft.com/office/drawing/2014/main" id="{62DD3AE9-C0B1-4581-B860-0816E68AC9EC}"/>
+              </a:ext>
+            </a:extLst>
+          </p:cNvPr>
+          <p:cNvCxnSpPr>
+            <a:cxnSpLocks/>
+            <a:stCxn id="58" idx="3"/>
+            <a:endCxn id="15" idx="2"/>
+          </p:cNvCxnSpPr>
+          <p:nvPr/>
+        </p:nvCxnSpPr>
+        <p:spPr>
+          <a:xfrm flipV="1">
+            <a:off x="10819417" y="3426443"/>
+            <a:ext cx="290444" cy="1086251"/>
+          </a:xfrm>
+          <a:prstGeom prst="straightConnector1">
+            <a:avLst/>
+          </a:prstGeom>
+          <a:ln w="19050">
+            <a:solidFill>
+              <a:schemeClr val="accent4"/>
+            </a:solidFill>
+            <a:tailEnd type="triangle"/>
+          </a:ln>
+        </p:spPr>
+        <p:style>
+          <a:lnRef idx="1">
+            <a:schemeClr val="accent1"/>
+          </a:lnRef>
+          <a:fillRef idx="0">
+            <a:schemeClr val="accent1"/>
+          </a:fillRef>
+          <a:effectRef idx="0">
+            <a:schemeClr val="accent1"/>
+          </a:effectRef>
+          <a:fontRef idx="minor">
+            <a:schemeClr val="tx1"/>
+          </a:fontRef>
+        </p:style>
+      </p:cxnSp>
+      <p:sp>
+        <p:nvSpPr>
+          <p:cNvPr id="10" name="Rectangle 9">
+            <a:extLst>
+              <a:ext uri="{FF2B5EF4-FFF2-40B4-BE49-F238E27FC236}">
+                <a16:creationId xmlns:a16="http://schemas.microsoft.com/office/drawing/2014/main" id="{74846BA8-E597-422E-BC2A-3BBF205040C2}"/>
+              </a:ext>
+            </a:extLst>
+          </p:cNvPr>
+          <p:cNvSpPr/>
+          <p:nvPr/>
+        </p:nvSpPr>
+        <p:spPr>
+          <a:xfrm>
+            <a:off x="5148558" y="1086510"/>
+            <a:ext cx="1944303" cy="914400"/>
+          </a:xfrm>
+          <a:prstGeom prst="rect">
+            <a:avLst/>
+          </a:prstGeom>
+          <a:solidFill>
+            <a:schemeClr val="accent4"/>
+          </a:solidFill>
+          <a:ln>
+            <a:noFill/>
+          </a:ln>
+        </p:spPr>
+        <p:style>
+          <a:lnRef idx="2">
+            <a:schemeClr val="accent1">
+              <a:shade val="50000"/>
+            </a:schemeClr>
+          </a:lnRef>
+          <a:fillRef idx="1">
+            <a:schemeClr val="accent1"/>
+          </a:fillRef>
+          <a:effectRef idx="0">
+            <a:schemeClr val="accent1"/>
+          </a:effectRef>
+          <a:fontRef idx="minor">
+            <a:schemeClr val="lt1"/>
+          </a:fontRef>
+        </p:style>
+        <p:txBody>
+          <a:bodyPr rtlCol="0" anchor="ctr"/>
+          <a:lstStyle/>
+          <a:p>
+            <a:pPr algn="ctr"/>
+            <a:r>
+              <a:rPr lang="en-US" sz="2400" dirty="0">
+                <a:latin typeface="Yanone Kaffeesatz Light" panose="02000000000000000000" pitchFamily="2" charset="0"/>
+              </a:rPr>
+              <a:t>Back:1</a:t>
+            </a:r>
+          </a:p>
+          <a:p>
+            <a:pPr algn="ctr"/>
+            <a:r>
+              <a:rPr lang="en-US" sz="1400" i="1" dirty="0"/>
+              <a:t>0x0000000000000000</a:t>
+            </a:r>
+            <a:endParaRPr lang="en-US" sz="1400" i="1" dirty="0">
+              <a:latin typeface="Yanone Kaffeesatz Light" panose="02000000000000000000" pitchFamily="2" charset="0"/>
+            </a:endParaRPr>
+          </a:p>
+        </p:txBody>
+      </p:sp>
+      <p:sp>
+        <p:nvSpPr>
+          <p:cNvPr id="23" name="Cylinder 22">
+            <a:extLst>
+              <a:ext uri="{FF2B5EF4-FFF2-40B4-BE49-F238E27FC236}">
+                <a16:creationId xmlns:a16="http://schemas.microsoft.com/office/drawing/2014/main" id="{642F3039-CD28-446E-BFAC-A46FDC33A004}"/>
+              </a:ext>
+            </a:extLst>
+          </p:cNvPr>
+          <p:cNvSpPr/>
+          <p:nvPr/>
+        </p:nvSpPr>
+        <p:spPr>
+          <a:xfrm>
+            <a:off x="6279849" y="1930653"/>
+            <a:ext cx="914400" cy="462605"/>
+          </a:xfrm>
+          <a:prstGeom prst="can">
+            <a:avLst/>
+          </a:prstGeom>
+          <a:solidFill>
+            <a:schemeClr val="tx2"/>
+          </a:solidFill>
+          <a:ln>
+            <a:solidFill>
+              <a:schemeClr val="accent3"/>
+            </a:solidFill>
+          </a:ln>
+        </p:spPr>
+        <p:style>
+          <a:lnRef idx="2">
+            <a:schemeClr val="accent1">
+              <a:shade val="50000"/>
+            </a:schemeClr>
+          </a:lnRef>
+          <a:fillRef idx="1">
+            <a:schemeClr val="accent1"/>
+          </a:fillRef>
+          <a:effectRef idx="0">
+            <a:schemeClr val="accent1"/>
+          </a:effectRef>
+          <a:fontRef idx="minor">
+            <a:schemeClr val="lt1"/>
+          </a:fontRef>
+        </p:style>
+        <p:txBody>
+          <a:bodyPr rtlCol="0" anchor="ctr"/>
+          <a:lstStyle/>
+          <a:p>
+            <a:pPr algn="ctr"/>
+            <a:r>
+              <a:rPr lang="de-CH" sz="1200" dirty="0"/>
+              <a:t>Reliable</a:t>
+            </a:r>
+          </a:p>
+          <a:p>
+            <a:pPr algn="ctr"/>
+            <a:r>
+              <a:rPr lang="de-CH" sz="1200" dirty="0"/>
+              <a:t>Collection</a:t>
+            </a:r>
+          </a:p>
+        </p:txBody>
+      </p:sp>
+      <p:cxnSp>
+        <p:nvCxnSpPr>
+          <p:cNvPr id="22" name="Straight Arrow Connector 21">
+            <a:extLst>
+              <a:ext uri="{FF2B5EF4-FFF2-40B4-BE49-F238E27FC236}">
+                <a16:creationId xmlns:a16="http://schemas.microsoft.com/office/drawing/2014/main" id="{93D1AEAA-C56F-40D8-8E6D-506DE23AF464}"/>
+              </a:ext>
+            </a:extLst>
+          </p:cNvPr>
+          <p:cNvCxnSpPr>
+            <a:cxnSpLocks/>
+            <a:stCxn id="10" idx="3"/>
+            <a:endCxn id="28" idx="1"/>
+          </p:cNvCxnSpPr>
+          <p:nvPr/>
+        </p:nvCxnSpPr>
+        <p:spPr>
+          <a:xfrm>
+            <a:off x="7092861" y="1543710"/>
+            <a:ext cx="371135" cy="1906668"/>
+          </a:xfrm>
+          <a:prstGeom prst="straightConnector1">
+            <a:avLst/>
+          </a:prstGeom>
+          <a:ln w="19050">
+            <a:solidFill>
+              <a:schemeClr val="accent4"/>
+            </a:solidFill>
+            <a:tailEnd type="triangle"/>
+          </a:ln>
+        </p:spPr>
+        <p:style>
+          <a:lnRef idx="1">
+            <a:schemeClr val="accent1"/>
+          </a:lnRef>
+          <a:fillRef idx="0">
+            <a:schemeClr val="accent1"/>
+          </a:fillRef>
+          <a:effectRef idx="0">
+            <a:schemeClr val="accent1"/>
+          </a:effectRef>
+          <a:fontRef idx="minor">
+            <a:schemeClr val="tx1"/>
+          </a:fontRef>
+        </p:style>
+      </p:cxnSp>
+      <p:sp>
+        <p:nvSpPr>
+          <p:cNvPr id="85" name="Rectangle 84">
+            <a:extLst>
+              <a:ext uri="{FF2B5EF4-FFF2-40B4-BE49-F238E27FC236}">
+                <a16:creationId xmlns:a16="http://schemas.microsoft.com/office/drawing/2014/main" id="{FD4AD5DD-F4AF-460B-90BD-A109EA1FB6D7}"/>
+              </a:ext>
+            </a:extLst>
+          </p:cNvPr>
+          <p:cNvSpPr/>
+          <p:nvPr/>
+        </p:nvSpPr>
+        <p:spPr>
+          <a:xfrm>
+            <a:off x="170588" y="2969243"/>
+            <a:ext cx="1078108" cy="914400"/>
+          </a:xfrm>
+          <a:prstGeom prst="rect">
+            <a:avLst/>
+          </a:prstGeom>
+          <a:solidFill>
+            <a:schemeClr val="accent4"/>
+          </a:solidFill>
+          <a:ln>
+            <a:noFill/>
+          </a:ln>
+        </p:spPr>
+        <p:style>
+          <a:lnRef idx="2">
+            <a:schemeClr val="accent1">
+              <a:shade val="50000"/>
+            </a:schemeClr>
+          </a:lnRef>
+          <a:fillRef idx="1">
+            <a:schemeClr val="accent1"/>
+          </a:fillRef>
+          <a:effectRef idx="0">
+            <a:schemeClr val="accent1"/>
+          </a:effectRef>
+          <a:fontRef idx="minor">
+            <a:schemeClr val="lt1"/>
+          </a:fontRef>
+        </p:style>
+        <p:txBody>
+          <a:bodyPr rtlCol="0" anchor="ctr"/>
+          <a:lstStyle/>
+          <a:p>
+            <a:pPr algn="ctr"/>
+            <a:r>
+              <a:rPr lang="en-US" dirty="0">
+                <a:latin typeface="Yanone Kaffeesatz Light" panose="02000000000000000000" pitchFamily="2" charset="0"/>
+              </a:rPr>
+              <a:t>Load Balancer</a:t>
+            </a:r>
+            <a:endParaRPr lang="de-CH" dirty="0">
+              <a:latin typeface="Yanone Kaffeesatz Light" panose="02000000000000000000" pitchFamily="2" charset="0"/>
+            </a:endParaRPr>
           </a:p>
         </p:txBody>
       </p:sp>
     </p:spTree>
     <p:extLst>
       <p:ext uri="{BB962C8B-B14F-4D97-AF65-F5344CB8AC3E}">
-        <p14:creationId xmlns:p14="http://schemas.microsoft.com/office/powerpoint/2010/main" val="1046295057"/>
+        <p14:creationId xmlns:p14="http://schemas.microsoft.com/office/powerpoint/2010/main" val="587231851"/>
       </p:ext>
     </p:extLst>
   </p:cSld>
@@ -3708,7 +10509,7 @@
           <p:cNvPr id="2" name="Title 1">
             <a:extLst>
               <a:ext uri="{FF2B5EF4-FFF2-40B4-BE49-F238E27FC236}">
-                <a16:creationId xmlns:a16="http://schemas.microsoft.com/office/drawing/2014/main" id="{2B88959E-766B-4BFF-9CF4-6706763C53FD}"/>
+                <a16:creationId xmlns:a16="http://schemas.microsoft.com/office/drawing/2014/main" id="{A1FD19D9-3D02-418F-B84B-A6DBA21D847E}"/>
               </a:ext>
             </a:extLst>
           </p:cNvPr>
@@ -3726,13 +10527,8 @@
           <a:p>
             <a:r>
               <a:rPr lang="en-US" dirty="0"/>
-              <a:t>Quick Why </a:t>
-            </a:r>
-            <a:r>
-              <a:rPr lang="en-US" dirty="0" err="1"/>
-              <a:t>NServiceBus</a:t>
-            </a:r>
-            <a:endParaRPr lang="en-US" dirty="0"/>
+              <a:t>SF with all / RPC </a:t>
+            </a:r>
           </a:p>
         </p:txBody>
       </p:sp>
@@ -3741,7 +10537,7 @@
           <p:cNvPr id="3" name="Content Placeholder 2">
             <a:extLst>
               <a:ext uri="{FF2B5EF4-FFF2-40B4-BE49-F238E27FC236}">
-                <a16:creationId xmlns:a16="http://schemas.microsoft.com/office/drawing/2014/main" id="{BA16C708-6176-400F-8219-624E2B30D5B8}"/>
+                <a16:creationId xmlns:a16="http://schemas.microsoft.com/office/drawing/2014/main" id="{911AC50C-7035-48A8-9B6D-F1DA6009AD0F}"/>
               </a:ext>
             </a:extLst>
           </p:cNvPr>
@@ -3759,26 +10555,27 @@
           <a:p>
             <a:r>
               <a:rPr lang="en-US" dirty="0"/>
-              <a:t>Queuing</a:t>
-            </a:r>
-            <a:r>
-              <a:rPr lang="en-US" baseline="0" dirty="0"/>
-              <a:t> tech + infrastructure</a:t>
-            </a:r>
-          </a:p>
-          <a:p>
-            <a:r>
-              <a:rPr lang="en-US" baseline="0" dirty="0"/>
-              <a:t>Focus on business</a:t>
-            </a:r>
-            <a:endParaRPr lang="en-US" dirty="0"/>
+              <a:t>Diagram Front/Back End</a:t>
+            </a:r>
+          </a:p>
+          <a:p>
+            <a:r>
+              <a:rPr lang="en-US" dirty="0"/>
+              <a:t>Control Throughput</a:t>
+            </a:r>
+          </a:p>
+          <a:p>
+            <a:r>
+              <a:rPr lang="en-US" dirty="0"/>
+              <a:t>Retries</a:t>
+            </a:r>
           </a:p>
         </p:txBody>
       </p:sp>
     </p:spTree>
     <p:extLst>
       <p:ext uri="{BB962C8B-B14F-4D97-AF65-F5344CB8AC3E}">
-        <p14:creationId xmlns:p14="http://schemas.microsoft.com/office/powerpoint/2010/main" val="2608995192"/>
+        <p14:creationId xmlns:p14="http://schemas.microsoft.com/office/powerpoint/2010/main" val="2104097962"/>
       </p:ext>
     </p:extLst>
   </p:cSld>
@@ -3810,7 +10607,7 @@
           <p:cNvPr id="2" name="Title 1">
             <a:extLst>
               <a:ext uri="{FF2B5EF4-FFF2-40B4-BE49-F238E27FC236}">
-                <a16:creationId xmlns:a16="http://schemas.microsoft.com/office/drawing/2014/main" id="{8F4D94F5-E989-4976-B791-71AB53CCBDC1}"/>
+                <a16:creationId xmlns:a16="http://schemas.microsoft.com/office/drawing/2014/main" id="{6D8DF77A-76B9-42BD-92DA-6CAC4179F7FE}"/>
               </a:ext>
             </a:extLst>
           </p:cNvPr>
@@ -3828,13 +10625,8 @@
           <a:p>
             <a:r>
               <a:rPr lang="en-US" dirty="0"/>
-              <a:t>SF with Stateless</a:t>
-            </a:r>
-            <a:r>
-              <a:rPr lang="en-US" baseline="0" dirty="0"/>
-              <a:t> queues</a:t>
-            </a:r>
-            <a:endParaRPr lang="en-US" dirty="0"/>
+              <a:t>Quick Why Messaging</a:t>
+            </a:r>
           </a:p>
         </p:txBody>
       </p:sp>
@@ -3843,7 +10635,7 @@
           <p:cNvPr id="3" name="Content Placeholder 2">
             <a:extLst>
               <a:ext uri="{FF2B5EF4-FFF2-40B4-BE49-F238E27FC236}">
-                <a16:creationId xmlns:a16="http://schemas.microsoft.com/office/drawing/2014/main" id="{7000D1F1-06C1-4D7A-A51B-09F461B55BAD}"/>
+                <a16:creationId xmlns:a16="http://schemas.microsoft.com/office/drawing/2014/main" id="{33D0AD4A-6443-4939-962B-F4DA220FB9C3}"/>
               </a:ext>
             </a:extLst>
           </p:cNvPr>
@@ -3861,13 +10653,19 @@
           <a:p>
             <a:r>
               <a:rPr lang="en-US" dirty="0"/>
-              <a:t>Hosting NSB in SF</a:t>
+              <a:t>Decoupling</a:t>
             </a:r>
           </a:p>
           <a:p>
             <a:r>
               <a:rPr lang="en-US" dirty="0"/>
-              <a:t>Competing consumer</a:t>
+              <a:t>Captured Intent</a:t>
+            </a:r>
+          </a:p>
+          <a:p>
+            <a:r>
+              <a:rPr lang="en-US" dirty="0"/>
+              <a:t>Throttling</a:t>
             </a:r>
           </a:p>
         </p:txBody>
@@ -3875,7 +10673,7 @@
     </p:spTree>
     <p:extLst>
       <p:ext uri="{BB962C8B-B14F-4D97-AF65-F5344CB8AC3E}">
-        <p14:creationId xmlns:p14="http://schemas.microsoft.com/office/powerpoint/2010/main" val="2753613427"/>
+        <p14:creationId xmlns:p14="http://schemas.microsoft.com/office/powerpoint/2010/main" val="235545504"/>
       </p:ext>
     </p:extLst>
   </p:cSld>
@@ -3904,64 +10702,1099 @@
       </p:grpSpPr>
       <p:sp>
         <p:nvSpPr>
-          <p:cNvPr id="2" name="Title 1">
-            <a:extLst>
-              <a:ext uri="{FF2B5EF4-FFF2-40B4-BE49-F238E27FC236}">
-                <a16:creationId xmlns:a16="http://schemas.microsoft.com/office/drawing/2014/main" id="{D17F9921-508B-47D3-8E31-EA0F6C35F3BE}"/>
-              </a:ext>
-            </a:extLst>
-          </p:cNvPr>
-          <p:cNvSpPr>
-            <a:spLocks noGrp="1"/>
-          </p:cNvSpPr>
-          <p:nvPr>
-            <p:ph type="title"/>
-          </p:nvPr>
-        </p:nvSpPr>
-        <p:spPr/>
-        <p:txBody>
-          <a:bodyPr/>
-          <a:lstStyle/>
-          <a:p>
-            <a:r>
-              <a:rPr lang="en-US" dirty="0"/>
-              <a:t>Accessing your collection session</a:t>
-            </a:r>
-          </a:p>
-        </p:txBody>
-      </p:sp>
-      <p:sp>
-        <p:nvSpPr>
-          <p:cNvPr id="3" name="Content Placeholder 2">
-            <a:extLst>
-              <a:ext uri="{FF2B5EF4-FFF2-40B4-BE49-F238E27FC236}">
-                <a16:creationId xmlns:a16="http://schemas.microsoft.com/office/drawing/2014/main" id="{BE3AF048-776E-4679-8C4C-9117F30D71B9}"/>
-              </a:ext>
-            </a:extLst>
-          </p:cNvPr>
-          <p:cNvSpPr>
-            <a:spLocks noGrp="1"/>
-          </p:cNvSpPr>
-          <p:nvPr>
-            <p:ph idx="1"/>
-          </p:nvPr>
-        </p:nvSpPr>
-        <p:spPr/>
-        <p:txBody>
-          <a:bodyPr/>
-          <a:lstStyle/>
-          <a:p>
-            <a:pPr marL="0" indent="0">
-              <a:buNone/>
-            </a:pPr>
-            <a:endParaRPr lang="en-US" dirty="0"/>
+          <p:cNvPr id="3" name="Rectangle 2"/>
+          <p:cNvSpPr/>
+          <p:nvPr/>
+        </p:nvSpPr>
+        <p:spPr>
+          <a:xfrm>
+            <a:off x="2748226" y="466335"/>
+            <a:ext cx="1944303" cy="914400"/>
+          </a:xfrm>
+          <a:prstGeom prst="rect">
+            <a:avLst/>
+          </a:prstGeom>
+          <a:solidFill>
+            <a:schemeClr val="tx2"/>
+          </a:solidFill>
+          <a:ln>
+            <a:noFill/>
+          </a:ln>
+        </p:spPr>
+        <p:style>
+          <a:lnRef idx="2">
+            <a:schemeClr val="accent1">
+              <a:shade val="50000"/>
+            </a:schemeClr>
+          </a:lnRef>
+          <a:fillRef idx="1">
+            <a:schemeClr val="accent1"/>
+          </a:fillRef>
+          <a:effectRef idx="0">
+            <a:schemeClr val="accent1"/>
+          </a:effectRef>
+          <a:fontRef idx="minor">
+            <a:schemeClr val="lt1"/>
+          </a:fontRef>
+        </p:style>
+        <p:txBody>
+          <a:bodyPr rot="0" spcFirstLastPara="0" vertOverflow="overflow" horzOverflow="overflow" vert="horz" wrap="square" lIns="91440" tIns="45720" rIns="91440" bIns="45720" numCol="1" spcCol="0" rtlCol="0" fromWordArt="0" anchor="ctr" anchorCtr="0" forceAA="0" compatLnSpc="1">
+            <a:prstTxWarp prst="textNoShape">
+              <a:avLst/>
+            </a:prstTxWarp>
+            <a:noAutofit/>
+          </a:bodyPr>
+          <a:lstStyle/>
+          <a:p>
+            <a:pPr algn="ctr"/>
+            <a:r>
+              <a:rPr lang="en-US" sz="2400" dirty="0">
+                <a:latin typeface="Yanone Kaffeesatz Light" panose="02000000000000000000" pitchFamily="2" charset="0"/>
+              </a:rPr>
+              <a:t>FrontEnd1</a:t>
+            </a:r>
+            <a:endParaRPr lang="de-CH" sz="2400" dirty="0">
+              <a:latin typeface="Yanone Kaffeesatz Light" panose="02000000000000000000" pitchFamily="2" charset="0"/>
+            </a:endParaRPr>
+          </a:p>
+        </p:txBody>
+      </p:sp>
+      <p:sp>
+        <p:nvSpPr>
+          <p:cNvPr id="4" name="Rectangle 3"/>
+          <p:cNvSpPr/>
+          <p:nvPr/>
+        </p:nvSpPr>
+        <p:spPr>
+          <a:xfrm>
+            <a:off x="4813060" y="466335"/>
+            <a:ext cx="1944303" cy="914400"/>
+          </a:xfrm>
+          <a:prstGeom prst="rect">
+            <a:avLst/>
+          </a:prstGeom>
+          <a:solidFill>
+            <a:schemeClr val="tx2"/>
+          </a:solidFill>
+          <a:ln>
+            <a:noFill/>
+          </a:ln>
+        </p:spPr>
+        <p:style>
+          <a:lnRef idx="2">
+            <a:schemeClr val="accent1">
+              <a:shade val="50000"/>
+            </a:schemeClr>
+          </a:lnRef>
+          <a:fillRef idx="1">
+            <a:schemeClr val="accent1"/>
+          </a:fillRef>
+          <a:effectRef idx="0">
+            <a:schemeClr val="accent1"/>
+          </a:effectRef>
+          <a:fontRef idx="minor">
+            <a:schemeClr val="lt1"/>
+          </a:fontRef>
+        </p:style>
+        <p:txBody>
+          <a:bodyPr rot="0" spcFirstLastPara="0" vertOverflow="overflow" horzOverflow="overflow" vert="horz" wrap="square" lIns="91440" tIns="45720" rIns="91440" bIns="45720" numCol="1" spcCol="0" rtlCol="0" fromWordArt="0" anchor="ctr" anchorCtr="0" forceAA="0" compatLnSpc="1">
+            <a:prstTxWarp prst="textNoShape">
+              <a:avLst/>
+            </a:prstTxWarp>
+            <a:noAutofit/>
+          </a:bodyPr>
+          <a:lstStyle/>
+          <a:p>
+            <a:pPr algn="ctr"/>
+            <a:r>
+              <a:rPr lang="en-US" sz="2400" dirty="0">
+                <a:latin typeface="Yanone Kaffeesatz Light" panose="02000000000000000000" pitchFamily="2" charset="0"/>
+              </a:rPr>
+              <a:t>FrontEnd2</a:t>
+            </a:r>
+            <a:endParaRPr lang="de-CH" sz="2400" dirty="0">
+              <a:latin typeface="Yanone Kaffeesatz Light" panose="02000000000000000000" pitchFamily="2" charset="0"/>
+            </a:endParaRPr>
+          </a:p>
+        </p:txBody>
+      </p:sp>
+      <p:sp>
+        <p:nvSpPr>
+          <p:cNvPr id="5" name="Rectangle 4"/>
+          <p:cNvSpPr/>
+          <p:nvPr/>
+        </p:nvSpPr>
+        <p:spPr>
+          <a:xfrm>
+            <a:off x="6877894" y="466335"/>
+            <a:ext cx="1944303" cy="914400"/>
+          </a:xfrm>
+          <a:prstGeom prst="rect">
+            <a:avLst/>
+          </a:prstGeom>
+          <a:solidFill>
+            <a:schemeClr val="tx2"/>
+          </a:solidFill>
+          <a:ln>
+            <a:noFill/>
+          </a:ln>
+        </p:spPr>
+        <p:style>
+          <a:lnRef idx="2">
+            <a:schemeClr val="accent1">
+              <a:shade val="50000"/>
+            </a:schemeClr>
+          </a:lnRef>
+          <a:fillRef idx="1">
+            <a:schemeClr val="accent1"/>
+          </a:fillRef>
+          <a:effectRef idx="0">
+            <a:schemeClr val="accent1"/>
+          </a:effectRef>
+          <a:fontRef idx="minor">
+            <a:schemeClr val="lt1"/>
+          </a:fontRef>
+        </p:style>
+        <p:txBody>
+          <a:bodyPr rot="0" spcFirstLastPara="0" vertOverflow="overflow" horzOverflow="overflow" vert="horz" wrap="square" lIns="91440" tIns="45720" rIns="91440" bIns="45720" numCol="1" spcCol="0" rtlCol="0" fromWordArt="0" anchor="ctr" anchorCtr="0" forceAA="0" compatLnSpc="1">
+            <a:prstTxWarp prst="textNoShape">
+              <a:avLst/>
+            </a:prstTxWarp>
+            <a:noAutofit/>
+          </a:bodyPr>
+          <a:lstStyle/>
+          <a:p>
+            <a:pPr algn="ctr"/>
+            <a:r>
+              <a:rPr lang="en-US" sz="2400" dirty="0">
+                <a:latin typeface="Yanone Kaffeesatz Light" panose="02000000000000000000" pitchFamily="2" charset="0"/>
+              </a:rPr>
+              <a:t>FrontEnd3</a:t>
+            </a:r>
+            <a:endParaRPr lang="de-CH" sz="2400" dirty="0">
+              <a:latin typeface="Yanone Kaffeesatz Light" panose="02000000000000000000" pitchFamily="2" charset="0"/>
+            </a:endParaRPr>
+          </a:p>
+        </p:txBody>
+      </p:sp>
+      <p:sp>
+        <p:nvSpPr>
+          <p:cNvPr id="6" name="Rectangle 5"/>
+          <p:cNvSpPr/>
+          <p:nvPr/>
+        </p:nvSpPr>
+        <p:spPr>
+          <a:xfrm>
+            <a:off x="1890131" y="240135"/>
+            <a:ext cx="8157117" cy="1337763"/>
+          </a:xfrm>
+          <a:prstGeom prst="rect">
+            <a:avLst/>
+          </a:prstGeom>
+          <a:noFill/>
+          <a:ln w="19050">
+            <a:solidFill>
+              <a:schemeClr val="accent3"/>
+            </a:solidFill>
+          </a:ln>
+        </p:spPr>
+        <p:style>
+          <a:lnRef idx="2">
+            <a:schemeClr val="accent1">
+              <a:shade val="50000"/>
+            </a:schemeClr>
+          </a:lnRef>
+          <a:fillRef idx="1">
+            <a:schemeClr val="accent1"/>
+          </a:fillRef>
+          <a:effectRef idx="0">
+            <a:schemeClr val="accent1"/>
+          </a:effectRef>
+          <a:fontRef idx="minor">
+            <a:schemeClr val="lt1"/>
+          </a:fontRef>
+        </p:style>
+        <p:txBody>
+          <a:bodyPr rtlCol="0" anchor="ctr"/>
+          <a:lstStyle/>
+          <a:p>
+            <a:pPr algn="ctr"/>
+            <a:endParaRPr lang="de-CH"/>
+          </a:p>
+        </p:txBody>
+      </p:sp>
+      <p:sp>
+        <p:nvSpPr>
+          <p:cNvPr id="8" name="Rectangle 7"/>
+          <p:cNvSpPr/>
+          <p:nvPr/>
+        </p:nvSpPr>
+        <p:spPr>
+          <a:xfrm>
+            <a:off x="1890131" y="4609866"/>
+            <a:ext cx="8157117" cy="1689410"/>
+          </a:xfrm>
+          <a:prstGeom prst="rect">
+            <a:avLst/>
+          </a:prstGeom>
+          <a:noFill/>
+          <a:ln w="19050">
+            <a:solidFill>
+              <a:schemeClr val="accent3"/>
+            </a:solidFill>
+          </a:ln>
+        </p:spPr>
+        <p:style>
+          <a:lnRef idx="2">
+            <a:schemeClr val="accent1">
+              <a:shade val="50000"/>
+            </a:schemeClr>
+          </a:lnRef>
+          <a:fillRef idx="1">
+            <a:schemeClr val="accent1"/>
+          </a:fillRef>
+          <a:effectRef idx="0">
+            <a:schemeClr val="accent1"/>
+          </a:effectRef>
+          <a:fontRef idx="minor">
+            <a:schemeClr val="lt1"/>
+          </a:fontRef>
+        </p:style>
+        <p:txBody>
+          <a:bodyPr rtlCol="0" anchor="ctr"/>
+          <a:lstStyle/>
+          <a:p>
+            <a:pPr algn="ctr"/>
+            <a:endParaRPr lang="de-CH"/>
+          </a:p>
+        </p:txBody>
+      </p:sp>
+      <p:sp>
+        <p:nvSpPr>
+          <p:cNvPr id="11" name="Rectangle 10"/>
+          <p:cNvSpPr/>
+          <p:nvPr/>
+        </p:nvSpPr>
+        <p:spPr>
+          <a:xfrm>
+            <a:off x="2748226" y="3364970"/>
+            <a:ext cx="1944303" cy="914400"/>
+          </a:xfrm>
+          <a:prstGeom prst="rect">
+            <a:avLst/>
+          </a:prstGeom>
+          <a:solidFill>
+            <a:schemeClr val="tx2"/>
+          </a:solidFill>
+          <a:ln>
+            <a:noFill/>
+          </a:ln>
+        </p:spPr>
+        <p:style>
+          <a:lnRef idx="2">
+            <a:schemeClr val="accent1">
+              <a:shade val="50000"/>
+            </a:schemeClr>
+          </a:lnRef>
+          <a:fillRef idx="1">
+            <a:schemeClr val="accent1"/>
+          </a:fillRef>
+          <a:effectRef idx="0">
+            <a:schemeClr val="accent1"/>
+          </a:effectRef>
+          <a:fontRef idx="minor">
+            <a:schemeClr val="lt1"/>
+          </a:fontRef>
+        </p:style>
+        <p:txBody>
+          <a:bodyPr rot="0" spcFirstLastPara="0" vertOverflow="overflow" horzOverflow="overflow" vert="horz" wrap="square" lIns="91440" tIns="45720" rIns="91440" bIns="45720" numCol="1" spcCol="0" rtlCol="0" fromWordArt="0" anchor="ctr" anchorCtr="0" forceAA="0" compatLnSpc="1">
+            <a:prstTxWarp prst="textNoShape">
+              <a:avLst/>
+            </a:prstTxWarp>
+            <a:noAutofit/>
+          </a:bodyPr>
+          <a:lstStyle/>
+          <a:p>
+            <a:pPr algn="ctr"/>
+            <a:r>
+              <a:rPr lang="en-US" sz="2400" dirty="0">
+                <a:latin typeface="Yanone Kaffeesatz Light" panose="02000000000000000000" pitchFamily="2" charset="0"/>
+              </a:rPr>
+              <a:t>Stateless1</a:t>
+            </a:r>
+            <a:endParaRPr lang="de-CH" sz="2400" dirty="0">
+              <a:latin typeface="Yanone Kaffeesatz Light" panose="02000000000000000000" pitchFamily="2" charset="0"/>
+            </a:endParaRPr>
+          </a:p>
+        </p:txBody>
+      </p:sp>
+      <p:sp>
+        <p:nvSpPr>
+          <p:cNvPr id="12" name="Rectangle 11"/>
+          <p:cNvSpPr/>
+          <p:nvPr/>
+        </p:nvSpPr>
+        <p:spPr>
+          <a:xfrm>
+            <a:off x="4813060" y="3364970"/>
+            <a:ext cx="1944303" cy="914400"/>
+          </a:xfrm>
+          <a:prstGeom prst="rect">
+            <a:avLst/>
+          </a:prstGeom>
+          <a:solidFill>
+            <a:schemeClr val="tx2"/>
+          </a:solidFill>
+          <a:ln>
+            <a:noFill/>
+          </a:ln>
+        </p:spPr>
+        <p:style>
+          <a:lnRef idx="2">
+            <a:schemeClr val="accent1">
+              <a:shade val="50000"/>
+            </a:schemeClr>
+          </a:lnRef>
+          <a:fillRef idx="1">
+            <a:schemeClr val="accent1"/>
+          </a:fillRef>
+          <a:effectRef idx="0">
+            <a:schemeClr val="accent1"/>
+          </a:effectRef>
+          <a:fontRef idx="minor">
+            <a:schemeClr val="lt1"/>
+          </a:fontRef>
+        </p:style>
+        <p:txBody>
+          <a:bodyPr rot="0" spcFirstLastPara="0" vertOverflow="overflow" horzOverflow="overflow" vert="horz" wrap="square" lIns="91440" tIns="45720" rIns="91440" bIns="45720" numCol="1" spcCol="0" rtlCol="0" fromWordArt="0" anchor="ctr" anchorCtr="0" forceAA="0" compatLnSpc="1">
+            <a:prstTxWarp prst="textNoShape">
+              <a:avLst/>
+            </a:prstTxWarp>
+            <a:noAutofit/>
+          </a:bodyPr>
+          <a:lstStyle/>
+          <a:p>
+            <a:pPr algn="ctr"/>
+            <a:r>
+              <a:rPr lang="en-US" sz="2400" dirty="0">
+                <a:latin typeface="Yanone Kaffeesatz Light" panose="02000000000000000000" pitchFamily="2" charset="0"/>
+              </a:rPr>
+              <a:t>Stateless2</a:t>
+            </a:r>
+            <a:endParaRPr lang="de-CH" sz="2400" dirty="0">
+              <a:latin typeface="Yanone Kaffeesatz Light" panose="02000000000000000000" pitchFamily="2" charset="0"/>
+            </a:endParaRPr>
+          </a:p>
+        </p:txBody>
+      </p:sp>
+      <p:sp>
+        <p:nvSpPr>
+          <p:cNvPr id="13" name="Rectangle 12"/>
+          <p:cNvSpPr/>
+          <p:nvPr/>
+        </p:nvSpPr>
+        <p:spPr>
+          <a:xfrm>
+            <a:off x="6877894" y="3364970"/>
+            <a:ext cx="1944303" cy="914400"/>
+          </a:xfrm>
+          <a:prstGeom prst="rect">
+            <a:avLst/>
+          </a:prstGeom>
+          <a:solidFill>
+            <a:schemeClr val="tx2"/>
+          </a:solidFill>
+          <a:ln>
+            <a:noFill/>
+          </a:ln>
+        </p:spPr>
+        <p:style>
+          <a:lnRef idx="2">
+            <a:schemeClr val="accent1">
+              <a:shade val="50000"/>
+            </a:schemeClr>
+          </a:lnRef>
+          <a:fillRef idx="1">
+            <a:schemeClr val="accent1"/>
+          </a:fillRef>
+          <a:effectRef idx="0">
+            <a:schemeClr val="accent1"/>
+          </a:effectRef>
+          <a:fontRef idx="minor">
+            <a:schemeClr val="lt1"/>
+          </a:fontRef>
+        </p:style>
+        <p:txBody>
+          <a:bodyPr rot="0" spcFirstLastPara="0" vertOverflow="overflow" horzOverflow="overflow" vert="horz" wrap="square" lIns="91440" tIns="45720" rIns="91440" bIns="45720" numCol="1" spcCol="0" rtlCol="0" fromWordArt="0" anchor="ctr" anchorCtr="0" forceAA="0" compatLnSpc="1">
+            <a:prstTxWarp prst="textNoShape">
+              <a:avLst/>
+            </a:prstTxWarp>
+            <a:noAutofit/>
+          </a:bodyPr>
+          <a:lstStyle/>
+          <a:p>
+            <a:pPr algn="ctr"/>
+            <a:r>
+              <a:rPr lang="en-US" sz="2400" dirty="0">
+                <a:latin typeface="Yanone Kaffeesatz Light" panose="02000000000000000000" pitchFamily="2" charset="0"/>
+              </a:rPr>
+              <a:t>Stateless3</a:t>
+            </a:r>
+            <a:endParaRPr lang="de-CH" sz="2400" dirty="0">
+              <a:latin typeface="Yanone Kaffeesatz Light" panose="02000000000000000000" pitchFamily="2" charset="0"/>
+            </a:endParaRPr>
+          </a:p>
+        </p:txBody>
+      </p:sp>
+      <p:sp>
+        <p:nvSpPr>
+          <p:cNvPr id="15" name="Cylinder 14"/>
+          <p:cNvSpPr/>
+          <p:nvPr/>
+        </p:nvSpPr>
+        <p:spPr>
+          <a:xfrm>
+            <a:off x="5335446" y="4846495"/>
+            <a:ext cx="914400" cy="1216152"/>
+          </a:xfrm>
+          <a:prstGeom prst="can">
+            <a:avLst/>
+          </a:prstGeom>
+          <a:solidFill>
+            <a:schemeClr val="tx2"/>
+          </a:solidFill>
+          <a:ln>
+            <a:solidFill>
+              <a:schemeClr val="accent3"/>
+            </a:solidFill>
+          </a:ln>
+        </p:spPr>
+        <p:style>
+          <a:lnRef idx="2">
+            <a:schemeClr val="accent1">
+              <a:shade val="50000"/>
+            </a:schemeClr>
+          </a:lnRef>
+          <a:fillRef idx="1">
+            <a:schemeClr val="accent1"/>
+          </a:fillRef>
+          <a:effectRef idx="0">
+            <a:schemeClr val="accent1"/>
+          </a:effectRef>
+          <a:fontRef idx="minor">
+            <a:schemeClr val="lt1"/>
+          </a:fontRef>
+        </p:style>
+        <p:txBody>
+          <a:bodyPr rtlCol="0" anchor="ctr"/>
+          <a:lstStyle/>
+          <a:p>
+            <a:pPr algn="ctr"/>
+            <a:r>
+              <a:rPr lang="de-CH" dirty="0"/>
+              <a:t>SQL</a:t>
+            </a:r>
+          </a:p>
+        </p:txBody>
+      </p:sp>
+      <p:cxnSp>
+        <p:nvCxnSpPr>
+          <p:cNvPr id="38" name="Straight Arrow Connector 37"/>
+          <p:cNvCxnSpPr>
+            <a:cxnSpLocks/>
+            <a:stCxn id="13" idx="2"/>
+            <a:endCxn id="15" idx="1"/>
+          </p:cNvCxnSpPr>
+          <p:nvPr/>
+        </p:nvCxnSpPr>
+        <p:spPr>
+          <a:xfrm flipH="1">
+            <a:off x="5792646" y="4279370"/>
+            <a:ext cx="2057400" cy="567125"/>
+          </a:xfrm>
+          <a:prstGeom prst="straightConnector1">
+            <a:avLst/>
+          </a:prstGeom>
+          <a:ln w="19050">
+            <a:solidFill>
+              <a:schemeClr val="tx2"/>
+            </a:solidFill>
+            <a:tailEnd type="triangle"/>
+          </a:ln>
+        </p:spPr>
+        <p:style>
+          <a:lnRef idx="1">
+            <a:schemeClr val="accent1"/>
+          </a:lnRef>
+          <a:fillRef idx="0">
+            <a:schemeClr val="accent1"/>
+          </a:fillRef>
+          <a:effectRef idx="0">
+            <a:schemeClr val="accent1"/>
+          </a:effectRef>
+          <a:fontRef idx="minor">
+            <a:schemeClr val="tx1"/>
+          </a:fontRef>
+        </p:style>
+      </p:cxnSp>
+      <p:cxnSp>
+        <p:nvCxnSpPr>
+          <p:cNvPr id="42" name="Straight Arrow Connector 41"/>
+          <p:cNvCxnSpPr>
+            <a:cxnSpLocks/>
+            <a:stCxn id="12" idx="2"/>
+            <a:endCxn id="15" idx="1"/>
+          </p:cNvCxnSpPr>
+          <p:nvPr/>
+        </p:nvCxnSpPr>
+        <p:spPr>
+          <a:xfrm>
+            <a:off x="5785212" y="4279370"/>
+            <a:ext cx="7434" cy="567125"/>
+          </a:xfrm>
+          <a:prstGeom prst="straightConnector1">
+            <a:avLst/>
+          </a:prstGeom>
+          <a:ln w="19050">
+            <a:solidFill>
+              <a:schemeClr val="tx2"/>
+            </a:solidFill>
+            <a:tailEnd type="triangle"/>
+          </a:ln>
+        </p:spPr>
+        <p:style>
+          <a:lnRef idx="1">
+            <a:schemeClr val="accent1"/>
+          </a:lnRef>
+          <a:fillRef idx="0">
+            <a:schemeClr val="accent1"/>
+          </a:fillRef>
+          <a:effectRef idx="0">
+            <a:schemeClr val="accent1"/>
+          </a:effectRef>
+          <a:fontRef idx="minor">
+            <a:schemeClr val="tx1"/>
+          </a:fontRef>
+        </p:style>
+      </p:cxnSp>
+      <p:cxnSp>
+        <p:nvCxnSpPr>
+          <p:cNvPr id="45" name="Straight Arrow Connector 44"/>
+          <p:cNvCxnSpPr>
+            <a:cxnSpLocks/>
+            <a:stCxn id="11" idx="2"/>
+            <a:endCxn id="15" idx="1"/>
+          </p:cNvCxnSpPr>
+          <p:nvPr/>
+        </p:nvCxnSpPr>
+        <p:spPr>
+          <a:xfrm>
+            <a:off x="3720378" y="4279370"/>
+            <a:ext cx="2072268" cy="567125"/>
+          </a:xfrm>
+          <a:prstGeom prst="straightConnector1">
+            <a:avLst/>
+          </a:prstGeom>
+          <a:ln w="19050">
+            <a:solidFill>
+              <a:schemeClr val="tx2"/>
+            </a:solidFill>
+            <a:tailEnd type="triangle"/>
+          </a:ln>
+        </p:spPr>
+        <p:style>
+          <a:lnRef idx="1">
+            <a:schemeClr val="accent1"/>
+          </a:lnRef>
+          <a:fillRef idx="0">
+            <a:schemeClr val="accent1"/>
+          </a:fillRef>
+          <a:effectRef idx="0">
+            <a:schemeClr val="accent1"/>
+          </a:effectRef>
+          <a:fontRef idx="minor">
+            <a:schemeClr val="tx1"/>
+          </a:fontRef>
+        </p:style>
+      </p:cxnSp>
+      <p:sp>
+        <p:nvSpPr>
+          <p:cNvPr id="52" name="Rectangle 51"/>
+          <p:cNvSpPr/>
+          <p:nvPr/>
+        </p:nvSpPr>
+        <p:spPr>
+          <a:xfrm>
+            <a:off x="1890131" y="3153289"/>
+            <a:ext cx="8157117" cy="1337763"/>
+          </a:xfrm>
+          <a:prstGeom prst="rect">
+            <a:avLst/>
+          </a:prstGeom>
+          <a:noFill/>
+          <a:ln w="19050">
+            <a:solidFill>
+              <a:schemeClr val="accent3"/>
+            </a:solidFill>
+          </a:ln>
+        </p:spPr>
+        <p:style>
+          <a:lnRef idx="2">
+            <a:schemeClr val="accent1">
+              <a:shade val="50000"/>
+            </a:schemeClr>
+          </a:lnRef>
+          <a:fillRef idx="1">
+            <a:schemeClr val="accent1"/>
+          </a:fillRef>
+          <a:effectRef idx="0">
+            <a:schemeClr val="accent1"/>
+          </a:effectRef>
+          <a:fontRef idx="minor">
+            <a:schemeClr val="lt1"/>
+          </a:fontRef>
+        </p:style>
+        <p:txBody>
+          <a:bodyPr rtlCol="0" anchor="ctr"/>
+          <a:lstStyle/>
+          <a:p>
+            <a:pPr algn="ctr"/>
+            <a:endParaRPr lang="de-CH"/>
+          </a:p>
+        </p:txBody>
+      </p:sp>
+      <p:sp>
+        <p:nvSpPr>
+          <p:cNvPr id="53" name="Rectangle 52"/>
+          <p:cNvSpPr/>
+          <p:nvPr/>
+        </p:nvSpPr>
+        <p:spPr>
+          <a:xfrm>
+            <a:off x="1890131" y="1696712"/>
+            <a:ext cx="8157117" cy="1337763"/>
+          </a:xfrm>
+          <a:prstGeom prst="rect">
+            <a:avLst/>
+          </a:prstGeom>
+          <a:noFill/>
+          <a:ln w="19050">
+            <a:solidFill>
+              <a:schemeClr val="accent3"/>
+            </a:solidFill>
+          </a:ln>
+        </p:spPr>
+        <p:style>
+          <a:lnRef idx="2">
+            <a:schemeClr val="accent1">
+              <a:shade val="50000"/>
+            </a:schemeClr>
+          </a:lnRef>
+          <a:fillRef idx="1">
+            <a:schemeClr val="accent1"/>
+          </a:fillRef>
+          <a:effectRef idx="0">
+            <a:schemeClr val="accent1"/>
+          </a:effectRef>
+          <a:fontRef idx="minor">
+            <a:schemeClr val="lt1"/>
+          </a:fontRef>
+        </p:style>
+        <p:txBody>
+          <a:bodyPr rtlCol="0" anchor="ctr"/>
+          <a:lstStyle/>
+          <a:p>
+            <a:pPr algn="ctr"/>
+            <a:endParaRPr lang="de-CH"/>
+          </a:p>
+        </p:txBody>
+      </p:sp>
+      <p:sp>
+        <p:nvSpPr>
+          <p:cNvPr id="54" name="Cylinder 53"/>
+          <p:cNvSpPr/>
+          <p:nvPr/>
+        </p:nvSpPr>
+        <p:spPr>
+          <a:xfrm rot="16200000">
+            <a:off x="5328011" y="1761313"/>
+            <a:ext cx="914400" cy="1216152"/>
+          </a:xfrm>
+          <a:prstGeom prst="can">
+            <a:avLst/>
+          </a:prstGeom>
+          <a:solidFill>
+            <a:schemeClr val="accent4"/>
+          </a:solidFill>
+          <a:ln>
+            <a:solidFill>
+              <a:schemeClr val="accent3"/>
+            </a:solidFill>
+          </a:ln>
+        </p:spPr>
+        <p:style>
+          <a:lnRef idx="2">
+            <a:schemeClr val="accent1">
+              <a:shade val="50000"/>
+            </a:schemeClr>
+          </a:lnRef>
+          <a:fillRef idx="1">
+            <a:schemeClr val="accent1"/>
+          </a:fillRef>
+          <a:effectRef idx="0">
+            <a:schemeClr val="accent1"/>
+          </a:effectRef>
+          <a:fontRef idx="minor">
+            <a:schemeClr val="lt1"/>
+          </a:fontRef>
+        </p:style>
+        <p:txBody>
+          <a:bodyPr vert="vert" rtlCol="0" anchor="ctr"/>
+          <a:lstStyle/>
+          <a:p>
+            <a:pPr algn="ctr"/>
+            <a:r>
+              <a:rPr lang="en-US" sz="2400" dirty="0">
+                <a:latin typeface="Yanone Kaffeesatz Light" panose="02000000000000000000" pitchFamily="2" charset="0"/>
+              </a:rPr>
+              <a:t>Queue</a:t>
+            </a:r>
+            <a:endParaRPr lang="de-CH" sz="2400" dirty="0">
+              <a:latin typeface="Yanone Kaffeesatz Light" panose="02000000000000000000" pitchFamily="2" charset="0"/>
+            </a:endParaRPr>
+          </a:p>
+        </p:txBody>
+      </p:sp>
+      <p:sp>
+        <p:nvSpPr>
+          <p:cNvPr id="55" name="TextBox 54"/>
+          <p:cNvSpPr txBox="1"/>
+          <p:nvPr/>
+        </p:nvSpPr>
+        <p:spPr>
+          <a:xfrm>
+            <a:off x="1890131" y="1696712"/>
+            <a:ext cx="1922321" cy="461665"/>
+          </a:xfrm>
+          <a:prstGeom prst="rect">
+            <a:avLst/>
+          </a:prstGeom>
+          <a:noFill/>
+        </p:spPr>
+        <p:txBody>
+          <a:bodyPr wrap="none" rtlCol="0">
+            <a:spAutoFit/>
+          </a:bodyPr>
+          <a:lstStyle/>
+          <a:p>
+            <a:r>
+              <a:rPr lang="en-US" sz="2400" dirty="0">
+                <a:solidFill>
+                  <a:schemeClr val="accent3"/>
+                </a:solidFill>
+                <a:latin typeface="Yanone Kaffeesatz Regular" panose="02000000000000000000" pitchFamily="2" charset="0"/>
+              </a:rPr>
+              <a:t>Broker Middleware</a:t>
+            </a:r>
+            <a:endParaRPr lang="de-CH" sz="2400" dirty="0">
+              <a:solidFill>
+                <a:schemeClr val="accent3"/>
+              </a:solidFill>
+              <a:latin typeface="Yanone Kaffeesatz Regular" panose="02000000000000000000" pitchFamily="2" charset="0"/>
+            </a:endParaRPr>
+          </a:p>
+        </p:txBody>
+      </p:sp>
+      <p:cxnSp>
+        <p:nvCxnSpPr>
+          <p:cNvPr id="56" name="Straight Arrow Connector 55"/>
+          <p:cNvCxnSpPr>
+            <a:cxnSpLocks/>
+            <a:stCxn id="3" idx="2"/>
+            <a:endCxn id="54" idx="4"/>
+          </p:cNvCxnSpPr>
+          <p:nvPr/>
+        </p:nvCxnSpPr>
+        <p:spPr>
+          <a:xfrm>
+            <a:off x="3720378" y="1380735"/>
+            <a:ext cx="2064833" cy="531454"/>
+          </a:xfrm>
+          <a:prstGeom prst="straightConnector1">
+            <a:avLst/>
+          </a:prstGeom>
+          <a:ln w="19050">
+            <a:solidFill>
+              <a:schemeClr val="accent4"/>
+            </a:solidFill>
+            <a:tailEnd type="triangle"/>
+          </a:ln>
+        </p:spPr>
+        <p:style>
+          <a:lnRef idx="1">
+            <a:schemeClr val="accent1"/>
+          </a:lnRef>
+          <a:fillRef idx="0">
+            <a:schemeClr val="accent1"/>
+          </a:fillRef>
+          <a:effectRef idx="0">
+            <a:schemeClr val="accent1"/>
+          </a:effectRef>
+          <a:fontRef idx="minor">
+            <a:schemeClr val="tx1"/>
+          </a:fontRef>
+        </p:style>
+      </p:cxnSp>
+      <p:cxnSp>
+        <p:nvCxnSpPr>
+          <p:cNvPr id="59" name="Straight Arrow Connector 58"/>
+          <p:cNvCxnSpPr>
+            <a:cxnSpLocks/>
+            <a:stCxn id="4" idx="2"/>
+            <a:endCxn id="54" idx="4"/>
+          </p:cNvCxnSpPr>
+          <p:nvPr/>
+        </p:nvCxnSpPr>
+        <p:spPr>
+          <a:xfrm flipH="1">
+            <a:off x="5785211" y="1380735"/>
+            <a:ext cx="1" cy="531454"/>
+          </a:xfrm>
+          <a:prstGeom prst="straightConnector1">
+            <a:avLst/>
+          </a:prstGeom>
+          <a:ln w="19050">
+            <a:solidFill>
+              <a:schemeClr val="accent4"/>
+            </a:solidFill>
+            <a:tailEnd type="triangle"/>
+          </a:ln>
+        </p:spPr>
+        <p:style>
+          <a:lnRef idx="1">
+            <a:schemeClr val="accent1"/>
+          </a:lnRef>
+          <a:fillRef idx="0">
+            <a:schemeClr val="accent1"/>
+          </a:fillRef>
+          <a:effectRef idx="0">
+            <a:schemeClr val="accent1"/>
+          </a:effectRef>
+          <a:fontRef idx="minor">
+            <a:schemeClr val="tx1"/>
+          </a:fontRef>
+        </p:style>
+      </p:cxnSp>
+      <p:cxnSp>
+        <p:nvCxnSpPr>
+          <p:cNvPr id="62" name="Straight Arrow Connector 61"/>
+          <p:cNvCxnSpPr>
+            <a:cxnSpLocks/>
+            <a:stCxn id="5" idx="2"/>
+            <a:endCxn id="54" idx="4"/>
+          </p:cNvCxnSpPr>
+          <p:nvPr/>
+        </p:nvCxnSpPr>
+        <p:spPr>
+          <a:xfrm flipH="1">
+            <a:off x="5785211" y="1380735"/>
+            <a:ext cx="2064835" cy="531454"/>
+          </a:xfrm>
+          <a:prstGeom prst="straightConnector1">
+            <a:avLst/>
+          </a:prstGeom>
+          <a:ln w="19050">
+            <a:solidFill>
+              <a:schemeClr val="accent4"/>
+            </a:solidFill>
+            <a:tailEnd type="triangle"/>
+          </a:ln>
+        </p:spPr>
+        <p:style>
+          <a:lnRef idx="1">
+            <a:schemeClr val="accent1"/>
+          </a:lnRef>
+          <a:fillRef idx="0">
+            <a:schemeClr val="accent1"/>
+          </a:fillRef>
+          <a:effectRef idx="0">
+            <a:schemeClr val="accent1"/>
+          </a:effectRef>
+          <a:fontRef idx="minor">
+            <a:schemeClr val="tx1"/>
+          </a:fontRef>
+        </p:style>
+      </p:cxnSp>
+      <p:cxnSp>
+        <p:nvCxnSpPr>
+          <p:cNvPr id="65" name="Straight Arrow Connector 64"/>
+          <p:cNvCxnSpPr>
+            <a:cxnSpLocks/>
+            <a:stCxn id="54" idx="2"/>
+            <a:endCxn id="11" idx="0"/>
+          </p:cNvCxnSpPr>
+          <p:nvPr/>
+        </p:nvCxnSpPr>
+        <p:spPr>
+          <a:xfrm flipH="1">
+            <a:off x="3720378" y="2826589"/>
+            <a:ext cx="2064833" cy="538381"/>
+          </a:xfrm>
+          <a:prstGeom prst="straightConnector1">
+            <a:avLst/>
+          </a:prstGeom>
+          <a:ln w="19050">
+            <a:solidFill>
+              <a:schemeClr val="accent4"/>
+            </a:solidFill>
+            <a:tailEnd type="triangle"/>
+          </a:ln>
+        </p:spPr>
+        <p:style>
+          <a:lnRef idx="1">
+            <a:schemeClr val="accent1"/>
+          </a:lnRef>
+          <a:fillRef idx="0">
+            <a:schemeClr val="accent1"/>
+          </a:fillRef>
+          <a:effectRef idx="0">
+            <a:schemeClr val="accent1"/>
+          </a:effectRef>
+          <a:fontRef idx="minor">
+            <a:schemeClr val="tx1"/>
+          </a:fontRef>
+        </p:style>
+      </p:cxnSp>
+      <p:cxnSp>
+        <p:nvCxnSpPr>
+          <p:cNvPr id="68" name="Straight Arrow Connector 67"/>
+          <p:cNvCxnSpPr>
+            <a:cxnSpLocks/>
+            <a:stCxn id="54" idx="2"/>
+            <a:endCxn id="12" idx="0"/>
+          </p:cNvCxnSpPr>
+          <p:nvPr/>
+        </p:nvCxnSpPr>
+        <p:spPr>
+          <a:xfrm>
+            <a:off x="5785211" y="2826589"/>
+            <a:ext cx="1" cy="538381"/>
+          </a:xfrm>
+          <a:prstGeom prst="straightConnector1">
+            <a:avLst/>
+          </a:prstGeom>
+          <a:ln w="19050">
+            <a:solidFill>
+              <a:schemeClr val="accent4"/>
+            </a:solidFill>
+            <a:tailEnd type="triangle"/>
+          </a:ln>
+        </p:spPr>
+        <p:style>
+          <a:lnRef idx="1">
+            <a:schemeClr val="accent1"/>
+          </a:lnRef>
+          <a:fillRef idx="0">
+            <a:schemeClr val="accent1"/>
+          </a:fillRef>
+          <a:effectRef idx="0">
+            <a:schemeClr val="accent1"/>
+          </a:effectRef>
+          <a:fontRef idx="minor">
+            <a:schemeClr val="tx1"/>
+          </a:fontRef>
+        </p:style>
+      </p:cxnSp>
+      <p:cxnSp>
+        <p:nvCxnSpPr>
+          <p:cNvPr id="71" name="Straight Arrow Connector 70"/>
+          <p:cNvCxnSpPr>
+            <a:cxnSpLocks/>
+            <a:stCxn id="54" idx="2"/>
+            <a:endCxn id="13" idx="0"/>
+          </p:cNvCxnSpPr>
+          <p:nvPr/>
+        </p:nvCxnSpPr>
+        <p:spPr>
+          <a:xfrm>
+            <a:off x="5785211" y="2826589"/>
+            <a:ext cx="2064835" cy="538381"/>
+          </a:xfrm>
+          <a:prstGeom prst="straightConnector1">
+            <a:avLst/>
+          </a:prstGeom>
+          <a:ln w="19050">
+            <a:solidFill>
+              <a:schemeClr val="accent4"/>
+            </a:solidFill>
+            <a:tailEnd type="triangle"/>
+          </a:ln>
+        </p:spPr>
+        <p:style>
+          <a:lnRef idx="1">
+            <a:schemeClr val="accent1"/>
+          </a:lnRef>
+          <a:fillRef idx="0">
+            <a:schemeClr val="accent1"/>
+          </a:fillRef>
+          <a:effectRef idx="0">
+            <a:schemeClr val="accent1"/>
+          </a:effectRef>
+          <a:fontRef idx="minor">
+            <a:schemeClr val="tx1"/>
+          </a:fontRef>
+        </p:style>
+      </p:cxnSp>
+      <p:sp>
+        <p:nvSpPr>
+          <p:cNvPr id="24" name="TextBox 23">
+            <a:extLst>
+              <a:ext uri="{FF2B5EF4-FFF2-40B4-BE49-F238E27FC236}">
+                <a16:creationId xmlns:a16="http://schemas.microsoft.com/office/drawing/2014/main" id="{DB2A539D-81D7-43DE-AB38-15946112F0EF}"/>
+              </a:ext>
+            </a:extLst>
+          </p:cNvPr>
+          <p:cNvSpPr txBox="1"/>
+          <p:nvPr/>
+        </p:nvSpPr>
+        <p:spPr>
+          <a:xfrm>
+            <a:off x="1905623" y="4609866"/>
+            <a:ext cx="1493422" cy="461665"/>
+          </a:xfrm>
+          <a:prstGeom prst="rect">
+            <a:avLst/>
+          </a:prstGeom>
+          <a:noFill/>
+        </p:spPr>
+        <p:txBody>
+          <a:bodyPr wrap="none" rtlCol="0">
+            <a:spAutoFit/>
+          </a:bodyPr>
+          <a:lstStyle/>
+          <a:p>
+            <a:r>
+              <a:rPr lang="en-US" sz="2400" dirty="0">
+                <a:solidFill>
+                  <a:schemeClr val="accent3"/>
+                </a:solidFill>
+                <a:latin typeface="Yanone Kaffeesatz Regular" panose="02000000000000000000" pitchFamily="2" charset="0"/>
+              </a:rPr>
+              <a:t>Data Store</a:t>
+            </a:r>
+            <a:endParaRPr lang="de-CH" sz="2400" dirty="0">
+              <a:solidFill>
+                <a:schemeClr val="accent3"/>
+              </a:solidFill>
+              <a:latin typeface="Yanone Kaffeesatz Regular" panose="02000000000000000000" pitchFamily="2" charset="0"/>
+            </a:endParaRPr>
           </a:p>
         </p:txBody>
       </p:sp>
     </p:spTree>
     <p:extLst>
       <p:ext uri="{BB962C8B-B14F-4D97-AF65-F5344CB8AC3E}">
-        <p14:creationId xmlns:p14="http://schemas.microsoft.com/office/powerpoint/2010/main" val="2402366213"/>
+        <p14:creationId xmlns:p14="http://schemas.microsoft.com/office/powerpoint/2010/main" val="3459608356"/>
       </p:ext>
     </p:extLst>
   </p:cSld>
@@ -3993,7 +11826,7 @@
           <p:cNvPr id="2" name="Title 1">
             <a:extLst>
               <a:ext uri="{FF2B5EF4-FFF2-40B4-BE49-F238E27FC236}">
-                <a16:creationId xmlns:a16="http://schemas.microsoft.com/office/drawing/2014/main" id="{7CF6EE03-6234-483F-BDCF-DBAF4A279F5E}"/>
+                <a16:creationId xmlns:a16="http://schemas.microsoft.com/office/drawing/2014/main" id="{2B88959E-766B-4BFF-9CF4-6706763C53FD}"/>
               </a:ext>
             </a:extLst>
           </p:cNvPr>
@@ -4009,22 +11842,13 @@
           <a:bodyPr/>
           <a:lstStyle/>
           <a:p>
-            <a:pPr lvl="0"/>
             <a:r>
               <a:rPr lang="en-US" dirty="0"/>
-              <a:t>NSB</a:t>
-            </a:r>
-            <a:r>
-              <a:rPr lang="en-US" baseline="0" dirty="0"/>
-              <a:t> SF Persistence (</a:t>
-            </a:r>
-            <a:r>
-              <a:rPr lang="en-US" baseline="0" dirty="0" err="1"/>
-              <a:t>stateful</a:t>
-            </a:r>
-            <a:r>
-              <a:rPr lang="en-US" baseline="0" dirty="0"/>
-              <a:t> queue)</a:t>
+              <a:t>Quick Why </a:t>
+            </a:r>
+            <a:r>
+              <a:rPr lang="en-US" dirty="0" err="1"/>
+              <a:t>NServiceBus</a:t>
             </a:r>
             <a:endParaRPr lang="en-US" dirty="0"/>
           </a:p>
@@ -4035,7 +11859,7 @@
           <p:cNvPr id="3" name="Content Placeholder 2">
             <a:extLst>
               <a:ext uri="{FF2B5EF4-FFF2-40B4-BE49-F238E27FC236}">
-                <a16:creationId xmlns:a16="http://schemas.microsoft.com/office/drawing/2014/main" id="{6BCC4B54-4123-4780-AA78-BDDFC35DCCD3}"/>
+                <a16:creationId xmlns:a16="http://schemas.microsoft.com/office/drawing/2014/main" id="{BA16C708-6176-400F-8219-624E2B30D5B8}"/>
               </a:ext>
             </a:extLst>
           </p:cNvPr>
@@ -4053,11 +11877,17 @@
           <a:p>
             <a:r>
               <a:rPr lang="en-US" dirty="0"/>
-              <a:t>Saga</a:t>
+              <a:t>Queuing</a:t>
             </a:r>
             <a:r>
               <a:rPr lang="en-US" baseline="0" dirty="0"/>
-              <a:t> storage</a:t>
+              <a:t> tech + infrastructure</a:t>
+            </a:r>
+          </a:p>
+          <a:p>
+            <a:r>
+              <a:rPr lang="en-US" baseline="0" dirty="0"/>
+              <a:t>Focus on business</a:t>
             </a:r>
             <a:endParaRPr lang="en-US" dirty="0"/>
           </a:p>
@@ -4066,7 +11896,7 @@
     </p:spTree>
     <p:extLst>
       <p:ext uri="{BB962C8B-B14F-4D97-AF65-F5344CB8AC3E}">
-        <p14:creationId xmlns:p14="http://schemas.microsoft.com/office/powerpoint/2010/main" val="3186495205"/>
+        <p14:creationId xmlns:p14="http://schemas.microsoft.com/office/powerpoint/2010/main" val="2608995192"/>
       </p:ext>
     </p:extLst>
   </p:cSld>
@@ -4098,7 +11928,7 @@
           <p:cNvPr id="2" name="Title 1">
             <a:extLst>
               <a:ext uri="{FF2B5EF4-FFF2-40B4-BE49-F238E27FC236}">
-                <a16:creationId xmlns:a16="http://schemas.microsoft.com/office/drawing/2014/main" id="{73347E7C-035B-4DA2-BDC9-48A8A82CDCD5}"/>
+                <a16:creationId xmlns:a16="http://schemas.microsoft.com/office/drawing/2014/main" id="{8F4D94F5-E989-4976-B791-71AB53CCBDC1}"/>
               </a:ext>
             </a:extLst>
           </p:cNvPr>
@@ -4116,16 +11946,13 @@
           <a:p>
             <a:r>
               <a:rPr lang="en-US" dirty="0"/>
-              <a:t>Routing your</a:t>
+              <a:t>SF with Stateless</a:t>
             </a:r>
             <a:r>
               <a:rPr lang="en-US" baseline="0" dirty="0"/>
-              <a:t> partitioned </a:t>
-            </a:r>
-            <a:r>
-              <a:rPr lang="en-US" dirty="0"/>
-              <a:t>queue</a:t>
-            </a:r>
+              <a:t> queues</a:t>
+            </a:r>
+            <a:endParaRPr lang="en-US" dirty="0"/>
           </a:p>
         </p:txBody>
       </p:sp>
@@ -4134,7 +11961,7 @@
           <p:cNvPr id="3" name="Content Placeholder 2">
             <a:extLst>
               <a:ext uri="{FF2B5EF4-FFF2-40B4-BE49-F238E27FC236}">
-                <a16:creationId xmlns:a16="http://schemas.microsoft.com/office/drawing/2014/main" id="{843CE606-7275-42C0-AC76-AA91BB66789F}"/>
+                <a16:creationId xmlns:a16="http://schemas.microsoft.com/office/drawing/2014/main" id="{7000D1F1-06C1-4D7A-A51B-09F461B55BAD}"/>
               </a:ext>
             </a:extLst>
           </p:cNvPr>
@@ -4152,13 +11979,13 @@
           <a:p>
             <a:r>
               <a:rPr lang="en-US" dirty="0"/>
-              <a:t>RCD / SSD</a:t>
+              <a:t>Hosting NSB in SF</a:t>
             </a:r>
           </a:p>
           <a:p>
             <a:r>
               <a:rPr lang="en-US" dirty="0"/>
-              <a:t>In Cluster / Outside of Cluster</a:t>
+              <a:t>Competing consumer</a:t>
             </a:r>
           </a:p>
         </p:txBody>
@@ -4166,7 +11993,7 @@
     </p:spTree>
     <p:extLst>
       <p:ext uri="{BB962C8B-B14F-4D97-AF65-F5344CB8AC3E}">
-        <p14:creationId xmlns:p14="http://schemas.microsoft.com/office/powerpoint/2010/main" val="632078664"/>
+        <p14:creationId xmlns:p14="http://schemas.microsoft.com/office/powerpoint/2010/main" val="2753613427"/>
       </p:ext>
     </p:extLst>
   </p:cSld>
@@ -4469,4 +12296,299 @@
     </a:ext>
   </a:extLst>
 </a:theme>
+</file>
+
+<file path=ppt/theme/theme2.xml><?xml version="1.0" encoding="utf-8"?>
+<a:theme xmlns:a="http://schemas.openxmlformats.org/drawingml/2006/main" name="Office Theme">
+  <a:themeElements>
+    <a:clrScheme name="Office">
+      <a:dk1>
+        <a:sysClr val="windowText" lastClr="000000"/>
+      </a:dk1>
+      <a:lt1>
+        <a:sysClr val="window" lastClr="FFFFFF"/>
+      </a:lt1>
+      <a:dk2>
+        <a:srgbClr val="44546A"/>
+      </a:dk2>
+      <a:lt2>
+        <a:srgbClr val="E7E6E6"/>
+      </a:lt2>
+      <a:accent1>
+        <a:srgbClr val="4472C4"/>
+      </a:accent1>
+      <a:accent2>
+        <a:srgbClr val="ED7D31"/>
+      </a:accent2>
+      <a:accent3>
+        <a:srgbClr val="A5A5A5"/>
+      </a:accent3>
+      <a:accent4>
+        <a:srgbClr val="FFC000"/>
+      </a:accent4>
+      <a:accent5>
+        <a:srgbClr val="5B9BD5"/>
+      </a:accent5>
+      <a:accent6>
+        <a:srgbClr val="70AD47"/>
+      </a:accent6>
+      <a:hlink>
+        <a:srgbClr val="0563C1"/>
+      </a:hlink>
+      <a:folHlink>
+        <a:srgbClr val="954F72"/>
+      </a:folHlink>
+    </a:clrScheme>
+    <a:fontScheme name="Office">
+      <a:majorFont>
+        <a:latin typeface="Calibri Light" panose="020F0302020204030204"/>
+        <a:ea typeface=""/>
+        <a:cs typeface=""/>
+        <a:font script="Jpan" typeface="游ゴシック Light"/>
+        <a:font script="Hang" typeface="맑은 고딕"/>
+        <a:font script="Hans" typeface="等线 Light"/>
+        <a:font script="Hant" typeface="新細明體"/>
+        <a:font script="Arab" typeface="Times New Roman"/>
+        <a:font script="Hebr" typeface="Times New Roman"/>
+        <a:font script="Thai" typeface="Angsana New"/>
+        <a:font script="Ethi" typeface="Nyala"/>
+        <a:font script="Beng" typeface="Vrinda"/>
+        <a:font script="Gujr" typeface="Shruti"/>
+        <a:font script="Khmr" typeface="MoolBoran"/>
+        <a:font script="Knda" typeface="Tunga"/>
+        <a:font script="Guru" typeface="Raavi"/>
+        <a:font script="Cans" typeface="Euphemia"/>
+        <a:font script="Cher" typeface="Plantagenet Cherokee"/>
+        <a:font script="Yiii" typeface="Microsoft Yi Baiti"/>
+        <a:font script="Tibt" typeface="Microsoft Himalaya"/>
+        <a:font script="Thaa" typeface="MV Boli"/>
+        <a:font script="Deva" typeface="Mangal"/>
+        <a:font script="Telu" typeface="Gautami"/>
+        <a:font script="Taml" typeface="Latha"/>
+        <a:font script="Syrc" typeface="Estrangelo Edessa"/>
+        <a:font script="Orya" typeface="Kalinga"/>
+        <a:font script="Mlym" typeface="Kartika"/>
+        <a:font script="Laoo" typeface="DokChampa"/>
+        <a:font script="Sinh" typeface="Iskoola Pota"/>
+        <a:font script="Mong" typeface="Mongolian Baiti"/>
+        <a:font script="Viet" typeface="Times New Roman"/>
+        <a:font script="Uigh" typeface="Microsoft Uighur"/>
+        <a:font script="Geor" typeface="Sylfaen"/>
+        <a:font script="Armn" typeface="Arial"/>
+        <a:font script="Bugi" typeface="Leelawadee UI"/>
+        <a:font script="Bopo" typeface="Microsoft JhengHei"/>
+        <a:font script="Java" typeface="Javanese Text"/>
+        <a:font script="Lisu" typeface="Segoe UI"/>
+        <a:font script="Mymr" typeface="Myanmar Text"/>
+        <a:font script="Nkoo" typeface="Ebrima"/>
+        <a:font script="Olck" typeface="Nirmala UI"/>
+        <a:font script="Osma" typeface="Ebrima"/>
+        <a:font script="Phag" typeface="Phagspa"/>
+        <a:font script="Syrn" typeface="Estrangelo Edessa"/>
+        <a:font script="Syrj" typeface="Estrangelo Edessa"/>
+        <a:font script="Syre" typeface="Estrangelo Edessa"/>
+        <a:font script="Sora" typeface="Nirmala UI"/>
+        <a:font script="Tale" typeface="Microsoft Tai Le"/>
+        <a:font script="Talu" typeface="Microsoft New Tai Lue"/>
+        <a:font script="Tfng" typeface="Ebrima"/>
+      </a:majorFont>
+      <a:minorFont>
+        <a:latin typeface="Calibri" panose="020F0502020204030204"/>
+        <a:ea typeface=""/>
+        <a:cs typeface=""/>
+        <a:font script="Jpan" typeface="游ゴシック"/>
+        <a:font script="Hang" typeface="맑은 고딕"/>
+        <a:font script="Hans" typeface="等线"/>
+        <a:font script="Hant" typeface="新細明體"/>
+        <a:font script="Arab" typeface="Arial"/>
+        <a:font script="Hebr" typeface="Arial"/>
+        <a:font script="Thai" typeface="Cordia New"/>
+        <a:font script="Ethi" typeface="Nyala"/>
+        <a:font script="Beng" typeface="Vrinda"/>
+        <a:font script="Gujr" typeface="Shruti"/>
+        <a:font script="Khmr" typeface="DaunPenh"/>
+        <a:font script="Knda" typeface="Tunga"/>
+        <a:font script="Guru" typeface="Raavi"/>
+        <a:font script="Cans" typeface="Euphemia"/>
+        <a:font script="Cher" typeface="Plantagenet Cherokee"/>
+        <a:font script="Yiii" typeface="Microsoft Yi Baiti"/>
+        <a:font script="Tibt" typeface="Microsoft Himalaya"/>
+        <a:font script="Thaa" typeface="MV Boli"/>
+        <a:font script="Deva" typeface="Mangal"/>
+        <a:font script="Telu" typeface="Gautami"/>
+        <a:font script="Taml" typeface="Latha"/>
+        <a:font script="Syrc" typeface="Estrangelo Edessa"/>
+        <a:font script="Orya" typeface="Kalinga"/>
+        <a:font script="Mlym" typeface="Kartika"/>
+        <a:font script="Laoo" typeface="DokChampa"/>
+        <a:font script="Sinh" typeface="Iskoola Pota"/>
+        <a:font script="Mong" typeface="Mongolian Baiti"/>
+        <a:font script="Viet" typeface="Arial"/>
+        <a:font script="Uigh" typeface="Microsoft Uighur"/>
+        <a:font script="Geor" typeface="Sylfaen"/>
+        <a:font script="Armn" typeface="Arial"/>
+        <a:font script="Bugi" typeface="Leelawadee UI"/>
+        <a:font script="Bopo" typeface="Microsoft JhengHei"/>
+        <a:font script="Java" typeface="Javanese Text"/>
+        <a:font script="Lisu" typeface="Segoe UI"/>
+        <a:font script="Mymr" typeface="Myanmar Text"/>
+        <a:font script="Nkoo" typeface="Ebrima"/>
+        <a:font script="Olck" typeface="Nirmala UI"/>
+        <a:font script="Osma" typeface="Ebrima"/>
+        <a:font script="Phag" typeface="Phagspa"/>
+        <a:font script="Syrn" typeface="Estrangelo Edessa"/>
+        <a:font script="Syrj" typeface="Estrangelo Edessa"/>
+        <a:font script="Syre" typeface="Estrangelo Edessa"/>
+        <a:font script="Sora" typeface="Nirmala UI"/>
+        <a:font script="Tale" typeface="Microsoft Tai Le"/>
+        <a:font script="Talu" typeface="Microsoft New Tai Lue"/>
+        <a:font script="Tfng" typeface="Ebrima"/>
+      </a:minorFont>
+    </a:fontScheme>
+    <a:fmtScheme name="Office">
+      <a:fillStyleLst>
+        <a:solidFill>
+          <a:schemeClr val="phClr"/>
+        </a:solidFill>
+        <a:gradFill rotWithShape="1">
+          <a:gsLst>
+            <a:gs pos="0">
+              <a:schemeClr val="phClr">
+                <a:lumMod val="110000"/>
+                <a:satMod val="105000"/>
+                <a:tint val="67000"/>
+              </a:schemeClr>
+            </a:gs>
+            <a:gs pos="50000">
+              <a:schemeClr val="phClr">
+                <a:lumMod val="105000"/>
+                <a:satMod val="103000"/>
+                <a:tint val="73000"/>
+              </a:schemeClr>
+            </a:gs>
+            <a:gs pos="100000">
+              <a:schemeClr val="phClr">
+                <a:lumMod val="105000"/>
+                <a:satMod val="109000"/>
+                <a:tint val="81000"/>
+              </a:schemeClr>
+            </a:gs>
+          </a:gsLst>
+          <a:lin ang="5400000" scaled="0"/>
+        </a:gradFill>
+        <a:gradFill rotWithShape="1">
+          <a:gsLst>
+            <a:gs pos="0">
+              <a:schemeClr val="phClr">
+                <a:satMod val="103000"/>
+                <a:lumMod val="102000"/>
+                <a:tint val="94000"/>
+              </a:schemeClr>
+            </a:gs>
+            <a:gs pos="50000">
+              <a:schemeClr val="phClr">
+                <a:satMod val="110000"/>
+                <a:lumMod val="100000"/>
+                <a:shade val="100000"/>
+              </a:schemeClr>
+            </a:gs>
+            <a:gs pos="100000">
+              <a:schemeClr val="phClr">
+                <a:lumMod val="99000"/>
+                <a:satMod val="120000"/>
+                <a:shade val="78000"/>
+              </a:schemeClr>
+            </a:gs>
+          </a:gsLst>
+          <a:lin ang="5400000" scaled="0"/>
+        </a:gradFill>
+      </a:fillStyleLst>
+      <a:lnStyleLst>
+        <a:ln w="6350" cap="flat" cmpd="sng" algn="ctr">
+          <a:solidFill>
+            <a:schemeClr val="phClr"/>
+          </a:solidFill>
+          <a:prstDash val="solid"/>
+          <a:miter lim="800000"/>
+        </a:ln>
+        <a:ln w="12700" cap="flat" cmpd="sng" algn="ctr">
+          <a:solidFill>
+            <a:schemeClr val="phClr"/>
+          </a:solidFill>
+          <a:prstDash val="solid"/>
+          <a:miter lim="800000"/>
+        </a:ln>
+        <a:ln w="19050" cap="flat" cmpd="sng" algn="ctr">
+          <a:solidFill>
+            <a:schemeClr val="phClr"/>
+          </a:solidFill>
+          <a:prstDash val="solid"/>
+          <a:miter lim="800000"/>
+        </a:ln>
+      </a:lnStyleLst>
+      <a:effectStyleLst>
+        <a:effectStyle>
+          <a:effectLst/>
+        </a:effectStyle>
+        <a:effectStyle>
+          <a:effectLst/>
+        </a:effectStyle>
+        <a:effectStyle>
+          <a:effectLst>
+            <a:outerShdw blurRad="57150" dist="19050" dir="5400000" algn="ctr" rotWithShape="0">
+              <a:srgbClr val="000000">
+                <a:alpha val="63000"/>
+              </a:srgbClr>
+            </a:outerShdw>
+          </a:effectLst>
+        </a:effectStyle>
+      </a:effectStyleLst>
+      <a:bgFillStyleLst>
+        <a:solidFill>
+          <a:schemeClr val="phClr"/>
+        </a:solidFill>
+        <a:solidFill>
+          <a:schemeClr val="phClr">
+            <a:tint val="95000"/>
+            <a:satMod val="170000"/>
+          </a:schemeClr>
+        </a:solidFill>
+        <a:gradFill rotWithShape="1">
+          <a:gsLst>
+            <a:gs pos="0">
+              <a:schemeClr val="phClr">
+                <a:tint val="93000"/>
+                <a:satMod val="150000"/>
+                <a:shade val="98000"/>
+                <a:lumMod val="102000"/>
+              </a:schemeClr>
+            </a:gs>
+            <a:gs pos="50000">
+              <a:schemeClr val="phClr">
+                <a:tint val="98000"/>
+                <a:satMod val="130000"/>
+                <a:shade val="90000"/>
+                <a:lumMod val="103000"/>
+              </a:schemeClr>
+            </a:gs>
+            <a:gs pos="100000">
+              <a:schemeClr val="phClr">
+                <a:shade val="63000"/>
+                <a:satMod val="120000"/>
+              </a:schemeClr>
+            </a:gs>
+          </a:gsLst>
+          <a:lin ang="5400000" scaled="0"/>
+        </a:gradFill>
+      </a:bgFillStyleLst>
+    </a:fmtScheme>
+  </a:themeElements>
+  <a:objectDefaults/>
+  <a:extraClrSchemeLst/>
+  <a:extLst>
+    <a:ext uri="{05A4C25C-085E-4340-85A3-A5531E510DB2}">
+      <thm15:themeFamily xmlns:thm15="http://schemas.microsoft.com/office/thememl/2012/main" name="Office Theme" id="{62F939B6-93AF-4DB8-9C6B-D6C7DFDC589F}" vid="{4A3C46E8-61CC-4603-A589-7422A47A8E4A}"/>
+    </a:ext>
+  </a:extLst>
+</a:theme>
 </file>
--- a/Slides.pptx
+++ b/Slides.pptx
@@ -226,7 +226,7 @@
           <a:p>
             <a:fld id="{8AAC1278-1473-493B-ACC6-443853387D40}" type="datetimeFigureOut">
               <a:rPr lang="en-US" smtClean="0"/>
-              <a:t>10/25/2017</a:t>
+              <a:t>10/26/2017</a:t>
             </a:fld>
             <a:endParaRPr lang="en-US"/>
           </a:p>
@@ -623,128 +623,7 @@
           <a:p>
             <a:r>
               <a:rPr lang="en-US" dirty="0"/>
-              <a:t>The domain of order processing is a good domain to apply messaging because every order can be answered with “thank you we will shortly process the order”</a:t>
-            </a:r>
-          </a:p>
-          <a:p>
-            <a:endParaRPr lang="en-US" dirty="0"/>
-          </a:p>
-          <a:p>
-            <a:r>
-              <a:rPr lang="en-US" dirty="0"/>
-              <a:t>The stateless frontend tier and the </a:t>
-            </a:r>
-            <a:r>
-              <a:rPr lang="en-US" dirty="0" err="1"/>
-              <a:t>stateful</a:t>
-            </a:r>
-            <a:r>
-              <a:rPr lang="en-US" dirty="0"/>
-              <a:t> middle tier with the compute remains the same. But between the stateless and the </a:t>
-            </a:r>
-            <a:r>
-              <a:rPr lang="en-US" dirty="0" err="1"/>
-              <a:t>stateful</a:t>
-            </a:r>
-            <a:r>
-              <a:rPr lang="en-US" dirty="0"/>
-              <a:t> tier we should introduce some kind of broker middleware like Azure Service Bus, Azure Storage Queues or RabbitMQ for on-premises. The broker middleware will contain a queue for our chocolate orders. Of course not everything has to go through the queue. Only things like orders that need to be processed in order and potentially throttled. After all it is better to process orders a bit later than loosing them right? With that we get</a:t>
-            </a:r>
-          </a:p>
-          <a:p>
-            <a:endParaRPr lang="en-US" dirty="0"/>
-          </a:p>
-          <a:p>
-            <a:pPr marL="171450" indent="-171450">
-              <a:buFont typeface="Arial" panose="020B0604020202020204" pitchFamily="34" charset="0"/>
-              <a:buChar char="•"/>
-            </a:pPr>
-            <a:r>
-              <a:rPr lang="en-US" dirty="0"/>
-              <a:t>Decoupling especially temporal</a:t>
-            </a:r>
-          </a:p>
-          <a:p>
-            <a:pPr marL="171450" indent="-171450">
-              <a:buFont typeface="Arial" panose="020B0604020202020204" pitchFamily="34" charset="0"/>
-              <a:buChar char="•"/>
-            </a:pPr>
-            <a:r>
-              <a:rPr lang="en-US" dirty="0"/>
-              <a:t>Competing consumers</a:t>
-            </a:r>
-          </a:p>
-          <a:p>
-            <a:pPr marL="171450" indent="-171450">
-              <a:buFont typeface="Arial" panose="020B0604020202020204" pitchFamily="34" charset="0"/>
-              <a:buChar char="•"/>
-            </a:pPr>
-            <a:r>
-              <a:rPr lang="en-US" dirty="0"/>
-              <a:t>Awesome scaling</a:t>
-            </a:r>
-          </a:p>
-          <a:p>
-            <a:pPr marL="171450" indent="-171450">
-              <a:buFont typeface="Arial" panose="020B0604020202020204" pitchFamily="34" charset="0"/>
-              <a:buChar char="•"/>
-            </a:pPr>
-            <a:r>
-              <a:rPr lang="en-US" dirty="0"/>
-              <a:t>Throttling</a:t>
-            </a:r>
-          </a:p>
-          <a:p>
-            <a:pPr marL="171450" indent="-171450">
-              <a:buFont typeface="Arial" panose="020B0604020202020204" pitchFamily="34" charset="0"/>
-              <a:buChar char="•"/>
-            </a:pPr>
-            <a:r>
-              <a:rPr lang="en-US" dirty="0"/>
-              <a:t>Retries and business transactions to </a:t>
-            </a:r>
-            <a:r>
-              <a:rPr lang="en-US" dirty="0" err="1"/>
-              <a:t>stateful</a:t>
-            </a:r>
-            <a:r>
-              <a:rPr lang="en-US" dirty="0"/>
-              <a:t> </a:t>
-            </a:r>
-            <a:r>
-              <a:rPr lang="en-US" dirty="0" err="1"/>
-              <a:t>middletier</a:t>
-            </a:r>
-            <a:endParaRPr lang="en-US" dirty="0"/>
-          </a:p>
-          <a:p>
-            <a:pPr marL="171450" indent="-171450">
-              <a:buFont typeface="Arial" panose="020B0604020202020204" pitchFamily="34" charset="0"/>
-              <a:buChar char="•"/>
-            </a:pPr>
-            <a:r>
-              <a:rPr lang="en-US" dirty="0"/>
-              <a:t>Intent capturing request as messages</a:t>
-            </a:r>
-          </a:p>
-          <a:p>
-            <a:pPr marL="171450" indent="-171450">
-              <a:buFont typeface="Arial" panose="020B0604020202020204" pitchFamily="34" charset="0"/>
-              <a:buChar char="•"/>
-            </a:pPr>
-            <a:r>
-              <a:rPr lang="en-US" dirty="0"/>
-              <a:t>Reactive</a:t>
-            </a:r>
-          </a:p>
-          <a:p>
-            <a:pPr marL="171450" indent="-171450">
-              <a:buFont typeface="Arial" panose="020B0604020202020204" pitchFamily="34" charset="0"/>
-              <a:buChar char="•"/>
-            </a:pPr>
-            <a:r>
-              <a:rPr lang="en-US" dirty="0"/>
-              <a:t>Auditing of orders</a:t>
+              <a:t>So they started brainstorming an additional architecture approach.</a:t>
             </a:r>
             <a:endParaRPr lang="de-CH" dirty="0"/>
           </a:p>
@@ -765,18 +644,18 @@
           <a:bodyPr/>
           <a:lstStyle/>
           <a:p>
-            <a:fld id="{59E9685D-E391-4BCC-987B-6FB0218A8DB9}" type="slidenum">
-              <a:rPr lang="en-US" smtClean="0"/>
-              <a:t>11</a:t>
+            <a:fld id="{9BCA07FD-5BD5-4529-84B0-48DD2C561176}" type="slidenum">
+              <a:rPr lang="de-CH" smtClean="0"/>
+              <a:t>10</a:t>
             </a:fld>
-            <a:endParaRPr lang="en-US"/>
+            <a:endParaRPr lang="de-CH"/>
           </a:p>
         </p:txBody>
       </p:sp>
     </p:spTree>
     <p:extLst>
       <p:ext uri="{BB962C8B-B14F-4D97-AF65-F5344CB8AC3E}">
-        <p14:creationId xmlns:p14="http://schemas.microsoft.com/office/powerpoint/2010/main" val="384687694"/>
+        <p14:creationId xmlns:p14="http://schemas.microsoft.com/office/powerpoint/2010/main" val="1944380609"/>
       </p:ext>
     </p:extLst>
   </p:cSld>
@@ -830,7 +709,132 @@
           <a:bodyPr/>
           <a:lstStyle/>
           <a:p>
-            <a:endParaRPr lang="en-CH" dirty="0"/>
+            <a:r>
+              <a:rPr lang="en-US" dirty="0"/>
+              <a:t>The domain of order processing is a good domain to apply messaging because every order can be answered with “thank you we will shortly process the order”</a:t>
+            </a:r>
+          </a:p>
+          <a:p>
+            <a:endParaRPr lang="en-US" dirty="0"/>
+          </a:p>
+          <a:p>
+            <a:r>
+              <a:rPr lang="en-US" dirty="0"/>
+              <a:t>The stateless frontend tier and the </a:t>
+            </a:r>
+            <a:r>
+              <a:rPr lang="en-US" dirty="0" err="1"/>
+              <a:t>stateful</a:t>
+            </a:r>
+            <a:r>
+              <a:rPr lang="en-US" dirty="0"/>
+              <a:t> middle tier with the compute remains the same. But between the stateless and the </a:t>
+            </a:r>
+            <a:r>
+              <a:rPr lang="en-US" dirty="0" err="1"/>
+              <a:t>stateful</a:t>
+            </a:r>
+            <a:r>
+              <a:rPr lang="en-US" dirty="0"/>
+              <a:t> tier we should introduce some kind of broker middleware like Azure Service Bus, Azure Storage Queues or RabbitMQ for on-premises. The broker middleware will contain a queue for our chocolate orders. Of course not everything has to go through the queue. Only things like orders that need to be processed in order and potentially throttled. After all it is better to process orders a bit later than loosing them right? With that we get</a:t>
+            </a:r>
+          </a:p>
+          <a:p>
+            <a:endParaRPr lang="en-US" dirty="0"/>
+          </a:p>
+          <a:p>
+            <a:pPr marL="171450" indent="-171450">
+              <a:buFont typeface="Arial" panose="020B0604020202020204" pitchFamily="34" charset="0"/>
+              <a:buChar char="•"/>
+            </a:pPr>
+            <a:r>
+              <a:rPr lang="en-US" dirty="0"/>
+              <a:t>Decoupling especially temporal</a:t>
+            </a:r>
+          </a:p>
+          <a:p>
+            <a:pPr marL="171450" indent="-171450">
+              <a:buFont typeface="Arial" panose="020B0604020202020204" pitchFamily="34" charset="0"/>
+              <a:buChar char="•"/>
+            </a:pPr>
+            <a:r>
+              <a:rPr lang="en-US" dirty="0"/>
+              <a:t>Competing consumers</a:t>
+            </a:r>
+          </a:p>
+          <a:p>
+            <a:pPr marL="171450" indent="-171450">
+              <a:buFont typeface="Arial" panose="020B0604020202020204" pitchFamily="34" charset="0"/>
+              <a:buChar char="•"/>
+            </a:pPr>
+            <a:r>
+              <a:rPr lang="en-US" dirty="0"/>
+              <a:t>Awesome scaling</a:t>
+            </a:r>
+          </a:p>
+          <a:p>
+            <a:pPr marL="171450" indent="-171450">
+              <a:buFont typeface="Arial" panose="020B0604020202020204" pitchFamily="34" charset="0"/>
+              <a:buChar char="•"/>
+            </a:pPr>
+            <a:r>
+              <a:rPr lang="en-US" dirty="0"/>
+              <a:t>Throttling</a:t>
+            </a:r>
+          </a:p>
+          <a:p>
+            <a:pPr marL="171450" indent="-171450">
+              <a:buFont typeface="Arial" panose="020B0604020202020204" pitchFamily="34" charset="0"/>
+              <a:buChar char="•"/>
+            </a:pPr>
+            <a:r>
+              <a:rPr lang="en-US" dirty="0"/>
+              <a:t>Retries and business transactions to </a:t>
+            </a:r>
+            <a:r>
+              <a:rPr lang="en-US" dirty="0" err="1"/>
+              <a:t>stateful</a:t>
+            </a:r>
+            <a:r>
+              <a:rPr lang="en-US" dirty="0"/>
+              <a:t> </a:t>
+            </a:r>
+            <a:r>
+              <a:rPr lang="en-US" dirty="0" err="1"/>
+              <a:t>middletier</a:t>
+            </a:r>
+            <a:endParaRPr lang="en-US" dirty="0"/>
+          </a:p>
+          <a:p>
+            <a:pPr marL="171450" indent="-171450">
+              <a:buFont typeface="Arial" panose="020B0604020202020204" pitchFamily="34" charset="0"/>
+              <a:buChar char="•"/>
+            </a:pPr>
+            <a:r>
+              <a:rPr lang="en-US" dirty="0"/>
+              <a:t>Intent capturing request as messages</a:t>
+            </a:r>
+          </a:p>
+          <a:p>
+            <a:pPr marL="171450" indent="-171450">
+              <a:buFont typeface="Arial" panose="020B0604020202020204" pitchFamily="34" charset="0"/>
+              <a:buChar char="•"/>
+            </a:pPr>
+            <a:r>
+              <a:rPr lang="en-US" dirty="0"/>
+              <a:t>Reactive</a:t>
+            </a:r>
+          </a:p>
+          <a:p>
+            <a:pPr marL="171450" indent="-171450">
+              <a:buFont typeface="Arial" panose="020B0604020202020204" pitchFamily="34" charset="0"/>
+              <a:buChar char="•"/>
+            </a:pPr>
+            <a:r>
+              <a:rPr lang="en-US" dirty="0"/>
+              <a:t>Auditing of orders</a:t>
+            </a:r>
+            <a:endParaRPr lang="de-CH" dirty="0"/>
           </a:p>
         </p:txBody>
       </p:sp>
@@ -851,7 +855,7 @@
           <a:p>
             <a:fld id="{59E9685D-E391-4BCC-987B-6FB0218A8DB9}" type="slidenum">
               <a:rPr lang="en-US" smtClean="0"/>
-              <a:t>12</a:t>
+              <a:t>11</a:t>
             </a:fld>
             <a:endParaRPr lang="en-US"/>
           </a:p>
@@ -860,7 +864,7 @@
     </p:spTree>
     <p:extLst>
       <p:ext uri="{BB962C8B-B14F-4D97-AF65-F5344CB8AC3E}">
-        <p14:creationId xmlns:p14="http://schemas.microsoft.com/office/powerpoint/2010/main" val="2134601559"/>
+        <p14:creationId xmlns:p14="http://schemas.microsoft.com/office/powerpoint/2010/main" val="384687694"/>
       </p:ext>
     </p:extLst>
   </p:cSld>
@@ -914,6 +918,22 @@
           <a:bodyPr/>
           <a:lstStyle/>
           <a:p>
+            <a:r>
+              <a:rPr lang="en-US" dirty="0"/>
+              <a:t>The Frontend uses the OWIN startup listener to bootstrap the communication infrastructure with the queuing system</a:t>
+            </a:r>
+          </a:p>
+          <a:p>
+            <a:r>
+              <a:rPr lang="en-US" dirty="0"/>
+              <a:t>The front end only sends messages to the destination and doesn’t need to listen for messages itself in their architecture</a:t>
+            </a:r>
+          </a:p>
+          <a:p>
+            <a:r>
+              <a:rPr lang="en-US" dirty="0"/>
+              <a:t>The backend uses the communication listener to enable the queue listener since the backend is the part which processes orders</a:t>
+            </a:r>
             <a:endParaRPr lang="en-CH" dirty="0"/>
           </a:p>
         </p:txBody>
@@ -935,7 +955,7 @@
           <a:p>
             <a:fld id="{59E9685D-E391-4BCC-987B-6FB0218A8DB9}" type="slidenum">
               <a:rPr lang="en-US" smtClean="0"/>
-              <a:t>13</a:t>
+              <a:t>12</a:t>
             </a:fld>
             <a:endParaRPr lang="en-US"/>
           </a:p>
@@ -944,7 +964,7 @@
     </p:spTree>
     <p:extLst>
       <p:ext uri="{BB962C8B-B14F-4D97-AF65-F5344CB8AC3E}">
-        <p14:creationId xmlns:p14="http://schemas.microsoft.com/office/powerpoint/2010/main" val="1389148261"/>
+        <p14:creationId xmlns:p14="http://schemas.microsoft.com/office/powerpoint/2010/main" val="2134601559"/>
       </p:ext>
     </p:extLst>
   </p:cSld>
@@ -1000,26 +1020,9 @@
           <a:p>
             <a:r>
               <a:rPr lang="en-US" dirty="0"/>
-              <a:t>Let’s see what the team came up with.</a:t>
-            </a:r>
-          </a:p>
-          <a:p>
-            <a:endParaRPr lang="en-US" dirty="0"/>
-          </a:p>
-          <a:p>
-            <a:r>
-              <a:rPr lang="en-US" dirty="0"/>
-              <a:t>The team decided to use </a:t>
-            </a:r>
-            <a:r>
-              <a:rPr lang="en-US" dirty="0" err="1"/>
-              <a:t>NServiceBus</a:t>
-            </a:r>
-            <a:r>
-              <a:rPr lang="en-US" dirty="0"/>
-              <a:t> because they wanted to focus on the business logic, use a framework that is battle tested, not write plumbing code and work with a company that provides world class enterprise support</a:t>
-            </a:r>
-            <a:endParaRPr lang="de-CH" dirty="0"/>
+              <a:t>With the scaled out approach multiple instances of the front end will send orders to the queue while multiple competing consumers will fetch messages from the queuing system on the backend. So with each backend instance we can essentially linearly scale the backend processing power up to the capacity of the queuing system</a:t>
+            </a:r>
+            <a:endParaRPr lang="en-CH" dirty="0"/>
           </a:p>
         </p:txBody>
       </p:sp>
@@ -1038,18 +1041,18 @@
           <a:bodyPr/>
           <a:lstStyle/>
           <a:p>
-            <a:fld id="{9BCA07FD-5BD5-4529-84B0-48DD2C561176}" type="slidenum">
-              <a:rPr lang="de-CH" smtClean="0"/>
-              <a:t>14</a:t>
+            <a:fld id="{59E9685D-E391-4BCC-987B-6FB0218A8DB9}" type="slidenum">
+              <a:rPr lang="en-US" smtClean="0"/>
+              <a:t>13</a:t>
             </a:fld>
-            <a:endParaRPr lang="de-CH"/>
+            <a:endParaRPr lang="en-US"/>
           </a:p>
         </p:txBody>
       </p:sp>
     </p:spTree>
     <p:extLst>
       <p:ext uri="{BB962C8B-B14F-4D97-AF65-F5344CB8AC3E}">
-        <p14:creationId xmlns:p14="http://schemas.microsoft.com/office/powerpoint/2010/main" val="3499554749"/>
+        <p14:creationId xmlns:p14="http://schemas.microsoft.com/office/powerpoint/2010/main" val="1389148261"/>
       </p:ext>
     </p:extLst>
   </p:cSld>
@@ -1105,7 +1108,7 @@
           <a:p>
             <a:r>
               <a:rPr lang="en-US" dirty="0"/>
-              <a:t>The solution was working well for the team. The reduced temporal coupling, the retries and the throttling capabilities it the system really robust and stable. One problem remained though</a:t>
+              <a:t>Let’s see what the team came up with.</a:t>
             </a:r>
           </a:p>
           <a:p>
@@ -1114,43 +1117,17 @@
           <a:p>
             <a:r>
               <a:rPr lang="en-US" dirty="0"/>
-              <a:t>(Click)</a:t>
-            </a:r>
-          </a:p>
-          <a:p>
-            <a:endParaRPr lang="en-US" dirty="0"/>
-          </a:p>
-          <a:p>
+              <a:t>The team decided to use </a:t>
+            </a:r>
+            <a:r>
+              <a:rPr lang="en-US" dirty="0" err="1"/>
+              <a:t>NServiceBus</a:t>
+            </a:r>
             <a:r>
               <a:rPr lang="en-US" dirty="0"/>
-              <a:t>The realized with the increased demand in Swiss chocolate their scaling needs starting to grow and grow. The storage layer become more and more the bottleneck because it had to be consulted on every request from the query side but also from the command handling side. The team started to think about adding a caching layer between the storage tier and the backend to achieve the required hyperscale. </a:t>
-            </a:r>
-          </a:p>
-          <a:p>
-            <a:endParaRPr lang="en-US" dirty="0"/>
-          </a:p>
-          <a:p>
-            <a:r>
-              <a:rPr lang="en-US" dirty="0"/>
-              <a:t>When they started talking about caches they realized that cache invalidation is an immensely complex problem and requires usually a consensus approach to keep it current and up to date. With a caching layer they would potentially also loose the transactional semantics of the storage layer but then the remember that Service Fabric has built in partitioning and reliable collections that comes with </a:t>
-            </a:r>
-            <a:r>
-              <a:rPr lang="en-US" dirty="0" err="1"/>
-              <a:t>stateful</a:t>
-            </a:r>
-            <a:r>
-              <a:rPr lang="en-US" dirty="0"/>
-              <a:t> services.</a:t>
-            </a:r>
-          </a:p>
-          <a:p>
-            <a:endParaRPr lang="en-US" dirty="0"/>
-          </a:p>
-          <a:p>
-            <a:r>
-              <a:rPr lang="en-US" dirty="0"/>
-              <a:t>(next)</a:t>
-            </a:r>
+              <a:t> because they wanted to focus on the business logic, use a framework that is battle tested, not write plumbing code and work with a company that provides world class enterprise support</a:t>
+            </a:r>
+            <a:endParaRPr lang="de-CH" dirty="0"/>
           </a:p>
         </p:txBody>
       </p:sp>
@@ -1171,7 +1148,7 @@
           <a:p>
             <a:fld id="{9BCA07FD-5BD5-4529-84B0-48DD2C561176}" type="slidenum">
               <a:rPr lang="de-CH" smtClean="0"/>
-              <a:t>15</a:t>
+              <a:t>14</a:t>
             </a:fld>
             <a:endParaRPr lang="de-CH"/>
           </a:p>
@@ -1180,7 +1157,7 @@
     </p:spTree>
     <p:extLst>
       <p:ext uri="{BB962C8B-B14F-4D97-AF65-F5344CB8AC3E}">
-        <p14:creationId xmlns:p14="http://schemas.microsoft.com/office/powerpoint/2010/main" val="540667484"/>
+        <p14:creationId xmlns:p14="http://schemas.microsoft.com/office/powerpoint/2010/main" val="3499554749"/>
       </p:ext>
     </p:extLst>
   </p:cSld>
@@ -1236,7 +1213,34 @@
           <a:p>
             <a:r>
               <a:rPr lang="en-US" dirty="0"/>
-              <a:t>Concept of </a:t>
+              <a:t>The solution was working well for the team. The reduced temporal coupling, the retries and the throttling capabilities it the system really robust and stable. One problem remained though</a:t>
+            </a:r>
+          </a:p>
+          <a:p>
+            <a:endParaRPr lang="en-US" dirty="0"/>
+          </a:p>
+          <a:p>
+            <a:r>
+              <a:rPr lang="en-US" dirty="0"/>
+              <a:t>(Click)</a:t>
+            </a:r>
+          </a:p>
+          <a:p>
+            <a:endParaRPr lang="en-US" dirty="0"/>
+          </a:p>
+          <a:p>
+            <a:r>
+              <a:rPr lang="en-US" dirty="0"/>
+              <a:t>The realized with the increased demand in Swiss chocolate their scaling needs starting to grow and grow. The storage layer become more and more the bottleneck because it had to be consulted on every request from the query side but also from the command handling side. The team started to think about adding a caching layer between the storage tier and the backend to achieve the required hyperscale. </a:t>
+            </a:r>
+          </a:p>
+          <a:p>
+            <a:endParaRPr lang="en-US" dirty="0"/>
+          </a:p>
+          <a:p>
+            <a:r>
+              <a:rPr lang="en-US" dirty="0"/>
+              <a:t>When they started talking about caches they realized that cache invalidation is an immensely complex problem and requires usually a consensus approach to keep it current and up to date. With a caching layer they would potentially also loose the transactional semantics of the storage layer but then the remember that Service Fabric has built in partitioning and reliable collections that comes with </a:t>
             </a:r>
             <a:r>
               <a:rPr lang="en-US" dirty="0" err="1"/>
@@ -1244,107 +1248,17 @@
             </a:r>
             <a:r>
               <a:rPr lang="en-US" dirty="0"/>
-              <a:t> services, </a:t>
-            </a:r>
-            <a:r>
-              <a:rPr lang="en-US" dirty="0" err="1"/>
-              <a:t>Stateful</a:t>
-            </a:r>
+              <a:t> services.</a:t>
+            </a:r>
+          </a:p>
+          <a:p>
+            <a:endParaRPr lang="en-US" dirty="0"/>
+          </a:p>
+          <a:p>
             <a:r>
               <a:rPr lang="en-US" dirty="0"/>
-              <a:t> Services allow to consistently and reliably store state right inside the service by leveraging the power of reliable collections. They have a similar API to C# collections but are offer transactional semantics as well as replication inside the cluster. With that we can achieve:</a:t>
-            </a:r>
-          </a:p>
-          <a:p>
-            <a:endParaRPr lang="en-US" dirty="0"/>
-          </a:p>
-          <a:p>
-            <a:r>
-              <a:rPr lang="en-US" dirty="0"/>
-              <a:t>Application hot state lives in the compute tier</a:t>
-            </a:r>
-          </a:p>
-          <a:p>
-            <a:r>
-              <a:rPr lang="en-US" dirty="0"/>
-              <a:t>Low latency reads and writes</a:t>
-            </a:r>
-          </a:p>
-          <a:p>
-            <a:r>
-              <a:rPr lang="en-US" dirty="0"/>
-              <a:t>Transactional</a:t>
-            </a:r>
-          </a:p>
-          <a:p>
-            <a:r>
-              <a:rPr lang="en-US" dirty="0"/>
-              <a:t>Fewer moving parts</a:t>
-            </a:r>
-          </a:p>
-          <a:p>
-            <a:r>
-              <a:rPr lang="en-US" dirty="0"/>
-              <a:t>External stores are only used for exhaust and offline analytics</a:t>
-            </a:r>
-          </a:p>
-          <a:p>
-            <a:r>
-              <a:rPr lang="en-US" dirty="0"/>
-              <a:t>Capacity in cluster is limited compared to the storage tier (tradeoff)</a:t>
-            </a:r>
-          </a:p>
-          <a:p>
-            <a:r>
-              <a:rPr lang="en-US" dirty="0"/>
-              <a:t>Mention orders in memory</a:t>
-            </a:r>
-          </a:p>
-          <a:p>
-            <a:endParaRPr lang="en-US" dirty="0"/>
-          </a:p>
-          <a:p>
-            <a:r>
-              <a:rPr lang="en-US" dirty="0"/>
-              <a:t>Conceptually, you can think about a partition of a </a:t>
-            </a:r>
-            <a:r>
-              <a:rPr lang="en-US" dirty="0" err="1"/>
-              <a:t>stateful</a:t>
-            </a:r>
-            <a:r>
-              <a:rPr lang="en-US" dirty="0"/>
-              <a:t> service as a scale unit that is highly reliable through replicas that are distributed and balanced across the nodes in a cluster.</a:t>
-            </a:r>
-          </a:p>
-          <a:p>
-            <a:r>
-              <a:rPr lang="en-US" dirty="0"/>
-              <a:t>Partitioning in the context of Service Fabric </a:t>
-            </a:r>
-            <a:r>
-              <a:rPr lang="en-US" dirty="0" err="1"/>
-              <a:t>stateful</a:t>
-            </a:r>
-            <a:r>
-              <a:rPr lang="en-US" dirty="0"/>
-              <a:t> services refers to the process of determining that a particular service partition is responsible for a portion of the complete state of the service. </a:t>
-            </a:r>
-          </a:p>
-          <a:p>
-            <a:r>
-              <a:rPr lang="en-US" dirty="0"/>
-              <a:t>A great thing about Service Fabric is that it places the partitions on different nodes. </a:t>
-            </a:r>
-          </a:p>
-          <a:p>
-            <a:r>
-              <a:rPr lang="en-US" dirty="0"/>
-              <a:t>This allows them to grow to a node's resource limit. As the data needs grow, partitions grow, and Service Fabric rebalances partitions across nodes. This ensures the continued efficient use of hardware resources.</a:t>
-            </a:r>
-          </a:p>
-          <a:p>
-            <a:endParaRPr lang="en-CH" dirty="0"/>
+              <a:t>(next)</a:t>
+            </a:r>
           </a:p>
         </p:txBody>
       </p:sp>
@@ -1363,18 +1277,18 @@
           <a:bodyPr/>
           <a:lstStyle/>
           <a:p>
-            <a:fld id="{59E9685D-E391-4BCC-987B-6FB0218A8DB9}" type="slidenum">
-              <a:rPr lang="en-US" smtClean="0"/>
-              <a:t>16</a:t>
+            <a:fld id="{9BCA07FD-5BD5-4529-84B0-48DD2C561176}" type="slidenum">
+              <a:rPr lang="de-CH" smtClean="0"/>
+              <a:t>15</a:t>
             </a:fld>
-            <a:endParaRPr lang="en-US"/>
+            <a:endParaRPr lang="de-CH"/>
           </a:p>
         </p:txBody>
       </p:sp>
     </p:spTree>
     <p:extLst>
       <p:ext uri="{BB962C8B-B14F-4D97-AF65-F5344CB8AC3E}">
-        <p14:creationId xmlns:p14="http://schemas.microsoft.com/office/powerpoint/2010/main" val="2574057860"/>
+        <p14:creationId xmlns:p14="http://schemas.microsoft.com/office/powerpoint/2010/main" val="540667484"/>
       </p:ext>
     </p:extLst>
   </p:cSld>
@@ -1430,7 +1344,7 @@
           <a:p>
             <a:r>
               <a:rPr lang="en-US" dirty="0"/>
-              <a:t>They decided to address this and started building their new solution with a </a:t>
+              <a:t>Concept of </a:t>
             </a:r>
             <a:r>
               <a:rPr lang="en-US" dirty="0" err="1"/>
@@ -1438,9 +1352,107 @@
             </a:r>
             <a:r>
               <a:rPr lang="en-US" dirty="0"/>
-              <a:t> backend using reliable collections</a:t>
-            </a:r>
-            <a:endParaRPr lang="de-CH" dirty="0"/>
+              <a:t> services, </a:t>
+            </a:r>
+            <a:r>
+              <a:rPr lang="en-US" dirty="0" err="1"/>
+              <a:t>Stateful</a:t>
+            </a:r>
+            <a:r>
+              <a:rPr lang="en-US" dirty="0"/>
+              <a:t> Services allow to consistently and reliably store state right inside the service by leveraging the power of reliable collections. They have a similar API to C# collections but are offer transactional semantics as well as replication inside the cluster. With that we can achieve:</a:t>
+            </a:r>
+          </a:p>
+          <a:p>
+            <a:endParaRPr lang="en-US" dirty="0"/>
+          </a:p>
+          <a:p>
+            <a:r>
+              <a:rPr lang="en-US" dirty="0"/>
+              <a:t>Application hot state lives in the compute tier</a:t>
+            </a:r>
+          </a:p>
+          <a:p>
+            <a:r>
+              <a:rPr lang="en-US" dirty="0"/>
+              <a:t>Low latency reads and writes</a:t>
+            </a:r>
+          </a:p>
+          <a:p>
+            <a:r>
+              <a:rPr lang="en-US" dirty="0"/>
+              <a:t>Transactional</a:t>
+            </a:r>
+          </a:p>
+          <a:p>
+            <a:r>
+              <a:rPr lang="en-US" dirty="0"/>
+              <a:t>Fewer moving parts</a:t>
+            </a:r>
+          </a:p>
+          <a:p>
+            <a:r>
+              <a:rPr lang="en-US" dirty="0"/>
+              <a:t>External stores are only used for exhaust and offline analytics</a:t>
+            </a:r>
+          </a:p>
+          <a:p>
+            <a:r>
+              <a:rPr lang="en-US" dirty="0"/>
+              <a:t>Capacity in cluster is limited compared to the storage tier (tradeoff)</a:t>
+            </a:r>
+          </a:p>
+          <a:p>
+            <a:r>
+              <a:rPr lang="en-US" dirty="0"/>
+              <a:t>Mention orders in memory</a:t>
+            </a:r>
+          </a:p>
+          <a:p>
+            <a:endParaRPr lang="en-US" dirty="0"/>
+          </a:p>
+          <a:p>
+            <a:r>
+              <a:rPr lang="en-US" dirty="0"/>
+              <a:t>Conceptually, you can think about a partition of a </a:t>
+            </a:r>
+            <a:r>
+              <a:rPr lang="en-US" dirty="0" err="1"/>
+              <a:t>stateful</a:t>
+            </a:r>
+            <a:r>
+              <a:rPr lang="en-US" dirty="0"/>
+              <a:t> service as a scale unit that is highly reliable through replicas that are distributed and balanced across the nodes in a cluster.</a:t>
+            </a:r>
+          </a:p>
+          <a:p>
+            <a:r>
+              <a:rPr lang="en-US" dirty="0"/>
+              <a:t>Partitioning in the context of Service Fabric </a:t>
+            </a:r>
+            <a:r>
+              <a:rPr lang="en-US" dirty="0" err="1"/>
+              <a:t>stateful</a:t>
+            </a:r>
+            <a:r>
+              <a:rPr lang="en-US" dirty="0"/>
+              <a:t> services refers to the process of determining that a particular service partition is responsible for a portion of the complete state of the service. </a:t>
+            </a:r>
+          </a:p>
+          <a:p>
+            <a:r>
+              <a:rPr lang="en-US" dirty="0"/>
+              <a:t>A great thing about Service Fabric is that it places the partitions on different nodes. </a:t>
+            </a:r>
+          </a:p>
+          <a:p>
+            <a:r>
+              <a:rPr lang="en-US" dirty="0"/>
+              <a:t>This allows them to grow to a node's resource limit. As the data needs grow, partitions grow, and Service Fabric rebalances partitions across nodes. This ensures the continued efficient use of hardware resources.</a:t>
+            </a:r>
+          </a:p>
+          <a:p>
+            <a:endParaRPr lang="en-CH" dirty="0"/>
           </a:p>
         </p:txBody>
       </p:sp>
@@ -1459,18 +1471,18 @@
           <a:bodyPr/>
           <a:lstStyle/>
           <a:p>
-            <a:fld id="{9BCA07FD-5BD5-4529-84B0-48DD2C561176}" type="slidenum">
-              <a:rPr lang="de-CH" smtClean="0"/>
-              <a:t>17</a:t>
+            <a:fld id="{59E9685D-E391-4BCC-987B-6FB0218A8DB9}" type="slidenum">
+              <a:rPr lang="en-US" smtClean="0"/>
+              <a:t>16</a:t>
             </a:fld>
-            <a:endParaRPr lang="de-CH"/>
+            <a:endParaRPr lang="en-US"/>
           </a:p>
         </p:txBody>
       </p:sp>
     </p:spTree>
     <p:extLst>
       <p:ext uri="{BB962C8B-B14F-4D97-AF65-F5344CB8AC3E}">
-        <p14:creationId xmlns:p14="http://schemas.microsoft.com/office/powerpoint/2010/main" val="3667239180"/>
+        <p14:creationId xmlns:p14="http://schemas.microsoft.com/office/powerpoint/2010/main" val="2574057860"/>
       </p:ext>
     </p:extLst>
   </p:cSld>
@@ -1524,6 +1536,18 @@
           <a:bodyPr/>
           <a:lstStyle/>
           <a:p>
+            <a:r>
+              <a:rPr lang="en-US" dirty="0"/>
+              <a:t>They decided to address this and started building their new solution with a </a:t>
+            </a:r>
+            <a:r>
+              <a:rPr lang="en-US" dirty="0" err="1"/>
+              <a:t>stateful</a:t>
+            </a:r>
+            <a:r>
+              <a:rPr lang="en-US" dirty="0"/>
+              <a:t> backend using reliable collections</a:t>
+            </a:r>
             <a:endParaRPr lang="de-CH" dirty="0"/>
           </a:p>
         </p:txBody>
@@ -1543,18 +1567,18 @@
           <a:bodyPr/>
           <a:lstStyle/>
           <a:p>
-            <a:fld id="{59E9685D-E391-4BCC-987B-6FB0218A8DB9}" type="slidenum">
-              <a:rPr lang="en-US" smtClean="0"/>
-              <a:t>18</a:t>
+            <a:fld id="{9BCA07FD-5BD5-4529-84B0-48DD2C561176}" type="slidenum">
+              <a:rPr lang="de-CH" smtClean="0"/>
+              <a:t>17</a:t>
             </a:fld>
-            <a:endParaRPr lang="en-US"/>
+            <a:endParaRPr lang="de-CH"/>
           </a:p>
         </p:txBody>
       </p:sp>
     </p:spTree>
     <p:extLst>
       <p:ext uri="{BB962C8B-B14F-4D97-AF65-F5344CB8AC3E}">
-        <p14:creationId xmlns:p14="http://schemas.microsoft.com/office/powerpoint/2010/main" val="1442031213"/>
+        <p14:creationId xmlns:p14="http://schemas.microsoft.com/office/powerpoint/2010/main" val="3667239180"/>
       </p:ext>
     </p:extLst>
   </p:cSld>
@@ -1627,18 +1651,18 @@
           <a:bodyPr/>
           <a:lstStyle/>
           <a:p>
-            <a:fld id="{9BCA07FD-5BD5-4529-84B0-48DD2C561176}" type="slidenum">
-              <a:rPr lang="de-CH" smtClean="0"/>
-              <a:t>19</a:t>
+            <a:fld id="{59E9685D-E391-4BCC-987B-6FB0218A8DB9}" type="slidenum">
+              <a:rPr lang="en-US" smtClean="0"/>
+              <a:t>18</a:t>
             </a:fld>
-            <a:endParaRPr lang="de-CH"/>
+            <a:endParaRPr lang="en-US"/>
           </a:p>
         </p:txBody>
       </p:sp>
     </p:spTree>
     <p:extLst>
       <p:ext uri="{BB962C8B-B14F-4D97-AF65-F5344CB8AC3E}">
-        <p14:creationId xmlns:p14="http://schemas.microsoft.com/office/powerpoint/2010/main" val="1924394181"/>
+        <p14:creationId xmlns:p14="http://schemas.microsoft.com/office/powerpoint/2010/main" val="1442031213"/>
       </p:ext>
     </p:extLst>
   </p:cSld>
@@ -1692,100 +1716,6 @@
           <a:bodyPr/>
           <a:lstStyle/>
           <a:p>
-            <a:r>
-              <a:rPr lang="en-US" dirty="0"/>
-              <a:t>The UI composite for issuing orders in the order management microservice will issue a command to the order backend part. </a:t>
-            </a:r>
-          </a:p>
-          <a:p>
-            <a:r>
-              <a:rPr lang="en-US" dirty="0"/>
-              <a:t>Since they belong to the same bounded context it is OK to use commands. </a:t>
-            </a:r>
-          </a:p>
-          <a:p>
-            <a:r>
-              <a:rPr lang="en-US" dirty="0"/>
-              <a:t>When sending a commend the sender knows the receiver or at least the logical destination (here the queue). With that we can decouple the order sending temporarily from the order receiving. </a:t>
-            </a:r>
-          </a:p>
-          <a:p>
-            <a:r>
-              <a:rPr lang="en-US" dirty="0"/>
-              <a:t>In that case it is OK for the sender to know the data partition function the maps the input data to the partition key. </a:t>
-            </a:r>
-          </a:p>
-          <a:p>
-            <a:endParaRPr lang="en-US" dirty="0"/>
-          </a:p>
-          <a:p>
-            <a:pPr marL="0" marR="0" lvl="0" indent="0" algn="l" defTabSz="914400" rtl="0" eaLnBrk="1" fontAlgn="auto" latinLnBrk="0" hangingPunct="1">
-              <a:lnSpc>
-                <a:spcPct val="100000"/>
-              </a:lnSpc>
-              <a:spcBef>
-                <a:spcPts val="0"/>
-              </a:spcBef>
-              <a:spcAft>
-                <a:spcPts val="0"/>
-              </a:spcAft>
-              <a:buClrTx/>
-              <a:buSzTx/>
-              <a:buFontTx/>
-              <a:buNone/>
-              <a:tabLst/>
-              <a:defRPr/>
-            </a:pPr>
-            <a:r>
-              <a:rPr lang="en-US" dirty="0"/>
-              <a:t>Integration scenarios, a command sender is not part of the cluster but still belongs to the same bounded context</a:t>
-            </a:r>
-          </a:p>
-          <a:p>
-            <a:pPr marL="0" marR="0" lvl="0" indent="0" algn="l" defTabSz="914400" rtl="0" eaLnBrk="1" fontAlgn="auto" latinLnBrk="0" hangingPunct="1">
-              <a:lnSpc>
-                <a:spcPct val="100000"/>
-              </a:lnSpc>
-              <a:spcBef>
-                <a:spcPts val="0"/>
-              </a:spcBef>
-              <a:spcAft>
-                <a:spcPts val="0"/>
-              </a:spcAft>
-              <a:buClrTx/>
-              <a:buSzTx/>
-              <a:buFontTx/>
-              <a:buNone/>
-              <a:tabLst/>
-              <a:defRPr/>
-            </a:pPr>
-            <a:endParaRPr lang="en-US" dirty="0"/>
-          </a:p>
-          <a:p>
-            <a:pPr marL="0" marR="0" lvl="0" indent="0" algn="l" defTabSz="914400" rtl="0" eaLnBrk="1" fontAlgn="auto" latinLnBrk="0" hangingPunct="1">
-              <a:lnSpc>
-                <a:spcPct val="100000"/>
-              </a:lnSpc>
-              <a:spcBef>
-                <a:spcPts val="0"/>
-              </a:spcBef>
-              <a:spcAft>
-                <a:spcPts val="0"/>
-              </a:spcAft>
-              <a:buClrTx/>
-              <a:buSzTx/>
-              <a:buFontTx/>
-              <a:buNone/>
-              <a:tabLst/>
-              <a:defRPr/>
-            </a:pPr>
-            <a:r>
-              <a:rPr lang="en-US" dirty="0"/>
-              <a:t>For simplicity reasons let’s call this Sender Side Distribution.</a:t>
-            </a:r>
-            <a:endParaRPr lang="de-CH" dirty="0"/>
-          </a:p>
-          <a:p>
             <a:endParaRPr lang="de-CH" dirty="0"/>
           </a:p>
         </p:txBody>
@@ -1807,7 +1737,7 @@
           <a:p>
             <a:fld id="{9BCA07FD-5BD5-4529-84B0-48DD2C561176}" type="slidenum">
               <a:rPr lang="de-CH" smtClean="0"/>
-              <a:t>20</a:t>
+              <a:t>19</a:t>
             </a:fld>
             <a:endParaRPr lang="de-CH"/>
           </a:p>
@@ -1816,7 +1746,7 @@
     </p:spTree>
     <p:extLst>
       <p:ext uri="{BB962C8B-B14F-4D97-AF65-F5344CB8AC3E}">
-        <p14:creationId xmlns:p14="http://schemas.microsoft.com/office/powerpoint/2010/main" val="3289565515"/>
+        <p14:creationId xmlns:p14="http://schemas.microsoft.com/office/powerpoint/2010/main" val="1924394181"/>
       </p:ext>
     </p:extLst>
   </p:cSld>
@@ -1995,67 +1925,99 @@
           <a:p>
             <a:r>
               <a:rPr lang="en-US" dirty="0"/>
-              <a:t>For </a:t>
-            </a:r>
-            <a:r>
-              <a:rPr lang="en-US" dirty="0" err="1"/>
-              <a:t>PubSub</a:t>
-            </a:r>
+              <a:t>The UI composite for issuing orders in the order management microservice will issue a command to the order backend part. </a:t>
+            </a:r>
+          </a:p>
+          <a:p>
             <a:r>
               <a:rPr lang="en-US" dirty="0"/>
-              <a:t> the subscriber is abstracted behind a logical thing like a logical queue or a topic or exchange. </a:t>
+              <a:t>Since they belong to the same bounded context it is OK to use commands. </a:t>
             </a:r>
           </a:p>
           <a:p>
             <a:r>
               <a:rPr lang="en-US" dirty="0"/>
-              <a:t>The fact that a subscriber is scaled out is not visible to the publisher. </a:t>
+              <a:t>When sending a commend the sender knows the receiver or at least the logical destination (here the queue). With that we can decouple the order sending temporarily from the order receiving. </a:t>
             </a:r>
           </a:p>
           <a:p>
             <a:r>
               <a:rPr lang="en-US" dirty="0"/>
-              <a:t>For non-data replication scenarios usually a single physical subscriber of a logical group gets the event. </a:t>
-            </a:r>
-          </a:p>
-          <a:p>
+              <a:t>In that case it is OK for the sender to know the data partition function the maps the input data to the partition key. </a:t>
+            </a:r>
+          </a:p>
+          <a:p>
+            <a:endParaRPr lang="en-US" dirty="0"/>
+          </a:p>
+          <a:p>
+            <a:pPr marL="0" marR="0" lvl="0" indent="0" algn="l" defTabSz="914400" rtl="0" eaLnBrk="1" fontAlgn="auto" latinLnBrk="0" hangingPunct="1">
+              <a:lnSpc>
+                <a:spcPct val="100000"/>
+              </a:lnSpc>
+              <a:spcBef>
+                <a:spcPts val="0"/>
+              </a:spcBef>
+              <a:spcAft>
+                <a:spcPts val="0"/>
+              </a:spcAft>
+              <a:buClrTx/>
+              <a:buSzTx/>
+              <a:buFontTx/>
+              <a:buNone/>
+              <a:tabLst/>
+              <a:defRPr/>
+            </a:pPr>
             <a:r>
               <a:rPr lang="en-US" dirty="0"/>
-              <a:t>Since they act as competing consumers a message can be picked up by any subscriber. The subscriber then recalculates the data partition key by using its internal data partitioning function.</a:t>
-            </a:r>
-          </a:p>
-          <a:p>
+              <a:t>Integration scenarios, a command sender is not part of the cluster but still belongs to the same bounded context</a:t>
+            </a:r>
+          </a:p>
+          <a:p>
+            <a:pPr marL="0" marR="0" lvl="0" indent="0" algn="l" defTabSz="914400" rtl="0" eaLnBrk="1" fontAlgn="auto" latinLnBrk="0" hangingPunct="1">
+              <a:lnSpc>
+                <a:spcPct val="100000"/>
+              </a:lnSpc>
+              <a:spcBef>
+                <a:spcPts val="0"/>
+              </a:spcBef>
+              <a:spcAft>
+                <a:spcPts val="0"/>
+              </a:spcAft>
+              <a:buClrTx/>
+              <a:buSzTx/>
+              <a:buFontTx/>
+              <a:buNone/>
+              <a:tabLst/>
+              <a:defRPr/>
+            </a:pPr>
+            <a:endParaRPr lang="en-US" dirty="0"/>
+          </a:p>
+          <a:p>
+            <a:pPr marL="0" marR="0" lvl="0" indent="0" algn="l" defTabSz="914400" rtl="0" eaLnBrk="1" fontAlgn="auto" latinLnBrk="0" hangingPunct="1">
+              <a:lnSpc>
+                <a:spcPct val="100000"/>
+              </a:lnSpc>
+              <a:spcBef>
+                <a:spcPts val="0"/>
+              </a:spcBef>
+              <a:spcAft>
+                <a:spcPts val="0"/>
+              </a:spcAft>
+              <a:buClrTx/>
+              <a:buSzTx/>
+              <a:buFontTx/>
+              <a:buNone/>
+              <a:tabLst/>
+              <a:defRPr/>
+            </a:pPr>
             <a:r>
               <a:rPr lang="en-US" dirty="0"/>
-              <a:t>If the key matches the current partition everything is good. If not the event is internally rerouted with a single hop.</a:t>
-            </a:r>
-          </a:p>
-          <a:p>
-            <a:endParaRPr lang="en-US" dirty="0"/>
-          </a:p>
-          <a:p>
-            <a:r>
-              <a:rPr lang="en-US" dirty="0"/>
-              <a:t>(click)</a:t>
-            </a:r>
-          </a:p>
-          <a:p>
-            <a:endParaRPr lang="en-US" dirty="0"/>
-          </a:p>
-          <a:p>
-            <a:r>
-              <a:rPr lang="en-US" dirty="0"/>
-              <a:t>To keep it aligned with Peters lingo let’s call this receiver side distribution although I know this is not an official term!</a:t>
-            </a:r>
-          </a:p>
-          <a:p>
-            <a:endParaRPr lang="en-US" dirty="0"/>
-          </a:p>
-          <a:p>
-            <a:r>
-              <a:rPr lang="en-US" dirty="0"/>
-              <a:t>Even when publisher is its own subscriber this has to be applied</a:t>
-            </a:r>
+              <a:t>For simplicity reasons let’s call this Sender Side Distribution.</a:t>
+            </a:r>
+            <a:endParaRPr lang="de-CH" dirty="0"/>
+          </a:p>
+          <a:p>
+            <a:endParaRPr lang="de-CH" dirty="0"/>
           </a:p>
         </p:txBody>
       </p:sp>
@@ -2076,7 +2038,7 @@
           <a:p>
             <a:fld id="{9BCA07FD-5BD5-4529-84B0-48DD2C561176}" type="slidenum">
               <a:rPr lang="de-CH" smtClean="0"/>
-              <a:t>21</a:t>
+              <a:t>20</a:t>
             </a:fld>
             <a:endParaRPr lang="de-CH"/>
           </a:p>
@@ -2085,7 +2047,7 @@
     </p:spTree>
     <p:extLst>
       <p:ext uri="{BB962C8B-B14F-4D97-AF65-F5344CB8AC3E}">
-        <p14:creationId xmlns:p14="http://schemas.microsoft.com/office/powerpoint/2010/main" val="3215427536"/>
+        <p14:creationId xmlns:p14="http://schemas.microsoft.com/office/powerpoint/2010/main" val="3289565515"/>
       </p:ext>
     </p:extLst>
   </p:cSld>
@@ -2141,7 +2103,66 @@
           <a:p>
             <a:r>
               <a:rPr lang="en-US" dirty="0"/>
-              <a:t>Let’s see what the team came up with.</a:t>
+              <a:t>For </a:t>
+            </a:r>
+            <a:r>
+              <a:rPr lang="en-US" dirty="0" err="1"/>
+              <a:t>PubSub</a:t>
+            </a:r>
+            <a:r>
+              <a:rPr lang="en-US" dirty="0"/>
+              <a:t> the subscriber is abstracted behind a logical thing like a logical queue or a topic or exchange. </a:t>
+            </a:r>
+          </a:p>
+          <a:p>
+            <a:r>
+              <a:rPr lang="en-US" dirty="0"/>
+              <a:t>The fact that a subscriber is scaled out is not visible to the publisher. </a:t>
+            </a:r>
+          </a:p>
+          <a:p>
+            <a:r>
+              <a:rPr lang="en-US" dirty="0"/>
+              <a:t>For non-data replication scenarios usually a single physical subscriber of a logical group gets the event. </a:t>
+            </a:r>
+          </a:p>
+          <a:p>
+            <a:r>
+              <a:rPr lang="en-US" dirty="0"/>
+              <a:t>Since they act as competing consumers a message can be picked up by any subscriber. The subscriber then recalculates the data partition key by using its internal data partitioning function.</a:t>
+            </a:r>
+          </a:p>
+          <a:p>
+            <a:r>
+              <a:rPr lang="en-US" dirty="0"/>
+              <a:t>If the key matches the current partition everything is good. If not the event is internally rerouted with a single hop.</a:t>
+            </a:r>
+          </a:p>
+          <a:p>
+            <a:endParaRPr lang="en-US" dirty="0"/>
+          </a:p>
+          <a:p>
+            <a:r>
+              <a:rPr lang="en-US" dirty="0"/>
+              <a:t>(click)</a:t>
+            </a:r>
+          </a:p>
+          <a:p>
+            <a:endParaRPr lang="en-US" dirty="0"/>
+          </a:p>
+          <a:p>
+            <a:r>
+              <a:rPr lang="en-US" dirty="0"/>
+              <a:t>To keep it aligned with Peters lingo let’s call this receiver side distribution although I know this is not an official term!</a:t>
+            </a:r>
+          </a:p>
+          <a:p>
+            <a:endParaRPr lang="en-US" dirty="0"/>
+          </a:p>
+          <a:p>
+            <a:r>
+              <a:rPr lang="en-US" dirty="0"/>
+              <a:t>Even when publisher is its own subscriber this has to be applied</a:t>
             </a:r>
           </a:p>
         </p:txBody>
@@ -2163,7 +2184,7 @@
           <a:p>
             <a:fld id="{9BCA07FD-5BD5-4529-84B0-48DD2C561176}" type="slidenum">
               <a:rPr lang="de-CH" smtClean="0"/>
-              <a:t>22</a:t>
+              <a:t>21</a:t>
             </a:fld>
             <a:endParaRPr lang="de-CH"/>
           </a:p>
@@ -2172,7 +2193,7 @@
     </p:spTree>
     <p:extLst>
       <p:ext uri="{BB962C8B-B14F-4D97-AF65-F5344CB8AC3E}">
-        <p14:creationId xmlns:p14="http://schemas.microsoft.com/office/powerpoint/2010/main" val="2216476395"/>
+        <p14:creationId xmlns:p14="http://schemas.microsoft.com/office/powerpoint/2010/main" val="3215427536"/>
       </p:ext>
     </p:extLst>
   </p:cSld>
@@ -2228,9 +2249,8 @@
           <a:p>
             <a:r>
               <a:rPr lang="en-US" dirty="0"/>
-              <a:t>Questions that can be answered in blog posts</a:t>
-            </a:r>
-            <a:endParaRPr lang="de-CH" dirty="0"/>
+              <a:t>Let’s see what the team came up with.</a:t>
+            </a:r>
           </a:p>
         </p:txBody>
       </p:sp>
@@ -2251,7 +2271,7 @@
           <a:p>
             <a:fld id="{9BCA07FD-5BD5-4529-84B0-48DD2C561176}" type="slidenum">
               <a:rPr lang="de-CH" smtClean="0"/>
-              <a:t>23</a:t>
+              <a:t>22</a:t>
             </a:fld>
             <a:endParaRPr lang="de-CH"/>
           </a:p>
@@ -2260,7 +2280,7 @@
     </p:spTree>
     <p:extLst>
       <p:ext uri="{BB962C8B-B14F-4D97-AF65-F5344CB8AC3E}">
-        <p14:creationId xmlns:p14="http://schemas.microsoft.com/office/powerpoint/2010/main" val="3027687940"/>
+        <p14:creationId xmlns:p14="http://schemas.microsoft.com/office/powerpoint/2010/main" val="2216476395"/>
       </p:ext>
     </p:extLst>
   </p:cSld>
@@ -2314,6 +2334,10 @@
           <a:bodyPr/>
           <a:lstStyle/>
           <a:p>
+            <a:r>
+              <a:rPr lang="en-US" dirty="0"/>
+              <a:t>Questions that can be answered in blog posts</a:t>
+            </a:r>
             <a:endParaRPr lang="de-CH" dirty="0"/>
           </a:p>
         </p:txBody>
@@ -2335,7 +2359,7 @@
           <a:p>
             <a:fld id="{9BCA07FD-5BD5-4529-84B0-48DD2C561176}" type="slidenum">
               <a:rPr lang="de-CH" smtClean="0"/>
-              <a:t>24</a:t>
+              <a:t>23</a:t>
             </a:fld>
             <a:endParaRPr lang="de-CH"/>
           </a:p>
@@ -2344,7 +2368,7 @@
     </p:spTree>
     <p:extLst>
       <p:ext uri="{BB962C8B-B14F-4D97-AF65-F5344CB8AC3E}">
-        <p14:creationId xmlns:p14="http://schemas.microsoft.com/office/powerpoint/2010/main" val="771056156"/>
+        <p14:creationId xmlns:p14="http://schemas.microsoft.com/office/powerpoint/2010/main" val="3027687940"/>
       </p:ext>
     </p:extLst>
   </p:cSld>
@@ -2419,6 +2443,90 @@
           <a:p>
             <a:fld id="{9BCA07FD-5BD5-4529-84B0-48DD2C561176}" type="slidenum">
               <a:rPr lang="de-CH" smtClean="0"/>
+              <a:t>24</a:t>
+            </a:fld>
+            <a:endParaRPr lang="de-CH"/>
+          </a:p>
+        </p:txBody>
+      </p:sp>
+    </p:spTree>
+    <p:extLst>
+      <p:ext uri="{BB962C8B-B14F-4D97-AF65-F5344CB8AC3E}">
+        <p14:creationId xmlns:p14="http://schemas.microsoft.com/office/powerpoint/2010/main" val="771056156"/>
+      </p:ext>
+    </p:extLst>
+  </p:cSld>
+  <p:clrMapOvr>
+    <a:masterClrMapping/>
+  </p:clrMapOvr>
+</p:notes>
+</file>
+
+<file path=ppt/notesSlides/notesSlide25.xml><?xml version="1.0" encoding="utf-8"?>
+<p:notes xmlns:a="http://schemas.openxmlformats.org/drawingml/2006/main" xmlns:r="http://schemas.openxmlformats.org/officeDocument/2006/relationships" xmlns:p="http://schemas.openxmlformats.org/presentationml/2006/main">
+  <p:cSld>
+    <p:spTree>
+      <p:nvGrpSpPr>
+        <p:cNvPr id="1" name=""/>
+        <p:cNvGrpSpPr/>
+        <p:nvPr/>
+      </p:nvGrpSpPr>
+      <p:grpSpPr>
+        <a:xfrm>
+          <a:off x="0" y="0"/>
+          <a:ext cx="0" cy="0"/>
+          <a:chOff x="0" y="0"/>
+          <a:chExt cx="0" cy="0"/>
+        </a:xfrm>
+      </p:grpSpPr>
+      <p:sp>
+        <p:nvSpPr>
+          <p:cNvPr id="2" name="Slide Image Placeholder 1"/>
+          <p:cNvSpPr>
+            <a:spLocks noGrp="1" noRot="1" noChangeAspect="1"/>
+          </p:cNvSpPr>
+          <p:nvPr>
+            <p:ph type="sldImg"/>
+          </p:nvPr>
+        </p:nvSpPr>
+        <p:spPr/>
+      </p:sp>
+      <p:sp>
+        <p:nvSpPr>
+          <p:cNvPr id="3" name="Notes Placeholder 2"/>
+          <p:cNvSpPr>
+            <a:spLocks noGrp="1"/>
+          </p:cNvSpPr>
+          <p:nvPr>
+            <p:ph type="body" idx="1"/>
+          </p:nvPr>
+        </p:nvSpPr>
+        <p:spPr/>
+        <p:txBody>
+          <a:bodyPr/>
+          <a:lstStyle/>
+          <a:p>
+            <a:endParaRPr lang="de-CH" dirty="0"/>
+          </a:p>
+        </p:txBody>
+      </p:sp>
+      <p:sp>
+        <p:nvSpPr>
+          <p:cNvPr id="4" name="Slide Number Placeholder 3"/>
+          <p:cNvSpPr>
+            <a:spLocks noGrp="1"/>
+          </p:cNvSpPr>
+          <p:nvPr>
+            <p:ph type="sldNum" sz="quarter" idx="10"/>
+          </p:nvPr>
+        </p:nvSpPr>
+        <p:spPr/>
+        <p:txBody>
+          <a:bodyPr/>
+          <a:lstStyle/>
+          <a:p>
+            <a:fld id="{9BCA07FD-5BD5-4529-84B0-48DD2C561176}" type="slidenum">
+              <a:rPr lang="de-CH" smtClean="0"/>
               <a:t>25</a:t>
             </a:fld>
             <a:endParaRPr lang="de-CH"/>
@@ -2438,7 +2546,7 @@
 </p:notes>
 </file>
 
-<file path=ppt/notesSlides/notesSlide25.xml><?xml version="1.0" encoding="utf-8"?>
+<file path=ppt/notesSlides/notesSlide26.xml><?xml version="1.0" encoding="utf-8"?>
 <p:notes xmlns:a="http://schemas.openxmlformats.org/drawingml/2006/main" xmlns:r="http://schemas.openxmlformats.org/officeDocument/2006/relationships" xmlns:p="http://schemas.openxmlformats.org/presentationml/2006/main">
   <p:cSld>
     <p:spTree>
@@ -2862,7 +2970,7 @@
           <a:p>
             <a:r>
               <a:rPr lang="en-US" dirty="0"/>
-              <a:t>The first architecture approach</a:t>
+              <a:t>In their first architecture approach the team went with the proposal from Karl, after all Architect’s are always right, right, right???</a:t>
             </a:r>
             <a:endParaRPr lang="de-CH" dirty="0"/>
           </a:p>
@@ -2948,7 +3056,44 @@
           <a:bodyPr/>
           <a:lstStyle/>
           <a:p>
-            <a:endParaRPr lang="en-CH" dirty="0"/>
+            <a:r>
+              <a:rPr lang="en-US" dirty="0"/>
+              <a:t>Stateless </a:t>
+            </a:r>
+            <a:r>
+              <a:rPr lang="en-US" dirty="0" err="1"/>
+              <a:t>FrontEnd</a:t>
+            </a:r>
+            <a:r>
+              <a:rPr lang="en-US" dirty="0"/>
+              <a:t> with ASP.NET Core</a:t>
+            </a:r>
+          </a:p>
+          <a:p>
+            <a:r>
+              <a:rPr lang="en-US" dirty="0"/>
+              <a:t>Orders and Queries for Orders use RPC over HTTP (Microservices is all HTTP, the hipster protocol of the twenty first century)</a:t>
+            </a:r>
+          </a:p>
+          <a:p>
+            <a:r>
+              <a:rPr lang="en-US" dirty="0"/>
+              <a:t>The front end communicates with the stateless web API the serves data from the storage tier out of the DB cluster</a:t>
+            </a:r>
+          </a:p>
+          <a:p>
+            <a:r>
+              <a:rPr lang="en-US" dirty="0"/>
+              <a:t>The API controllers use </a:t>
+            </a:r>
+            <a:r>
+              <a:rPr lang="en-US" dirty="0" err="1"/>
+              <a:t>EntityFramework</a:t>
+            </a:r>
+            <a:r>
+              <a:rPr lang="en-US" dirty="0"/>
+              <a:t> and transactions for read and write</a:t>
+            </a:r>
           </a:p>
         </p:txBody>
       </p:sp>
@@ -3034,9 +3179,39 @@
           <a:p>
             <a:r>
               <a:rPr lang="en-US" dirty="0"/>
-              <a:t>Let’s see what the team came up with.</a:t>
-            </a:r>
-            <a:endParaRPr lang="de-CH" dirty="0"/>
+              <a:t>The front-end uses an HTTP Client to initiate the communication with the backend. </a:t>
+            </a:r>
+          </a:p>
+          <a:p>
+            <a:r>
+              <a:rPr lang="en-US" dirty="0"/>
+              <a:t>The backend location is not known up front and needs to be discovered via the </a:t>
+            </a:r>
+            <a:r>
+              <a:rPr lang="en-US" dirty="0" err="1"/>
+              <a:t>buil</a:t>
+            </a:r>
+            <a:r>
+              <a:rPr lang="en-US" dirty="0"/>
+              <a:t>-in Fabric DNS and communication can happen over the built in reverse proxy if the backend is scaled out. </a:t>
+            </a:r>
+          </a:p>
+          <a:p>
+            <a:r>
+              <a:rPr lang="en-US" dirty="0"/>
+              <a:t>The backend exposes the web API with uniquely identifiable and addressable kestrel listeners</a:t>
+            </a:r>
+          </a:p>
+          <a:p>
+            <a:r>
+              <a:rPr lang="en-US" dirty="0" err="1"/>
+              <a:t>Nuff</a:t>
+            </a:r>
+            <a:r>
+              <a:rPr lang="en-US" dirty="0"/>
+              <a:t> said, let’s dive into what the team built</a:t>
+            </a:r>
+            <a:endParaRPr lang="en-CH" dirty="0"/>
           </a:p>
         </p:txBody>
       </p:sp>
@@ -3055,18 +3230,18 @@
           <a:bodyPr/>
           <a:lstStyle/>
           <a:p>
-            <a:fld id="{9BCA07FD-5BD5-4529-84B0-48DD2C561176}" type="slidenum">
-              <a:rPr lang="de-CH" smtClean="0"/>
-              <a:t>8</a:t>
+            <a:fld id="{59E9685D-E391-4BCC-987B-6FB0218A8DB9}" type="slidenum">
+              <a:rPr lang="en-US" smtClean="0"/>
+              <a:t>7</a:t>
             </a:fld>
-            <a:endParaRPr lang="de-CH"/>
+            <a:endParaRPr lang="en-US"/>
           </a:p>
         </p:txBody>
       </p:sp>
     </p:spTree>
     <p:extLst>
       <p:ext uri="{BB962C8B-B14F-4D97-AF65-F5344CB8AC3E}">
-        <p14:creationId xmlns:p14="http://schemas.microsoft.com/office/powerpoint/2010/main" val="3688755719"/>
+        <p14:creationId xmlns:p14="http://schemas.microsoft.com/office/powerpoint/2010/main" val="2657936699"/>
       </p:ext>
     </p:extLst>
   </p:cSld>
@@ -3122,63 +3297,9 @@
           <a:p>
             <a:r>
               <a:rPr lang="en-US" dirty="0"/>
-              <a:t>The team realized although with Service Fabrics high availability and the built in retries on the http client communication layer their architecture approach was not quite there yet where it should be in terms of scalability.</a:t>
-            </a:r>
-          </a:p>
-          <a:p>
-            <a:endParaRPr lang="en-US" dirty="0"/>
-          </a:p>
-          <a:p>
-            <a:r>
-              <a:rPr lang="en-US" dirty="0"/>
-              <a:t>Because of the RPC call chain when ever the latency between the DB cluster and the backend was slow or there was a concurrent update on a row those effects rippled through the </a:t>
-            </a:r>
-            <a:r>
-              <a:rPr lang="en-US" dirty="0" err="1"/>
-              <a:t>callstack</a:t>
-            </a:r>
-            <a:r>
-              <a:rPr lang="en-US" dirty="0"/>
-              <a:t> to the issuer of the call, which is the front-end. </a:t>
-            </a:r>
-          </a:p>
-          <a:p>
-            <a:r>
-              <a:rPr lang="en-US" dirty="0"/>
-              <a:t>Furthermore on every request from the front-end a new database transaction was created and when many operations were pending those transactions sometimes rolled back or slowed down the order processing</a:t>
-            </a:r>
-          </a:p>
-          <a:p>
-            <a:r>
-              <a:rPr lang="en-US" dirty="0"/>
-              <a:t>The temporal and special coupling introduced was horrible. The latency of the storage layer directly influenced the customer facing latency. </a:t>
-            </a:r>
-          </a:p>
-          <a:p>
-            <a:r>
-              <a:rPr lang="en-US" dirty="0"/>
-              <a:t>SLA couldn’t be fulfilled</a:t>
-            </a:r>
-          </a:p>
-          <a:p>
-            <a:r>
-              <a:rPr lang="en-US" dirty="0"/>
-              <a:t>Orders got lest when the client of the request stopped retrying</a:t>
-            </a:r>
-          </a:p>
-          <a:p>
-            <a:r>
-              <a:rPr lang="en-US" dirty="0"/>
-              <a:t>Orders could not be throttled and worst the actual order intent was difficult to find in HTTP </a:t>
-            </a:r>
-            <a:r>
-              <a:rPr lang="en-US" dirty="0" err="1"/>
-              <a:t>callstack</a:t>
-            </a:r>
-            <a:r>
-              <a:rPr lang="en-US" dirty="0"/>
-              <a:t> exception logs</a:t>
-            </a:r>
+              <a:t>Let’s see what the team came up with.</a:t>
+            </a:r>
+            <a:endParaRPr lang="de-CH" dirty="0"/>
           </a:p>
         </p:txBody>
       </p:sp>
@@ -3199,7 +3320,7 @@
           <a:p>
             <a:fld id="{9BCA07FD-5BD5-4529-84B0-48DD2C561176}" type="slidenum">
               <a:rPr lang="de-CH" smtClean="0"/>
-              <a:t>9</a:t>
+              <a:t>8</a:t>
             </a:fld>
             <a:endParaRPr lang="de-CH"/>
           </a:p>
@@ -3208,7 +3329,7 @@
     </p:spTree>
     <p:extLst>
       <p:ext uri="{BB962C8B-B14F-4D97-AF65-F5344CB8AC3E}">
-        <p14:creationId xmlns:p14="http://schemas.microsoft.com/office/powerpoint/2010/main" val="3192863166"/>
+        <p14:creationId xmlns:p14="http://schemas.microsoft.com/office/powerpoint/2010/main" val="3688755719"/>
       </p:ext>
     </p:extLst>
   </p:cSld>
@@ -3264,9 +3385,63 @@
           <a:p>
             <a:r>
               <a:rPr lang="en-US" dirty="0"/>
-              <a:t>So they started brainstorming an additional architecture approach.</a:t>
-            </a:r>
-            <a:endParaRPr lang="de-CH" dirty="0"/>
+              <a:t>The team realized although with Service Fabrics high availability and the built in retries on the http client communication layer their architecture approach was not quite there yet where it should be in terms of scalability.</a:t>
+            </a:r>
+          </a:p>
+          <a:p>
+            <a:endParaRPr lang="en-US" dirty="0"/>
+          </a:p>
+          <a:p>
+            <a:r>
+              <a:rPr lang="en-US" dirty="0"/>
+              <a:t>Because of the RPC call chain when ever the latency between the DB cluster and the backend was slow or there was a concurrent update on a row those effects rippled through the </a:t>
+            </a:r>
+            <a:r>
+              <a:rPr lang="en-US" dirty="0" err="1"/>
+              <a:t>callstack</a:t>
+            </a:r>
+            <a:r>
+              <a:rPr lang="en-US" dirty="0"/>
+              <a:t> to the issuer of the call, which is the front-end. </a:t>
+            </a:r>
+          </a:p>
+          <a:p>
+            <a:r>
+              <a:rPr lang="en-US" dirty="0"/>
+              <a:t>Furthermore on every request from the front-end a new database transaction was created and when many operations were pending those transactions sometimes rolled back or slowed down the order processing</a:t>
+            </a:r>
+          </a:p>
+          <a:p>
+            <a:r>
+              <a:rPr lang="en-US" dirty="0"/>
+              <a:t>The temporal and special coupling introduced was horrible. The latency of the storage layer directly influenced the customer facing latency. </a:t>
+            </a:r>
+          </a:p>
+          <a:p>
+            <a:r>
+              <a:rPr lang="en-US" dirty="0"/>
+              <a:t>SLA couldn’t be fulfilled</a:t>
+            </a:r>
+          </a:p>
+          <a:p>
+            <a:r>
+              <a:rPr lang="en-US" dirty="0"/>
+              <a:t>Orders got lest when the client of the request stopped retrying</a:t>
+            </a:r>
+          </a:p>
+          <a:p>
+            <a:r>
+              <a:rPr lang="en-US" dirty="0"/>
+              <a:t>Orders could not be throttled and worst the actual order intent was difficult to find in HTTP </a:t>
+            </a:r>
+            <a:r>
+              <a:rPr lang="en-US" dirty="0" err="1"/>
+              <a:t>callstack</a:t>
+            </a:r>
+            <a:r>
+              <a:rPr lang="en-US" dirty="0"/>
+              <a:t> exception logs</a:t>
+            </a:r>
           </a:p>
         </p:txBody>
       </p:sp>
@@ -3287,7 +3462,7 @@
           <a:p>
             <a:fld id="{9BCA07FD-5BD5-4529-84B0-48DD2C561176}" type="slidenum">
               <a:rPr lang="de-CH" smtClean="0"/>
-              <a:t>10</a:t>
+              <a:t>9</a:t>
             </a:fld>
             <a:endParaRPr lang="de-CH"/>
           </a:p>
@@ -3296,7 +3471,7 @@
     </p:spTree>
     <p:extLst>
       <p:ext uri="{BB962C8B-B14F-4D97-AF65-F5344CB8AC3E}">
-        <p14:creationId xmlns:p14="http://schemas.microsoft.com/office/powerpoint/2010/main" val="1944380609"/>
+        <p14:creationId xmlns:p14="http://schemas.microsoft.com/office/powerpoint/2010/main" val="3192863166"/>
       </p:ext>
     </p:extLst>
   </p:cSld>
@@ -3453,7 +3628,7 @@
           <a:p>
             <a:fld id="{AF502539-8799-4C51-9271-A94D674129BE}" type="datetimeFigureOut">
               <a:rPr lang="en-US" smtClean="0"/>
-              <a:t>10/25/2017</a:t>
+              <a:t>10/26/2017</a:t>
             </a:fld>
             <a:endParaRPr lang="en-US"/>
           </a:p>
@@ -3651,7 +3826,7 @@
           <a:p>
             <a:fld id="{AF502539-8799-4C51-9271-A94D674129BE}" type="datetimeFigureOut">
               <a:rPr lang="en-US" smtClean="0"/>
-              <a:t>10/25/2017</a:t>
+              <a:t>10/26/2017</a:t>
             </a:fld>
             <a:endParaRPr lang="en-US"/>
           </a:p>
@@ -3859,7 +4034,7 @@
           <a:p>
             <a:fld id="{AF502539-8799-4C51-9271-A94D674129BE}" type="datetimeFigureOut">
               <a:rPr lang="en-US" smtClean="0"/>
-              <a:t>10/25/2017</a:t>
+              <a:t>10/26/2017</a:t>
             </a:fld>
             <a:endParaRPr lang="en-US"/>
           </a:p>
@@ -4057,7 +4232,7 @@
           <a:p>
             <a:fld id="{AF502539-8799-4C51-9271-A94D674129BE}" type="datetimeFigureOut">
               <a:rPr lang="en-US" smtClean="0"/>
-              <a:t>10/25/2017</a:t>
+              <a:t>10/26/2017</a:t>
             </a:fld>
             <a:endParaRPr lang="en-US"/>
           </a:p>
@@ -4332,7 +4507,7 @@
           <a:p>
             <a:fld id="{AF502539-8799-4C51-9271-A94D674129BE}" type="datetimeFigureOut">
               <a:rPr lang="en-US" smtClean="0"/>
-              <a:t>10/25/2017</a:t>
+              <a:t>10/26/2017</a:t>
             </a:fld>
             <a:endParaRPr lang="en-US"/>
           </a:p>
@@ -4597,7 +4772,7 @@
           <a:p>
             <a:fld id="{AF502539-8799-4C51-9271-A94D674129BE}" type="datetimeFigureOut">
               <a:rPr lang="en-US" smtClean="0"/>
-              <a:t>10/25/2017</a:t>
+              <a:t>10/26/2017</a:t>
             </a:fld>
             <a:endParaRPr lang="en-US"/>
           </a:p>
@@ -5009,7 +5184,7 @@
           <a:p>
             <a:fld id="{AF502539-8799-4C51-9271-A94D674129BE}" type="datetimeFigureOut">
               <a:rPr lang="en-US" smtClean="0"/>
-              <a:t>10/25/2017</a:t>
+              <a:t>10/26/2017</a:t>
             </a:fld>
             <a:endParaRPr lang="en-US"/>
           </a:p>
@@ -5150,7 +5325,7 @@
           <a:p>
             <a:fld id="{AF502539-8799-4C51-9271-A94D674129BE}" type="datetimeFigureOut">
               <a:rPr lang="en-US" smtClean="0"/>
-              <a:t>10/25/2017</a:t>
+              <a:t>10/26/2017</a:t>
             </a:fld>
             <a:endParaRPr lang="en-US"/>
           </a:p>
@@ -5263,7 +5438,7 @@
           <a:p>
             <a:fld id="{AF502539-8799-4C51-9271-A94D674129BE}" type="datetimeFigureOut">
               <a:rPr lang="en-US" smtClean="0"/>
-              <a:t>10/25/2017</a:t>
+              <a:t>10/26/2017</a:t>
             </a:fld>
             <a:endParaRPr lang="en-US"/>
           </a:p>
@@ -5574,7 +5749,7 @@
           <a:p>
             <a:fld id="{AF502539-8799-4C51-9271-A94D674129BE}" type="datetimeFigureOut">
               <a:rPr lang="en-US" smtClean="0"/>
-              <a:t>10/25/2017</a:t>
+              <a:t>10/26/2017</a:t>
             </a:fld>
             <a:endParaRPr lang="en-US"/>
           </a:p>
@@ -5862,7 +6037,7 @@
           <a:p>
             <a:fld id="{AF502539-8799-4C51-9271-A94D674129BE}" type="datetimeFigureOut">
               <a:rPr lang="en-US" smtClean="0"/>
-              <a:t>10/25/2017</a:t>
+              <a:t>10/26/2017</a:t>
             </a:fld>
             <a:endParaRPr lang="en-US"/>
           </a:p>
@@ -6103,7 +6278,7 @@
           <a:p>
             <a:fld id="{AF502539-8799-4C51-9271-A94D674129BE}" type="datetimeFigureOut">
               <a:rPr lang="en-US" smtClean="0"/>
-              <a:t>10/25/2017</a:t>
+              <a:t>10/26/2017</a:t>
             </a:fld>
             <a:endParaRPr lang="en-US"/>
           </a:p>
@@ -8077,7 +8252,7 @@
         <p:spPr>
           <a:xfrm>
             <a:off x="454350" y="5153348"/>
-            <a:ext cx="912429" cy="338554"/>
+            <a:ext cx="1321196" cy="338554"/>
           </a:xfrm>
           <a:prstGeom prst="rect">
             <a:avLst/>
@@ -8097,7 +8272,7 @@
                 </a:solidFill>
                 <a:latin typeface="Yanone Kaffeesatz Regular" panose="02000000000000000000" pitchFamily="2" charset="0"/>
               </a:rPr>
-              <a:t>MSG Cluster</a:t>
+              <a:t>Messaging Cluster</a:t>
             </a:r>
             <a:endParaRPr lang="de-CH" sz="1600" dirty="0">
               <a:solidFill>
@@ -8541,7 +8716,7 @@
         <p:spPr>
           <a:xfrm>
             <a:off x="1684494" y="5133028"/>
-            <a:ext cx="1592103" cy="338554"/>
+            <a:ext cx="1321196" cy="338554"/>
           </a:xfrm>
           <a:prstGeom prst="rect">
             <a:avLst/>
@@ -8561,7 +8736,7 @@
                 </a:solidFill>
                 <a:latin typeface="Yanone Kaffeesatz Regular" panose="02000000000000000000" pitchFamily="2" charset="0"/>
               </a:rPr>
-              <a:t>Messaging Middleware</a:t>
+              <a:t>Messaging Cluster</a:t>
             </a:r>
             <a:endParaRPr lang="de-CH" sz="1600" dirty="0">
               <a:solidFill>
@@ -9813,7 +9988,7 @@
         <p:spPr>
           <a:xfrm>
             <a:off x="454350" y="5153348"/>
-            <a:ext cx="1592103" cy="338554"/>
+            <a:ext cx="1321196" cy="338554"/>
           </a:xfrm>
           <a:prstGeom prst="rect">
             <a:avLst/>
@@ -9833,7 +10008,7 @@
                 </a:solidFill>
                 <a:latin typeface="Yanone Kaffeesatz Regular" panose="02000000000000000000" pitchFamily="2" charset="0"/>
               </a:rPr>
-              <a:t>Messaging Middleware</a:t>
+              <a:t>Messaging Cluster</a:t>
             </a:r>
             <a:endParaRPr lang="de-CH" sz="1600" dirty="0">
               <a:solidFill>
@@ -12068,7 +12243,7 @@
         <p:spPr>
           <a:xfrm>
             <a:off x="454350" y="5153348"/>
-            <a:ext cx="912429" cy="338554"/>
+            <a:ext cx="1321196" cy="338554"/>
           </a:xfrm>
           <a:prstGeom prst="rect">
             <a:avLst/>
@@ -12088,7 +12263,7 @@
                 </a:solidFill>
                 <a:latin typeface="Yanone Kaffeesatz Regular" panose="02000000000000000000" pitchFamily="2" charset="0"/>
               </a:rPr>
-              <a:t>MSG Cluster</a:t>
+              <a:t>Messaging Cluster</a:t>
             </a:r>
             <a:endParaRPr lang="de-CH" sz="1600" dirty="0">
               <a:solidFill>
@@ -12916,8 +13091,8 @@
         </p:nvSpPr>
         <p:spPr>
           <a:xfrm>
-            <a:off x="2348821" y="1174537"/>
-            <a:ext cx="7494359" cy="4508927"/>
+            <a:off x="627997" y="1174537"/>
+            <a:ext cx="10936007" cy="4508927"/>
           </a:xfrm>
           <a:prstGeom prst="rect">
             <a:avLst/>
@@ -12937,7 +13112,7 @@
                 </a:solidFill>
                 <a:latin typeface="Yanone Kaffeesatz Regular" panose="02000000000000000000" pitchFamily="2" charset="0"/>
               </a:rPr>
-              <a:t>orders</a:t>
+              <a:t>chocolate</a:t>
             </a:r>
             <a:endParaRPr lang="de-CH" sz="9600" dirty="0">
               <a:solidFill>
@@ -17705,7 +17880,7 @@
         <p:spPr>
           <a:xfrm>
             <a:off x="8846457" y="3823305"/>
-            <a:ext cx="976549" cy="461665"/>
+            <a:ext cx="1040670" cy="461665"/>
           </a:xfrm>
           <a:prstGeom prst="rect">
             <a:avLst/>
@@ -17719,13 +17894,13 @@
           <a:lstStyle/>
           <a:p>
             <a:r>
-              <a:rPr lang="en-US" sz="2400" dirty="0">
+              <a:rPr lang="en-US" sz="2400" dirty="0" err="1">
                 <a:solidFill>
                   <a:schemeClr val="accent3"/>
                 </a:solidFill>
                 <a:latin typeface="Yanone Kaffeesatz Regular" panose="02000000000000000000" pitchFamily="2" charset="0"/>
               </a:rPr>
-              <a:t>ADO.NET</a:t>
+              <a:t>EntityFW</a:t>
             </a:r>
             <a:endParaRPr lang="de-CH" sz="2400" dirty="0">
               <a:solidFill>

--- a/Slides.pptx
+++ b/Slides.pptx
@@ -226,7 +226,7 @@
           <a:p>
             <a:fld id="{8AAC1278-1473-493B-ACC6-443853387D40}" type="datetimeFigureOut">
               <a:rPr lang="en-US" smtClean="0"/>
-              <a:t>10/26/2017</a:t>
+              <a:t>10/27/2017</a:t>
             </a:fld>
             <a:endParaRPr lang="en-US"/>
           </a:p>
@@ -1632,7 +1632,34 @@
           <a:bodyPr/>
           <a:lstStyle/>
           <a:p>
-            <a:endParaRPr lang="de-CH" dirty="0"/>
+            <a:r>
+              <a:rPr lang="de-CH" dirty="0"/>
+              <a:t>The backend is turned into a stateful service and uses a Reliable Collection to store the orders</a:t>
+            </a:r>
+          </a:p>
+          <a:p>
+            <a:r>
+              <a:rPr lang="de-CH" dirty="0"/>
+              <a:t>Queries are executed against the reliable collection</a:t>
+            </a:r>
+          </a:p>
+          <a:p>
+            <a:r>
+              <a:rPr lang="de-CH" dirty="0"/>
+              <a:t>Orders are still submitted over the queue but now the handler no longer accesses the database but the reliable collection to effeciently and transactionally store orders</a:t>
+            </a:r>
+          </a:p>
+          <a:p>
+            <a:r>
+              <a:rPr lang="de-CH" dirty="0"/>
+              <a:t>The storage tier is only needed for exhaust or offline analytics purposes</a:t>
+            </a:r>
+          </a:p>
+          <a:p>
+            <a:r>
+              <a:rPr lang="de-CH" dirty="0"/>
+              <a:t>For simplicity reasons this picture doesn’t take partitioning into account. Let’s see how partitioning influences the query side</a:t>
+            </a:r>
           </a:p>
         </p:txBody>
       </p:sp>
@@ -1716,7 +1743,10 @@
           <a:bodyPr/>
           <a:lstStyle/>
           <a:p>
-            <a:endParaRPr lang="de-CH" dirty="0"/>
+            <a:r>
+              <a:rPr lang="de-CH" dirty="0"/>
+              <a:t>Because the data is now split over multiple partitions on multiple nodes a query has to fanout to all the partitions owning the data when it wants to present all the data form all the partitions</a:t>
+            </a:r>
           </a:p>
         </p:txBody>
       </p:sp>
@@ -2145,15 +2175,6 @@
             <a:r>
               <a:rPr lang="en-US" dirty="0"/>
               <a:t>(click)</a:t>
-            </a:r>
-          </a:p>
-          <a:p>
-            <a:endParaRPr lang="en-US" dirty="0"/>
-          </a:p>
-          <a:p>
-            <a:r>
-              <a:rPr lang="en-US" dirty="0"/>
-              <a:t>To keep it aligned with Peters lingo let’s call this receiver side distribution although I know this is not an official term!</a:t>
             </a:r>
           </a:p>
           <a:p>
@@ -3628,7 +3649,7 @@
           <a:p>
             <a:fld id="{AF502539-8799-4C51-9271-A94D674129BE}" type="datetimeFigureOut">
               <a:rPr lang="en-US" smtClean="0"/>
-              <a:t>10/26/2017</a:t>
+              <a:t>10/27/2017</a:t>
             </a:fld>
             <a:endParaRPr lang="en-US"/>
           </a:p>
@@ -3826,7 +3847,7 @@
           <a:p>
             <a:fld id="{AF502539-8799-4C51-9271-A94D674129BE}" type="datetimeFigureOut">
               <a:rPr lang="en-US" smtClean="0"/>
-              <a:t>10/26/2017</a:t>
+              <a:t>10/27/2017</a:t>
             </a:fld>
             <a:endParaRPr lang="en-US"/>
           </a:p>
@@ -4034,7 +4055,7 @@
           <a:p>
             <a:fld id="{AF502539-8799-4C51-9271-A94D674129BE}" type="datetimeFigureOut">
               <a:rPr lang="en-US" smtClean="0"/>
-              <a:t>10/26/2017</a:t>
+              <a:t>10/27/2017</a:t>
             </a:fld>
             <a:endParaRPr lang="en-US"/>
           </a:p>
@@ -4232,7 +4253,7 @@
           <a:p>
             <a:fld id="{AF502539-8799-4C51-9271-A94D674129BE}" type="datetimeFigureOut">
               <a:rPr lang="en-US" smtClean="0"/>
-              <a:t>10/26/2017</a:t>
+              <a:t>10/27/2017</a:t>
             </a:fld>
             <a:endParaRPr lang="en-US"/>
           </a:p>
@@ -4507,7 +4528,7 @@
           <a:p>
             <a:fld id="{AF502539-8799-4C51-9271-A94D674129BE}" type="datetimeFigureOut">
               <a:rPr lang="en-US" smtClean="0"/>
-              <a:t>10/26/2017</a:t>
+              <a:t>10/27/2017</a:t>
             </a:fld>
             <a:endParaRPr lang="en-US"/>
           </a:p>
@@ -4772,7 +4793,7 @@
           <a:p>
             <a:fld id="{AF502539-8799-4C51-9271-A94D674129BE}" type="datetimeFigureOut">
               <a:rPr lang="en-US" smtClean="0"/>
-              <a:t>10/26/2017</a:t>
+              <a:t>10/27/2017</a:t>
             </a:fld>
             <a:endParaRPr lang="en-US"/>
           </a:p>
@@ -5184,7 +5205,7 @@
           <a:p>
             <a:fld id="{AF502539-8799-4C51-9271-A94D674129BE}" type="datetimeFigureOut">
               <a:rPr lang="en-US" smtClean="0"/>
-              <a:t>10/26/2017</a:t>
+              <a:t>10/27/2017</a:t>
             </a:fld>
             <a:endParaRPr lang="en-US"/>
           </a:p>
@@ -5325,7 +5346,7 @@
           <a:p>
             <a:fld id="{AF502539-8799-4C51-9271-A94D674129BE}" type="datetimeFigureOut">
               <a:rPr lang="en-US" smtClean="0"/>
-              <a:t>10/26/2017</a:t>
+              <a:t>10/27/2017</a:t>
             </a:fld>
             <a:endParaRPr lang="en-US"/>
           </a:p>
@@ -5438,7 +5459,7 @@
           <a:p>
             <a:fld id="{AF502539-8799-4C51-9271-A94D674129BE}" type="datetimeFigureOut">
               <a:rPr lang="en-US" smtClean="0"/>
-              <a:t>10/26/2017</a:t>
+              <a:t>10/27/2017</a:t>
             </a:fld>
             <a:endParaRPr lang="en-US"/>
           </a:p>
@@ -5749,7 +5770,7 @@
           <a:p>
             <a:fld id="{AF502539-8799-4C51-9271-A94D674129BE}" type="datetimeFigureOut">
               <a:rPr lang="en-US" smtClean="0"/>
-              <a:t>10/26/2017</a:t>
+              <a:t>10/27/2017</a:t>
             </a:fld>
             <a:endParaRPr lang="en-US"/>
           </a:p>
@@ -6037,7 +6058,7 @@
           <a:p>
             <a:fld id="{AF502539-8799-4C51-9271-A94D674129BE}" type="datetimeFigureOut">
               <a:rPr lang="en-US" smtClean="0"/>
-              <a:t>10/26/2017</a:t>
+              <a:t>10/27/2017</a:t>
             </a:fld>
             <a:endParaRPr lang="en-US"/>
           </a:p>
@@ -6278,7 +6299,7 @@
           <a:p>
             <a:fld id="{AF502539-8799-4C51-9271-A94D674129BE}" type="datetimeFigureOut">
               <a:rPr lang="en-US" smtClean="0"/>
-              <a:t>10/26/2017</a:t>
+              <a:t>10/27/2017</a:t>
             </a:fld>
             <a:endParaRPr lang="en-US"/>
           </a:p>
@@ -6768,6 +6789,141 @@
           </a:prstGeom>
         </p:spPr>
       </p:pic>
+      <p:sp>
+        <p:nvSpPr>
+          <p:cNvPr id="4" name="Rectangle 3">
+            <a:extLst>
+              <a:ext uri="{FF2B5EF4-FFF2-40B4-BE49-F238E27FC236}">
+                <a16:creationId xmlns:a16="http://schemas.microsoft.com/office/drawing/2014/main" id="{3FB73D53-DF09-434C-A185-F6D3152F0163}"/>
+              </a:ext>
+            </a:extLst>
+          </p:cNvPr>
+          <p:cNvSpPr/>
+          <p:nvPr/>
+        </p:nvSpPr>
+        <p:spPr>
+          <a:xfrm>
+            <a:off x="1591758" y="4600558"/>
+            <a:ext cx="3786066" cy="954107"/>
+          </a:xfrm>
+          <a:prstGeom prst="rect">
+            <a:avLst/>
+          </a:prstGeom>
+        </p:spPr>
+        <p:txBody>
+          <a:bodyPr wrap="square">
+            <a:spAutoFit/>
+          </a:bodyPr>
+          <a:lstStyle/>
+          <a:p>
+            <a:r>
+              <a:rPr lang="en-US" sz="2800" dirty="0">
+                <a:solidFill>
+                  <a:schemeClr val="bg1">
+                    <a:lumMod val="65000"/>
+                  </a:schemeClr>
+                </a:solidFill>
+                <a:latin typeface="Yanone Kaffeesatz Regular" panose="02000000000000000000" pitchFamily="2" charset="0"/>
+              </a:rPr>
+              <a:t>daniel.marbach@particular.net</a:t>
+            </a:r>
+            <a:br>
+              <a:rPr lang="en-US" sz="2800" dirty="0">
+                <a:solidFill>
+                  <a:schemeClr val="bg1">
+                    <a:lumMod val="65000"/>
+                  </a:schemeClr>
+                </a:solidFill>
+                <a:latin typeface="Yanone Kaffeesatz Regular" panose="02000000000000000000" pitchFamily="2" charset="0"/>
+              </a:rPr>
+            </a:br>
+            <a:r>
+              <a:rPr lang="en-US" sz="2800" dirty="0">
+                <a:solidFill>
+                  <a:schemeClr val="bg1">
+                    <a:lumMod val="65000"/>
+                  </a:schemeClr>
+                </a:solidFill>
+                <a:latin typeface="Yanone Kaffeesatz Regular" panose="02000000000000000000" pitchFamily="2" charset="0"/>
+              </a:rPr>
+              <a:t>@danielmarbach</a:t>
+            </a:r>
+          </a:p>
+        </p:txBody>
+      </p:sp>
+      <p:sp>
+        <p:nvSpPr>
+          <p:cNvPr id="5" name="Rectangle 4">
+            <a:extLst>
+              <a:ext uri="{FF2B5EF4-FFF2-40B4-BE49-F238E27FC236}">
+                <a16:creationId xmlns:a16="http://schemas.microsoft.com/office/drawing/2014/main" id="{8372EA16-2B21-4C87-B023-1B36A481A9F7}"/>
+              </a:ext>
+            </a:extLst>
+          </p:cNvPr>
+          <p:cNvSpPr/>
+          <p:nvPr/>
+        </p:nvSpPr>
+        <p:spPr>
+          <a:xfrm>
+            <a:off x="7169598" y="4600558"/>
+            <a:ext cx="3786066" cy="954107"/>
+          </a:xfrm>
+          <a:prstGeom prst="rect">
+            <a:avLst/>
+          </a:prstGeom>
+        </p:spPr>
+        <p:txBody>
+          <a:bodyPr wrap="square">
+            <a:spAutoFit/>
+          </a:bodyPr>
+          <a:lstStyle/>
+          <a:p>
+            <a:r>
+              <a:rPr lang="en-US" sz="2800" dirty="0">
+                <a:solidFill>
+                  <a:schemeClr val="bg1">
+                    <a:lumMod val="65000"/>
+                  </a:schemeClr>
+                </a:solidFill>
+                <a:latin typeface="Yanone Kaffeesatz Regular" panose="02000000000000000000" pitchFamily="2" charset="0"/>
+              </a:rPr>
+              <a:t>bob.langley@particular.net</a:t>
+            </a:r>
+          </a:p>
+          <a:p>
+            <a:r>
+              <a:rPr lang="en-US" sz="2800" dirty="0">
+                <a:solidFill>
+                  <a:schemeClr val="bg1">
+                    <a:lumMod val="65000"/>
+                  </a:schemeClr>
+                </a:solidFill>
+                <a:latin typeface="Yanone Kaffeesatz Regular" panose="02000000000000000000" pitchFamily="2" charset="0"/>
+              </a:rPr>
+              <a:t>@</a:t>
+            </a:r>
+            <a:r>
+              <a:rPr lang="en-US" sz="2800" dirty="0" err="1">
+                <a:solidFill>
+                  <a:schemeClr val="bg1">
+                    <a:lumMod val="65000"/>
+                  </a:schemeClr>
+                </a:solidFill>
+                <a:latin typeface="Yanone Kaffeesatz Regular" panose="02000000000000000000" pitchFamily="2" charset="0"/>
+              </a:rPr>
+              <a:t>boblangley</a:t>
+            </a:r>
+            <a:endParaRPr lang="en-US" sz="2800" dirty="0">
+              <a:solidFill>
+                <a:schemeClr val="bg1">
+                  <a:lumMod val="65000"/>
+                </a:schemeClr>
+              </a:solidFill>
+              <a:latin typeface="Yanone Kaffeesatz Regular" panose="02000000000000000000" pitchFamily="2" charset="0"/>
+            </a:endParaRPr>
+          </a:p>
+        </p:txBody>
+      </p:sp>
     </p:spTree>
     <p:extLst>
       <p:ext uri="{BB962C8B-B14F-4D97-AF65-F5344CB8AC3E}">

--- a/Slides.pptx
+++ b/Slides.pptx
@@ -5,7 +5,7 @@
     <p:sldMasterId id="2147483648" r:id="rId1"/>
   </p:sldMasterIdLst>
   <p:notesMasterIdLst>
-    <p:notesMasterId r:id="rId27"/>
+    <p:notesMasterId r:id="rId29"/>
   </p:notesMasterIdLst>
   <p:sldIdLst>
     <p:sldId id="279" r:id="rId2"/>
@@ -30,9 +30,11 @@
     <p:sldId id="304" r:id="rId21"/>
     <p:sldId id="301" r:id="rId22"/>
     <p:sldId id="280" r:id="rId23"/>
-    <p:sldId id="281" r:id="rId24"/>
-    <p:sldId id="283" r:id="rId25"/>
-    <p:sldId id="282" r:id="rId26"/>
+    <p:sldId id="306" r:id="rId24"/>
+    <p:sldId id="307" r:id="rId25"/>
+    <p:sldId id="281" r:id="rId26"/>
+    <p:sldId id="283" r:id="rId27"/>
+    <p:sldId id="282" r:id="rId28"/>
   </p:sldIdLst>
   <p:sldSz cx="12192000" cy="6858000"/>
   <p:notesSz cx="6858000" cy="9144000"/>
@@ -225,7 +227,7 @@
           <a:p>
             <a:fld id="{8AAC1278-1473-493B-ACC6-443853387D40}" type="datetimeFigureOut">
               <a:rPr lang="en-US" smtClean="0"/>
-              <a:t>10/30/2017</a:t>
+              <a:t>10/31/2017</a:t>
             </a:fld>
             <a:endParaRPr lang="en-US"/>
           </a:p>
@@ -2344,7 +2346,7 @@
           <a:bodyPr/>
           <a:lstStyle/>
           <a:p>
-            <a:endParaRPr lang="de-CH" dirty="0"/>
+            <a:endParaRPr lang="en-CH" dirty="0"/>
           </a:p>
         </p:txBody>
       </p:sp>
@@ -2363,18 +2365,18 @@
           <a:bodyPr/>
           <a:lstStyle/>
           <a:p>
-            <a:fld id="{9BCA07FD-5BD5-4529-84B0-48DD2C561176}" type="slidenum">
-              <a:rPr lang="de-CH" smtClean="0"/>
+            <a:fld id="{59E9685D-E391-4BCC-987B-6FB0218A8DB9}" type="slidenum">
+              <a:rPr lang="en-US" smtClean="0"/>
               <a:t>23</a:t>
             </a:fld>
-            <a:endParaRPr lang="de-CH"/>
+            <a:endParaRPr lang="en-US"/>
           </a:p>
         </p:txBody>
       </p:sp>
     </p:spTree>
     <p:extLst>
       <p:ext uri="{BB962C8B-B14F-4D97-AF65-F5344CB8AC3E}">
-        <p14:creationId xmlns:p14="http://schemas.microsoft.com/office/powerpoint/2010/main" val="771056156"/>
+        <p14:creationId xmlns:p14="http://schemas.microsoft.com/office/powerpoint/2010/main" val="389002582"/>
       </p:ext>
     </p:extLst>
   </p:cSld>
@@ -2449,7 +2451,7 @@
           <a:p>
             <a:fld id="{9BCA07FD-5BD5-4529-84B0-48DD2C561176}" type="slidenum">
               <a:rPr lang="de-CH" smtClean="0"/>
-              <a:t>24</a:t>
+              <a:t>25</a:t>
             </a:fld>
             <a:endParaRPr lang="de-CH"/>
           </a:p>
@@ -2458,7 +2460,7 @@
     </p:spTree>
     <p:extLst>
       <p:ext uri="{BB962C8B-B14F-4D97-AF65-F5344CB8AC3E}">
-        <p14:creationId xmlns:p14="http://schemas.microsoft.com/office/powerpoint/2010/main" val="2672634818"/>
+        <p14:creationId xmlns:p14="http://schemas.microsoft.com/office/powerpoint/2010/main" val="771056156"/>
       </p:ext>
     </p:extLst>
   </p:cSld>
@@ -2512,14 +2514,6 @@
           <a:bodyPr/>
           <a:lstStyle/>
           <a:p>
-            <a:r>
-              <a:rPr lang="de-CH" dirty="0"/>
-              <a:t>Thank you very much</a:t>
-            </a:r>
-            <a:r>
-              <a:rPr lang="de-CH" baseline="0" dirty="0"/>
-              <a:t> for listening and see you next time</a:t>
-            </a:r>
             <a:endParaRPr lang="de-CH" dirty="0"/>
           </a:p>
         </p:txBody>
@@ -2541,7 +2535,99 @@
           <a:p>
             <a:fld id="{9BCA07FD-5BD5-4529-84B0-48DD2C561176}" type="slidenum">
               <a:rPr lang="de-CH" smtClean="0"/>
-              <a:t>25</a:t>
+              <a:t>26</a:t>
+            </a:fld>
+            <a:endParaRPr lang="de-CH"/>
+          </a:p>
+        </p:txBody>
+      </p:sp>
+    </p:spTree>
+    <p:extLst>
+      <p:ext uri="{BB962C8B-B14F-4D97-AF65-F5344CB8AC3E}">
+        <p14:creationId xmlns:p14="http://schemas.microsoft.com/office/powerpoint/2010/main" val="2672634818"/>
+      </p:ext>
+    </p:extLst>
+  </p:cSld>
+  <p:clrMapOvr>
+    <a:masterClrMapping/>
+  </p:clrMapOvr>
+</p:notes>
+</file>
+
+<file path=ppt/notesSlides/notesSlide26.xml><?xml version="1.0" encoding="utf-8"?>
+<p:notes xmlns:a="http://schemas.openxmlformats.org/drawingml/2006/main" xmlns:r="http://schemas.openxmlformats.org/officeDocument/2006/relationships" xmlns:p="http://schemas.openxmlformats.org/presentationml/2006/main">
+  <p:cSld>
+    <p:spTree>
+      <p:nvGrpSpPr>
+        <p:cNvPr id="1" name=""/>
+        <p:cNvGrpSpPr/>
+        <p:nvPr/>
+      </p:nvGrpSpPr>
+      <p:grpSpPr>
+        <a:xfrm>
+          <a:off x="0" y="0"/>
+          <a:ext cx="0" cy="0"/>
+          <a:chOff x="0" y="0"/>
+          <a:chExt cx="0" cy="0"/>
+        </a:xfrm>
+      </p:grpSpPr>
+      <p:sp>
+        <p:nvSpPr>
+          <p:cNvPr id="2" name="Slide Image Placeholder 1"/>
+          <p:cNvSpPr>
+            <a:spLocks noGrp="1" noRot="1" noChangeAspect="1"/>
+          </p:cNvSpPr>
+          <p:nvPr>
+            <p:ph type="sldImg"/>
+          </p:nvPr>
+        </p:nvSpPr>
+        <p:spPr/>
+      </p:sp>
+      <p:sp>
+        <p:nvSpPr>
+          <p:cNvPr id="3" name="Notes Placeholder 2"/>
+          <p:cNvSpPr>
+            <a:spLocks noGrp="1"/>
+          </p:cNvSpPr>
+          <p:nvPr>
+            <p:ph type="body" idx="1"/>
+          </p:nvPr>
+        </p:nvSpPr>
+        <p:spPr/>
+        <p:txBody>
+          <a:bodyPr/>
+          <a:lstStyle/>
+          <a:p>
+            <a:r>
+              <a:rPr lang="de-CH" dirty="0"/>
+              <a:t>Thank you very much</a:t>
+            </a:r>
+            <a:r>
+              <a:rPr lang="de-CH" baseline="0" dirty="0"/>
+              <a:t> for listening and see you next time</a:t>
+            </a:r>
+            <a:endParaRPr lang="de-CH" dirty="0"/>
+          </a:p>
+        </p:txBody>
+      </p:sp>
+      <p:sp>
+        <p:nvSpPr>
+          <p:cNvPr id="4" name="Slide Number Placeholder 3"/>
+          <p:cNvSpPr>
+            <a:spLocks noGrp="1"/>
+          </p:cNvSpPr>
+          <p:nvPr>
+            <p:ph type="sldNum" sz="quarter" idx="10"/>
+          </p:nvPr>
+        </p:nvSpPr>
+        <p:spPr/>
+        <p:txBody>
+          <a:bodyPr/>
+          <a:lstStyle/>
+          <a:p>
+            <a:fld id="{9BCA07FD-5BD5-4529-84B0-48DD2C561176}" type="slidenum">
+              <a:rPr lang="de-CH" smtClean="0"/>
+              <a:t>27</a:t>
             </a:fld>
             <a:endParaRPr lang="de-CH"/>
           </a:p>
@@ -3296,7 +3382,7 @@
           <a:p>
             <a:r>
               <a:rPr lang="en-US" dirty="0"/>
-              <a:t>So they started brainstorming an additional architecture approach.</a:t>
+              <a:t>So they started brainstorming an additional architecture approach and freed themselves from the ivory architect (just kidding)</a:t>
             </a:r>
             <a:endParaRPr lang="de-CH" dirty="0"/>
           </a:p>
@@ -3485,7 +3571,7 @@
           <a:p>
             <a:fld id="{AF502539-8799-4C51-9271-A94D674129BE}" type="datetimeFigureOut">
               <a:rPr lang="en-US" smtClean="0"/>
-              <a:t>10/30/2017</a:t>
+              <a:t>10/31/2017</a:t>
             </a:fld>
             <a:endParaRPr lang="en-US"/>
           </a:p>
@@ -3683,7 +3769,7 @@
           <a:p>
             <a:fld id="{AF502539-8799-4C51-9271-A94D674129BE}" type="datetimeFigureOut">
               <a:rPr lang="en-US" smtClean="0"/>
-              <a:t>10/30/2017</a:t>
+              <a:t>10/31/2017</a:t>
             </a:fld>
             <a:endParaRPr lang="en-US"/>
           </a:p>
@@ -3891,7 +3977,7 @@
           <a:p>
             <a:fld id="{AF502539-8799-4C51-9271-A94D674129BE}" type="datetimeFigureOut">
               <a:rPr lang="en-US" smtClean="0"/>
-              <a:t>10/30/2017</a:t>
+              <a:t>10/31/2017</a:t>
             </a:fld>
             <a:endParaRPr lang="en-US"/>
           </a:p>
@@ -4089,7 +4175,7 @@
           <a:p>
             <a:fld id="{AF502539-8799-4C51-9271-A94D674129BE}" type="datetimeFigureOut">
               <a:rPr lang="en-US" smtClean="0"/>
-              <a:t>10/30/2017</a:t>
+              <a:t>10/31/2017</a:t>
             </a:fld>
             <a:endParaRPr lang="en-US"/>
           </a:p>
@@ -4364,7 +4450,7 @@
           <a:p>
             <a:fld id="{AF502539-8799-4C51-9271-A94D674129BE}" type="datetimeFigureOut">
               <a:rPr lang="en-US" smtClean="0"/>
-              <a:t>10/30/2017</a:t>
+              <a:t>10/31/2017</a:t>
             </a:fld>
             <a:endParaRPr lang="en-US"/>
           </a:p>
@@ -4629,7 +4715,7 @@
           <a:p>
             <a:fld id="{AF502539-8799-4C51-9271-A94D674129BE}" type="datetimeFigureOut">
               <a:rPr lang="en-US" smtClean="0"/>
-              <a:t>10/30/2017</a:t>
+              <a:t>10/31/2017</a:t>
             </a:fld>
             <a:endParaRPr lang="en-US"/>
           </a:p>
@@ -5041,7 +5127,7 @@
           <a:p>
             <a:fld id="{AF502539-8799-4C51-9271-A94D674129BE}" type="datetimeFigureOut">
               <a:rPr lang="en-US" smtClean="0"/>
-              <a:t>10/30/2017</a:t>
+              <a:t>10/31/2017</a:t>
             </a:fld>
             <a:endParaRPr lang="en-US"/>
           </a:p>
@@ -5182,7 +5268,7 @@
           <a:p>
             <a:fld id="{AF502539-8799-4C51-9271-A94D674129BE}" type="datetimeFigureOut">
               <a:rPr lang="en-US" smtClean="0"/>
-              <a:t>10/30/2017</a:t>
+              <a:t>10/31/2017</a:t>
             </a:fld>
             <a:endParaRPr lang="en-US"/>
           </a:p>
@@ -5295,7 +5381,7 @@
           <a:p>
             <a:fld id="{AF502539-8799-4C51-9271-A94D674129BE}" type="datetimeFigureOut">
               <a:rPr lang="en-US" smtClean="0"/>
-              <a:t>10/30/2017</a:t>
+              <a:t>10/31/2017</a:t>
             </a:fld>
             <a:endParaRPr lang="en-US"/>
           </a:p>
@@ -5606,7 +5692,7 @@
           <a:p>
             <a:fld id="{AF502539-8799-4C51-9271-A94D674129BE}" type="datetimeFigureOut">
               <a:rPr lang="en-US" smtClean="0"/>
-              <a:t>10/30/2017</a:t>
+              <a:t>10/31/2017</a:t>
             </a:fld>
             <a:endParaRPr lang="en-US"/>
           </a:p>
@@ -5894,7 +5980,7 @@
           <a:p>
             <a:fld id="{AF502539-8799-4C51-9271-A94D674129BE}" type="datetimeFigureOut">
               <a:rPr lang="en-US" smtClean="0"/>
-              <a:t>10/30/2017</a:t>
+              <a:t>10/31/2017</a:t>
             </a:fld>
             <a:endParaRPr lang="en-US"/>
           </a:p>
@@ -6135,7 +6221,7 @@
           <a:p>
             <a:fld id="{AF502539-8799-4C51-9271-A94D674129BE}" type="datetimeFigureOut">
               <a:rPr lang="en-US" smtClean="0"/>
-              <a:t>10/30/2017</a:t>
+              <a:t>10/31/2017</a:t>
             </a:fld>
             <a:endParaRPr lang="en-US"/>
           </a:p>
@@ -15302,14 +15388,66 @@
       </p:grpSpPr>
       <p:sp>
         <p:nvSpPr>
-          <p:cNvPr id="2" name="Rectangle 1"/>
+          <p:cNvPr id="4" name="Rectangle 3"/>
           <p:cNvSpPr/>
           <p:nvPr/>
         </p:nvSpPr>
         <p:spPr>
           <a:xfrm>
-            <a:off x="3858849" y="1851645"/>
-            <a:ext cx="4474302" cy="3154710"/>
+            <a:off x="206734" y="2560320"/>
+            <a:ext cx="5359179" cy="1876508"/>
+          </a:xfrm>
+          <a:prstGeom prst="rect">
+            <a:avLst/>
+          </a:prstGeom>
+          <a:solidFill>
+            <a:schemeClr val="bg1">
+              <a:alpha val="78000"/>
+            </a:schemeClr>
+          </a:solidFill>
+          <a:ln>
+            <a:noFill/>
+          </a:ln>
+        </p:spPr>
+        <p:style>
+          <a:lnRef idx="2">
+            <a:schemeClr val="accent1">
+              <a:shade val="50000"/>
+            </a:schemeClr>
+          </a:lnRef>
+          <a:fillRef idx="1">
+            <a:schemeClr val="accent1"/>
+          </a:fillRef>
+          <a:effectRef idx="0">
+            <a:schemeClr val="accent1"/>
+          </a:effectRef>
+          <a:fontRef idx="minor">
+            <a:schemeClr val="lt1"/>
+          </a:fontRef>
+        </p:style>
+        <p:txBody>
+          <a:bodyPr rtlCol="0" anchor="ctr"/>
+          <a:lstStyle/>
+          <a:p>
+            <a:pPr algn="ctr"/>
+            <a:endParaRPr lang="de-CH">
+              <a:solidFill>
+                <a:schemeClr val="bg1"/>
+              </a:solidFill>
+            </a:endParaRPr>
+          </a:p>
+        </p:txBody>
+      </p:sp>
+      <p:sp>
+        <p:nvSpPr>
+          <p:cNvPr id="3" name="Rectangle 2"/>
+          <p:cNvSpPr/>
+          <p:nvPr/>
+        </p:nvSpPr>
+        <p:spPr>
+          <a:xfrm>
+            <a:off x="428224" y="2828835"/>
+            <a:ext cx="3034805" cy="1200329"/>
           </a:xfrm>
           <a:prstGeom prst="rect">
             <a:avLst/>
@@ -15322,31 +15460,59 @@
           <a:lstStyle/>
           <a:p>
             <a:r>
-              <a:rPr lang="en-US" sz="19900" dirty="0">
+              <a:rPr lang="de-CH" sz="3600" dirty="0">
                 <a:solidFill>
-                  <a:schemeClr val="accent2"/>
+                  <a:schemeClr val="tx2"/>
                 </a:solidFill>
                 <a:latin typeface="Yanone Kaffeesatz Regular" panose="02000000000000000000" pitchFamily="2" charset="0"/>
               </a:rPr>
-              <a:t>Q &amp; A</a:t>
-            </a:r>
-            <a:endParaRPr lang="de-CH" sz="2000" dirty="0"/>
+              <a:t>docs.particular.net/</a:t>
+            </a:r>
+            <a:br>
+              <a:rPr lang="de-CH" sz="3600" dirty="0">
+                <a:solidFill>
+                  <a:schemeClr val="tx2"/>
+                </a:solidFill>
+                <a:latin typeface="Yanone Kaffeesatz Regular" panose="02000000000000000000" pitchFamily="2" charset="0"/>
+              </a:rPr>
+            </a:br>
+            <a:r>
+              <a:rPr lang="de-CH" sz="3600" dirty="0">
+                <a:solidFill>
+                  <a:schemeClr val="accent4"/>
+                </a:solidFill>
+                <a:latin typeface="Yanone Kaffeesatz Regular" panose="02000000000000000000" pitchFamily="2" charset="0"/>
+              </a:rPr>
+              <a:t>tutorials/quickstart</a:t>
+            </a:r>
           </a:p>
         </p:txBody>
       </p:sp>
       <p:pic>
         <p:nvPicPr>
-          <p:cNvPr id="4" name="Picture 3"/>
+          <p:cNvPr id="5" name="Picture 4">
+            <a:extLst>
+              <a:ext uri="{FF2B5EF4-FFF2-40B4-BE49-F238E27FC236}">
+                <a16:creationId xmlns:a16="http://schemas.microsoft.com/office/drawing/2014/main" id="{C82DB241-DD1A-4C0E-8A6B-BB8AE7AEE020}"/>
+              </a:ext>
+            </a:extLst>
+          </p:cNvPr>
           <p:cNvPicPr>
             <a:picLocks noChangeAspect="1"/>
           </p:cNvPicPr>
           <p:nvPr/>
         </p:nvPicPr>
         <p:blipFill>
-          <a:blip r:embed="rId3" cstate="print">
-            <a:extLst>
-              <a:ext uri="{28A0092B-C50C-407E-A947-70E740481C1C}">
-                <a14:useLocalDpi xmlns:a14="http://schemas.microsoft.com/office/drawing/2010/main" val="0"/>
+          <a:blip r:embed="rId3">
+            <a:extLst>
+              <a:ext uri="{BEBA8EAE-BF5A-486C-A8C5-ECC9F3942E4B}">
+                <a14:imgProps xmlns:a14="http://schemas.microsoft.com/office/drawing/2010/main">
+                  <a14:imgLayer r:embed="rId4">
+                    <a14:imgEffect>
+                      <a14:saturation sat="0"/>
+                    </a14:imgEffect>
+                  </a14:imgLayer>
+                </a14:imgProps>
               </a:ext>
             </a:extLst>
           </a:blip>
@@ -15356,8 +15522,8 @@
         </p:blipFill>
         <p:spPr>
           <a:xfrm>
-            <a:off x="8052306" y="612519"/>
-            <a:ext cx="2880000" cy="690817"/>
+            <a:off x="3684519" y="-1"/>
+            <a:ext cx="8525332" cy="6858000"/>
           </a:xfrm>
           <a:prstGeom prst="rect">
             <a:avLst/>
@@ -15367,7 +15533,7 @@
     </p:spTree>
     <p:extLst>
       <p:ext uri="{BB962C8B-B14F-4D97-AF65-F5344CB8AC3E}">
-        <p14:creationId xmlns:p14="http://schemas.microsoft.com/office/powerpoint/2010/main" val="4241321608"/>
+        <p14:creationId xmlns:p14="http://schemas.microsoft.com/office/powerpoint/2010/main" val="2228612555"/>
       </p:ext>
     </p:extLst>
   </p:cSld>
@@ -15394,6 +15560,393 @@
           <a:chExt cx="0" cy="0"/>
         </a:xfrm>
       </p:grpSpPr>
+      <p:sp>
+        <p:nvSpPr>
+          <p:cNvPr id="4" name="Rectangle 3"/>
+          <p:cNvSpPr/>
+          <p:nvPr/>
+        </p:nvSpPr>
+        <p:spPr>
+          <a:xfrm>
+            <a:off x="206734" y="2560320"/>
+            <a:ext cx="7577192" cy="1604426"/>
+          </a:xfrm>
+          <a:prstGeom prst="rect">
+            <a:avLst/>
+          </a:prstGeom>
+          <a:solidFill>
+            <a:schemeClr val="bg1">
+              <a:alpha val="85000"/>
+            </a:schemeClr>
+          </a:solidFill>
+          <a:ln>
+            <a:noFill/>
+          </a:ln>
+        </p:spPr>
+        <p:style>
+          <a:lnRef idx="2">
+            <a:schemeClr val="accent1">
+              <a:shade val="50000"/>
+            </a:schemeClr>
+          </a:lnRef>
+          <a:fillRef idx="1">
+            <a:schemeClr val="accent1"/>
+          </a:fillRef>
+          <a:effectRef idx="0">
+            <a:schemeClr val="accent1"/>
+          </a:effectRef>
+          <a:fontRef idx="minor">
+            <a:schemeClr val="lt1"/>
+          </a:fontRef>
+        </p:style>
+        <p:txBody>
+          <a:bodyPr rtlCol="0" anchor="ctr"/>
+          <a:lstStyle/>
+          <a:p>
+            <a:pPr algn="ctr"/>
+            <a:endParaRPr lang="de-CH">
+              <a:solidFill>
+                <a:schemeClr val="bg1"/>
+              </a:solidFill>
+            </a:endParaRPr>
+          </a:p>
+        </p:txBody>
+      </p:sp>
+      <p:grpSp>
+        <p:nvGrpSpPr>
+          <p:cNvPr id="9" name="Group 8"/>
+          <p:cNvGrpSpPr/>
+          <p:nvPr/>
+        </p:nvGrpSpPr>
+        <p:grpSpPr>
+          <a:xfrm>
+            <a:off x="4846833" y="0"/>
+            <a:ext cx="6317165" cy="6785517"/>
+            <a:chOff x="2266007" y="137946"/>
+            <a:chExt cx="9908361" cy="10617393"/>
+          </a:xfrm>
+        </p:grpSpPr>
+        <p:pic>
+          <p:nvPicPr>
+            <p:cNvPr id="5" name="Picture 4"/>
+            <p:cNvPicPr>
+              <a:picLocks noChangeAspect="1"/>
+            </p:cNvPicPr>
+            <p:nvPr/>
+          </p:nvPicPr>
+          <p:blipFill>
+            <a:blip r:embed="rId2">
+              <a:grayscl/>
+            </a:blip>
+            <a:stretch>
+              <a:fillRect/>
+            </a:stretch>
+          </p:blipFill>
+          <p:spPr>
+            <a:xfrm>
+              <a:off x="2344063" y="137946"/>
+              <a:ext cx="9830305" cy="3759393"/>
+            </a:xfrm>
+            <a:prstGeom prst="rect">
+              <a:avLst/>
+            </a:prstGeom>
+          </p:spPr>
+        </p:pic>
+        <p:pic>
+          <p:nvPicPr>
+            <p:cNvPr id="6" name="Picture 5"/>
+            <p:cNvPicPr>
+              <a:picLocks noChangeAspect="1"/>
+            </p:cNvPicPr>
+            <p:nvPr/>
+          </p:nvPicPr>
+          <p:blipFill>
+            <a:blip r:embed="rId3">
+              <a:grayscl/>
+            </a:blip>
+            <a:stretch>
+              <a:fillRect/>
+            </a:stretch>
+          </p:blipFill>
+          <p:spPr>
+            <a:xfrm>
+              <a:off x="9717566" y="3897339"/>
+              <a:ext cx="2451226" cy="3429176"/>
+            </a:xfrm>
+            <a:prstGeom prst="rect">
+              <a:avLst/>
+            </a:prstGeom>
+          </p:spPr>
+        </p:pic>
+        <p:pic>
+          <p:nvPicPr>
+            <p:cNvPr id="8" name="Picture 7"/>
+            <p:cNvPicPr>
+              <a:picLocks noChangeAspect="1"/>
+            </p:cNvPicPr>
+            <p:nvPr/>
+          </p:nvPicPr>
+          <p:blipFill>
+            <a:blip r:embed="rId4">
+              <a:grayscl/>
+            </a:blip>
+            <a:stretch>
+              <a:fillRect/>
+            </a:stretch>
+          </p:blipFill>
+          <p:spPr>
+            <a:xfrm>
+              <a:off x="2266007" y="3897339"/>
+              <a:ext cx="7129903" cy="6858000"/>
+            </a:xfrm>
+            <a:prstGeom prst="rect">
+              <a:avLst/>
+            </a:prstGeom>
+          </p:spPr>
+        </p:pic>
+      </p:grpSp>
+      <p:sp>
+        <p:nvSpPr>
+          <p:cNvPr id="3" name="Rectangle 2"/>
+          <p:cNvSpPr/>
+          <p:nvPr/>
+        </p:nvSpPr>
+        <p:spPr>
+          <a:xfrm>
+            <a:off x="428224" y="2828835"/>
+            <a:ext cx="6609502" cy="1200329"/>
+          </a:xfrm>
+          <a:prstGeom prst="rect">
+            <a:avLst/>
+          </a:prstGeom>
+          <a:solidFill>
+            <a:schemeClr val="bg1">
+              <a:alpha val="80000"/>
+            </a:schemeClr>
+          </a:solidFill>
+        </p:spPr>
+        <p:txBody>
+          <a:bodyPr wrap="none">
+            <a:spAutoFit/>
+          </a:bodyPr>
+          <a:lstStyle/>
+          <a:p>
+            <a:r>
+              <a:rPr lang="de-CH" sz="3600" dirty="0">
+                <a:solidFill>
+                  <a:schemeClr val="tx2"/>
+                </a:solidFill>
+                <a:latin typeface="Yanone Kaffeesatz Regular" panose="02000000000000000000" pitchFamily="2" charset="0"/>
+              </a:rPr>
+              <a:t>docs.particular.net/</a:t>
+            </a:r>
+            <a:br>
+              <a:rPr lang="de-CH" sz="3600" dirty="0">
+                <a:solidFill>
+                  <a:schemeClr val="tx2"/>
+                </a:solidFill>
+                <a:latin typeface="Yanone Kaffeesatz Regular" panose="02000000000000000000" pitchFamily="2" charset="0"/>
+              </a:rPr>
+            </a:br>
+            <a:r>
+              <a:rPr lang="de-CH" sz="3600" dirty="0" err="1">
+                <a:solidFill>
+                  <a:schemeClr val="accent4"/>
+                </a:solidFill>
+                <a:latin typeface="Yanone Kaffeesatz Regular" panose="02000000000000000000" pitchFamily="2" charset="0"/>
+              </a:rPr>
+              <a:t>samples</a:t>
+            </a:r>
+            <a:r>
+              <a:rPr lang="de-CH" sz="3600" dirty="0">
+                <a:solidFill>
+                  <a:schemeClr val="accent4"/>
+                </a:solidFill>
+                <a:latin typeface="Yanone Kaffeesatz Regular" panose="02000000000000000000" pitchFamily="2" charset="0"/>
+              </a:rPr>
+              <a:t>/</a:t>
+            </a:r>
+            <a:r>
+              <a:rPr lang="de-CH" sz="3600" dirty="0" err="1">
+                <a:solidFill>
+                  <a:schemeClr val="accent4"/>
+                </a:solidFill>
+                <a:latin typeface="Yanone Kaffeesatz Regular" panose="02000000000000000000" pitchFamily="2" charset="0"/>
+              </a:rPr>
+              <a:t>azure</a:t>
+            </a:r>
+            <a:r>
+              <a:rPr lang="de-CH" sz="3600" dirty="0">
+                <a:solidFill>
+                  <a:schemeClr val="accent4"/>
+                </a:solidFill>
+                <a:latin typeface="Yanone Kaffeesatz Regular" panose="02000000000000000000" pitchFamily="2" charset="0"/>
+              </a:rPr>
+              <a:t>/</a:t>
+            </a:r>
+            <a:r>
+              <a:rPr lang="de-CH" sz="3600" dirty="0" err="1">
+                <a:solidFill>
+                  <a:schemeClr val="accent4"/>
+                </a:solidFill>
+                <a:latin typeface="Yanone Kaffeesatz Regular" panose="02000000000000000000" pitchFamily="2" charset="0"/>
+              </a:rPr>
+              <a:t>azure</a:t>
+            </a:r>
+            <a:r>
+              <a:rPr lang="de-CH" sz="3600" dirty="0">
+                <a:solidFill>
+                  <a:schemeClr val="accent4"/>
+                </a:solidFill>
+                <a:latin typeface="Yanone Kaffeesatz Regular" panose="02000000000000000000" pitchFamily="2" charset="0"/>
+              </a:rPr>
+              <a:t>-service-</a:t>
+            </a:r>
+            <a:r>
+              <a:rPr lang="de-CH" sz="3600" dirty="0" err="1">
+                <a:solidFill>
+                  <a:schemeClr val="accent4"/>
+                </a:solidFill>
+                <a:latin typeface="Yanone Kaffeesatz Regular" panose="02000000000000000000" pitchFamily="2" charset="0"/>
+              </a:rPr>
+              <a:t>fabric</a:t>
+            </a:r>
+            <a:r>
+              <a:rPr lang="de-CH" sz="3600" dirty="0">
+                <a:solidFill>
+                  <a:schemeClr val="accent4"/>
+                </a:solidFill>
+                <a:latin typeface="Yanone Kaffeesatz Regular" panose="02000000000000000000" pitchFamily="2" charset="0"/>
+              </a:rPr>
+              <a:t>-routing/</a:t>
+            </a:r>
+          </a:p>
+        </p:txBody>
+      </p:sp>
+    </p:spTree>
+    <p:extLst>
+      <p:ext uri="{BB962C8B-B14F-4D97-AF65-F5344CB8AC3E}">
+        <p14:creationId xmlns:p14="http://schemas.microsoft.com/office/powerpoint/2010/main" val="3793813256"/>
+      </p:ext>
+    </p:extLst>
+  </p:cSld>
+  <p:clrMapOvr>
+    <a:masterClrMapping/>
+  </p:clrMapOvr>
+</p:sld>
+</file>
+
+<file path=ppt/slides/slide25.xml><?xml version="1.0" encoding="utf-8"?>
+<p:sld xmlns:a="http://schemas.openxmlformats.org/drawingml/2006/main" xmlns:r="http://schemas.openxmlformats.org/officeDocument/2006/relationships" xmlns:p="http://schemas.openxmlformats.org/presentationml/2006/main">
+  <p:cSld>
+    <p:spTree>
+      <p:nvGrpSpPr>
+        <p:cNvPr id="1" name=""/>
+        <p:cNvGrpSpPr/>
+        <p:nvPr/>
+      </p:nvGrpSpPr>
+      <p:grpSpPr>
+        <a:xfrm>
+          <a:off x="0" y="0"/>
+          <a:ext cx="0" cy="0"/>
+          <a:chOff x="0" y="0"/>
+          <a:chExt cx="0" cy="0"/>
+        </a:xfrm>
+      </p:grpSpPr>
+      <p:sp>
+        <p:nvSpPr>
+          <p:cNvPr id="2" name="Rectangle 1"/>
+          <p:cNvSpPr/>
+          <p:nvPr/>
+        </p:nvSpPr>
+        <p:spPr>
+          <a:xfrm>
+            <a:off x="3858849" y="1851645"/>
+            <a:ext cx="4474302" cy="3154710"/>
+          </a:xfrm>
+          <a:prstGeom prst="rect">
+            <a:avLst/>
+          </a:prstGeom>
+        </p:spPr>
+        <p:txBody>
+          <a:bodyPr wrap="none">
+            <a:spAutoFit/>
+          </a:bodyPr>
+          <a:lstStyle/>
+          <a:p>
+            <a:r>
+              <a:rPr lang="en-US" sz="19900" dirty="0">
+                <a:solidFill>
+                  <a:schemeClr val="accent2"/>
+                </a:solidFill>
+                <a:latin typeface="Yanone Kaffeesatz Regular" panose="02000000000000000000" pitchFamily="2" charset="0"/>
+              </a:rPr>
+              <a:t>Q &amp; A</a:t>
+            </a:r>
+            <a:endParaRPr lang="de-CH" sz="2000" dirty="0"/>
+          </a:p>
+        </p:txBody>
+      </p:sp>
+      <p:pic>
+        <p:nvPicPr>
+          <p:cNvPr id="4" name="Picture 3"/>
+          <p:cNvPicPr>
+            <a:picLocks noChangeAspect="1"/>
+          </p:cNvPicPr>
+          <p:nvPr/>
+        </p:nvPicPr>
+        <p:blipFill>
+          <a:blip r:embed="rId3" cstate="print">
+            <a:extLst>
+              <a:ext uri="{28A0092B-C50C-407E-A947-70E740481C1C}">
+                <a14:useLocalDpi xmlns:a14="http://schemas.microsoft.com/office/drawing/2010/main" val="0"/>
+              </a:ext>
+            </a:extLst>
+          </a:blip>
+          <a:stretch>
+            <a:fillRect/>
+          </a:stretch>
+        </p:blipFill>
+        <p:spPr>
+          <a:xfrm>
+            <a:off x="8052306" y="612519"/>
+            <a:ext cx="2880000" cy="690817"/>
+          </a:xfrm>
+          <a:prstGeom prst="rect">
+            <a:avLst/>
+          </a:prstGeom>
+        </p:spPr>
+      </p:pic>
+    </p:spTree>
+    <p:extLst>
+      <p:ext uri="{BB962C8B-B14F-4D97-AF65-F5344CB8AC3E}">
+        <p14:creationId xmlns:p14="http://schemas.microsoft.com/office/powerpoint/2010/main" val="4241321608"/>
+      </p:ext>
+    </p:extLst>
+  </p:cSld>
+  <p:clrMapOvr>
+    <a:masterClrMapping/>
+  </p:clrMapOvr>
+</p:sld>
+</file>
+
+<file path=ppt/slides/slide26.xml><?xml version="1.0" encoding="utf-8"?>
+<p:sld xmlns:a="http://schemas.openxmlformats.org/drawingml/2006/main" xmlns:r="http://schemas.openxmlformats.org/officeDocument/2006/relationships" xmlns:p="http://schemas.openxmlformats.org/presentationml/2006/main">
+  <p:cSld>
+    <p:spTree>
+      <p:nvGrpSpPr>
+        <p:cNvPr id="1" name=""/>
+        <p:cNvGrpSpPr/>
+        <p:nvPr/>
+      </p:nvGrpSpPr>
+      <p:grpSpPr>
+        <a:xfrm>
+          <a:off x="0" y="0"/>
+          <a:ext cx="0" cy="0"/>
+          <a:chOff x="0" y="0"/>
+          <a:chExt cx="0" cy="0"/>
+        </a:xfrm>
+      </p:grpSpPr>
       <p:pic>
         <p:nvPicPr>
           <p:cNvPr id="3" name="Picture 2"/>
@@ -15552,7 +16105,7 @@
 </p:sld>
 </file>
 
-<file path=ppt/slides/slide25.xml><?xml version="1.0" encoding="utf-8"?>
+<file path=ppt/slides/slide27.xml><?xml version="1.0" encoding="utf-8"?>
 <p:sld xmlns:a="http://schemas.openxmlformats.org/drawingml/2006/main" xmlns:r="http://schemas.openxmlformats.org/officeDocument/2006/relationships" xmlns:p="http://schemas.openxmlformats.org/presentationml/2006/main">
   <p:cSld>
     <p:spTree>

--- a/Slides.pptx
+++ b/Slides.pptx
@@ -5,7 +5,7 @@
     <p:sldMasterId id="2147483648" r:id="rId1"/>
   </p:sldMasterIdLst>
   <p:notesMasterIdLst>
-    <p:notesMasterId r:id="rId29"/>
+    <p:notesMasterId r:id="rId30"/>
   </p:notesMasterIdLst>
   <p:sldIdLst>
     <p:sldId id="279" r:id="rId2"/>
@@ -29,12 +29,13 @@
     <p:sldId id="303" r:id="rId20"/>
     <p:sldId id="304" r:id="rId21"/>
     <p:sldId id="301" r:id="rId22"/>
-    <p:sldId id="280" r:id="rId23"/>
-    <p:sldId id="306" r:id="rId24"/>
-    <p:sldId id="307" r:id="rId25"/>
-    <p:sldId id="281" r:id="rId26"/>
-    <p:sldId id="283" r:id="rId27"/>
-    <p:sldId id="282" r:id="rId28"/>
+    <p:sldId id="308" r:id="rId23"/>
+    <p:sldId id="280" r:id="rId24"/>
+    <p:sldId id="306" r:id="rId25"/>
+    <p:sldId id="307" r:id="rId26"/>
+    <p:sldId id="281" r:id="rId27"/>
+    <p:sldId id="283" r:id="rId28"/>
+    <p:sldId id="282" r:id="rId29"/>
   </p:sldIdLst>
   <p:sldSz cx="12192000" cy="6858000"/>
   <p:notesSz cx="6858000" cy="9144000"/>
@@ -649,7 +650,7 @@
             </a:r>
             <a:r>
               <a:rPr lang="en-US" dirty="0"/>
-              <a:t> tier we should introduce some kind of broker middleware like Azure Service Bus, Azure Storage Queues or RabbitMQ for on-premises. The broker middleware will contain a queue for our chocolate orders. Of course not everything has to go through the queue. Only things like orders that need to be processed in order and potentially throttled. After all it is better to process orders a bit later than loosing them right? With that we get</a:t>
+              <a:t> tier we should introduce some kind of broker middleware like Azure Service Bus, Azure Storage Queues or RabbitMQ for on-premises. The broker middleware will contain a queue for our chocolate orders. Of course not everything has to go through the queue. Only things like orders that need to be processed in order and potentially throttled. After all it is better to process orders a bit later than loosing them right? Orders like a swiss clock. With that we get</a:t>
             </a:r>
           </a:p>
           <a:p>
@@ -727,17 +728,6 @@
               <a:rPr lang="en-US" dirty="0"/>
               <a:t>Reactive</a:t>
             </a:r>
-          </a:p>
-          <a:p>
-            <a:pPr marL="171450" indent="-171450">
-              <a:buFont typeface="Arial" panose="020B0604020202020204" pitchFamily="34" charset="0"/>
-              <a:buChar char="•"/>
-            </a:pPr>
-            <a:r>
-              <a:rPr lang="en-US" dirty="0"/>
-              <a:t>Auditing of orders</a:t>
-            </a:r>
-            <a:endParaRPr lang="de-CH" dirty="0"/>
           </a:p>
         </p:txBody>
       </p:sp>
@@ -2258,10 +2248,6 @@
           <a:bodyPr/>
           <a:lstStyle/>
           <a:p>
-            <a:r>
-              <a:rPr lang="en-US" dirty="0"/>
-              <a:t>Questions that can be answered in blog posts</a:t>
-            </a:r>
             <a:endParaRPr lang="de-CH" dirty="0"/>
           </a:p>
         </p:txBody>
@@ -2292,7 +2278,7 @@
     </p:spTree>
     <p:extLst>
       <p:ext uri="{BB962C8B-B14F-4D97-AF65-F5344CB8AC3E}">
-        <p14:creationId xmlns:p14="http://schemas.microsoft.com/office/powerpoint/2010/main" val="3027687940"/>
+        <p14:creationId xmlns:p14="http://schemas.microsoft.com/office/powerpoint/2010/main" val="3034449637"/>
       </p:ext>
     </p:extLst>
   </p:cSld>
@@ -2346,7 +2332,11 @@
           <a:bodyPr/>
           <a:lstStyle/>
           <a:p>
-            <a:endParaRPr lang="en-CH" dirty="0"/>
+            <a:r>
+              <a:rPr lang="en-US" dirty="0"/>
+              <a:t>Questions that can be answered in blog posts</a:t>
+            </a:r>
+            <a:endParaRPr lang="de-CH" dirty="0"/>
           </a:p>
         </p:txBody>
       </p:sp>
@@ -2365,18 +2355,18 @@
           <a:bodyPr/>
           <a:lstStyle/>
           <a:p>
-            <a:fld id="{59E9685D-E391-4BCC-987B-6FB0218A8DB9}" type="slidenum">
-              <a:rPr lang="en-US" smtClean="0"/>
+            <a:fld id="{9BCA07FD-5BD5-4529-84B0-48DD2C561176}" type="slidenum">
+              <a:rPr lang="de-CH" smtClean="0"/>
               <a:t>23</a:t>
             </a:fld>
-            <a:endParaRPr lang="en-US"/>
+            <a:endParaRPr lang="de-CH"/>
           </a:p>
         </p:txBody>
       </p:sp>
     </p:spTree>
     <p:extLst>
       <p:ext uri="{BB962C8B-B14F-4D97-AF65-F5344CB8AC3E}">
-        <p14:creationId xmlns:p14="http://schemas.microsoft.com/office/powerpoint/2010/main" val="389002582"/>
+        <p14:creationId xmlns:p14="http://schemas.microsoft.com/office/powerpoint/2010/main" val="3027687940"/>
       </p:ext>
     </p:extLst>
   </p:cSld>
@@ -2430,7 +2420,7 @@
           <a:bodyPr/>
           <a:lstStyle/>
           <a:p>
-            <a:endParaRPr lang="de-CH" dirty="0"/>
+            <a:endParaRPr lang="en-CH" dirty="0"/>
           </a:p>
         </p:txBody>
       </p:sp>
@@ -2449,18 +2439,18 @@
           <a:bodyPr/>
           <a:lstStyle/>
           <a:p>
-            <a:fld id="{9BCA07FD-5BD5-4529-84B0-48DD2C561176}" type="slidenum">
-              <a:rPr lang="de-CH" smtClean="0"/>
-              <a:t>25</a:t>
+            <a:fld id="{59E9685D-E391-4BCC-987B-6FB0218A8DB9}" type="slidenum">
+              <a:rPr lang="en-US" smtClean="0"/>
+              <a:t>24</a:t>
             </a:fld>
-            <a:endParaRPr lang="de-CH"/>
+            <a:endParaRPr lang="en-US"/>
           </a:p>
         </p:txBody>
       </p:sp>
     </p:spTree>
     <p:extLst>
       <p:ext uri="{BB962C8B-B14F-4D97-AF65-F5344CB8AC3E}">
-        <p14:creationId xmlns:p14="http://schemas.microsoft.com/office/powerpoint/2010/main" val="771056156"/>
+        <p14:creationId xmlns:p14="http://schemas.microsoft.com/office/powerpoint/2010/main" val="389002582"/>
       </p:ext>
     </p:extLst>
   </p:cSld>
@@ -2544,7 +2534,7 @@
     </p:spTree>
     <p:extLst>
       <p:ext uri="{BB962C8B-B14F-4D97-AF65-F5344CB8AC3E}">
-        <p14:creationId xmlns:p14="http://schemas.microsoft.com/office/powerpoint/2010/main" val="2672634818"/>
+        <p14:creationId xmlns:p14="http://schemas.microsoft.com/office/powerpoint/2010/main" val="771056156"/>
       </p:ext>
     </p:extLst>
   </p:cSld>
@@ -2598,14 +2588,6 @@
           <a:bodyPr/>
           <a:lstStyle/>
           <a:p>
-            <a:r>
-              <a:rPr lang="de-CH" dirty="0"/>
-              <a:t>Thank you very much</a:t>
-            </a:r>
-            <a:r>
-              <a:rPr lang="de-CH" baseline="0" dirty="0"/>
-              <a:t> for listening and see you next time</a:t>
-            </a:r>
             <a:endParaRPr lang="de-CH" dirty="0"/>
           </a:p>
         </p:txBody>
@@ -2628,6 +2610,98 @@
             <a:fld id="{9BCA07FD-5BD5-4529-84B0-48DD2C561176}" type="slidenum">
               <a:rPr lang="de-CH" smtClean="0"/>
               <a:t>27</a:t>
+            </a:fld>
+            <a:endParaRPr lang="de-CH"/>
+          </a:p>
+        </p:txBody>
+      </p:sp>
+    </p:spTree>
+    <p:extLst>
+      <p:ext uri="{BB962C8B-B14F-4D97-AF65-F5344CB8AC3E}">
+        <p14:creationId xmlns:p14="http://schemas.microsoft.com/office/powerpoint/2010/main" val="2672634818"/>
+      </p:ext>
+    </p:extLst>
+  </p:cSld>
+  <p:clrMapOvr>
+    <a:masterClrMapping/>
+  </p:clrMapOvr>
+</p:notes>
+</file>
+
+<file path=ppt/notesSlides/notesSlide27.xml><?xml version="1.0" encoding="utf-8"?>
+<p:notes xmlns:a="http://schemas.openxmlformats.org/drawingml/2006/main" xmlns:r="http://schemas.openxmlformats.org/officeDocument/2006/relationships" xmlns:p="http://schemas.openxmlformats.org/presentationml/2006/main">
+  <p:cSld>
+    <p:spTree>
+      <p:nvGrpSpPr>
+        <p:cNvPr id="1" name=""/>
+        <p:cNvGrpSpPr/>
+        <p:nvPr/>
+      </p:nvGrpSpPr>
+      <p:grpSpPr>
+        <a:xfrm>
+          <a:off x="0" y="0"/>
+          <a:ext cx="0" cy="0"/>
+          <a:chOff x="0" y="0"/>
+          <a:chExt cx="0" cy="0"/>
+        </a:xfrm>
+      </p:grpSpPr>
+      <p:sp>
+        <p:nvSpPr>
+          <p:cNvPr id="2" name="Slide Image Placeholder 1"/>
+          <p:cNvSpPr>
+            <a:spLocks noGrp="1" noRot="1" noChangeAspect="1"/>
+          </p:cNvSpPr>
+          <p:nvPr>
+            <p:ph type="sldImg"/>
+          </p:nvPr>
+        </p:nvSpPr>
+        <p:spPr/>
+      </p:sp>
+      <p:sp>
+        <p:nvSpPr>
+          <p:cNvPr id="3" name="Notes Placeholder 2"/>
+          <p:cNvSpPr>
+            <a:spLocks noGrp="1"/>
+          </p:cNvSpPr>
+          <p:nvPr>
+            <p:ph type="body" idx="1"/>
+          </p:nvPr>
+        </p:nvSpPr>
+        <p:spPr/>
+        <p:txBody>
+          <a:bodyPr/>
+          <a:lstStyle/>
+          <a:p>
+            <a:r>
+              <a:rPr lang="de-CH" dirty="0"/>
+              <a:t>Thank you very much</a:t>
+            </a:r>
+            <a:r>
+              <a:rPr lang="de-CH" baseline="0" dirty="0"/>
+              <a:t> for listening and see you next time</a:t>
+            </a:r>
+            <a:endParaRPr lang="de-CH" dirty="0"/>
+          </a:p>
+        </p:txBody>
+      </p:sp>
+      <p:sp>
+        <p:nvSpPr>
+          <p:cNvPr id="4" name="Slide Number Placeholder 3"/>
+          <p:cNvSpPr>
+            <a:spLocks noGrp="1"/>
+          </p:cNvSpPr>
+          <p:nvPr>
+            <p:ph type="sldNum" sz="quarter" idx="10"/>
+          </p:nvPr>
+        </p:nvSpPr>
+        <p:spPr/>
+        <p:txBody>
+          <a:bodyPr/>
+          <a:lstStyle/>
+          <a:p>
+            <a:fld id="{9BCA07FD-5BD5-4529-84B0-48DD2C561176}" type="slidenum">
+              <a:rPr lang="de-CH" smtClean="0"/>
+              <a:t>28</a:t>
             </a:fld>
             <a:endParaRPr lang="de-CH"/>
           </a:p>
@@ -7635,7 +7709,7 @@
         <p:spPr>
           <a:xfrm>
             <a:off x="8836297" y="2929225"/>
-            <a:ext cx="1040670" cy="461665"/>
+            <a:ext cx="1088760" cy="461665"/>
           </a:xfrm>
           <a:prstGeom prst="rect">
             <a:avLst/>
@@ -7649,13 +7723,13 @@
           <a:lstStyle/>
           <a:p>
             <a:r>
-              <a:rPr lang="en-US" sz="2400" dirty="0" err="1">
+              <a:rPr lang="en-US" sz="2400" dirty="0">
                 <a:solidFill>
                   <a:schemeClr val="accent3"/>
                 </a:solidFill>
                 <a:latin typeface="Yanone Kaffeesatz Regular" panose="02000000000000000000" pitchFamily="2" charset="0"/>
               </a:rPr>
-              <a:t>EntityFW</a:t>
+              <a:t>Entity FW</a:t>
             </a:r>
             <a:endParaRPr lang="de-CH" sz="2400" dirty="0">
               <a:solidFill>
@@ -15276,25 +15350,69 @@
       </p:grpSpPr>
       <p:sp>
         <p:nvSpPr>
-          <p:cNvPr id="2" name="Rectangle 1"/>
+          <p:cNvPr id="5" name="Rectangle 4"/>
           <p:cNvSpPr/>
           <p:nvPr/>
         </p:nvSpPr>
         <p:spPr>
           <a:xfrm>
-            <a:off x="1064014" y="3127733"/>
-            <a:ext cx="8919429" cy="923330"/>
+            <a:off x="0" y="1952437"/>
+            <a:ext cx="4999912" cy="2646878"/>
           </a:xfrm>
           <a:prstGeom prst="rect">
             <a:avLst/>
           </a:prstGeom>
         </p:spPr>
         <p:txBody>
-          <a:bodyPr wrap="none">
+          <a:bodyPr wrap="square">
             <a:spAutoFit/>
           </a:bodyPr>
           <a:lstStyle/>
           <a:p>
+            <a:pPr algn="ctr"/>
+            <a:r>
+              <a:rPr lang="en-US" sz="16600" dirty="0">
+                <a:solidFill>
+                  <a:schemeClr val="accent2"/>
+                </a:solidFill>
+                <a:latin typeface="Yanone Kaffeesatz Regular" panose="02000000000000000000" pitchFamily="2" charset="0"/>
+              </a:rPr>
+              <a:t>Recap</a:t>
+            </a:r>
+            <a:endParaRPr lang="de-CH" dirty="0"/>
+          </a:p>
+        </p:txBody>
+      </p:sp>
+      <p:sp>
+        <p:nvSpPr>
+          <p:cNvPr id="4" name="Rectangle 3"/>
+          <p:cNvSpPr/>
+          <p:nvPr/>
+        </p:nvSpPr>
+        <p:spPr>
+          <a:xfrm>
+            <a:off x="6485271" y="1443841"/>
+            <a:ext cx="5706729" cy="3970318"/>
+          </a:xfrm>
+          <a:prstGeom prst="rect">
+            <a:avLst/>
+          </a:prstGeom>
+        </p:spPr>
+        <p:txBody>
+          <a:bodyPr wrap="square">
+            <a:spAutoFit/>
+          </a:bodyPr>
+          <a:lstStyle/>
+          <a:p>
+            <a:r>
+              <a:rPr lang="en-US" sz="3600" dirty="0" err="1">
+                <a:solidFill>
+                  <a:schemeClr val="tx2"/>
+                </a:solidFill>
+                <a:latin typeface="Yanone Kaffeesatz Regular" panose="02000000000000000000" pitchFamily="2" charset="0"/>
+              </a:rPr>
+              <a:t>Stateful</a:t>
+            </a:r>
             <a:r>
               <a:rPr lang="en-US" sz="3600" dirty="0">
                 <a:solidFill>
@@ -15302,70 +15420,237 @@
                 </a:solidFill>
                 <a:latin typeface="Yanone Kaffeesatz Regular" panose="02000000000000000000" pitchFamily="2" charset="0"/>
               </a:rPr>
-              <a:t>github.com/danielmarbach/</a:t>
-            </a:r>
-            <a:r>
-              <a:rPr lang="en-US" sz="5400" dirty="0">
+              <a:t> computation with low latency requires </a:t>
+            </a:r>
+            <a:r>
+              <a:rPr lang="en-US" sz="3600" dirty="0">
                 <a:solidFill>
                   <a:schemeClr val="accent4"/>
                 </a:solidFill>
                 <a:latin typeface="Yanone Kaffeesatz Regular" panose="02000000000000000000" pitchFamily="2" charset="0"/>
               </a:rPr>
-              <a:t>service-fabric-webinar</a:t>
-            </a:r>
-            <a:endParaRPr lang="de-CH" sz="5400" dirty="0">
+              <a:t>smart routing</a:t>
+            </a:r>
+            <a:endParaRPr lang="en-US" sz="3600" dirty="0">
               <a:solidFill>
-                <a:schemeClr val="accent4"/>
+                <a:schemeClr val="tx2"/>
               </a:solidFill>
               <a:latin typeface="Yanone Kaffeesatz Regular" panose="02000000000000000000" pitchFamily="2" charset="0"/>
             </a:endParaRPr>
           </a:p>
-        </p:txBody>
-      </p:sp>
-      <p:sp>
-        <p:nvSpPr>
-          <p:cNvPr id="4" name="Rectangle 3"/>
-          <p:cNvSpPr/>
-          <p:nvPr/>
-        </p:nvSpPr>
-        <p:spPr>
-          <a:xfrm>
-            <a:off x="1064014" y="1124536"/>
-            <a:ext cx="6463629" cy="1862048"/>
-          </a:xfrm>
-          <a:prstGeom prst="rect">
-            <a:avLst/>
-          </a:prstGeom>
-        </p:spPr>
-        <p:txBody>
-          <a:bodyPr wrap="none">
-            <a:spAutoFit/>
-          </a:bodyPr>
-          <a:lstStyle/>
-          <a:p>
-            <a:r>
-              <a:rPr lang="en-US" sz="11500" dirty="0">
+          <a:p>
+            <a:endParaRPr lang="en-US" sz="3600" dirty="0">
+              <a:solidFill>
+                <a:schemeClr val="tx2"/>
+              </a:solidFill>
+              <a:latin typeface="Yanone Kaffeesatz Regular" panose="02000000000000000000" pitchFamily="2" charset="0"/>
+            </a:endParaRPr>
+          </a:p>
+          <a:p>
+            <a:r>
+              <a:rPr lang="en-US" sz="3600" dirty="0">
                 <a:solidFill>
-                  <a:schemeClr val="accent2"/>
+                  <a:schemeClr val="tx2"/>
                 </a:solidFill>
                 <a:latin typeface="Yanone Kaffeesatz Regular" panose="02000000000000000000" pitchFamily="2" charset="0"/>
               </a:rPr>
-              <a:t>Slides, Links…</a:t>
-            </a:r>
-            <a:endParaRPr lang="de-CH" sz="1400" dirty="0"/>
+              <a:t>Service Fabric with stateless and </a:t>
+            </a:r>
+            <a:r>
+              <a:rPr lang="en-US" sz="3600" dirty="0" err="1">
+                <a:solidFill>
+                  <a:schemeClr val="accent4"/>
+                </a:solidFill>
+                <a:latin typeface="Yanone Kaffeesatz Regular" panose="02000000000000000000" pitchFamily="2" charset="0"/>
+              </a:rPr>
+              <a:t>stateful</a:t>
+            </a:r>
+            <a:r>
+              <a:rPr lang="en-US" sz="3600" dirty="0">
+                <a:solidFill>
+                  <a:schemeClr val="tx2"/>
+                </a:solidFill>
+                <a:latin typeface="Yanone Kaffeesatz Regular" panose="02000000000000000000" pitchFamily="2" charset="0"/>
+              </a:rPr>
+              <a:t> services </a:t>
+            </a:r>
+            <a:r>
+              <a:rPr lang="en-US" sz="3600" dirty="0">
+                <a:solidFill>
+                  <a:schemeClr val="accent4"/>
+                </a:solidFill>
+                <a:latin typeface="Yanone Kaffeesatz Regular" panose="02000000000000000000" pitchFamily="2" charset="0"/>
+              </a:rPr>
+              <a:t>combined with</a:t>
+            </a:r>
+            <a:r>
+              <a:rPr lang="en-US" sz="3600" dirty="0">
+                <a:solidFill>
+                  <a:schemeClr val="tx2"/>
+                </a:solidFill>
+                <a:latin typeface="Yanone Kaffeesatz Regular" panose="02000000000000000000" pitchFamily="2" charset="0"/>
+              </a:rPr>
+              <a:t> </a:t>
+            </a:r>
+            <a:r>
+              <a:rPr lang="en-US" sz="3600" dirty="0">
+                <a:solidFill>
+                  <a:schemeClr val="accent4"/>
+                </a:solidFill>
+                <a:latin typeface="Yanone Kaffeesatz Regular" panose="02000000000000000000" pitchFamily="2" charset="0"/>
+              </a:rPr>
+              <a:t>messaging</a:t>
+            </a:r>
+            <a:r>
+              <a:rPr lang="en-US" sz="3600" dirty="0">
+                <a:solidFill>
+                  <a:schemeClr val="tx2"/>
+                </a:solidFill>
+                <a:latin typeface="Yanone Kaffeesatz Regular" panose="02000000000000000000" pitchFamily="2" charset="0"/>
+              </a:rPr>
+              <a:t> gives you best of two worlds</a:t>
+            </a:r>
           </a:p>
         </p:txBody>
       </p:sp>
     </p:spTree>
     <p:extLst>
       <p:ext uri="{BB962C8B-B14F-4D97-AF65-F5344CB8AC3E}">
-        <p14:creationId xmlns:p14="http://schemas.microsoft.com/office/powerpoint/2010/main" val="1581449120"/>
+        <p14:creationId xmlns:p14="http://schemas.microsoft.com/office/powerpoint/2010/main" val="2436182924"/>
       </p:ext>
     </p:extLst>
   </p:cSld>
   <p:clrMapOvr>
     <a:masterClrMapping/>
   </p:clrMapOvr>
+  <p:timing>
+    <p:tnLst>
+      <p:par>
+        <p:cTn id="1" dur="indefinite" restart="never" nodeType="tmRoot">
+          <p:childTnLst>
+            <p:seq concurrent="1" nextAc="seek">
+              <p:cTn id="2" dur="indefinite" nodeType="mainSeq">
+                <p:childTnLst>
+                  <p:par>
+                    <p:cTn id="3" fill="hold">
+                      <p:stCondLst>
+                        <p:cond delay="indefinite"/>
+                      </p:stCondLst>
+                      <p:childTnLst>
+                        <p:par>
+                          <p:cTn id="4" fill="hold">
+                            <p:stCondLst>
+                              <p:cond delay="0"/>
+                            </p:stCondLst>
+                            <p:childTnLst>
+                              <p:par>
+                                <p:cTn id="5" presetID="1" presetClass="entr" presetSubtype="0" fill="hold" nodeType="clickEffect">
+                                  <p:stCondLst>
+                                    <p:cond delay="0"/>
+                                  </p:stCondLst>
+                                  <p:childTnLst>
+                                    <p:set>
+                                      <p:cBhvr>
+                                        <p:cTn id="6" dur="1" fill="hold">
+                                          <p:stCondLst>
+                                            <p:cond delay="0"/>
+                                          </p:stCondLst>
+                                        </p:cTn>
+                                        <p:tgtEl>
+                                          <p:spTgt spid="4">
+                                            <p:txEl>
+                                              <p:pRg st="0" end="0"/>
+                                            </p:txEl>
+                                          </p:spTgt>
+                                        </p:tgtEl>
+                                        <p:attrNameLst>
+                                          <p:attrName>style.visibility</p:attrName>
+                                        </p:attrNameLst>
+                                      </p:cBhvr>
+                                      <p:to>
+                                        <p:strVal val="visible"/>
+                                      </p:to>
+                                    </p:set>
+                                  </p:childTnLst>
+                                </p:cTn>
+                              </p:par>
+                            </p:childTnLst>
+                          </p:cTn>
+                        </p:par>
+                      </p:childTnLst>
+                    </p:cTn>
+                  </p:par>
+                  <p:par>
+                    <p:cTn id="7" fill="hold">
+                      <p:stCondLst>
+                        <p:cond delay="indefinite"/>
+                      </p:stCondLst>
+                      <p:childTnLst>
+                        <p:par>
+                          <p:cTn id="8" fill="hold">
+                            <p:stCondLst>
+                              <p:cond delay="0"/>
+                            </p:stCondLst>
+                            <p:childTnLst>
+                              <p:par>
+                                <p:cTn id="9" presetID="1" presetClass="entr" presetSubtype="0" fill="hold" nodeType="clickEffect">
+                                  <p:stCondLst>
+                                    <p:cond delay="0"/>
+                                  </p:stCondLst>
+                                  <p:childTnLst>
+                                    <p:set>
+                                      <p:cBhvr>
+                                        <p:cTn id="10" dur="1" fill="hold">
+                                          <p:stCondLst>
+                                            <p:cond delay="0"/>
+                                          </p:stCondLst>
+                                        </p:cTn>
+                                        <p:tgtEl>
+                                          <p:spTgt spid="4">
+                                            <p:txEl>
+                                              <p:pRg st="2" end="2"/>
+                                            </p:txEl>
+                                          </p:spTgt>
+                                        </p:tgtEl>
+                                        <p:attrNameLst>
+                                          <p:attrName>style.visibility</p:attrName>
+                                        </p:attrNameLst>
+                                      </p:cBhvr>
+                                      <p:to>
+                                        <p:strVal val="visible"/>
+                                      </p:to>
+                                    </p:set>
+                                  </p:childTnLst>
+                                </p:cTn>
+                              </p:par>
+                            </p:childTnLst>
+                          </p:cTn>
+                        </p:par>
+                      </p:childTnLst>
+                    </p:cTn>
+                  </p:par>
+                </p:childTnLst>
+              </p:cTn>
+              <p:prevCondLst>
+                <p:cond evt="onPrev" delay="0">
+                  <p:tgtEl>
+                    <p:sldTgt/>
+                  </p:tgtEl>
+                </p:cond>
+              </p:prevCondLst>
+              <p:nextCondLst>
+                <p:cond evt="onNext" delay="0">
+                  <p:tgtEl>
+                    <p:sldTgt/>
+                  </p:tgtEl>
+                </p:cond>
+              </p:nextCondLst>
+            </p:seq>
+          </p:childTnLst>
+        </p:cTn>
+      </p:par>
+    </p:tnLst>
+  </p:timing>
 </p:sld>
 </file>
 
@@ -15388,6 +15673,118 @@
       </p:grpSpPr>
       <p:sp>
         <p:nvSpPr>
+          <p:cNvPr id="2" name="Rectangle 1"/>
+          <p:cNvSpPr/>
+          <p:nvPr/>
+        </p:nvSpPr>
+        <p:spPr>
+          <a:xfrm>
+            <a:off x="1064014" y="3127733"/>
+            <a:ext cx="8919429" cy="923330"/>
+          </a:xfrm>
+          <a:prstGeom prst="rect">
+            <a:avLst/>
+          </a:prstGeom>
+        </p:spPr>
+        <p:txBody>
+          <a:bodyPr wrap="none">
+            <a:spAutoFit/>
+          </a:bodyPr>
+          <a:lstStyle/>
+          <a:p>
+            <a:r>
+              <a:rPr lang="en-US" sz="3600" dirty="0">
+                <a:solidFill>
+                  <a:schemeClr val="tx2"/>
+                </a:solidFill>
+                <a:latin typeface="Yanone Kaffeesatz Regular" panose="02000000000000000000" pitchFamily="2" charset="0"/>
+              </a:rPr>
+              <a:t>github.com/danielmarbach/</a:t>
+            </a:r>
+            <a:r>
+              <a:rPr lang="en-US" sz="5400" dirty="0">
+                <a:solidFill>
+                  <a:schemeClr val="accent4"/>
+                </a:solidFill>
+                <a:latin typeface="Yanone Kaffeesatz Regular" panose="02000000000000000000" pitchFamily="2" charset="0"/>
+              </a:rPr>
+              <a:t>service-fabric-webinar</a:t>
+            </a:r>
+            <a:endParaRPr lang="de-CH" sz="5400" dirty="0">
+              <a:solidFill>
+                <a:schemeClr val="accent4"/>
+              </a:solidFill>
+              <a:latin typeface="Yanone Kaffeesatz Regular" panose="02000000000000000000" pitchFamily="2" charset="0"/>
+            </a:endParaRPr>
+          </a:p>
+        </p:txBody>
+      </p:sp>
+      <p:sp>
+        <p:nvSpPr>
+          <p:cNvPr id="4" name="Rectangle 3"/>
+          <p:cNvSpPr/>
+          <p:nvPr/>
+        </p:nvSpPr>
+        <p:spPr>
+          <a:xfrm>
+            <a:off x="1064014" y="1124536"/>
+            <a:ext cx="6463629" cy="1862048"/>
+          </a:xfrm>
+          <a:prstGeom prst="rect">
+            <a:avLst/>
+          </a:prstGeom>
+        </p:spPr>
+        <p:txBody>
+          <a:bodyPr wrap="none">
+            <a:spAutoFit/>
+          </a:bodyPr>
+          <a:lstStyle/>
+          <a:p>
+            <a:r>
+              <a:rPr lang="en-US" sz="11500" dirty="0">
+                <a:solidFill>
+                  <a:schemeClr val="accent2"/>
+                </a:solidFill>
+                <a:latin typeface="Yanone Kaffeesatz Regular" panose="02000000000000000000" pitchFamily="2" charset="0"/>
+              </a:rPr>
+              <a:t>Slides, Links…</a:t>
+            </a:r>
+            <a:endParaRPr lang="de-CH" sz="1400" dirty="0"/>
+          </a:p>
+        </p:txBody>
+      </p:sp>
+    </p:spTree>
+    <p:extLst>
+      <p:ext uri="{BB962C8B-B14F-4D97-AF65-F5344CB8AC3E}">
+        <p14:creationId xmlns:p14="http://schemas.microsoft.com/office/powerpoint/2010/main" val="1581449120"/>
+      </p:ext>
+    </p:extLst>
+  </p:cSld>
+  <p:clrMapOvr>
+    <a:masterClrMapping/>
+  </p:clrMapOvr>
+</p:sld>
+</file>
+
+<file path=ppt/slides/slide24.xml><?xml version="1.0" encoding="utf-8"?>
+<p:sld xmlns:a="http://schemas.openxmlformats.org/drawingml/2006/main" xmlns:r="http://schemas.openxmlformats.org/officeDocument/2006/relationships" xmlns:p="http://schemas.openxmlformats.org/presentationml/2006/main">
+  <p:cSld>
+    <p:spTree>
+      <p:nvGrpSpPr>
+        <p:cNvPr id="1" name=""/>
+        <p:cNvGrpSpPr/>
+        <p:nvPr/>
+      </p:nvGrpSpPr>
+      <p:grpSpPr>
+        <a:xfrm>
+          <a:off x="0" y="0"/>
+          <a:ext cx="0" cy="0"/>
+          <a:chOff x="0" y="0"/>
+          <a:chExt cx="0" cy="0"/>
+        </a:xfrm>
+      </p:grpSpPr>
+      <p:sp>
+        <p:nvSpPr>
           <p:cNvPr id="4" name="Rectangle 3"/>
           <p:cNvSpPr/>
           <p:nvPr/>
@@ -15543,7 +15940,7 @@
 </p:sld>
 </file>
 
-<file path=ppt/slides/slide24.xml><?xml version="1.0" encoding="utf-8"?>
+<file path=ppt/slides/slide25.xml><?xml version="1.0" encoding="utf-8"?>
 <p:sld xmlns:a="http://schemas.openxmlformats.org/drawingml/2006/main" xmlns:r="http://schemas.openxmlformats.org/officeDocument/2006/relationships" xmlns:p="http://schemas.openxmlformats.org/presentationml/2006/main">
   <p:cSld>
     <p:spTree>
@@ -15836,7 +16233,7 @@
 </p:sld>
 </file>
 
-<file path=ppt/slides/slide25.xml><?xml version="1.0" encoding="utf-8"?>
+<file path=ppt/slides/slide26.xml><?xml version="1.0" encoding="utf-8"?>
 <p:sld xmlns:a="http://schemas.openxmlformats.org/drawingml/2006/main" xmlns:r="http://schemas.openxmlformats.org/officeDocument/2006/relationships" xmlns:p="http://schemas.openxmlformats.org/presentationml/2006/main">
   <p:cSld>
     <p:spTree>
@@ -15930,7 +16327,7 @@
 </p:sld>
 </file>
 
-<file path=ppt/slides/slide26.xml><?xml version="1.0" encoding="utf-8"?>
+<file path=ppt/slides/slide27.xml><?xml version="1.0" encoding="utf-8"?>
 <p:sld xmlns:a="http://schemas.openxmlformats.org/drawingml/2006/main" xmlns:r="http://schemas.openxmlformats.org/officeDocument/2006/relationships" xmlns:p="http://schemas.openxmlformats.org/presentationml/2006/main">
   <p:cSld>
     <p:spTree>
@@ -16105,7 +16502,7 @@
 </p:sld>
 </file>
 
-<file path=ppt/slides/slide27.xml><?xml version="1.0" encoding="utf-8"?>
+<file path=ppt/slides/slide28.xml><?xml version="1.0" encoding="utf-8"?>
 <p:sld xmlns:a="http://schemas.openxmlformats.org/drawingml/2006/main" xmlns:r="http://schemas.openxmlformats.org/officeDocument/2006/relationships" xmlns:p="http://schemas.openxmlformats.org/presentationml/2006/main">
   <p:cSld>
     <p:spTree>
@@ -17147,7 +17544,7 @@
         <p:spPr>
           <a:xfrm>
             <a:off x="8846457" y="3823305"/>
-            <a:ext cx="1040670" cy="461665"/>
+            <a:ext cx="1088760" cy="461665"/>
           </a:xfrm>
           <a:prstGeom prst="rect">
             <a:avLst/>
@@ -17161,13 +17558,13 @@
           <a:lstStyle/>
           <a:p>
             <a:r>
-              <a:rPr lang="en-US" sz="2400" dirty="0" err="1">
+              <a:rPr lang="en-US" sz="2400" dirty="0">
                 <a:solidFill>
                   <a:schemeClr val="accent3"/>
                 </a:solidFill>
                 <a:latin typeface="Yanone Kaffeesatz Regular" panose="02000000000000000000" pitchFamily="2" charset="0"/>
               </a:rPr>
-              <a:t>EntityFW</a:t>
+              <a:t>Entity FW</a:t>
             </a:r>
             <a:endParaRPr lang="de-CH" sz="2400" dirty="0">
               <a:solidFill>
@@ -19234,7 +19631,7 @@
                                 </p:cTn>
                               </p:par>
                               <p:par>
-                                <p:cTn id="29" presetID="1" presetClass="entr" presetSubtype="0" fill="hold" grpId="0" nodeType="withEffect">
+                                <p:cTn id="29" presetID="1" presetClass="exit" presetSubtype="0" fill="hold" grpId="1" nodeType="withEffect">
                                   <p:stCondLst>
                                     <p:cond delay="0"/>
                                   </p:stCondLst>
@@ -19247,39 +19644,48 @@
                                           </p:stCondLst>
                                         </p:cTn>
                                         <p:tgtEl>
-                                          <p:spTgt spid="55"/>
+                                          <p:spTgt spid="54"/>
                                         </p:tgtEl>
                                         <p:attrNameLst>
                                           <p:attrName>style.visibility</p:attrName>
                                         </p:attrNameLst>
                                       </p:cBhvr>
                                       <p:to>
-                                        <p:strVal val="visible"/>
+                                        <p:strVal val="hidden"/>
                                       </p:to>
                                     </p:set>
                                   </p:childTnLst>
                                 </p:cTn>
                               </p:par>
-                            </p:childTnLst>
-                          </p:cTn>
-                        </p:par>
-                      </p:childTnLst>
-                    </p:cTn>
-                  </p:par>
-                  <p:par>
-                    <p:cTn id="31" fill="hold">
-                      <p:stCondLst>
-                        <p:cond delay="indefinite"/>
-                      </p:stCondLst>
-                      <p:childTnLst>
-                        <p:par>
-                          <p:cTn id="32" fill="hold">
-                            <p:stCondLst>
-                              <p:cond delay="0"/>
-                            </p:stCondLst>
-                            <p:childTnLst>
                               <p:par>
-                                <p:cTn id="33" presetID="1" presetClass="entr" presetSubtype="0" fill="hold" nodeType="clickEffect">
+                                <p:cTn id="31" presetID="1" presetClass="exit" presetSubtype="0" fill="hold" grpId="1" nodeType="withEffect">
+                                  <p:stCondLst>
+                                    <p:cond delay="0"/>
+                                  </p:stCondLst>
+                                  <p:childTnLst>
+                                    <p:set>
+                                      <p:cBhvr>
+                                        <p:cTn id="32" dur="1" fill="hold">
+                                          <p:stCondLst>
+                                            <p:cond delay="0"/>
+                                          </p:stCondLst>
+                                        </p:cTn>
+                                        <p:tgtEl>
+                                          <p:spTgt spid="46"/>
+                                        </p:tgtEl>
+                                        <p:attrNameLst>
+                                          <p:attrName>style.visibility</p:attrName>
+                                        </p:attrNameLst>
+                                      </p:cBhvr>
+                                      <p:to>
+                                        <p:strVal val="hidden"/>
+                                      </p:to>
+                                    </p:set>
+                                  </p:childTnLst>
+                                </p:cTn>
+                              </p:par>
+                              <p:par>
+                                <p:cTn id="33" presetID="1" presetClass="entr" presetSubtype="0" fill="hold" grpId="0" nodeType="withEffect">
                                   <p:stCondLst>
                                     <p:cond delay="0"/>
                                   </p:stCondLst>
@@ -19292,7 +19698,7 @@
                                           </p:stCondLst>
                                         </p:cTn>
                                         <p:tgtEl>
-                                          <p:spTgt spid="47"/>
+                                          <p:spTgt spid="55"/>
                                         </p:tgtEl>
                                         <p:attrNameLst>
                                           <p:attrName>style.visibility</p:attrName>
@@ -19337,7 +19743,7 @@
                                           </p:stCondLst>
                                         </p:cTn>
                                         <p:tgtEl>
-                                          <p:spTgt spid="26"/>
+                                          <p:spTgt spid="47"/>
                                         </p:tgtEl>
                                         <p:attrNameLst>
                                           <p:attrName>style.visibility</p:attrName>
@@ -19382,7 +19788,7 @@
                                           </p:stCondLst>
                                         </p:cTn>
                                         <p:tgtEl>
-                                          <p:spTgt spid="29"/>
+                                          <p:spTgt spid="26"/>
                                         </p:tgtEl>
                                         <p:attrNameLst>
                                           <p:attrName>style.visibility</p:attrName>
@@ -19427,7 +19833,7 @@
                                           </p:stCondLst>
                                         </p:cTn>
                                         <p:tgtEl>
-                                          <p:spTgt spid="53"/>
+                                          <p:spTgt spid="29"/>
                                         </p:tgtEl>
                                         <p:attrNameLst>
                                           <p:attrName>style.visibility</p:attrName>
@@ -19472,7 +19878,7 @@
                                           </p:stCondLst>
                                         </p:cTn>
                                         <p:tgtEl>
-                                          <p:spTgt spid="11"/>
+                                          <p:spTgt spid="53"/>
                                         </p:tgtEl>
                                         <p:attrNameLst>
                                           <p:attrName>style.visibility</p:attrName>
@@ -19512,6 +19918,51 @@
                                     <p:set>
                                       <p:cBhvr>
                                         <p:cTn id="54" dur="1" fill="hold">
+                                          <p:stCondLst>
+                                            <p:cond delay="0"/>
+                                          </p:stCondLst>
+                                        </p:cTn>
+                                        <p:tgtEl>
+                                          <p:spTgt spid="11"/>
+                                        </p:tgtEl>
+                                        <p:attrNameLst>
+                                          <p:attrName>style.visibility</p:attrName>
+                                        </p:attrNameLst>
+                                      </p:cBhvr>
+                                      <p:to>
+                                        <p:strVal val="visible"/>
+                                      </p:to>
+                                    </p:set>
+                                  </p:childTnLst>
+                                </p:cTn>
+                              </p:par>
+                            </p:childTnLst>
+                          </p:cTn>
+                        </p:par>
+                      </p:childTnLst>
+                    </p:cTn>
+                  </p:par>
+                  <p:par>
+                    <p:cTn id="55" fill="hold">
+                      <p:stCondLst>
+                        <p:cond delay="indefinite"/>
+                      </p:stCondLst>
+                      <p:childTnLst>
+                        <p:par>
+                          <p:cTn id="56" fill="hold">
+                            <p:stCondLst>
+                              <p:cond delay="0"/>
+                            </p:stCondLst>
+                            <p:childTnLst>
+                              <p:par>
+                                <p:cTn id="57" presetID="1" presetClass="entr" presetSubtype="0" fill="hold" nodeType="clickEffect">
+                                  <p:stCondLst>
+                                    <p:cond delay="0"/>
+                                  </p:stCondLst>
+                                  <p:childTnLst>
+                                    <p:set>
+                                      <p:cBhvr>
+                                        <p:cTn id="58" dur="1" fill="hold">
                                           <p:stCondLst>
                                             <p:cond delay="0"/>
                                           </p:stCondLst>
@@ -19562,7 +20013,9 @@
       <p:bldP spid="43" grpId="0" animBg="1"/>
       <p:bldP spid="44" grpId="0" animBg="1"/>
       <p:bldP spid="46" grpId="0"/>
+      <p:bldP spid="46" grpId="1"/>
       <p:bldP spid="54" grpId="0"/>
+      <p:bldP spid="54" grpId="1"/>
       <p:bldP spid="55" grpId="0" animBg="1"/>
     </p:bldLst>
   </p:timing>

--- a/Slides.pptx
+++ b/Slides.pptx
@@ -228,7 +228,7 @@
           <a:p>
             <a:fld id="{8AAC1278-1473-493B-ACC6-443853387D40}" type="datetimeFigureOut">
               <a:rPr lang="en-US" smtClean="0"/>
-              <a:t>10/31/2017</a:t>
+              <a:t>11/2/2017</a:t>
             </a:fld>
             <a:endParaRPr lang="en-US"/>
           </a:p>
@@ -625,15 +625,6 @@
           <a:p>
             <a:r>
               <a:rPr lang="en-US" dirty="0"/>
-              <a:t>The domain of order processing is a good domain to apply messaging because every order can be answered with “thank you we will shortly process the order”</a:t>
-            </a:r>
-          </a:p>
-          <a:p>
-            <a:endParaRPr lang="en-US" dirty="0"/>
-          </a:p>
-          <a:p>
-            <a:r>
-              <a:rPr lang="en-US" dirty="0"/>
               <a:t>The stateless frontend tier and the </a:t>
             </a:r>
             <a:r>
@@ -642,7 +633,14 @@
             </a:r>
             <a:r>
               <a:rPr lang="en-US" dirty="0"/>
-              <a:t> middle tier with the compute remains the same. But between the stateless and the </a:t>
+              <a:t> middle tier with the compute remains the same. </a:t>
+            </a:r>
+            <a:br>
+              <a:rPr lang="en-US" dirty="0"/>
+            </a:br>
+            <a:r>
+              <a:rPr lang="en-US" dirty="0"/>
+              <a:t>But between the stateless and the </a:t>
             </a:r>
             <a:r>
               <a:rPr lang="en-US" dirty="0" err="1"/>
@@ -650,7 +648,33 @@
             </a:r>
             <a:r>
               <a:rPr lang="en-US" dirty="0"/>
-              <a:t> tier we should introduce some kind of broker middleware like Azure Service Bus, Azure Storage Queues or RabbitMQ for on-premises. The broker middleware will contain a queue for our chocolate orders. Of course not everything has to go through the queue. Only things like orders that need to be processed in order and potentially throttled. After all it is better to process orders a bit later than loosing them right? Orders like a swiss clock. With that we get</a:t>
+              <a:t> tier we should introduce some kind of broker middleware like Azure Service Bus, Azure Storage Queues or RabbitMQ for on-premises. The broker middleware will contain a queue for our chocolate orders. </a:t>
+            </a:r>
+            <a:br>
+              <a:rPr lang="en-US" dirty="0"/>
+            </a:br>
+            <a:r>
+              <a:rPr lang="en-US"/>
+              <a:t>Of </a:t>
+            </a:r>
+            <a:r>
+              <a:rPr lang="en-US" dirty="0"/>
+              <a:t>course not everything has to go through the queue</a:t>
+            </a:r>
+            <a:r>
+              <a:rPr lang="en-US"/>
+              <a:t>. </a:t>
+            </a:r>
+            <a:br>
+              <a:rPr lang="en-US"/>
+            </a:br>
+            <a:r>
+              <a:rPr lang="en-US"/>
+              <a:t>Only </a:t>
+            </a:r>
+            <a:r>
+              <a:rPr lang="en-US" dirty="0"/>
+              <a:t>things like orders that need to be processed in order and potentially throttled. After all it is better to process orders a bit later than loosing them right? Orders like a swiss clock. With that we get</a:t>
             </a:r>
           </a:p>
           <a:p>
@@ -1933,7 +1957,7 @@
           <a:p>
             <a:r>
               <a:rPr lang="en-US" baseline="0" dirty="0"/>
-              <a:t>The architect of the team watched a webinar with Matt Snider about Service Fabric and he felt it is the perfect fit for the new order management system</a:t>
+              <a:t>Karl, the ivory architect of the team watched a webinar with Matt Snider about Service Fabric and he felt it is the perfect fit for the new order management system</a:t>
             </a:r>
           </a:p>
           <a:p>
@@ -2766,7 +2790,7 @@
           <a:p>
             <a:r>
               <a:rPr lang="en-US" dirty="0"/>
-              <a:t>Of course Karl’s sales pitch went on and on and on, after all isn’t that what all architects do, talk, talk, talk and get nothing done? </a:t>
+              <a:t>Of course Karl’s sales pitch went on and on and on, after all isn’t that what all ivory architects do, talk, talk, talk and get nothing done? </a:t>
             </a:r>
           </a:p>
           <a:p>
@@ -3457,6 +3481,16 @@
             <a:r>
               <a:rPr lang="en-US" dirty="0"/>
               <a:t>So they started brainstorming an additional architecture approach and freed themselves from the ivory architect (just kidding)</a:t>
+            </a:r>
+            <a:br>
+              <a:rPr lang="en-US" dirty="0"/>
+            </a:br>
+            <a:br>
+              <a:rPr lang="en-US" dirty="0"/>
+            </a:br>
+            <a:r>
+              <a:rPr lang="en-US" dirty="0"/>
+              <a:t>The domain of order processing is a good domain to apply messaging because every order can be answered with “thank you we will shortly process the order”</a:t>
             </a:r>
             <a:endParaRPr lang="de-CH" dirty="0"/>
           </a:p>
@@ -3645,7 +3679,7 @@
           <a:p>
             <a:fld id="{AF502539-8799-4C51-9271-A94D674129BE}" type="datetimeFigureOut">
               <a:rPr lang="en-US" smtClean="0"/>
-              <a:t>10/31/2017</a:t>
+              <a:t>11/2/2017</a:t>
             </a:fld>
             <a:endParaRPr lang="en-US"/>
           </a:p>
@@ -3843,7 +3877,7 @@
           <a:p>
             <a:fld id="{AF502539-8799-4C51-9271-A94D674129BE}" type="datetimeFigureOut">
               <a:rPr lang="en-US" smtClean="0"/>
-              <a:t>10/31/2017</a:t>
+              <a:t>11/2/2017</a:t>
             </a:fld>
             <a:endParaRPr lang="en-US"/>
           </a:p>
@@ -4051,7 +4085,7 @@
           <a:p>
             <a:fld id="{AF502539-8799-4C51-9271-A94D674129BE}" type="datetimeFigureOut">
               <a:rPr lang="en-US" smtClean="0"/>
-              <a:t>10/31/2017</a:t>
+              <a:t>11/2/2017</a:t>
             </a:fld>
             <a:endParaRPr lang="en-US"/>
           </a:p>
@@ -4249,7 +4283,7 @@
           <a:p>
             <a:fld id="{AF502539-8799-4C51-9271-A94D674129BE}" type="datetimeFigureOut">
               <a:rPr lang="en-US" smtClean="0"/>
-              <a:t>10/31/2017</a:t>
+              <a:t>11/2/2017</a:t>
             </a:fld>
             <a:endParaRPr lang="en-US"/>
           </a:p>
@@ -4524,7 +4558,7 @@
           <a:p>
             <a:fld id="{AF502539-8799-4C51-9271-A94D674129BE}" type="datetimeFigureOut">
               <a:rPr lang="en-US" smtClean="0"/>
-              <a:t>10/31/2017</a:t>
+              <a:t>11/2/2017</a:t>
             </a:fld>
             <a:endParaRPr lang="en-US"/>
           </a:p>
@@ -4789,7 +4823,7 @@
           <a:p>
             <a:fld id="{AF502539-8799-4C51-9271-A94D674129BE}" type="datetimeFigureOut">
               <a:rPr lang="en-US" smtClean="0"/>
-              <a:t>10/31/2017</a:t>
+              <a:t>11/2/2017</a:t>
             </a:fld>
             <a:endParaRPr lang="en-US"/>
           </a:p>
@@ -5201,7 +5235,7 @@
           <a:p>
             <a:fld id="{AF502539-8799-4C51-9271-A94D674129BE}" type="datetimeFigureOut">
               <a:rPr lang="en-US" smtClean="0"/>
-              <a:t>10/31/2017</a:t>
+              <a:t>11/2/2017</a:t>
             </a:fld>
             <a:endParaRPr lang="en-US"/>
           </a:p>
@@ -5342,7 +5376,7 @@
           <a:p>
             <a:fld id="{AF502539-8799-4C51-9271-A94D674129BE}" type="datetimeFigureOut">
               <a:rPr lang="en-US" smtClean="0"/>
-              <a:t>10/31/2017</a:t>
+              <a:t>11/2/2017</a:t>
             </a:fld>
             <a:endParaRPr lang="en-US"/>
           </a:p>
@@ -5455,7 +5489,7 @@
           <a:p>
             <a:fld id="{AF502539-8799-4C51-9271-A94D674129BE}" type="datetimeFigureOut">
               <a:rPr lang="en-US" smtClean="0"/>
-              <a:t>10/31/2017</a:t>
+              <a:t>11/2/2017</a:t>
             </a:fld>
             <a:endParaRPr lang="en-US"/>
           </a:p>
@@ -5766,7 +5800,7 @@
           <a:p>
             <a:fld id="{AF502539-8799-4C51-9271-A94D674129BE}" type="datetimeFigureOut">
               <a:rPr lang="en-US" smtClean="0"/>
-              <a:t>10/31/2017</a:t>
+              <a:t>11/2/2017</a:t>
             </a:fld>
             <a:endParaRPr lang="en-US"/>
           </a:p>
@@ -6054,7 +6088,7 @@
           <a:p>
             <a:fld id="{AF502539-8799-4C51-9271-A94D674129BE}" type="datetimeFigureOut">
               <a:rPr lang="en-US" smtClean="0"/>
-              <a:t>10/31/2017</a:t>
+              <a:t>11/2/2017</a:t>
             </a:fld>
             <a:endParaRPr lang="en-US"/>
           </a:p>
@@ -6295,7 +6329,7 @@
           <a:p>
             <a:fld id="{AF502539-8799-4C51-9271-A94D674129BE}" type="datetimeFigureOut">
               <a:rPr lang="en-US" smtClean="0"/>
-              <a:t>10/31/2017</a:t>
+              <a:t>11/2/2017</a:t>
             </a:fld>
             <a:endParaRPr lang="en-US"/>
           </a:p>
